--- a/FST17_M4_PosterHoch_T04.pptx
+++ b/FST17_M4_PosterHoch_T04.pptx
@@ -130,6 +130,3786 @@
 <p1510:revInfo xmlns:a="http://schemas.openxmlformats.org/drawingml/2006/main" xmlns:r="http://schemas.openxmlformats.org/officeDocument/2006/relationships" xmlns:p1510="http://schemas.microsoft.com/office/powerpoint/2015/10/main"/>
 </file>
 
+<file path=ppt/diagrams/colors1.xml><?xml version="1.0" encoding="utf-8"?>
+<dgm:colorsDef xmlns:dgm="http://schemas.openxmlformats.org/drawingml/2006/diagram" xmlns:a="http://schemas.openxmlformats.org/drawingml/2006/main" uniqueId="urn:microsoft.com/office/officeart/2005/8/colors/accent6_2">
+  <dgm:title val=""/>
+  <dgm:desc val=""/>
+  <dgm:catLst>
+    <dgm:cat type="accent6" pri="11200"/>
+  </dgm:catLst>
+  <dgm:styleLbl name="node0">
+    <dgm:fillClrLst meth="repeat">
+      <a:schemeClr val="accent6"/>
+    </dgm:fillClrLst>
+    <dgm:linClrLst meth="repeat">
+      <a:schemeClr val="lt1"/>
+    </dgm:linClrLst>
+    <dgm:effectClrLst/>
+    <dgm:txLinClrLst/>
+    <dgm:txFillClrLst/>
+    <dgm:txEffectClrLst/>
+  </dgm:styleLbl>
+  <dgm:styleLbl name="node1">
+    <dgm:fillClrLst meth="repeat">
+      <a:schemeClr val="accent6"/>
+    </dgm:fillClrLst>
+    <dgm:linClrLst meth="repeat">
+      <a:schemeClr val="lt1"/>
+    </dgm:linClrLst>
+    <dgm:effectClrLst/>
+    <dgm:txLinClrLst/>
+    <dgm:txFillClrLst/>
+    <dgm:txEffectClrLst/>
+  </dgm:styleLbl>
+  <dgm:styleLbl name="alignNode1">
+    <dgm:fillClrLst meth="repeat">
+      <a:schemeClr val="accent6"/>
+    </dgm:fillClrLst>
+    <dgm:linClrLst meth="repeat">
+      <a:schemeClr val="accent6"/>
+    </dgm:linClrLst>
+    <dgm:effectClrLst/>
+    <dgm:txLinClrLst/>
+    <dgm:txFillClrLst/>
+    <dgm:txEffectClrLst/>
+  </dgm:styleLbl>
+  <dgm:styleLbl name="lnNode1">
+    <dgm:fillClrLst meth="repeat">
+      <a:schemeClr val="accent6"/>
+    </dgm:fillClrLst>
+    <dgm:linClrLst meth="repeat">
+      <a:schemeClr val="lt1"/>
+    </dgm:linClrLst>
+    <dgm:effectClrLst/>
+    <dgm:txLinClrLst/>
+    <dgm:txFillClrLst/>
+    <dgm:txEffectClrLst/>
+  </dgm:styleLbl>
+  <dgm:styleLbl name="vennNode1">
+    <dgm:fillClrLst meth="repeat">
+      <a:schemeClr val="accent6">
+        <a:alpha val="50000"/>
+      </a:schemeClr>
+    </dgm:fillClrLst>
+    <dgm:linClrLst meth="repeat">
+      <a:schemeClr val="lt1"/>
+    </dgm:linClrLst>
+    <dgm:effectClrLst/>
+    <dgm:txLinClrLst/>
+    <dgm:txFillClrLst/>
+    <dgm:txEffectClrLst/>
+  </dgm:styleLbl>
+  <dgm:styleLbl name="node2">
+    <dgm:fillClrLst meth="repeat">
+      <a:schemeClr val="accent6"/>
+    </dgm:fillClrLst>
+    <dgm:linClrLst meth="repeat">
+      <a:schemeClr val="lt1"/>
+    </dgm:linClrLst>
+    <dgm:effectClrLst/>
+    <dgm:txLinClrLst/>
+    <dgm:txFillClrLst/>
+    <dgm:txEffectClrLst/>
+  </dgm:styleLbl>
+  <dgm:styleLbl name="node3">
+    <dgm:fillClrLst meth="repeat">
+      <a:schemeClr val="accent6"/>
+    </dgm:fillClrLst>
+    <dgm:linClrLst meth="repeat">
+      <a:schemeClr val="lt1"/>
+    </dgm:linClrLst>
+    <dgm:effectClrLst/>
+    <dgm:txLinClrLst/>
+    <dgm:txFillClrLst/>
+    <dgm:txEffectClrLst/>
+  </dgm:styleLbl>
+  <dgm:styleLbl name="node4">
+    <dgm:fillClrLst meth="repeat">
+      <a:schemeClr val="accent6"/>
+    </dgm:fillClrLst>
+    <dgm:linClrLst meth="repeat">
+      <a:schemeClr val="lt1"/>
+    </dgm:linClrLst>
+    <dgm:effectClrLst/>
+    <dgm:txLinClrLst/>
+    <dgm:txFillClrLst/>
+    <dgm:txEffectClrLst/>
+  </dgm:styleLbl>
+  <dgm:styleLbl name="fgImgPlace1">
+    <dgm:fillClrLst meth="repeat">
+      <a:schemeClr val="accent6">
+        <a:tint val="50000"/>
+      </a:schemeClr>
+    </dgm:fillClrLst>
+    <dgm:linClrLst meth="repeat">
+      <a:schemeClr val="lt1"/>
+    </dgm:linClrLst>
+    <dgm:effectClrLst/>
+    <dgm:txLinClrLst/>
+    <dgm:txFillClrLst meth="repeat">
+      <a:schemeClr val="lt1"/>
+    </dgm:txFillClrLst>
+    <dgm:txEffectClrLst/>
+  </dgm:styleLbl>
+  <dgm:styleLbl name="alignImgPlace1">
+    <dgm:fillClrLst meth="repeat">
+      <a:schemeClr val="accent6">
+        <a:tint val="50000"/>
+      </a:schemeClr>
+    </dgm:fillClrLst>
+    <dgm:linClrLst meth="repeat">
+      <a:schemeClr val="lt1"/>
+    </dgm:linClrLst>
+    <dgm:effectClrLst/>
+    <dgm:txLinClrLst/>
+    <dgm:txFillClrLst meth="repeat">
+      <a:schemeClr val="lt1"/>
+    </dgm:txFillClrLst>
+    <dgm:txEffectClrLst/>
+  </dgm:styleLbl>
+  <dgm:styleLbl name="bgImgPlace1">
+    <dgm:fillClrLst meth="repeat">
+      <a:schemeClr val="accent6">
+        <a:tint val="50000"/>
+      </a:schemeClr>
+    </dgm:fillClrLst>
+    <dgm:linClrLst meth="repeat">
+      <a:schemeClr val="lt1"/>
+    </dgm:linClrLst>
+    <dgm:effectClrLst/>
+    <dgm:txLinClrLst/>
+    <dgm:txFillClrLst meth="repeat">
+      <a:schemeClr val="lt1"/>
+    </dgm:txFillClrLst>
+    <dgm:txEffectClrLst/>
+  </dgm:styleLbl>
+  <dgm:styleLbl name="sibTrans2D1">
+    <dgm:fillClrLst meth="repeat">
+      <a:schemeClr val="accent6">
+        <a:tint val="60000"/>
+      </a:schemeClr>
+    </dgm:fillClrLst>
+    <dgm:linClrLst meth="repeat">
+      <a:schemeClr val="accent6">
+        <a:tint val="60000"/>
+      </a:schemeClr>
+    </dgm:linClrLst>
+    <dgm:effectClrLst/>
+    <dgm:txLinClrLst/>
+    <dgm:txFillClrLst/>
+    <dgm:txEffectClrLst/>
+  </dgm:styleLbl>
+  <dgm:styleLbl name="fgSibTrans2D1">
+    <dgm:fillClrLst meth="repeat">
+      <a:schemeClr val="accent6">
+        <a:tint val="60000"/>
+      </a:schemeClr>
+    </dgm:fillClrLst>
+    <dgm:linClrLst meth="repeat">
+      <a:schemeClr val="accent6">
+        <a:tint val="60000"/>
+      </a:schemeClr>
+    </dgm:linClrLst>
+    <dgm:effectClrLst/>
+    <dgm:txLinClrLst/>
+    <dgm:txFillClrLst/>
+    <dgm:txEffectClrLst/>
+  </dgm:styleLbl>
+  <dgm:styleLbl name="bgSibTrans2D1">
+    <dgm:fillClrLst meth="repeat">
+      <a:schemeClr val="accent6">
+        <a:tint val="60000"/>
+      </a:schemeClr>
+    </dgm:fillClrLst>
+    <dgm:linClrLst meth="repeat">
+      <a:schemeClr val="accent6">
+        <a:tint val="60000"/>
+      </a:schemeClr>
+    </dgm:linClrLst>
+    <dgm:effectClrLst/>
+    <dgm:txLinClrLst/>
+    <dgm:txFillClrLst/>
+    <dgm:txEffectClrLst/>
+  </dgm:styleLbl>
+  <dgm:styleLbl name="sibTrans1D1">
+    <dgm:fillClrLst meth="repeat">
+      <a:schemeClr val="accent6"/>
+    </dgm:fillClrLst>
+    <dgm:linClrLst meth="repeat">
+      <a:schemeClr val="accent6"/>
+    </dgm:linClrLst>
+    <dgm:effectClrLst/>
+    <dgm:txLinClrLst/>
+    <dgm:txFillClrLst meth="repeat">
+      <a:schemeClr val="tx1"/>
+    </dgm:txFillClrLst>
+    <dgm:txEffectClrLst/>
+  </dgm:styleLbl>
+  <dgm:styleLbl name="callout">
+    <dgm:fillClrLst meth="repeat">
+      <a:schemeClr val="accent6"/>
+    </dgm:fillClrLst>
+    <dgm:linClrLst meth="repeat">
+      <a:schemeClr val="accent6">
+        <a:tint val="50000"/>
+      </a:schemeClr>
+    </dgm:linClrLst>
+    <dgm:effectClrLst/>
+    <dgm:txLinClrLst/>
+    <dgm:txFillClrLst meth="repeat">
+      <a:schemeClr val="tx1"/>
+    </dgm:txFillClrLst>
+    <dgm:txEffectClrLst/>
+  </dgm:styleLbl>
+  <dgm:styleLbl name="asst0">
+    <dgm:fillClrLst meth="repeat">
+      <a:schemeClr val="accent6"/>
+    </dgm:fillClrLst>
+    <dgm:linClrLst meth="repeat">
+      <a:schemeClr val="lt1"/>
+    </dgm:linClrLst>
+    <dgm:effectClrLst/>
+    <dgm:txLinClrLst/>
+    <dgm:txFillClrLst/>
+    <dgm:txEffectClrLst/>
+  </dgm:styleLbl>
+  <dgm:styleLbl name="asst1">
+    <dgm:fillClrLst meth="repeat">
+      <a:schemeClr val="accent6"/>
+    </dgm:fillClrLst>
+    <dgm:linClrLst meth="repeat">
+      <a:schemeClr val="lt1"/>
+    </dgm:linClrLst>
+    <dgm:effectClrLst/>
+    <dgm:txLinClrLst/>
+    <dgm:txFillClrLst/>
+    <dgm:txEffectClrLst/>
+  </dgm:styleLbl>
+  <dgm:styleLbl name="asst2">
+    <dgm:fillClrLst meth="repeat">
+      <a:schemeClr val="accent6"/>
+    </dgm:fillClrLst>
+    <dgm:linClrLst meth="repeat">
+      <a:schemeClr val="lt1"/>
+    </dgm:linClrLst>
+    <dgm:effectClrLst/>
+    <dgm:txLinClrLst/>
+    <dgm:txFillClrLst/>
+    <dgm:txEffectClrLst/>
+  </dgm:styleLbl>
+  <dgm:styleLbl name="asst3">
+    <dgm:fillClrLst meth="repeat">
+      <a:schemeClr val="accent6"/>
+    </dgm:fillClrLst>
+    <dgm:linClrLst meth="repeat">
+      <a:schemeClr val="lt1"/>
+    </dgm:linClrLst>
+    <dgm:effectClrLst/>
+    <dgm:txLinClrLst/>
+    <dgm:txFillClrLst/>
+    <dgm:txEffectClrLst/>
+  </dgm:styleLbl>
+  <dgm:styleLbl name="asst4">
+    <dgm:fillClrLst meth="repeat">
+      <a:schemeClr val="accent6"/>
+    </dgm:fillClrLst>
+    <dgm:linClrLst meth="repeat">
+      <a:schemeClr val="lt1"/>
+    </dgm:linClrLst>
+    <dgm:effectClrLst/>
+    <dgm:txLinClrLst/>
+    <dgm:txFillClrLst/>
+    <dgm:txEffectClrLst/>
+  </dgm:styleLbl>
+  <dgm:styleLbl name="parChTrans2D1">
+    <dgm:fillClrLst meth="repeat">
+      <a:schemeClr val="accent6">
+        <a:tint val="60000"/>
+      </a:schemeClr>
+    </dgm:fillClrLst>
+    <dgm:linClrLst meth="repeat">
+      <a:schemeClr val="accent6">
+        <a:tint val="60000"/>
+      </a:schemeClr>
+    </dgm:linClrLst>
+    <dgm:effectClrLst/>
+    <dgm:txLinClrLst/>
+    <dgm:txFillClrLst meth="repeat">
+      <a:schemeClr val="lt1"/>
+    </dgm:txFillClrLst>
+    <dgm:txEffectClrLst/>
+  </dgm:styleLbl>
+  <dgm:styleLbl name="parChTrans2D2">
+    <dgm:fillClrLst meth="repeat">
+      <a:schemeClr val="accent6"/>
+    </dgm:fillClrLst>
+    <dgm:linClrLst meth="repeat">
+      <a:schemeClr val="accent6"/>
+    </dgm:linClrLst>
+    <dgm:effectClrLst/>
+    <dgm:txLinClrLst/>
+    <dgm:txFillClrLst meth="repeat">
+      <a:schemeClr val="lt1"/>
+    </dgm:txFillClrLst>
+    <dgm:txEffectClrLst/>
+  </dgm:styleLbl>
+  <dgm:styleLbl name="parChTrans2D3">
+    <dgm:fillClrLst meth="repeat">
+      <a:schemeClr val="accent6"/>
+    </dgm:fillClrLst>
+    <dgm:linClrLst meth="repeat">
+      <a:schemeClr val="accent6"/>
+    </dgm:linClrLst>
+    <dgm:effectClrLst/>
+    <dgm:txLinClrLst/>
+    <dgm:txFillClrLst meth="repeat">
+      <a:schemeClr val="lt1"/>
+    </dgm:txFillClrLst>
+    <dgm:txEffectClrLst/>
+  </dgm:styleLbl>
+  <dgm:styleLbl name="parChTrans2D4">
+    <dgm:fillClrLst meth="repeat">
+      <a:schemeClr val="accent6"/>
+    </dgm:fillClrLst>
+    <dgm:linClrLst meth="repeat">
+      <a:schemeClr val="accent6"/>
+    </dgm:linClrLst>
+    <dgm:effectClrLst/>
+    <dgm:txLinClrLst/>
+    <dgm:txFillClrLst meth="repeat">
+      <a:schemeClr val="lt1"/>
+    </dgm:txFillClrLst>
+    <dgm:txEffectClrLst/>
+  </dgm:styleLbl>
+  <dgm:styleLbl name="parChTrans1D1">
+    <dgm:fillClrLst meth="repeat">
+      <a:schemeClr val="accent6"/>
+    </dgm:fillClrLst>
+    <dgm:linClrLst meth="repeat">
+      <a:schemeClr val="accent6">
+        <a:shade val="60000"/>
+      </a:schemeClr>
+    </dgm:linClrLst>
+    <dgm:effectClrLst/>
+    <dgm:txLinClrLst/>
+    <dgm:txFillClrLst meth="repeat">
+      <a:schemeClr val="tx1"/>
+    </dgm:txFillClrLst>
+    <dgm:txEffectClrLst/>
+  </dgm:styleLbl>
+  <dgm:styleLbl name="parChTrans1D2">
+    <dgm:fillClrLst meth="repeat">
+      <a:schemeClr val="accent6"/>
+    </dgm:fillClrLst>
+    <dgm:linClrLst meth="repeat">
+      <a:schemeClr val="accent6">
+        <a:shade val="60000"/>
+      </a:schemeClr>
+    </dgm:linClrLst>
+    <dgm:effectClrLst/>
+    <dgm:txLinClrLst/>
+    <dgm:txFillClrLst meth="repeat">
+      <a:schemeClr val="tx1"/>
+    </dgm:txFillClrLst>
+    <dgm:txEffectClrLst/>
+  </dgm:styleLbl>
+  <dgm:styleLbl name="parChTrans1D3">
+    <dgm:fillClrLst meth="repeat">
+      <a:schemeClr val="accent6"/>
+    </dgm:fillClrLst>
+    <dgm:linClrLst meth="repeat">
+      <a:schemeClr val="accent6">
+        <a:shade val="80000"/>
+      </a:schemeClr>
+    </dgm:linClrLst>
+    <dgm:effectClrLst/>
+    <dgm:txLinClrLst/>
+    <dgm:txFillClrLst meth="repeat">
+      <a:schemeClr val="tx1"/>
+    </dgm:txFillClrLst>
+    <dgm:txEffectClrLst/>
+  </dgm:styleLbl>
+  <dgm:styleLbl name="parChTrans1D4">
+    <dgm:fillClrLst meth="repeat">
+      <a:schemeClr val="accent6"/>
+    </dgm:fillClrLst>
+    <dgm:linClrLst meth="repeat">
+      <a:schemeClr val="accent6">
+        <a:shade val="80000"/>
+      </a:schemeClr>
+    </dgm:linClrLst>
+    <dgm:effectClrLst/>
+    <dgm:txLinClrLst/>
+    <dgm:txFillClrLst meth="repeat">
+      <a:schemeClr val="tx1"/>
+    </dgm:txFillClrLst>
+    <dgm:txEffectClrLst/>
+  </dgm:styleLbl>
+  <dgm:styleLbl name="fgAcc1">
+    <dgm:fillClrLst meth="repeat">
+      <a:schemeClr val="lt1">
+        <a:alpha val="90000"/>
+      </a:schemeClr>
+    </dgm:fillClrLst>
+    <dgm:linClrLst meth="repeat">
+      <a:schemeClr val="accent6"/>
+    </dgm:linClrLst>
+    <dgm:effectClrLst/>
+    <dgm:txLinClrLst/>
+    <dgm:txFillClrLst meth="repeat">
+      <a:schemeClr val="dk1"/>
+    </dgm:txFillClrLst>
+    <dgm:txEffectClrLst/>
+  </dgm:styleLbl>
+  <dgm:styleLbl name="conFgAcc1">
+    <dgm:fillClrLst meth="repeat">
+      <a:schemeClr val="lt1">
+        <a:alpha val="90000"/>
+      </a:schemeClr>
+    </dgm:fillClrLst>
+    <dgm:linClrLst meth="repeat">
+      <a:schemeClr val="accent6"/>
+    </dgm:linClrLst>
+    <dgm:effectClrLst/>
+    <dgm:txLinClrLst/>
+    <dgm:txFillClrLst meth="repeat">
+      <a:schemeClr val="dk1"/>
+    </dgm:txFillClrLst>
+    <dgm:txEffectClrLst/>
+  </dgm:styleLbl>
+  <dgm:styleLbl name="alignAcc1">
+    <dgm:fillClrLst meth="repeat">
+      <a:schemeClr val="lt1">
+        <a:alpha val="90000"/>
+      </a:schemeClr>
+    </dgm:fillClrLst>
+    <dgm:linClrLst meth="repeat">
+      <a:schemeClr val="accent6"/>
+    </dgm:linClrLst>
+    <dgm:effectClrLst/>
+    <dgm:txLinClrLst/>
+    <dgm:txFillClrLst meth="repeat">
+      <a:schemeClr val="dk1"/>
+    </dgm:txFillClrLst>
+    <dgm:txEffectClrLst/>
+  </dgm:styleLbl>
+  <dgm:styleLbl name="trAlignAcc1">
+    <dgm:fillClrLst meth="repeat">
+      <a:schemeClr val="lt1">
+        <a:alpha val="40000"/>
+      </a:schemeClr>
+    </dgm:fillClrLst>
+    <dgm:linClrLst meth="repeat">
+      <a:schemeClr val="accent6"/>
+    </dgm:linClrLst>
+    <dgm:effectClrLst/>
+    <dgm:txLinClrLst/>
+    <dgm:txFillClrLst meth="repeat">
+      <a:schemeClr val="dk1"/>
+    </dgm:txFillClrLst>
+    <dgm:txEffectClrLst/>
+  </dgm:styleLbl>
+  <dgm:styleLbl name="bgAcc1">
+    <dgm:fillClrLst meth="repeat">
+      <a:schemeClr val="lt1">
+        <a:alpha val="90000"/>
+      </a:schemeClr>
+    </dgm:fillClrLst>
+    <dgm:linClrLst meth="repeat">
+      <a:schemeClr val="accent6"/>
+    </dgm:linClrLst>
+    <dgm:effectClrLst/>
+    <dgm:txLinClrLst/>
+    <dgm:txFillClrLst meth="repeat">
+      <a:schemeClr val="dk1"/>
+    </dgm:txFillClrLst>
+    <dgm:txEffectClrLst/>
+  </dgm:styleLbl>
+  <dgm:styleLbl name="solidFgAcc1">
+    <dgm:fillClrLst meth="repeat">
+      <a:schemeClr val="lt1"/>
+    </dgm:fillClrLst>
+    <dgm:linClrLst meth="repeat">
+      <a:schemeClr val="accent6"/>
+    </dgm:linClrLst>
+    <dgm:effectClrLst/>
+    <dgm:txLinClrLst/>
+    <dgm:txFillClrLst meth="repeat">
+      <a:schemeClr val="dk1"/>
+    </dgm:txFillClrLst>
+    <dgm:txEffectClrLst/>
+  </dgm:styleLbl>
+  <dgm:styleLbl name="solidAlignAcc1">
+    <dgm:fillClrLst meth="repeat">
+      <a:schemeClr val="lt1"/>
+    </dgm:fillClrLst>
+    <dgm:linClrLst meth="repeat">
+      <a:schemeClr val="accent6"/>
+    </dgm:linClrLst>
+    <dgm:effectClrLst/>
+    <dgm:txLinClrLst/>
+    <dgm:txFillClrLst meth="repeat">
+      <a:schemeClr val="dk1"/>
+    </dgm:txFillClrLst>
+    <dgm:txEffectClrLst/>
+  </dgm:styleLbl>
+  <dgm:styleLbl name="solidBgAcc1">
+    <dgm:fillClrLst meth="repeat">
+      <a:schemeClr val="lt1"/>
+    </dgm:fillClrLst>
+    <dgm:linClrLst meth="repeat">
+      <a:schemeClr val="accent6"/>
+    </dgm:linClrLst>
+    <dgm:effectClrLst/>
+    <dgm:txLinClrLst/>
+    <dgm:txFillClrLst meth="repeat">
+      <a:schemeClr val="dk1"/>
+    </dgm:txFillClrLst>
+    <dgm:txEffectClrLst/>
+  </dgm:styleLbl>
+  <dgm:styleLbl name="fgAccFollowNode1">
+    <dgm:fillClrLst meth="repeat">
+      <a:schemeClr val="accent6">
+        <a:alpha val="90000"/>
+        <a:tint val="40000"/>
+      </a:schemeClr>
+    </dgm:fillClrLst>
+    <dgm:linClrLst meth="repeat">
+      <a:schemeClr val="accent6">
+        <a:alpha val="90000"/>
+        <a:tint val="40000"/>
+      </a:schemeClr>
+    </dgm:linClrLst>
+    <dgm:effectClrLst/>
+    <dgm:txLinClrLst/>
+    <dgm:txFillClrLst meth="repeat">
+      <a:schemeClr val="dk1"/>
+    </dgm:txFillClrLst>
+    <dgm:txEffectClrLst/>
+  </dgm:styleLbl>
+  <dgm:styleLbl name="alignAccFollowNode1">
+    <dgm:fillClrLst meth="repeat">
+      <a:schemeClr val="accent6">
+        <a:alpha val="90000"/>
+        <a:tint val="40000"/>
+      </a:schemeClr>
+    </dgm:fillClrLst>
+    <dgm:linClrLst meth="repeat">
+      <a:schemeClr val="accent6">
+        <a:alpha val="90000"/>
+        <a:tint val="40000"/>
+      </a:schemeClr>
+    </dgm:linClrLst>
+    <dgm:effectClrLst/>
+    <dgm:txLinClrLst/>
+    <dgm:txFillClrLst meth="repeat">
+      <a:schemeClr val="dk1"/>
+    </dgm:txFillClrLst>
+    <dgm:txEffectClrLst/>
+  </dgm:styleLbl>
+  <dgm:styleLbl name="bgAccFollowNode1">
+    <dgm:fillClrLst meth="repeat">
+      <a:schemeClr val="accent6">
+        <a:alpha val="90000"/>
+        <a:tint val="40000"/>
+      </a:schemeClr>
+    </dgm:fillClrLst>
+    <dgm:linClrLst meth="repeat">
+      <a:schemeClr val="accent6">
+        <a:alpha val="90000"/>
+        <a:tint val="40000"/>
+      </a:schemeClr>
+    </dgm:linClrLst>
+    <dgm:effectClrLst/>
+    <dgm:txLinClrLst/>
+    <dgm:txFillClrLst meth="repeat">
+      <a:schemeClr val="dk1"/>
+    </dgm:txFillClrLst>
+    <dgm:txEffectClrLst/>
+  </dgm:styleLbl>
+  <dgm:styleLbl name="fgAcc0">
+    <dgm:fillClrLst meth="repeat">
+      <a:schemeClr val="lt1">
+        <a:alpha val="90000"/>
+      </a:schemeClr>
+    </dgm:fillClrLst>
+    <dgm:linClrLst meth="repeat">
+      <a:schemeClr val="accent6"/>
+    </dgm:linClrLst>
+    <dgm:effectClrLst/>
+    <dgm:txLinClrLst/>
+    <dgm:txFillClrLst meth="repeat">
+      <a:schemeClr val="dk1"/>
+    </dgm:txFillClrLst>
+    <dgm:txEffectClrLst/>
+  </dgm:styleLbl>
+  <dgm:styleLbl name="fgAcc2">
+    <dgm:fillClrLst meth="repeat">
+      <a:schemeClr val="lt1">
+        <a:alpha val="90000"/>
+      </a:schemeClr>
+    </dgm:fillClrLst>
+    <dgm:linClrLst meth="repeat">
+      <a:schemeClr val="accent6"/>
+    </dgm:linClrLst>
+    <dgm:effectClrLst/>
+    <dgm:txLinClrLst/>
+    <dgm:txFillClrLst meth="repeat">
+      <a:schemeClr val="dk1"/>
+    </dgm:txFillClrLst>
+    <dgm:txEffectClrLst/>
+  </dgm:styleLbl>
+  <dgm:styleLbl name="fgAcc3">
+    <dgm:fillClrLst meth="repeat">
+      <a:schemeClr val="lt1">
+        <a:alpha val="90000"/>
+      </a:schemeClr>
+    </dgm:fillClrLst>
+    <dgm:linClrLst meth="repeat">
+      <a:schemeClr val="accent6"/>
+    </dgm:linClrLst>
+    <dgm:effectClrLst/>
+    <dgm:txLinClrLst/>
+    <dgm:txFillClrLst meth="repeat">
+      <a:schemeClr val="dk1"/>
+    </dgm:txFillClrLst>
+    <dgm:txEffectClrLst/>
+  </dgm:styleLbl>
+  <dgm:styleLbl name="fgAcc4">
+    <dgm:fillClrLst meth="repeat">
+      <a:schemeClr val="lt1">
+        <a:alpha val="90000"/>
+      </a:schemeClr>
+    </dgm:fillClrLst>
+    <dgm:linClrLst meth="repeat">
+      <a:schemeClr val="accent6"/>
+    </dgm:linClrLst>
+    <dgm:effectClrLst/>
+    <dgm:txLinClrLst/>
+    <dgm:txFillClrLst meth="repeat">
+      <a:schemeClr val="dk1"/>
+    </dgm:txFillClrLst>
+    <dgm:txEffectClrLst/>
+  </dgm:styleLbl>
+  <dgm:styleLbl name="bgShp">
+    <dgm:fillClrLst meth="repeat">
+      <a:schemeClr val="accent6">
+        <a:tint val="40000"/>
+      </a:schemeClr>
+    </dgm:fillClrLst>
+    <dgm:linClrLst meth="repeat">
+      <a:schemeClr val="accent6"/>
+    </dgm:linClrLst>
+    <dgm:effectClrLst/>
+    <dgm:txLinClrLst/>
+    <dgm:txFillClrLst meth="repeat">
+      <a:schemeClr val="dk1"/>
+    </dgm:txFillClrLst>
+    <dgm:txEffectClrLst/>
+  </dgm:styleLbl>
+  <dgm:styleLbl name="dkBgShp">
+    <dgm:fillClrLst meth="repeat">
+      <a:schemeClr val="accent6">
+        <a:shade val="80000"/>
+      </a:schemeClr>
+    </dgm:fillClrLst>
+    <dgm:linClrLst meth="repeat">
+      <a:schemeClr val="accent6"/>
+    </dgm:linClrLst>
+    <dgm:effectClrLst/>
+    <dgm:txLinClrLst/>
+    <dgm:txFillClrLst meth="repeat">
+      <a:schemeClr val="lt1"/>
+    </dgm:txFillClrLst>
+    <dgm:txEffectClrLst/>
+  </dgm:styleLbl>
+  <dgm:styleLbl name="trBgShp">
+    <dgm:fillClrLst meth="repeat">
+      <a:schemeClr val="accent6">
+        <a:tint val="50000"/>
+        <a:alpha val="40000"/>
+      </a:schemeClr>
+    </dgm:fillClrLst>
+    <dgm:linClrLst meth="repeat">
+      <a:schemeClr val="accent6"/>
+    </dgm:linClrLst>
+    <dgm:effectClrLst/>
+    <dgm:txLinClrLst/>
+    <dgm:txFillClrLst meth="repeat">
+      <a:schemeClr val="lt1"/>
+    </dgm:txFillClrLst>
+    <dgm:txEffectClrLst/>
+  </dgm:styleLbl>
+  <dgm:styleLbl name="fgShp">
+    <dgm:fillClrLst meth="repeat">
+      <a:schemeClr val="accent6">
+        <a:tint val="60000"/>
+      </a:schemeClr>
+    </dgm:fillClrLst>
+    <dgm:linClrLst meth="repeat">
+      <a:schemeClr val="lt1"/>
+    </dgm:linClrLst>
+    <dgm:effectClrLst/>
+    <dgm:txLinClrLst/>
+    <dgm:txFillClrLst meth="repeat">
+      <a:schemeClr val="dk1"/>
+    </dgm:txFillClrLst>
+    <dgm:txEffectClrLst/>
+  </dgm:styleLbl>
+  <dgm:styleLbl name="revTx">
+    <dgm:fillClrLst meth="repeat">
+      <a:schemeClr val="lt1">
+        <a:alpha val="0"/>
+      </a:schemeClr>
+    </dgm:fillClrLst>
+    <dgm:linClrLst meth="repeat">
+      <a:schemeClr val="dk1">
+        <a:alpha val="0"/>
+      </a:schemeClr>
+    </dgm:linClrLst>
+    <dgm:effectClrLst/>
+    <dgm:txLinClrLst/>
+    <dgm:txFillClrLst meth="repeat">
+      <a:schemeClr val="tx1"/>
+    </dgm:txFillClrLst>
+    <dgm:txEffectClrLst/>
+  </dgm:styleLbl>
+</dgm:colorsDef>
+</file>
+
+<file path=ppt/diagrams/data1.xml><?xml version="1.0" encoding="utf-8"?>
+<dgm:dataModel xmlns:dgm="http://schemas.openxmlformats.org/drawingml/2006/diagram" xmlns:a="http://schemas.openxmlformats.org/drawingml/2006/main">
+  <dgm:ptLst>
+    <dgm:pt modelId="{E4B6599F-9E79-43DE-BF87-FDFF6EF92985}" type="doc">
+      <dgm:prSet loTypeId="urn:microsoft.com/office/officeart/2005/8/layout/chevron1" loCatId="process" qsTypeId="urn:microsoft.com/office/officeart/2005/8/quickstyle/simple1" qsCatId="simple" csTypeId="urn:microsoft.com/office/officeart/2005/8/colors/accent6_2" csCatId="accent6" phldr="1"/>
+      <dgm:spPr/>
+      <dgm:t>
+        <a:bodyPr/>
+        <a:lstStyle/>
+        <a:p>
+          <a:endParaRPr lang="de-DE"/>
+        </a:p>
+      </dgm:t>
+    </dgm:pt>
+    <dgm:pt modelId="{298647AC-11DE-4BC8-8640-5CA490886D7F}">
+      <dgm:prSet phldrT="[Text]"/>
+      <dgm:spPr>
+        <a:solidFill>
+          <a:srgbClr val="FF9400"/>
+        </a:solidFill>
+      </dgm:spPr>
+      <dgm:t>
+        <a:bodyPr/>
+        <a:lstStyle/>
+        <a:p>
+          <a:r>
+            <a:rPr lang="de-DE" dirty="0">
+              <a:latin typeface="Arial" panose="020B0604020202020204" pitchFamily="34" charset="0"/>
+              <a:cs typeface="Arial" panose="020B0604020202020204" pitchFamily="34" charset="0"/>
+            </a:rPr>
+            <a:t>Sprint 1 (M3)</a:t>
+          </a:r>
+        </a:p>
+        <a:p>
+          <a:r>
+            <a:rPr lang="de-DE" dirty="0">
+              <a:latin typeface="Arial" panose="020B0604020202020204" pitchFamily="34" charset="0"/>
+              <a:cs typeface="Arial" panose="020B0604020202020204" pitchFamily="34" charset="0"/>
+            </a:rPr>
+            <a:t>Bis 27.03.</a:t>
+          </a:r>
+        </a:p>
+        <a:p>
+          <a:r>
+            <a:rPr lang="de-DE" dirty="0">
+              <a:latin typeface="Arial" panose="020B0604020202020204" pitchFamily="34" charset="0"/>
+              <a:cs typeface="Arial" panose="020B0604020202020204" pitchFamily="34" charset="0"/>
+            </a:rPr>
+            <a:t>Anforderungen definieren</a:t>
+          </a:r>
+        </a:p>
+      </dgm:t>
+    </dgm:pt>
+    <dgm:pt modelId="{7C34DC2D-0186-4E6B-BCEF-3930CAE8A6F4}" type="parTrans" cxnId="{F02A9142-1602-4C43-9571-D340886E7181}">
+      <dgm:prSet/>
+      <dgm:spPr/>
+      <dgm:t>
+        <a:bodyPr/>
+        <a:lstStyle/>
+        <a:p>
+          <a:endParaRPr lang="de-DE">
+            <a:latin typeface="Arial" panose="020B0604020202020204" pitchFamily="34" charset="0"/>
+            <a:cs typeface="Arial" panose="020B0604020202020204" pitchFamily="34" charset="0"/>
+          </a:endParaRPr>
+        </a:p>
+      </dgm:t>
+    </dgm:pt>
+    <dgm:pt modelId="{81B0B5C1-2B95-4637-B57F-BDD297E24B3D}" type="sibTrans" cxnId="{F02A9142-1602-4C43-9571-D340886E7181}">
+      <dgm:prSet/>
+      <dgm:spPr/>
+      <dgm:t>
+        <a:bodyPr/>
+        <a:lstStyle/>
+        <a:p>
+          <a:endParaRPr lang="de-DE">
+            <a:latin typeface="Arial" panose="020B0604020202020204" pitchFamily="34" charset="0"/>
+            <a:cs typeface="Arial" panose="020B0604020202020204" pitchFamily="34" charset="0"/>
+          </a:endParaRPr>
+        </a:p>
+      </dgm:t>
+    </dgm:pt>
+    <dgm:pt modelId="{D5A1A312-608C-4EAF-A43C-BBD8E15B7B72}">
+      <dgm:prSet phldrT="[Text]"/>
+      <dgm:spPr>
+        <a:solidFill>
+          <a:srgbClr val="FF9400"/>
+        </a:solidFill>
+      </dgm:spPr>
+      <dgm:t>
+        <a:bodyPr/>
+        <a:lstStyle/>
+        <a:p>
+          <a:r>
+            <a:rPr lang="de-DE" dirty="0">
+              <a:latin typeface="Arial" panose="020B0604020202020204" pitchFamily="34" charset="0"/>
+              <a:cs typeface="Arial" panose="020B0604020202020204" pitchFamily="34" charset="0"/>
+            </a:rPr>
+            <a:t>Sprint 2</a:t>
+          </a:r>
+        </a:p>
+        <a:p>
+          <a:r>
+            <a:rPr lang="de-DE" dirty="0">
+              <a:latin typeface="Arial" panose="020B0604020202020204" pitchFamily="34" charset="0"/>
+              <a:cs typeface="Arial" panose="020B0604020202020204" pitchFamily="34" charset="0"/>
+            </a:rPr>
+            <a:t>Bis 12.04.</a:t>
+          </a:r>
+        </a:p>
+        <a:p>
+          <a:r>
+            <a:rPr lang="de-DE" dirty="0">
+              <a:latin typeface="Arial" panose="020B0604020202020204" pitchFamily="34" charset="0"/>
+              <a:cs typeface="Arial" panose="020B0604020202020204" pitchFamily="34" charset="0"/>
+            </a:rPr>
+            <a:t> Einrichtung Werkzeuge + M3</a:t>
+          </a:r>
+        </a:p>
+      </dgm:t>
+    </dgm:pt>
+    <dgm:pt modelId="{72021EA4-C7F9-478F-BD00-FF7208E384EF}" type="parTrans" cxnId="{89D6C4F4-D32F-4C48-98DC-AB01EF8EC943}">
+      <dgm:prSet/>
+      <dgm:spPr/>
+      <dgm:t>
+        <a:bodyPr/>
+        <a:lstStyle/>
+        <a:p>
+          <a:endParaRPr lang="de-DE">
+            <a:latin typeface="Arial" panose="020B0604020202020204" pitchFamily="34" charset="0"/>
+            <a:cs typeface="Arial" panose="020B0604020202020204" pitchFamily="34" charset="0"/>
+          </a:endParaRPr>
+        </a:p>
+      </dgm:t>
+    </dgm:pt>
+    <dgm:pt modelId="{0CD40A93-CC81-4C64-BD9F-D3674112F741}" type="sibTrans" cxnId="{89D6C4F4-D32F-4C48-98DC-AB01EF8EC943}">
+      <dgm:prSet/>
+      <dgm:spPr/>
+      <dgm:t>
+        <a:bodyPr/>
+        <a:lstStyle/>
+        <a:p>
+          <a:endParaRPr lang="de-DE">
+            <a:latin typeface="Arial" panose="020B0604020202020204" pitchFamily="34" charset="0"/>
+            <a:cs typeface="Arial" panose="020B0604020202020204" pitchFamily="34" charset="0"/>
+          </a:endParaRPr>
+        </a:p>
+      </dgm:t>
+    </dgm:pt>
+    <dgm:pt modelId="{E76BE1F7-D1CB-4021-932C-48F11A0CEBF0}">
+      <dgm:prSet phldrT="[Text]"/>
+      <dgm:spPr>
+        <a:solidFill>
+          <a:srgbClr val="FF9400"/>
+        </a:solidFill>
+      </dgm:spPr>
+      <dgm:t>
+        <a:bodyPr/>
+        <a:lstStyle/>
+        <a:p>
+          <a:r>
+            <a:rPr lang="de-DE" dirty="0">
+              <a:latin typeface="Arial" panose="020B0604020202020204" pitchFamily="34" charset="0"/>
+              <a:cs typeface="Arial" panose="020B0604020202020204" pitchFamily="34" charset="0"/>
+            </a:rPr>
+            <a:t>Sprint 3 (M4)</a:t>
+          </a:r>
+        </a:p>
+        <a:p>
+          <a:r>
+            <a:rPr lang="de-DE" dirty="0">
+              <a:latin typeface="Arial" panose="020B0604020202020204" pitchFamily="34" charset="0"/>
+              <a:cs typeface="Arial" panose="020B0604020202020204" pitchFamily="34" charset="0"/>
+            </a:rPr>
+            <a:t>Bis 02.05. </a:t>
+          </a:r>
+        </a:p>
+        <a:p>
+          <a:r>
+            <a:rPr lang="de-DE" dirty="0">
+              <a:latin typeface="Arial" panose="020B0604020202020204" pitchFamily="34" charset="0"/>
+              <a:cs typeface="Arial" panose="020B0604020202020204" pitchFamily="34" charset="0"/>
+            </a:rPr>
+            <a:t>Architektur + Grobentwurf</a:t>
+          </a:r>
+        </a:p>
+      </dgm:t>
+    </dgm:pt>
+    <dgm:pt modelId="{78DE0060-E412-4183-9727-5E547084265A}" type="parTrans" cxnId="{3EBE9D68-8C5E-4C54-ACA9-C0B2A28966C7}">
+      <dgm:prSet/>
+      <dgm:spPr/>
+      <dgm:t>
+        <a:bodyPr/>
+        <a:lstStyle/>
+        <a:p>
+          <a:endParaRPr lang="de-DE">
+            <a:latin typeface="Arial" panose="020B0604020202020204" pitchFamily="34" charset="0"/>
+            <a:cs typeface="Arial" panose="020B0604020202020204" pitchFamily="34" charset="0"/>
+          </a:endParaRPr>
+        </a:p>
+      </dgm:t>
+    </dgm:pt>
+    <dgm:pt modelId="{DC67B1DD-94E0-4536-8260-402ADD34D2BD}" type="sibTrans" cxnId="{3EBE9D68-8C5E-4C54-ACA9-C0B2A28966C7}">
+      <dgm:prSet/>
+      <dgm:spPr/>
+      <dgm:t>
+        <a:bodyPr/>
+        <a:lstStyle/>
+        <a:p>
+          <a:endParaRPr lang="de-DE">
+            <a:latin typeface="Arial" panose="020B0604020202020204" pitchFamily="34" charset="0"/>
+            <a:cs typeface="Arial" panose="020B0604020202020204" pitchFamily="34" charset="0"/>
+          </a:endParaRPr>
+        </a:p>
+      </dgm:t>
+    </dgm:pt>
+    <dgm:pt modelId="{C6873AFF-E76A-4851-8894-20829D131FDB}">
+      <dgm:prSet/>
+      <dgm:spPr>
+        <a:solidFill>
+          <a:srgbClr val="FF9400"/>
+        </a:solidFill>
+      </dgm:spPr>
+      <dgm:t>
+        <a:bodyPr/>
+        <a:lstStyle/>
+        <a:p>
+          <a:r>
+            <a:rPr lang="de-DE" dirty="0">
+              <a:latin typeface="Arial" panose="020B0604020202020204" pitchFamily="34" charset="0"/>
+              <a:cs typeface="Arial" panose="020B0604020202020204" pitchFamily="34" charset="0"/>
+            </a:rPr>
+            <a:t>Sprint 4 </a:t>
+          </a:r>
+        </a:p>
+        <a:p>
+          <a:r>
+            <a:rPr lang="de-DE" dirty="0">
+              <a:latin typeface="Arial" panose="020B0604020202020204" pitchFamily="34" charset="0"/>
+              <a:cs typeface="Arial" panose="020B0604020202020204" pitchFamily="34" charset="0"/>
+            </a:rPr>
+            <a:t>Bis 17.05. </a:t>
+          </a:r>
+        </a:p>
+        <a:p>
+          <a:r>
+            <a:rPr lang="de-DE" dirty="0">
+              <a:latin typeface="Arial" panose="020B0604020202020204" pitchFamily="34" charset="0"/>
+              <a:cs typeface="Arial" panose="020B0604020202020204" pitchFamily="34" charset="0"/>
+            </a:rPr>
+            <a:t>Entwicklung Backend</a:t>
+          </a:r>
+        </a:p>
+      </dgm:t>
+    </dgm:pt>
+    <dgm:pt modelId="{3BDA13EE-6A78-4DE5-8876-549EAD40E01B}" type="parTrans" cxnId="{41127296-77B4-4E71-ADC4-B52E3528FB53}">
+      <dgm:prSet/>
+      <dgm:spPr/>
+      <dgm:t>
+        <a:bodyPr/>
+        <a:lstStyle/>
+        <a:p>
+          <a:endParaRPr lang="de-DE">
+            <a:latin typeface="Arial" panose="020B0604020202020204" pitchFamily="34" charset="0"/>
+            <a:cs typeface="Arial" panose="020B0604020202020204" pitchFamily="34" charset="0"/>
+          </a:endParaRPr>
+        </a:p>
+      </dgm:t>
+    </dgm:pt>
+    <dgm:pt modelId="{E16D995D-486F-4DF5-9320-39008AD49B66}" type="sibTrans" cxnId="{41127296-77B4-4E71-ADC4-B52E3528FB53}">
+      <dgm:prSet/>
+      <dgm:spPr/>
+      <dgm:t>
+        <a:bodyPr/>
+        <a:lstStyle/>
+        <a:p>
+          <a:endParaRPr lang="de-DE">
+            <a:latin typeface="Arial" panose="020B0604020202020204" pitchFamily="34" charset="0"/>
+            <a:cs typeface="Arial" panose="020B0604020202020204" pitchFamily="34" charset="0"/>
+          </a:endParaRPr>
+        </a:p>
+      </dgm:t>
+    </dgm:pt>
+    <dgm:pt modelId="{9B4EA7D4-8F38-42FE-9E6C-072093E5A9DE}">
+      <dgm:prSet/>
+      <dgm:spPr>
+        <a:solidFill>
+          <a:srgbClr val="FF9400"/>
+        </a:solidFill>
+      </dgm:spPr>
+      <dgm:t>
+        <a:bodyPr/>
+        <a:lstStyle/>
+        <a:p>
+          <a:r>
+            <a:rPr lang="de-DE" dirty="0">
+              <a:latin typeface="Arial" panose="020B0604020202020204" pitchFamily="34" charset="0"/>
+              <a:cs typeface="Arial" panose="020B0604020202020204" pitchFamily="34" charset="0"/>
+            </a:rPr>
+            <a:t>Sprint 5</a:t>
+          </a:r>
+        </a:p>
+        <a:p>
+          <a:r>
+            <a:rPr lang="de-DE" dirty="0">
+              <a:latin typeface="Arial" panose="020B0604020202020204" pitchFamily="34" charset="0"/>
+              <a:cs typeface="Arial" panose="020B0604020202020204" pitchFamily="34" charset="0"/>
+            </a:rPr>
+            <a:t>Bis 31.05. </a:t>
+          </a:r>
+        </a:p>
+        <a:p>
+          <a:r>
+            <a:rPr lang="de-DE" dirty="0">
+              <a:latin typeface="Arial" panose="020B0604020202020204" pitchFamily="34" charset="0"/>
+              <a:cs typeface="Arial" panose="020B0604020202020204" pitchFamily="34" charset="0"/>
+            </a:rPr>
+            <a:t>Entwicklung BE FE + </a:t>
+          </a:r>
+          <a:r>
+            <a:rPr lang="de-DE" dirty="0" err="1">
+              <a:latin typeface="Arial" panose="020B0604020202020204" pitchFamily="34" charset="0"/>
+              <a:cs typeface="Arial" panose="020B0604020202020204" pitchFamily="34" charset="0"/>
+            </a:rPr>
+            <a:t>Posterentwurf</a:t>
+          </a:r>
+          <a:endParaRPr lang="de-DE" dirty="0">
+            <a:latin typeface="Arial" panose="020B0604020202020204" pitchFamily="34" charset="0"/>
+            <a:cs typeface="Arial" panose="020B0604020202020204" pitchFamily="34" charset="0"/>
+          </a:endParaRPr>
+        </a:p>
+      </dgm:t>
+    </dgm:pt>
+    <dgm:pt modelId="{B73ACB58-BB1D-4F26-A510-FCE177889A2E}" type="parTrans" cxnId="{50368C44-92E5-47FC-9B2D-E0A45ED2B55D}">
+      <dgm:prSet/>
+      <dgm:spPr/>
+      <dgm:t>
+        <a:bodyPr/>
+        <a:lstStyle/>
+        <a:p>
+          <a:endParaRPr lang="de-DE">
+            <a:latin typeface="Arial" panose="020B0604020202020204" pitchFamily="34" charset="0"/>
+            <a:cs typeface="Arial" panose="020B0604020202020204" pitchFamily="34" charset="0"/>
+          </a:endParaRPr>
+        </a:p>
+      </dgm:t>
+    </dgm:pt>
+    <dgm:pt modelId="{26A94A9B-538F-4387-9E7A-EF88353ED30A}" type="sibTrans" cxnId="{50368C44-92E5-47FC-9B2D-E0A45ED2B55D}">
+      <dgm:prSet/>
+      <dgm:spPr/>
+      <dgm:t>
+        <a:bodyPr/>
+        <a:lstStyle/>
+        <a:p>
+          <a:endParaRPr lang="de-DE">
+            <a:latin typeface="Arial" panose="020B0604020202020204" pitchFamily="34" charset="0"/>
+            <a:cs typeface="Arial" panose="020B0604020202020204" pitchFamily="34" charset="0"/>
+          </a:endParaRPr>
+        </a:p>
+      </dgm:t>
+    </dgm:pt>
+    <dgm:pt modelId="{3F376E6E-DBB7-450E-86D9-2FC71467F99E}">
+      <dgm:prSet/>
+      <dgm:spPr>
+        <a:solidFill>
+          <a:srgbClr val="FF9400"/>
+        </a:solidFill>
+      </dgm:spPr>
+      <dgm:t>
+        <a:bodyPr/>
+        <a:lstStyle/>
+        <a:p>
+          <a:r>
+            <a:rPr lang="de-DE" dirty="0">
+              <a:latin typeface="Arial" panose="020B0604020202020204" pitchFamily="34" charset="0"/>
+              <a:cs typeface="Arial" panose="020B0604020202020204" pitchFamily="34" charset="0"/>
+            </a:rPr>
+            <a:t>Sprint 6 (M5) </a:t>
+          </a:r>
+        </a:p>
+        <a:p>
+          <a:r>
+            <a:rPr lang="de-DE" dirty="0">
+              <a:latin typeface="Arial" panose="020B0604020202020204" pitchFamily="34" charset="0"/>
+              <a:cs typeface="Arial" panose="020B0604020202020204" pitchFamily="34" charset="0"/>
+            </a:rPr>
+            <a:t>Bis 19.06.</a:t>
+          </a:r>
+        </a:p>
+        <a:p>
+          <a:r>
+            <a:rPr lang="de-DE" dirty="0">
+              <a:latin typeface="Arial" panose="020B0604020202020204" pitchFamily="34" charset="0"/>
+              <a:cs typeface="Arial" panose="020B0604020202020204" pitchFamily="34" charset="0"/>
+            </a:rPr>
+            <a:t>Entwicklung + Poster + Portfolio</a:t>
+          </a:r>
+        </a:p>
+      </dgm:t>
+    </dgm:pt>
+    <dgm:pt modelId="{22F28AB3-A869-4BF0-BB70-1B4E6AE4CE26}" type="parTrans" cxnId="{DF3B31C1-9500-4439-B963-CC59F4123E0E}">
+      <dgm:prSet/>
+      <dgm:spPr/>
+      <dgm:t>
+        <a:bodyPr/>
+        <a:lstStyle/>
+        <a:p>
+          <a:endParaRPr lang="de-DE">
+            <a:latin typeface="Arial" panose="020B0604020202020204" pitchFamily="34" charset="0"/>
+            <a:cs typeface="Arial" panose="020B0604020202020204" pitchFamily="34" charset="0"/>
+          </a:endParaRPr>
+        </a:p>
+      </dgm:t>
+    </dgm:pt>
+    <dgm:pt modelId="{9495AE55-1AC2-4E31-A2B8-0F1D40631FEE}" type="sibTrans" cxnId="{DF3B31C1-9500-4439-B963-CC59F4123E0E}">
+      <dgm:prSet/>
+      <dgm:spPr/>
+      <dgm:t>
+        <a:bodyPr/>
+        <a:lstStyle/>
+        <a:p>
+          <a:endParaRPr lang="de-DE">
+            <a:latin typeface="Arial" panose="020B0604020202020204" pitchFamily="34" charset="0"/>
+            <a:cs typeface="Arial" panose="020B0604020202020204" pitchFamily="34" charset="0"/>
+          </a:endParaRPr>
+        </a:p>
+      </dgm:t>
+    </dgm:pt>
+    <dgm:pt modelId="{97FA30A8-72B9-44C8-A8A5-FECA06C7A2BD}">
+      <dgm:prSet/>
+      <dgm:spPr>
+        <a:solidFill>
+          <a:srgbClr val="FF9400"/>
+        </a:solidFill>
+      </dgm:spPr>
+      <dgm:t>
+        <a:bodyPr/>
+        <a:lstStyle/>
+        <a:p>
+          <a:r>
+            <a:rPr lang="de-DE" dirty="0">
+              <a:latin typeface="Arial" panose="020B0604020202020204" pitchFamily="34" charset="0"/>
+              <a:cs typeface="Arial" panose="020B0604020202020204" pitchFamily="34" charset="0"/>
+            </a:rPr>
+            <a:t>„Release-Week“</a:t>
+          </a:r>
+        </a:p>
+        <a:p>
+          <a:r>
+            <a:rPr lang="de-DE" dirty="0">
+              <a:latin typeface="Arial" panose="020B0604020202020204" pitchFamily="34" charset="0"/>
+              <a:cs typeface="Arial" panose="020B0604020202020204" pitchFamily="34" charset="0"/>
+            </a:rPr>
+            <a:t>19.-24.06.</a:t>
+          </a:r>
+        </a:p>
+        <a:p>
+          <a:r>
+            <a:rPr lang="de-DE" dirty="0">
+              <a:latin typeface="Arial" panose="020B0604020202020204" pitchFamily="34" charset="0"/>
+              <a:cs typeface="Arial" panose="020B0604020202020204" pitchFamily="34" charset="0"/>
+            </a:rPr>
+            <a:t>Vorbereitung Präsentation</a:t>
+          </a:r>
+        </a:p>
+      </dgm:t>
+    </dgm:pt>
+    <dgm:pt modelId="{10862838-3E08-424E-A1A2-56BB127A2D76}" type="parTrans" cxnId="{CCD51A7F-6C72-40EE-A94F-D835BCE1087C}">
+      <dgm:prSet/>
+      <dgm:spPr/>
+      <dgm:t>
+        <a:bodyPr/>
+        <a:lstStyle/>
+        <a:p>
+          <a:endParaRPr lang="de-DE">
+            <a:latin typeface="Arial" panose="020B0604020202020204" pitchFamily="34" charset="0"/>
+            <a:cs typeface="Arial" panose="020B0604020202020204" pitchFamily="34" charset="0"/>
+          </a:endParaRPr>
+        </a:p>
+      </dgm:t>
+    </dgm:pt>
+    <dgm:pt modelId="{BC77F640-355C-484F-A5A1-1CEC39F797CD}" type="sibTrans" cxnId="{CCD51A7F-6C72-40EE-A94F-D835BCE1087C}">
+      <dgm:prSet/>
+      <dgm:spPr/>
+      <dgm:t>
+        <a:bodyPr/>
+        <a:lstStyle/>
+        <a:p>
+          <a:endParaRPr lang="de-DE">
+            <a:latin typeface="Arial" panose="020B0604020202020204" pitchFamily="34" charset="0"/>
+            <a:cs typeface="Arial" panose="020B0604020202020204" pitchFamily="34" charset="0"/>
+          </a:endParaRPr>
+        </a:p>
+      </dgm:t>
+    </dgm:pt>
+    <dgm:pt modelId="{7CD61C65-77EF-44A7-BACE-471CA21A7869}">
+      <dgm:prSet/>
+      <dgm:spPr>
+        <a:solidFill>
+          <a:srgbClr val="FF9400"/>
+        </a:solidFill>
+      </dgm:spPr>
+      <dgm:t>
+        <a:bodyPr/>
+        <a:lstStyle/>
+        <a:p>
+          <a:r>
+            <a:rPr lang="de-DE" dirty="0">
+              <a:latin typeface="Arial" panose="020B0604020202020204" pitchFamily="34" charset="0"/>
+              <a:cs typeface="Arial" panose="020B0604020202020204" pitchFamily="34" charset="0"/>
+            </a:rPr>
+            <a:t>Sprint 7 (Abgabe)</a:t>
+          </a:r>
+        </a:p>
+        <a:p>
+          <a:r>
+            <a:rPr lang="de-DE" dirty="0">
+              <a:latin typeface="Arial" panose="020B0604020202020204" pitchFamily="34" charset="0"/>
+              <a:cs typeface="Arial" panose="020B0604020202020204" pitchFamily="34" charset="0"/>
+            </a:rPr>
+            <a:t>Bis 28.07.</a:t>
+          </a:r>
+        </a:p>
+        <a:p>
+          <a:r>
+            <a:rPr lang="de-DE" dirty="0">
+              <a:latin typeface="Arial" panose="020B0604020202020204" pitchFamily="34" charset="0"/>
+              <a:cs typeface="Arial" panose="020B0604020202020204" pitchFamily="34" charset="0"/>
+            </a:rPr>
+            <a:t>Nachbearbeitung</a:t>
+          </a:r>
+        </a:p>
+        <a:p>
+          <a:r>
+            <a:rPr lang="de-DE" dirty="0">
+              <a:latin typeface="Arial" panose="020B0604020202020204" pitchFamily="34" charset="0"/>
+              <a:cs typeface="Arial" panose="020B0604020202020204" pitchFamily="34" charset="0"/>
+            </a:rPr>
+            <a:t>Reflexionsberichte</a:t>
+          </a:r>
+        </a:p>
+      </dgm:t>
+    </dgm:pt>
+    <dgm:pt modelId="{11FC1FA7-295D-4DD3-82C8-7022A3681C7D}" type="parTrans" cxnId="{15C9A20F-FD05-40B9-86F0-42B5D0A8BF59}">
+      <dgm:prSet/>
+      <dgm:spPr/>
+      <dgm:t>
+        <a:bodyPr/>
+        <a:lstStyle/>
+        <a:p>
+          <a:endParaRPr lang="de-DE">
+            <a:latin typeface="Arial" panose="020B0604020202020204" pitchFamily="34" charset="0"/>
+            <a:cs typeface="Arial" panose="020B0604020202020204" pitchFamily="34" charset="0"/>
+          </a:endParaRPr>
+        </a:p>
+      </dgm:t>
+    </dgm:pt>
+    <dgm:pt modelId="{663D62FB-F5C9-4292-9466-37DC4F6D66C9}" type="sibTrans" cxnId="{15C9A20F-FD05-40B9-86F0-42B5D0A8BF59}">
+      <dgm:prSet/>
+      <dgm:spPr/>
+      <dgm:t>
+        <a:bodyPr/>
+        <a:lstStyle/>
+        <a:p>
+          <a:endParaRPr lang="de-DE">
+            <a:latin typeface="Arial" panose="020B0604020202020204" pitchFamily="34" charset="0"/>
+            <a:cs typeface="Arial" panose="020B0604020202020204" pitchFamily="34" charset="0"/>
+          </a:endParaRPr>
+        </a:p>
+      </dgm:t>
+    </dgm:pt>
+    <dgm:pt modelId="{3E42342B-9C4F-496A-A081-4B8B5EFCE523}" type="pres">
+      <dgm:prSet presAssocID="{E4B6599F-9E79-43DE-BF87-FDFF6EF92985}" presName="Name0" presStyleCnt="0">
+        <dgm:presLayoutVars>
+          <dgm:dir/>
+          <dgm:animLvl val="lvl"/>
+          <dgm:resizeHandles val="exact"/>
+        </dgm:presLayoutVars>
+      </dgm:prSet>
+      <dgm:spPr/>
+    </dgm:pt>
+    <dgm:pt modelId="{9852A6D5-C6AC-425B-B9D6-591FE944A030}" type="pres">
+      <dgm:prSet presAssocID="{298647AC-11DE-4BC8-8640-5CA490886D7F}" presName="parTxOnly" presStyleLbl="node1" presStyleIdx="0" presStyleCnt="8">
+        <dgm:presLayoutVars>
+          <dgm:chMax val="0"/>
+          <dgm:chPref val="0"/>
+          <dgm:bulletEnabled val="1"/>
+        </dgm:presLayoutVars>
+      </dgm:prSet>
+      <dgm:spPr/>
+    </dgm:pt>
+    <dgm:pt modelId="{972B9D2D-9A55-4A68-9F96-9546EFA26852}" type="pres">
+      <dgm:prSet presAssocID="{81B0B5C1-2B95-4637-B57F-BDD297E24B3D}" presName="parTxOnlySpace" presStyleCnt="0"/>
+      <dgm:spPr/>
+    </dgm:pt>
+    <dgm:pt modelId="{BEA54C82-EE03-458B-A060-C4CEE64F4F9D}" type="pres">
+      <dgm:prSet presAssocID="{D5A1A312-608C-4EAF-A43C-BBD8E15B7B72}" presName="parTxOnly" presStyleLbl="node1" presStyleIdx="1" presStyleCnt="8">
+        <dgm:presLayoutVars>
+          <dgm:chMax val="0"/>
+          <dgm:chPref val="0"/>
+          <dgm:bulletEnabled val="1"/>
+        </dgm:presLayoutVars>
+      </dgm:prSet>
+      <dgm:spPr/>
+    </dgm:pt>
+    <dgm:pt modelId="{AE14EAFF-3730-4BFC-A87B-D158AD98F2BC}" type="pres">
+      <dgm:prSet presAssocID="{0CD40A93-CC81-4C64-BD9F-D3674112F741}" presName="parTxOnlySpace" presStyleCnt="0"/>
+      <dgm:spPr/>
+    </dgm:pt>
+    <dgm:pt modelId="{2014C0D1-9380-45DE-9524-9653FA144C5D}" type="pres">
+      <dgm:prSet presAssocID="{E76BE1F7-D1CB-4021-932C-48F11A0CEBF0}" presName="parTxOnly" presStyleLbl="node1" presStyleIdx="2" presStyleCnt="8">
+        <dgm:presLayoutVars>
+          <dgm:chMax val="0"/>
+          <dgm:chPref val="0"/>
+          <dgm:bulletEnabled val="1"/>
+        </dgm:presLayoutVars>
+      </dgm:prSet>
+      <dgm:spPr/>
+    </dgm:pt>
+    <dgm:pt modelId="{4B987A3B-3EC1-4544-A0F3-52EC62EB6AF3}" type="pres">
+      <dgm:prSet presAssocID="{DC67B1DD-94E0-4536-8260-402ADD34D2BD}" presName="parTxOnlySpace" presStyleCnt="0"/>
+      <dgm:spPr/>
+    </dgm:pt>
+    <dgm:pt modelId="{1BFC8CD7-199E-4D15-BB73-27B86B644C50}" type="pres">
+      <dgm:prSet presAssocID="{C6873AFF-E76A-4851-8894-20829D131FDB}" presName="parTxOnly" presStyleLbl="node1" presStyleIdx="3" presStyleCnt="8">
+        <dgm:presLayoutVars>
+          <dgm:chMax val="0"/>
+          <dgm:chPref val="0"/>
+          <dgm:bulletEnabled val="1"/>
+        </dgm:presLayoutVars>
+      </dgm:prSet>
+      <dgm:spPr/>
+    </dgm:pt>
+    <dgm:pt modelId="{252F4618-3F59-4064-BB4D-864753CAF062}" type="pres">
+      <dgm:prSet presAssocID="{E16D995D-486F-4DF5-9320-39008AD49B66}" presName="parTxOnlySpace" presStyleCnt="0"/>
+      <dgm:spPr/>
+    </dgm:pt>
+    <dgm:pt modelId="{538D363E-99CC-4E59-8B5F-014403156D14}" type="pres">
+      <dgm:prSet presAssocID="{9B4EA7D4-8F38-42FE-9E6C-072093E5A9DE}" presName="parTxOnly" presStyleLbl="node1" presStyleIdx="4" presStyleCnt="8">
+        <dgm:presLayoutVars>
+          <dgm:chMax val="0"/>
+          <dgm:chPref val="0"/>
+          <dgm:bulletEnabled val="1"/>
+        </dgm:presLayoutVars>
+      </dgm:prSet>
+      <dgm:spPr/>
+    </dgm:pt>
+    <dgm:pt modelId="{067A0EB2-BC39-4D52-A8D9-9A76E1236DE3}" type="pres">
+      <dgm:prSet presAssocID="{26A94A9B-538F-4387-9E7A-EF88353ED30A}" presName="parTxOnlySpace" presStyleCnt="0"/>
+      <dgm:spPr/>
+    </dgm:pt>
+    <dgm:pt modelId="{27644D4A-39D1-4F66-8BDB-9E9B2BF911B5}" type="pres">
+      <dgm:prSet presAssocID="{3F376E6E-DBB7-450E-86D9-2FC71467F99E}" presName="parTxOnly" presStyleLbl="node1" presStyleIdx="5" presStyleCnt="8">
+        <dgm:presLayoutVars>
+          <dgm:chMax val="0"/>
+          <dgm:chPref val="0"/>
+          <dgm:bulletEnabled val="1"/>
+        </dgm:presLayoutVars>
+      </dgm:prSet>
+      <dgm:spPr/>
+    </dgm:pt>
+    <dgm:pt modelId="{16A63C76-E33F-45F6-A929-F6E0F96594F6}" type="pres">
+      <dgm:prSet presAssocID="{9495AE55-1AC2-4E31-A2B8-0F1D40631FEE}" presName="parTxOnlySpace" presStyleCnt="0"/>
+      <dgm:spPr/>
+    </dgm:pt>
+    <dgm:pt modelId="{E3616A5D-E254-4F82-8BD8-B25DE851045B}" type="pres">
+      <dgm:prSet presAssocID="{97FA30A8-72B9-44C8-A8A5-FECA06C7A2BD}" presName="parTxOnly" presStyleLbl="node1" presStyleIdx="6" presStyleCnt="8">
+        <dgm:presLayoutVars>
+          <dgm:chMax val="0"/>
+          <dgm:chPref val="0"/>
+          <dgm:bulletEnabled val="1"/>
+        </dgm:presLayoutVars>
+      </dgm:prSet>
+      <dgm:spPr/>
+    </dgm:pt>
+    <dgm:pt modelId="{B1BC6CF8-BF09-4CD3-B967-D5EB50BA14C3}" type="pres">
+      <dgm:prSet presAssocID="{BC77F640-355C-484F-A5A1-1CEC39F797CD}" presName="parTxOnlySpace" presStyleCnt="0"/>
+      <dgm:spPr/>
+    </dgm:pt>
+    <dgm:pt modelId="{1CBDAAA1-E412-4DDA-8BE4-588C34D90E62}" type="pres">
+      <dgm:prSet presAssocID="{7CD61C65-77EF-44A7-BACE-471CA21A7869}" presName="parTxOnly" presStyleLbl="node1" presStyleIdx="7" presStyleCnt="8">
+        <dgm:presLayoutVars>
+          <dgm:chMax val="0"/>
+          <dgm:chPref val="0"/>
+          <dgm:bulletEnabled val="1"/>
+        </dgm:presLayoutVars>
+      </dgm:prSet>
+      <dgm:spPr/>
+    </dgm:pt>
+  </dgm:ptLst>
+  <dgm:cxnLst>
+    <dgm:cxn modelId="{15C9A20F-FD05-40B9-86F0-42B5D0A8BF59}" srcId="{E4B6599F-9E79-43DE-BF87-FDFF6EF92985}" destId="{7CD61C65-77EF-44A7-BACE-471CA21A7869}" srcOrd="7" destOrd="0" parTransId="{11FC1FA7-295D-4DD3-82C8-7022A3681C7D}" sibTransId="{663D62FB-F5C9-4292-9466-37DC4F6D66C9}"/>
+    <dgm:cxn modelId="{46D78E14-D7B8-460F-B84A-8CC7F19617DE}" type="presOf" srcId="{9B4EA7D4-8F38-42FE-9E6C-072093E5A9DE}" destId="{538D363E-99CC-4E59-8B5F-014403156D14}" srcOrd="0" destOrd="0" presId="urn:microsoft.com/office/officeart/2005/8/layout/chevron1"/>
+    <dgm:cxn modelId="{1C7B8926-E60F-4FC9-89E9-847F481BE599}" type="presOf" srcId="{C6873AFF-E76A-4851-8894-20829D131FDB}" destId="{1BFC8CD7-199E-4D15-BB73-27B86B644C50}" srcOrd="0" destOrd="0" presId="urn:microsoft.com/office/officeart/2005/8/layout/chevron1"/>
+    <dgm:cxn modelId="{A18AA338-C15C-4153-8A67-116B6CBBD6C8}" type="presOf" srcId="{97FA30A8-72B9-44C8-A8A5-FECA06C7A2BD}" destId="{E3616A5D-E254-4F82-8BD8-B25DE851045B}" srcOrd="0" destOrd="0" presId="urn:microsoft.com/office/officeart/2005/8/layout/chevron1"/>
+    <dgm:cxn modelId="{459F6B61-5C92-4541-AA33-D86BE5F2EB4A}" type="presOf" srcId="{E4B6599F-9E79-43DE-BF87-FDFF6EF92985}" destId="{3E42342B-9C4F-496A-A081-4B8B5EFCE523}" srcOrd="0" destOrd="0" presId="urn:microsoft.com/office/officeart/2005/8/layout/chevron1"/>
+    <dgm:cxn modelId="{F02A9142-1602-4C43-9571-D340886E7181}" srcId="{E4B6599F-9E79-43DE-BF87-FDFF6EF92985}" destId="{298647AC-11DE-4BC8-8640-5CA490886D7F}" srcOrd="0" destOrd="0" parTransId="{7C34DC2D-0186-4E6B-BCEF-3930CAE8A6F4}" sibTransId="{81B0B5C1-2B95-4637-B57F-BDD297E24B3D}"/>
+    <dgm:cxn modelId="{50368C44-92E5-47FC-9B2D-E0A45ED2B55D}" srcId="{E4B6599F-9E79-43DE-BF87-FDFF6EF92985}" destId="{9B4EA7D4-8F38-42FE-9E6C-072093E5A9DE}" srcOrd="4" destOrd="0" parTransId="{B73ACB58-BB1D-4F26-A510-FCE177889A2E}" sibTransId="{26A94A9B-538F-4387-9E7A-EF88353ED30A}"/>
+    <dgm:cxn modelId="{3EBE9D68-8C5E-4C54-ACA9-C0B2A28966C7}" srcId="{E4B6599F-9E79-43DE-BF87-FDFF6EF92985}" destId="{E76BE1F7-D1CB-4021-932C-48F11A0CEBF0}" srcOrd="2" destOrd="0" parTransId="{78DE0060-E412-4183-9727-5E547084265A}" sibTransId="{DC67B1DD-94E0-4536-8260-402ADD34D2BD}"/>
+    <dgm:cxn modelId="{9459FE6A-3D91-465B-92E4-81C03C3520EE}" type="presOf" srcId="{E76BE1F7-D1CB-4021-932C-48F11A0CEBF0}" destId="{2014C0D1-9380-45DE-9524-9653FA144C5D}" srcOrd="0" destOrd="0" presId="urn:microsoft.com/office/officeart/2005/8/layout/chevron1"/>
+    <dgm:cxn modelId="{CCD51A7F-6C72-40EE-A94F-D835BCE1087C}" srcId="{E4B6599F-9E79-43DE-BF87-FDFF6EF92985}" destId="{97FA30A8-72B9-44C8-A8A5-FECA06C7A2BD}" srcOrd="6" destOrd="0" parTransId="{10862838-3E08-424E-A1A2-56BB127A2D76}" sibTransId="{BC77F640-355C-484F-A5A1-1CEC39F797CD}"/>
+    <dgm:cxn modelId="{41127296-77B4-4E71-ADC4-B52E3528FB53}" srcId="{E4B6599F-9E79-43DE-BF87-FDFF6EF92985}" destId="{C6873AFF-E76A-4851-8894-20829D131FDB}" srcOrd="3" destOrd="0" parTransId="{3BDA13EE-6A78-4DE5-8876-549EAD40E01B}" sibTransId="{E16D995D-486F-4DF5-9320-39008AD49B66}"/>
+    <dgm:cxn modelId="{DF3B31C1-9500-4439-B963-CC59F4123E0E}" srcId="{E4B6599F-9E79-43DE-BF87-FDFF6EF92985}" destId="{3F376E6E-DBB7-450E-86D9-2FC71467F99E}" srcOrd="5" destOrd="0" parTransId="{22F28AB3-A869-4BF0-BB70-1B4E6AE4CE26}" sibTransId="{9495AE55-1AC2-4E31-A2B8-0F1D40631FEE}"/>
+    <dgm:cxn modelId="{E3895DC1-AA1C-4F5E-898C-17C1F583532B}" type="presOf" srcId="{7CD61C65-77EF-44A7-BACE-471CA21A7869}" destId="{1CBDAAA1-E412-4DDA-8BE4-588C34D90E62}" srcOrd="0" destOrd="0" presId="urn:microsoft.com/office/officeart/2005/8/layout/chevron1"/>
+    <dgm:cxn modelId="{CA01EADB-9D03-410F-AD45-84DC58DD3E25}" type="presOf" srcId="{298647AC-11DE-4BC8-8640-5CA490886D7F}" destId="{9852A6D5-C6AC-425B-B9D6-591FE944A030}" srcOrd="0" destOrd="0" presId="urn:microsoft.com/office/officeart/2005/8/layout/chevron1"/>
+    <dgm:cxn modelId="{9517DFE0-22FA-4505-B458-AF5962D9EC69}" type="presOf" srcId="{D5A1A312-608C-4EAF-A43C-BBD8E15B7B72}" destId="{BEA54C82-EE03-458B-A060-C4CEE64F4F9D}" srcOrd="0" destOrd="0" presId="urn:microsoft.com/office/officeart/2005/8/layout/chevron1"/>
+    <dgm:cxn modelId="{89D6C4F4-D32F-4C48-98DC-AB01EF8EC943}" srcId="{E4B6599F-9E79-43DE-BF87-FDFF6EF92985}" destId="{D5A1A312-608C-4EAF-A43C-BBD8E15B7B72}" srcOrd="1" destOrd="0" parTransId="{72021EA4-C7F9-478F-BD00-FF7208E384EF}" sibTransId="{0CD40A93-CC81-4C64-BD9F-D3674112F741}"/>
+    <dgm:cxn modelId="{463B7FFB-3615-45B8-9343-89C1B8687B54}" type="presOf" srcId="{3F376E6E-DBB7-450E-86D9-2FC71467F99E}" destId="{27644D4A-39D1-4F66-8BDB-9E9B2BF911B5}" srcOrd="0" destOrd="0" presId="urn:microsoft.com/office/officeart/2005/8/layout/chevron1"/>
+    <dgm:cxn modelId="{A6B7A873-72A1-4DD9-9979-3B176E30808D}" type="presParOf" srcId="{3E42342B-9C4F-496A-A081-4B8B5EFCE523}" destId="{9852A6D5-C6AC-425B-B9D6-591FE944A030}" srcOrd="0" destOrd="0" presId="urn:microsoft.com/office/officeart/2005/8/layout/chevron1"/>
+    <dgm:cxn modelId="{9F56B397-D2D9-4FB7-983B-14C2671180BC}" type="presParOf" srcId="{3E42342B-9C4F-496A-A081-4B8B5EFCE523}" destId="{972B9D2D-9A55-4A68-9F96-9546EFA26852}" srcOrd="1" destOrd="0" presId="urn:microsoft.com/office/officeart/2005/8/layout/chevron1"/>
+    <dgm:cxn modelId="{9A68E907-2D12-49FD-810D-2D6039777F18}" type="presParOf" srcId="{3E42342B-9C4F-496A-A081-4B8B5EFCE523}" destId="{BEA54C82-EE03-458B-A060-C4CEE64F4F9D}" srcOrd="2" destOrd="0" presId="urn:microsoft.com/office/officeart/2005/8/layout/chevron1"/>
+    <dgm:cxn modelId="{7E5E80E5-A40A-4B32-BD40-519B58FD50C7}" type="presParOf" srcId="{3E42342B-9C4F-496A-A081-4B8B5EFCE523}" destId="{AE14EAFF-3730-4BFC-A87B-D158AD98F2BC}" srcOrd="3" destOrd="0" presId="urn:microsoft.com/office/officeart/2005/8/layout/chevron1"/>
+    <dgm:cxn modelId="{1DE97EAC-3B01-4AE3-ADE5-78E633AD8126}" type="presParOf" srcId="{3E42342B-9C4F-496A-A081-4B8B5EFCE523}" destId="{2014C0D1-9380-45DE-9524-9653FA144C5D}" srcOrd="4" destOrd="0" presId="urn:microsoft.com/office/officeart/2005/8/layout/chevron1"/>
+    <dgm:cxn modelId="{D076F000-6BC3-4BF2-B2C9-398C94DC76EC}" type="presParOf" srcId="{3E42342B-9C4F-496A-A081-4B8B5EFCE523}" destId="{4B987A3B-3EC1-4544-A0F3-52EC62EB6AF3}" srcOrd="5" destOrd="0" presId="urn:microsoft.com/office/officeart/2005/8/layout/chevron1"/>
+    <dgm:cxn modelId="{08A126A5-02A0-47DF-ADC1-7399BB0BE644}" type="presParOf" srcId="{3E42342B-9C4F-496A-A081-4B8B5EFCE523}" destId="{1BFC8CD7-199E-4D15-BB73-27B86B644C50}" srcOrd="6" destOrd="0" presId="urn:microsoft.com/office/officeart/2005/8/layout/chevron1"/>
+    <dgm:cxn modelId="{921DD226-91D0-4619-B099-037F0EB099B8}" type="presParOf" srcId="{3E42342B-9C4F-496A-A081-4B8B5EFCE523}" destId="{252F4618-3F59-4064-BB4D-864753CAF062}" srcOrd="7" destOrd="0" presId="urn:microsoft.com/office/officeart/2005/8/layout/chevron1"/>
+    <dgm:cxn modelId="{1E6B7E87-EDA8-4373-9F73-B08D889747D9}" type="presParOf" srcId="{3E42342B-9C4F-496A-A081-4B8B5EFCE523}" destId="{538D363E-99CC-4E59-8B5F-014403156D14}" srcOrd="8" destOrd="0" presId="urn:microsoft.com/office/officeart/2005/8/layout/chevron1"/>
+    <dgm:cxn modelId="{B3E9220B-A1D0-4D8D-9E3D-2F9BBF8D05E6}" type="presParOf" srcId="{3E42342B-9C4F-496A-A081-4B8B5EFCE523}" destId="{067A0EB2-BC39-4D52-A8D9-9A76E1236DE3}" srcOrd="9" destOrd="0" presId="urn:microsoft.com/office/officeart/2005/8/layout/chevron1"/>
+    <dgm:cxn modelId="{4104314E-F821-42A9-AD66-E15C49E77AB0}" type="presParOf" srcId="{3E42342B-9C4F-496A-A081-4B8B5EFCE523}" destId="{27644D4A-39D1-4F66-8BDB-9E9B2BF911B5}" srcOrd="10" destOrd="0" presId="urn:microsoft.com/office/officeart/2005/8/layout/chevron1"/>
+    <dgm:cxn modelId="{888D0D40-DA1F-4335-A33A-C80635FDB307}" type="presParOf" srcId="{3E42342B-9C4F-496A-A081-4B8B5EFCE523}" destId="{16A63C76-E33F-45F6-A929-F6E0F96594F6}" srcOrd="11" destOrd="0" presId="urn:microsoft.com/office/officeart/2005/8/layout/chevron1"/>
+    <dgm:cxn modelId="{FC14948E-8014-4B60-BD86-F78A0460C07A}" type="presParOf" srcId="{3E42342B-9C4F-496A-A081-4B8B5EFCE523}" destId="{E3616A5D-E254-4F82-8BD8-B25DE851045B}" srcOrd="12" destOrd="0" presId="urn:microsoft.com/office/officeart/2005/8/layout/chevron1"/>
+    <dgm:cxn modelId="{4BE319ED-5FB1-45BC-803A-7A9D2045BFD8}" type="presParOf" srcId="{3E42342B-9C4F-496A-A081-4B8B5EFCE523}" destId="{B1BC6CF8-BF09-4CD3-B967-D5EB50BA14C3}" srcOrd="13" destOrd="0" presId="urn:microsoft.com/office/officeart/2005/8/layout/chevron1"/>
+    <dgm:cxn modelId="{DA1E42D6-4079-4CF3-A9F8-513175537A01}" type="presParOf" srcId="{3E42342B-9C4F-496A-A081-4B8B5EFCE523}" destId="{1CBDAAA1-E412-4DDA-8BE4-588C34D90E62}" srcOrd="14" destOrd="0" presId="urn:microsoft.com/office/officeart/2005/8/layout/chevron1"/>
+  </dgm:cxnLst>
+  <dgm:bg/>
+  <dgm:whole/>
+  <dgm:extLst>
+    <a:ext uri="http://schemas.microsoft.com/office/drawing/2008/diagram">
+      <dsp:dataModelExt xmlns:dsp="http://schemas.microsoft.com/office/drawing/2008/diagram" relId="rId24" minVer="http://schemas.openxmlformats.org/drawingml/2006/diagram"/>
+    </a:ext>
+    <a:ext uri="{C62137D5-CB1D-491B-B009-E17868A290BF}">
+      <dgm14:recolorImg xmlns:dgm14="http://schemas.microsoft.com/office/drawing/2010/diagram" val="1"/>
+    </a:ext>
+  </dgm:extLst>
+</dgm:dataModel>
+</file>
+
+<file path=ppt/diagrams/drawing1.xml><?xml version="1.0" encoding="utf-8"?>
+<dsp:drawing xmlns:dgm="http://schemas.openxmlformats.org/drawingml/2006/diagram" xmlns:dsp="http://schemas.microsoft.com/office/drawing/2008/diagram" xmlns:a="http://schemas.openxmlformats.org/drawingml/2006/main">
+  <dsp:spTree>
+    <dsp:nvGrpSpPr>
+      <dsp:cNvPr id="0" name=""/>
+      <dsp:cNvGrpSpPr/>
+    </dsp:nvGrpSpPr>
+    <dsp:grpSpPr/>
+    <dsp:sp modelId="{9852A6D5-C6AC-425B-B9D6-591FE944A030}">
+      <dsp:nvSpPr>
+        <dsp:cNvPr id="0" name=""/>
+        <dsp:cNvSpPr/>
+      </dsp:nvSpPr>
+      <dsp:spPr>
+        <a:xfrm>
+          <a:off x="1770" y="50106"/>
+          <a:ext cx="2837969" cy="1135187"/>
+        </a:xfrm>
+        <a:prstGeom prst="chevron">
+          <a:avLst/>
+        </a:prstGeom>
+        <a:solidFill>
+          <a:srgbClr val="FF9400"/>
+        </a:solidFill>
+        <a:ln w="25400" cap="flat" cmpd="sng" algn="ctr">
+          <a:solidFill>
+            <a:schemeClr val="lt1">
+              <a:hueOff val="0"/>
+              <a:satOff val="0"/>
+              <a:lumOff val="0"/>
+              <a:alphaOff val="0"/>
+            </a:schemeClr>
+          </a:solidFill>
+          <a:prstDash val="solid"/>
+        </a:ln>
+        <a:effectLst/>
+      </dsp:spPr>
+      <dsp:style>
+        <a:lnRef idx="2">
+          <a:scrgbClr r="0" g="0" b="0"/>
+        </a:lnRef>
+        <a:fillRef idx="1">
+          <a:scrgbClr r="0" g="0" b="0"/>
+        </a:fillRef>
+        <a:effectRef idx="0">
+          <a:scrgbClr r="0" g="0" b="0"/>
+        </a:effectRef>
+        <a:fontRef idx="minor">
+          <a:schemeClr val="lt1"/>
+        </a:fontRef>
+      </dsp:style>
+      <dsp:txBody>
+        <a:bodyPr spcFirstLastPara="0" vert="horz" wrap="square" lIns="60008" tIns="20003" rIns="20003" bIns="20003" numCol="1" spcCol="1270" anchor="ctr" anchorCtr="0">
+          <a:noAutofit/>
+        </a:bodyPr>
+        <a:lstStyle/>
+        <a:p>
+          <a:pPr marL="0" lvl="0" indent="0" algn="ctr" defTabSz="666750">
+            <a:lnSpc>
+              <a:spcPct val="90000"/>
+            </a:lnSpc>
+            <a:spcBef>
+              <a:spcPct val="0"/>
+            </a:spcBef>
+            <a:spcAft>
+              <a:spcPct val="35000"/>
+            </a:spcAft>
+            <a:buNone/>
+          </a:pPr>
+          <a:r>
+            <a:rPr lang="de-DE" sz="1500" kern="1200" dirty="0">
+              <a:latin typeface="Arial" panose="020B0604020202020204" pitchFamily="34" charset="0"/>
+              <a:cs typeface="Arial" panose="020B0604020202020204" pitchFamily="34" charset="0"/>
+            </a:rPr>
+            <a:t>Sprint 1 (M3)</a:t>
+          </a:r>
+        </a:p>
+        <a:p>
+          <a:pPr marL="0" lvl="0" indent="0" algn="ctr" defTabSz="666750">
+            <a:lnSpc>
+              <a:spcPct val="90000"/>
+            </a:lnSpc>
+            <a:spcBef>
+              <a:spcPct val="0"/>
+            </a:spcBef>
+            <a:spcAft>
+              <a:spcPct val="35000"/>
+            </a:spcAft>
+            <a:buNone/>
+          </a:pPr>
+          <a:r>
+            <a:rPr lang="de-DE" sz="1500" kern="1200" dirty="0">
+              <a:latin typeface="Arial" panose="020B0604020202020204" pitchFamily="34" charset="0"/>
+              <a:cs typeface="Arial" panose="020B0604020202020204" pitchFamily="34" charset="0"/>
+            </a:rPr>
+            <a:t>Bis 27.03.</a:t>
+          </a:r>
+        </a:p>
+        <a:p>
+          <a:pPr marL="0" lvl="0" indent="0" algn="ctr" defTabSz="666750">
+            <a:lnSpc>
+              <a:spcPct val="90000"/>
+            </a:lnSpc>
+            <a:spcBef>
+              <a:spcPct val="0"/>
+            </a:spcBef>
+            <a:spcAft>
+              <a:spcPct val="35000"/>
+            </a:spcAft>
+            <a:buNone/>
+          </a:pPr>
+          <a:r>
+            <a:rPr lang="de-DE" sz="1500" kern="1200" dirty="0">
+              <a:latin typeface="Arial" panose="020B0604020202020204" pitchFamily="34" charset="0"/>
+              <a:cs typeface="Arial" panose="020B0604020202020204" pitchFamily="34" charset="0"/>
+            </a:rPr>
+            <a:t>Anforderungen definieren</a:t>
+          </a:r>
+        </a:p>
+      </dsp:txBody>
+      <dsp:txXfrm>
+        <a:off x="569364" y="50106"/>
+        <a:ext cx="1702782" cy="1135187"/>
+      </dsp:txXfrm>
+    </dsp:sp>
+    <dsp:sp modelId="{BEA54C82-EE03-458B-A060-C4CEE64F4F9D}">
+      <dsp:nvSpPr>
+        <dsp:cNvPr id="0" name=""/>
+        <dsp:cNvSpPr/>
+      </dsp:nvSpPr>
+      <dsp:spPr>
+        <a:xfrm>
+          <a:off x="2555942" y="50106"/>
+          <a:ext cx="2837969" cy="1135187"/>
+        </a:xfrm>
+        <a:prstGeom prst="chevron">
+          <a:avLst/>
+        </a:prstGeom>
+        <a:solidFill>
+          <a:srgbClr val="FF9400"/>
+        </a:solidFill>
+        <a:ln w="25400" cap="flat" cmpd="sng" algn="ctr">
+          <a:solidFill>
+            <a:schemeClr val="lt1">
+              <a:hueOff val="0"/>
+              <a:satOff val="0"/>
+              <a:lumOff val="0"/>
+              <a:alphaOff val="0"/>
+            </a:schemeClr>
+          </a:solidFill>
+          <a:prstDash val="solid"/>
+        </a:ln>
+        <a:effectLst/>
+      </dsp:spPr>
+      <dsp:style>
+        <a:lnRef idx="2">
+          <a:scrgbClr r="0" g="0" b="0"/>
+        </a:lnRef>
+        <a:fillRef idx="1">
+          <a:scrgbClr r="0" g="0" b="0"/>
+        </a:fillRef>
+        <a:effectRef idx="0">
+          <a:scrgbClr r="0" g="0" b="0"/>
+        </a:effectRef>
+        <a:fontRef idx="minor">
+          <a:schemeClr val="lt1"/>
+        </a:fontRef>
+      </dsp:style>
+      <dsp:txBody>
+        <a:bodyPr spcFirstLastPara="0" vert="horz" wrap="square" lIns="60008" tIns="20003" rIns="20003" bIns="20003" numCol="1" spcCol="1270" anchor="ctr" anchorCtr="0">
+          <a:noAutofit/>
+        </a:bodyPr>
+        <a:lstStyle/>
+        <a:p>
+          <a:pPr marL="0" lvl="0" indent="0" algn="ctr" defTabSz="666750">
+            <a:lnSpc>
+              <a:spcPct val="90000"/>
+            </a:lnSpc>
+            <a:spcBef>
+              <a:spcPct val="0"/>
+            </a:spcBef>
+            <a:spcAft>
+              <a:spcPct val="35000"/>
+            </a:spcAft>
+            <a:buNone/>
+          </a:pPr>
+          <a:r>
+            <a:rPr lang="de-DE" sz="1500" kern="1200" dirty="0">
+              <a:latin typeface="Arial" panose="020B0604020202020204" pitchFamily="34" charset="0"/>
+              <a:cs typeface="Arial" panose="020B0604020202020204" pitchFamily="34" charset="0"/>
+            </a:rPr>
+            <a:t>Sprint 2</a:t>
+          </a:r>
+        </a:p>
+        <a:p>
+          <a:pPr marL="0" lvl="0" indent="0" algn="ctr" defTabSz="666750">
+            <a:lnSpc>
+              <a:spcPct val="90000"/>
+            </a:lnSpc>
+            <a:spcBef>
+              <a:spcPct val="0"/>
+            </a:spcBef>
+            <a:spcAft>
+              <a:spcPct val="35000"/>
+            </a:spcAft>
+            <a:buNone/>
+          </a:pPr>
+          <a:r>
+            <a:rPr lang="de-DE" sz="1500" kern="1200" dirty="0">
+              <a:latin typeface="Arial" panose="020B0604020202020204" pitchFamily="34" charset="0"/>
+              <a:cs typeface="Arial" panose="020B0604020202020204" pitchFamily="34" charset="0"/>
+            </a:rPr>
+            <a:t>Bis 12.04.</a:t>
+          </a:r>
+        </a:p>
+        <a:p>
+          <a:pPr marL="0" lvl="0" indent="0" algn="ctr" defTabSz="666750">
+            <a:lnSpc>
+              <a:spcPct val="90000"/>
+            </a:lnSpc>
+            <a:spcBef>
+              <a:spcPct val="0"/>
+            </a:spcBef>
+            <a:spcAft>
+              <a:spcPct val="35000"/>
+            </a:spcAft>
+            <a:buNone/>
+          </a:pPr>
+          <a:r>
+            <a:rPr lang="de-DE" sz="1500" kern="1200" dirty="0">
+              <a:latin typeface="Arial" panose="020B0604020202020204" pitchFamily="34" charset="0"/>
+              <a:cs typeface="Arial" panose="020B0604020202020204" pitchFamily="34" charset="0"/>
+            </a:rPr>
+            <a:t> Einrichtung Werkzeuge + M3</a:t>
+          </a:r>
+        </a:p>
+      </dsp:txBody>
+      <dsp:txXfrm>
+        <a:off x="3123536" y="50106"/>
+        <a:ext cx="1702782" cy="1135187"/>
+      </dsp:txXfrm>
+    </dsp:sp>
+    <dsp:sp modelId="{2014C0D1-9380-45DE-9524-9653FA144C5D}">
+      <dsp:nvSpPr>
+        <dsp:cNvPr id="0" name=""/>
+        <dsp:cNvSpPr/>
+      </dsp:nvSpPr>
+      <dsp:spPr>
+        <a:xfrm>
+          <a:off x="5110115" y="50106"/>
+          <a:ext cx="2837969" cy="1135187"/>
+        </a:xfrm>
+        <a:prstGeom prst="chevron">
+          <a:avLst/>
+        </a:prstGeom>
+        <a:solidFill>
+          <a:srgbClr val="FF9400"/>
+        </a:solidFill>
+        <a:ln w="25400" cap="flat" cmpd="sng" algn="ctr">
+          <a:solidFill>
+            <a:schemeClr val="lt1">
+              <a:hueOff val="0"/>
+              <a:satOff val="0"/>
+              <a:lumOff val="0"/>
+              <a:alphaOff val="0"/>
+            </a:schemeClr>
+          </a:solidFill>
+          <a:prstDash val="solid"/>
+        </a:ln>
+        <a:effectLst/>
+      </dsp:spPr>
+      <dsp:style>
+        <a:lnRef idx="2">
+          <a:scrgbClr r="0" g="0" b="0"/>
+        </a:lnRef>
+        <a:fillRef idx="1">
+          <a:scrgbClr r="0" g="0" b="0"/>
+        </a:fillRef>
+        <a:effectRef idx="0">
+          <a:scrgbClr r="0" g="0" b="0"/>
+        </a:effectRef>
+        <a:fontRef idx="minor">
+          <a:schemeClr val="lt1"/>
+        </a:fontRef>
+      </dsp:style>
+      <dsp:txBody>
+        <a:bodyPr spcFirstLastPara="0" vert="horz" wrap="square" lIns="60008" tIns="20003" rIns="20003" bIns="20003" numCol="1" spcCol="1270" anchor="ctr" anchorCtr="0">
+          <a:noAutofit/>
+        </a:bodyPr>
+        <a:lstStyle/>
+        <a:p>
+          <a:pPr marL="0" lvl="0" indent="0" algn="ctr" defTabSz="666750">
+            <a:lnSpc>
+              <a:spcPct val="90000"/>
+            </a:lnSpc>
+            <a:spcBef>
+              <a:spcPct val="0"/>
+            </a:spcBef>
+            <a:spcAft>
+              <a:spcPct val="35000"/>
+            </a:spcAft>
+            <a:buNone/>
+          </a:pPr>
+          <a:r>
+            <a:rPr lang="de-DE" sz="1500" kern="1200" dirty="0">
+              <a:latin typeface="Arial" panose="020B0604020202020204" pitchFamily="34" charset="0"/>
+              <a:cs typeface="Arial" panose="020B0604020202020204" pitchFamily="34" charset="0"/>
+            </a:rPr>
+            <a:t>Sprint 3 (M4)</a:t>
+          </a:r>
+        </a:p>
+        <a:p>
+          <a:pPr marL="0" lvl="0" indent="0" algn="ctr" defTabSz="666750">
+            <a:lnSpc>
+              <a:spcPct val="90000"/>
+            </a:lnSpc>
+            <a:spcBef>
+              <a:spcPct val="0"/>
+            </a:spcBef>
+            <a:spcAft>
+              <a:spcPct val="35000"/>
+            </a:spcAft>
+            <a:buNone/>
+          </a:pPr>
+          <a:r>
+            <a:rPr lang="de-DE" sz="1500" kern="1200" dirty="0">
+              <a:latin typeface="Arial" panose="020B0604020202020204" pitchFamily="34" charset="0"/>
+              <a:cs typeface="Arial" panose="020B0604020202020204" pitchFamily="34" charset="0"/>
+            </a:rPr>
+            <a:t>Bis 02.05. </a:t>
+          </a:r>
+        </a:p>
+        <a:p>
+          <a:pPr marL="0" lvl="0" indent="0" algn="ctr" defTabSz="666750">
+            <a:lnSpc>
+              <a:spcPct val="90000"/>
+            </a:lnSpc>
+            <a:spcBef>
+              <a:spcPct val="0"/>
+            </a:spcBef>
+            <a:spcAft>
+              <a:spcPct val="35000"/>
+            </a:spcAft>
+            <a:buNone/>
+          </a:pPr>
+          <a:r>
+            <a:rPr lang="de-DE" sz="1500" kern="1200" dirty="0">
+              <a:latin typeface="Arial" panose="020B0604020202020204" pitchFamily="34" charset="0"/>
+              <a:cs typeface="Arial" panose="020B0604020202020204" pitchFamily="34" charset="0"/>
+            </a:rPr>
+            <a:t>Architektur + Grobentwurf</a:t>
+          </a:r>
+        </a:p>
+      </dsp:txBody>
+      <dsp:txXfrm>
+        <a:off x="5677709" y="50106"/>
+        <a:ext cx="1702782" cy="1135187"/>
+      </dsp:txXfrm>
+    </dsp:sp>
+    <dsp:sp modelId="{1BFC8CD7-199E-4D15-BB73-27B86B644C50}">
+      <dsp:nvSpPr>
+        <dsp:cNvPr id="0" name=""/>
+        <dsp:cNvSpPr/>
+      </dsp:nvSpPr>
+      <dsp:spPr>
+        <a:xfrm>
+          <a:off x="7664287" y="50106"/>
+          <a:ext cx="2837969" cy="1135187"/>
+        </a:xfrm>
+        <a:prstGeom prst="chevron">
+          <a:avLst/>
+        </a:prstGeom>
+        <a:solidFill>
+          <a:srgbClr val="FF9400"/>
+        </a:solidFill>
+        <a:ln w="25400" cap="flat" cmpd="sng" algn="ctr">
+          <a:solidFill>
+            <a:schemeClr val="lt1">
+              <a:hueOff val="0"/>
+              <a:satOff val="0"/>
+              <a:lumOff val="0"/>
+              <a:alphaOff val="0"/>
+            </a:schemeClr>
+          </a:solidFill>
+          <a:prstDash val="solid"/>
+        </a:ln>
+        <a:effectLst/>
+      </dsp:spPr>
+      <dsp:style>
+        <a:lnRef idx="2">
+          <a:scrgbClr r="0" g="0" b="0"/>
+        </a:lnRef>
+        <a:fillRef idx="1">
+          <a:scrgbClr r="0" g="0" b="0"/>
+        </a:fillRef>
+        <a:effectRef idx="0">
+          <a:scrgbClr r="0" g="0" b="0"/>
+        </a:effectRef>
+        <a:fontRef idx="minor">
+          <a:schemeClr val="lt1"/>
+        </a:fontRef>
+      </dsp:style>
+      <dsp:txBody>
+        <a:bodyPr spcFirstLastPara="0" vert="horz" wrap="square" lIns="60008" tIns="20003" rIns="20003" bIns="20003" numCol="1" spcCol="1270" anchor="ctr" anchorCtr="0">
+          <a:noAutofit/>
+        </a:bodyPr>
+        <a:lstStyle/>
+        <a:p>
+          <a:pPr marL="0" lvl="0" indent="0" algn="ctr" defTabSz="666750">
+            <a:lnSpc>
+              <a:spcPct val="90000"/>
+            </a:lnSpc>
+            <a:spcBef>
+              <a:spcPct val="0"/>
+            </a:spcBef>
+            <a:spcAft>
+              <a:spcPct val="35000"/>
+            </a:spcAft>
+            <a:buNone/>
+          </a:pPr>
+          <a:r>
+            <a:rPr lang="de-DE" sz="1500" kern="1200" dirty="0">
+              <a:latin typeface="Arial" panose="020B0604020202020204" pitchFamily="34" charset="0"/>
+              <a:cs typeface="Arial" panose="020B0604020202020204" pitchFamily="34" charset="0"/>
+            </a:rPr>
+            <a:t>Sprint 4 </a:t>
+          </a:r>
+        </a:p>
+        <a:p>
+          <a:pPr marL="0" lvl="0" indent="0" algn="ctr" defTabSz="666750">
+            <a:lnSpc>
+              <a:spcPct val="90000"/>
+            </a:lnSpc>
+            <a:spcBef>
+              <a:spcPct val="0"/>
+            </a:spcBef>
+            <a:spcAft>
+              <a:spcPct val="35000"/>
+            </a:spcAft>
+            <a:buNone/>
+          </a:pPr>
+          <a:r>
+            <a:rPr lang="de-DE" sz="1500" kern="1200" dirty="0">
+              <a:latin typeface="Arial" panose="020B0604020202020204" pitchFamily="34" charset="0"/>
+              <a:cs typeface="Arial" panose="020B0604020202020204" pitchFamily="34" charset="0"/>
+            </a:rPr>
+            <a:t>Bis 17.05. </a:t>
+          </a:r>
+        </a:p>
+        <a:p>
+          <a:pPr marL="0" lvl="0" indent="0" algn="ctr" defTabSz="666750">
+            <a:lnSpc>
+              <a:spcPct val="90000"/>
+            </a:lnSpc>
+            <a:spcBef>
+              <a:spcPct val="0"/>
+            </a:spcBef>
+            <a:spcAft>
+              <a:spcPct val="35000"/>
+            </a:spcAft>
+            <a:buNone/>
+          </a:pPr>
+          <a:r>
+            <a:rPr lang="de-DE" sz="1500" kern="1200" dirty="0">
+              <a:latin typeface="Arial" panose="020B0604020202020204" pitchFamily="34" charset="0"/>
+              <a:cs typeface="Arial" panose="020B0604020202020204" pitchFamily="34" charset="0"/>
+            </a:rPr>
+            <a:t>Entwicklung Backend</a:t>
+          </a:r>
+        </a:p>
+      </dsp:txBody>
+      <dsp:txXfrm>
+        <a:off x="8231881" y="50106"/>
+        <a:ext cx="1702782" cy="1135187"/>
+      </dsp:txXfrm>
+    </dsp:sp>
+    <dsp:sp modelId="{538D363E-99CC-4E59-8B5F-014403156D14}">
+      <dsp:nvSpPr>
+        <dsp:cNvPr id="0" name=""/>
+        <dsp:cNvSpPr/>
+      </dsp:nvSpPr>
+      <dsp:spPr>
+        <a:xfrm>
+          <a:off x="10218459" y="50106"/>
+          <a:ext cx="2837969" cy="1135187"/>
+        </a:xfrm>
+        <a:prstGeom prst="chevron">
+          <a:avLst/>
+        </a:prstGeom>
+        <a:solidFill>
+          <a:srgbClr val="FF9400"/>
+        </a:solidFill>
+        <a:ln w="25400" cap="flat" cmpd="sng" algn="ctr">
+          <a:solidFill>
+            <a:schemeClr val="lt1">
+              <a:hueOff val="0"/>
+              <a:satOff val="0"/>
+              <a:lumOff val="0"/>
+              <a:alphaOff val="0"/>
+            </a:schemeClr>
+          </a:solidFill>
+          <a:prstDash val="solid"/>
+        </a:ln>
+        <a:effectLst/>
+      </dsp:spPr>
+      <dsp:style>
+        <a:lnRef idx="2">
+          <a:scrgbClr r="0" g="0" b="0"/>
+        </a:lnRef>
+        <a:fillRef idx="1">
+          <a:scrgbClr r="0" g="0" b="0"/>
+        </a:fillRef>
+        <a:effectRef idx="0">
+          <a:scrgbClr r="0" g="0" b="0"/>
+        </a:effectRef>
+        <a:fontRef idx="minor">
+          <a:schemeClr val="lt1"/>
+        </a:fontRef>
+      </dsp:style>
+      <dsp:txBody>
+        <a:bodyPr spcFirstLastPara="0" vert="horz" wrap="square" lIns="60008" tIns="20003" rIns="20003" bIns="20003" numCol="1" spcCol="1270" anchor="ctr" anchorCtr="0">
+          <a:noAutofit/>
+        </a:bodyPr>
+        <a:lstStyle/>
+        <a:p>
+          <a:pPr marL="0" lvl="0" indent="0" algn="ctr" defTabSz="666750">
+            <a:lnSpc>
+              <a:spcPct val="90000"/>
+            </a:lnSpc>
+            <a:spcBef>
+              <a:spcPct val="0"/>
+            </a:spcBef>
+            <a:spcAft>
+              <a:spcPct val="35000"/>
+            </a:spcAft>
+            <a:buNone/>
+          </a:pPr>
+          <a:r>
+            <a:rPr lang="de-DE" sz="1500" kern="1200" dirty="0">
+              <a:latin typeface="Arial" panose="020B0604020202020204" pitchFamily="34" charset="0"/>
+              <a:cs typeface="Arial" panose="020B0604020202020204" pitchFamily="34" charset="0"/>
+            </a:rPr>
+            <a:t>Sprint 5</a:t>
+          </a:r>
+        </a:p>
+        <a:p>
+          <a:pPr marL="0" lvl="0" indent="0" algn="ctr" defTabSz="666750">
+            <a:lnSpc>
+              <a:spcPct val="90000"/>
+            </a:lnSpc>
+            <a:spcBef>
+              <a:spcPct val="0"/>
+            </a:spcBef>
+            <a:spcAft>
+              <a:spcPct val="35000"/>
+            </a:spcAft>
+            <a:buNone/>
+          </a:pPr>
+          <a:r>
+            <a:rPr lang="de-DE" sz="1500" kern="1200" dirty="0">
+              <a:latin typeface="Arial" panose="020B0604020202020204" pitchFamily="34" charset="0"/>
+              <a:cs typeface="Arial" panose="020B0604020202020204" pitchFamily="34" charset="0"/>
+            </a:rPr>
+            <a:t>Bis 31.05. </a:t>
+          </a:r>
+        </a:p>
+        <a:p>
+          <a:pPr marL="0" lvl="0" indent="0" algn="ctr" defTabSz="666750">
+            <a:lnSpc>
+              <a:spcPct val="90000"/>
+            </a:lnSpc>
+            <a:spcBef>
+              <a:spcPct val="0"/>
+            </a:spcBef>
+            <a:spcAft>
+              <a:spcPct val="35000"/>
+            </a:spcAft>
+            <a:buNone/>
+          </a:pPr>
+          <a:r>
+            <a:rPr lang="de-DE" sz="1500" kern="1200" dirty="0">
+              <a:latin typeface="Arial" panose="020B0604020202020204" pitchFamily="34" charset="0"/>
+              <a:cs typeface="Arial" panose="020B0604020202020204" pitchFamily="34" charset="0"/>
+            </a:rPr>
+            <a:t>Entwicklung BE FE + </a:t>
+          </a:r>
+          <a:r>
+            <a:rPr lang="de-DE" sz="1500" kern="1200" dirty="0" err="1">
+              <a:latin typeface="Arial" panose="020B0604020202020204" pitchFamily="34" charset="0"/>
+              <a:cs typeface="Arial" panose="020B0604020202020204" pitchFamily="34" charset="0"/>
+            </a:rPr>
+            <a:t>Posterentwurf</a:t>
+          </a:r>
+          <a:endParaRPr lang="de-DE" sz="1500" kern="1200" dirty="0">
+            <a:latin typeface="Arial" panose="020B0604020202020204" pitchFamily="34" charset="0"/>
+            <a:cs typeface="Arial" panose="020B0604020202020204" pitchFamily="34" charset="0"/>
+          </a:endParaRPr>
+        </a:p>
+      </dsp:txBody>
+      <dsp:txXfrm>
+        <a:off x="10786053" y="50106"/>
+        <a:ext cx="1702782" cy="1135187"/>
+      </dsp:txXfrm>
+    </dsp:sp>
+    <dsp:sp modelId="{27644D4A-39D1-4F66-8BDB-9E9B2BF911B5}">
+      <dsp:nvSpPr>
+        <dsp:cNvPr id="0" name=""/>
+        <dsp:cNvSpPr/>
+      </dsp:nvSpPr>
+      <dsp:spPr>
+        <a:xfrm>
+          <a:off x="12772631" y="50106"/>
+          <a:ext cx="2837969" cy="1135187"/>
+        </a:xfrm>
+        <a:prstGeom prst="chevron">
+          <a:avLst/>
+        </a:prstGeom>
+        <a:solidFill>
+          <a:srgbClr val="FF9400"/>
+        </a:solidFill>
+        <a:ln w="25400" cap="flat" cmpd="sng" algn="ctr">
+          <a:solidFill>
+            <a:schemeClr val="lt1">
+              <a:hueOff val="0"/>
+              <a:satOff val="0"/>
+              <a:lumOff val="0"/>
+              <a:alphaOff val="0"/>
+            </a:schemeClr>
+          </a:solidFill>
+          <a:prstDash val="solid"/>
+        </a:ln>
+        <a:effectLst/>
+      </dsp:spPr>
+      <dsp:style>
+        <a:lnRef idx="2">
+          <a:scrgbClr r="0" g="0" b="0"/>
+        </a:lnRef>
+        <a:fillRef idx="1">
+          <a:scrgbClr r="0" g="0" b="0"/>
+        </a:fillRef>
+        <a:effectRef idx="0">
+          <a:scrgbClr r="0" g="0" b="0"/>
+        </a:effectRef>
+        <a:fontRef idx="minor">
+          <a:schemeClr val="lt1"/>
+        </a:fontRef>
+      </dsp:style>
+      <dsp:txBody>
+        <a:bodyPr spcFirstLastPara="0" vert="horz" wrap="square" lIns="60008" tIns="20003" rIns="20003" bIns="20003" numCol="1" spcCol="1270" anchor="ctr" anchorCtr="0">
+          <a:noAutofit/>
+        </a:bodyPr>
+        <a:lstStyle/>
+        <a:p>
+          <a:pPr marL="0" lvl="0" indent="0" algn="ctr" defTabSz="666750">
+            <a:lnSpc>
+              <a:spcPct val="90000"/>
+            </a:lnSpc>
+            <a:spcBef>
+              <a:spcPct val="0"/>
+            </a:spcBef>
+            <a:spcAft>
+              <a:spcPct val="35000"/>
+            </a:spcAft>
+            <a:buNone/>
+          </a:pPr>
+          <a:r>
+            <a:rPr lang="de-DE" sz="1500" kern="1200" dirty="0">
+              <a:latin typeface="Arial" panose="020B0604020202020204" pitchFamily="34" charset="0"/>
+              <a:cs typeface="Arial" panose="020B0604020202020204" pitchFamily="34" charset="0"/>
+            </a:rPr>
+            <a:t>Sprint 6 (M5) </a:t>
+          </a:r>
+        </a:p>
+        <a:p>
+          <a:pPr marL="0" lvl="0" indent="0" algn="ctr" defTabSz="666750">
+            <a:lnSpc>
+              <a:spcPct val="90000"/>
+            </a:lnSpc>
+            <a:spcBef>
+              <a:spcPct val="0"/>
+            </a:spcBef>
+            <a:spcAft>
+              <a:spcPct val="35000"/>
+            </a:spcAft>
+            <a:buNone/>
+          </a:pPr>
+          <a:r>
+            <a:rPr lang="de-DE" sz="1500" kern="1200" dirty="0">
+              <a:latin typeface="Arial" panose="020B0604020202020204" pitchFamily="34" charset="0"/>
+              <a:cs typeface="Arial" panose="020B0604020202020204" pitchFamily="34" charset="0"/>
+            </a:rPr>
+            <a:t>Bis 19.06.</a:t>
+          </a:r>
+        </a:p>
+        <a:p>
+          <a:pPr marL="0" lvl="0" indent="0" algn="ctr" defTabSz="666750">
+            <a:lnSpc>
+              <a:spcPct val="90000"/>
+            </a:lnSpc>
+            <a:spcBef>
+              <a:spcPct val="0"/>
+            </a:spcBef>
+            <a:spcAft>
+              <a:spcPct val="35000"/>
+            </a:spcAft>
+            <a:buNone/>
+          </a:pPr>
+          <a:r>
+            <a:rPr lang="de-DE" sz="1500" kern="1200" dirty="0">
+              <a:latin typeface="Arial" panose="020B0604020202020204" pitchFamily="34" charset="0"/>
+              <a:cs typeface="Arial" panose="020B0604020202020204" pitchFamily="34" charset="0"/>
+            </a:rPr>
+            <a:t>Entwicklung + Poster + Portfolio</a:t>
+          </a:r>
+        </a:p>
+      </dsp:txBody>
+      <dsp:txXfrm>
+        <a:off x="13340225" y="50106"/>
+        <a:ext cx="1702782" cy="1135187"/>
+      </dsp:txXfrm>
+    </dsp:sp>
+    <dsp:sp modelId="{E3616A5D-E254-4F82-8BD8-B25DE851045B}">
+      <dsp:nvSpPr>
+        <dsp:cNvPr id="0" name=""/>
+        <dsp:cNvSpPr/>
+      </dsp:nvSpPr>
+      <dsp:spPr>
+        <a:xfrm>
+          <a:off x="15326804" y="50106"/>
+          <a:ext cx="2837969" cy="1135187"/>
+        </a:xfrm>
+        <a:prstGeom prst="chevron">
+          <a:avLst/>
+        </a:prstGeom>
+        <a:solidFill>
+          <a:srgbClr val="FF9400"/>
+        </a:solidFill>
+        <a:ln w="25400" cap="flat" cmpd="sng" algn="ctr">
+          <a:solidFill>
+            <a:schemeClr val="lt1">
+              <a:hueOff val="0"/>
+              <a:satOff val="0"/>
+              <a:lumOff val="0"/>
+              <a:alphaOff val="0"/>
+            </a:schemeClr>
+          </a:solidFill>
+          <a:prstDash val="solid"/>
+        </a:ln>
+        <a:effectLst/>
+      </dsp:spPr>
+      <dsp:style>
+        <a:lnRef idx="2">
+          <a:scrgbClr r="0" g="0" b="0"/>
+        </a:lnRef>
+        <a:fillRef idx="1">
+          <a:scrgbClr r="0" g="0" b="0"/>
+        </a:fillRef>
+        <a:effectRef idx="0">
+          <a:scrgbClr r="0" g="0" b="0"/>
+        </a:effectRef>
+        <a:fontRef idx="minor">
+          <a:schemeClr val="lt1"/>
+        </a:fontRef>
+      </dsp:style>
+      <dsp:txBody>
+        <a:bodyPr spcFirstLastPara="0" vert="horz" wrap="square" lIns="60008" tIns="20003" rIns="20003" bIns="20003" numCol="1" spcCol="1270" anchor="ctr" anchorCtr="0">
+          <a:noAutofit/>
+        </a:bodyPr>
+        <a:lstStyle/>
+        <a:p>
+          <a:pPr marL="0" lvl="0" indent="0" algn="ctr" defTabSz="666750">
+            <a:lnSpc>
+              <a:spcPct val="90000"/>
+            </a:lnSpc>
+            <a:spcBef>
+              <a:spcPct val="0"/>
+            </a:spcBef>
+            <a:spcAft>
+              <a:spcPct val="35000"/>
+            </a:spcAft>
+            <a:buNone/>
+          </a:pPr>
+          <a:r>
+            <a:rPr lang="de-DE" sz="1500" kern="1200" dirty="0">
+              <a:latin typeface="Arial" panose="020B0604020202020204" pitchFamily="34" charset="0"/>
+              <a:cs typeface="Arial" panose="020B0604020202020204" pitchFamily="34" charset="0"/>
+            </a:rPr>
+            <a:t>„Release-Week“</a:t>
+          </a:r>
+        </a:p>
+        <a:p>
+          <a:pPr marL="0" lvl="0" indent="0" algn="ctr" defTabSz="666750">
+            <a:lnSpc>
+              <a:spcPct val="90000"/>
+            </a:lnSpc>
+            <a:spcBef>
+              <a:spcPct val="0"/>
+            </a:spcBef>
+            <a:spcAft>
+              <a:spcPct val="35000"/>
+            </a:spcAft>
+            <a:buNone/>
+          </a:pPr>
+          <a:r>
+            <a:rPr lang="de-DE" sz="1500" kern="1200" dirty="0">
+              <a:latin typeface="Arial" panose="020B0604020202020204" pitchFamily="34" charset="0"/>
+              <a:cs typeface="Arial" panose="020B0604020202020204" pitchFamily="34" charset="0"/>
+            </a:rPr>
+            <a:t>19.-24.06.</a:t>
+          </a:r>
+        </a:p>
+        <a:p>
+          <a:pPr marL="0" lvl="0" indent="0" algn="ctr" defTabSz="666750">
+            <a:lnSpc>
+              <a:spcPct val="90000"/>
+            </a:lnSpc>
+            <a:spcBef>
+              <a:spcPct val="0"/>
+            </a:spcBef>
+            <a:spcAft>
+              <a:spcPct val="35000"/>
+            </a:spcAft>
+            <a:buNone/>
+          </a:pPr>
+          <a:r>
+            <a:rPr lang="de-DE" sz="1500" kern="1200" dirty="0">
+              <a:latin typeface="Arial" panose="020B0604020202020204" pitchFamily="34" charset="0"/>
+              <a:cs typeface="Arial" panose="020B0604020202020204" pitchFamily="34" charset="0"/>
+            </a:rPr>
+            <a:t>Vorbereitung Präsentation</a:t>
+          </a:r>
+        </a:p>
+      </dsp:txBody>
+      <dsp:txXfrm>
+        <a:off x="15894398" y="50106"/>
+        <a:ext cx="1702782" cy="1135187"/>
+      </dsp:txXfrm>
+    </dsp:sp>
+    <dsp:sp modelId="{1CBDAAA1-E412-4DDA-8BE4-588C34D90E62}">
+      <dsp:nvSpPr>
+        <dsp:cNvPr id="0" name=""/>
+        <dsp:cNvSpPr/>
+      </dsp:nvSpPr>
+      <dsp:spPr>
+        <a:xfrm>
+          <a:off x="17880976" y="50106"/>
+          <a:ext cx="2837969" cy="1135187"/>
+        </a:xfrm>
+        <a:prstGeom prst="chevron">
+          <a:avLst/>
+        </a:prstGeom>
+        <a:solidFill>
+          <a:srgbClr val="FF9400"/>
+        </a:solidFill>
+        <a:ln w="25400" cap="flat" cmpd="sng" algn="ctr">
+          <a:solidFill>
+            <a:schemeClr val="lt1">
+              <a:hueOff val="0"/>
+              <a:satOff val="0"/>
+              <a:lumOff val="0"/>
+              <a:alphaOff val="0"/>
+            </a:schemeClr>
+          </a:solidFill>
+          <a:prstDash val="solid"/>
+        </a:ln>
+        <a:effectLst/>
+      </dsp:spPr>
+      <dsp:style>
+        <a:lnRef idx="2">
+          <a:scrgbClr r="0" g="0" b="0"/>
+        </a:lnRef>
+        <a:fillRef idx="1">
+          <a:scrgbClr r="0" g="0" b="0"/>
+        </a:fillRef>
+        <a:effectRef idx="0">
+          <a:scrgbClr r="0" g="0" b="0"/>
+        </a:effectRef>
+        <a:fontRef idx="minor">
+          <a:schemeClr val="lt1"/>
+        </a:fontRef>
+      </dsp:style>
+      <dsp:txBody>
+        <a:bodyPr spcFirstLastPara="0" vert="horz" wrap="square" lIns="60008" tIns="20003" rIns="20003" bIns="20003" numCol="1" spcCol="1270" anchor="ctr" anchorCtr="0">
+          <a:noAutofit/>
+        </a:bodyPr>
+        <a:lstStyle/>
+        <a:p>
+          <a:pPr marL="0" lvl="0" indent="0" algn="ctr" defTabSz="666750">
+            <a:lnSpc>
+              <a:spcPct val="90000"/>
+            </a:lnSpc>
+            <a:spcBef>
+              <a:spcPct val="0"/>
+            </a:spcBef>
+            <a:spcAft>
+              <a:spcPct val="35000"/>
+            </a:spcAft>
+            <a:buNone/>
+          </a:pPr>
+          <a:r>
+            <a:rPr lang="de-DE" sz="1500" kern="1200" dirty="0">
+              <a:latin typeface="Arial" panose="020B0604020202020204" pitchFamily="34" charset="0"/>
+              <a:cs typeface="Arial" panose="020B0604020202020204" pitchFamily="34" charset="0"/>
+            </a:rPr>
+            <a:t>Sprint 7 (Abgabe)</a:t>
+          </a:r>
+        </a:p>
+        <a:p>
+          <a:pPr marL="0" lvl="0" indent="0" algn="ctr" defTabSz="666750">
+            <a:lnSpc>
+              <a:spcPct val="90000"/>
+            </a:lnSpc>
+            <a:spcBef>
+              <a:spcPct val="0"/>
+            </a:spcBef>
+            <a:spcAft>
+              <a:spcPct val="35000"/>
+            </a:spcAft>
+            <a:buNone/>
+          </a:pPr>
+          <a:r>
+            <a:rPr lang="de-DE" sz="1500" kern="1200" dirty="0">
+              <a:latin typeface="Arial" panose="020B0604020202020204" pitchFamily="34" charset="0"/>
+              <a:cs typeface="Arial" panose="020B0604020202020204" pitchFamily="34" charset="0"/>
+            </a:rPr>
+            <a:t>Bis 28.07.</a:t>
+          </a:r>
+        </a:p>
+        <a:p>
+          <a:pPr marL="0" lvl="0" indent="0" algn="ctr" defTabSz="666750">
+            <a:lnSpc>
+              <a:spcPct val="90000"/>
+            </a:lnSpc>
+            <a:spcBef>
+              <a:spcPct val="0"/>
+            </a:spcBef>
+            <a:spcAft>
+              <a:spcPct val="35000"/>
+            </a:spcAft>
+            <a:buNone/>
+          </a:pPr>
+          <a:r>
+            <a:rPr lang="de-DE" sz="1500" kern="1200" dirty="0">
+              <a:latin typeface="Arial" panose="020B0604020202020204" pitchFamily="34" charset="0"/>
+              <a:cs typeface="Arial" panose="020B0604020202020204" pitchFamily="34" charset="0"/>
+            </a:rPr>
+            <a:t>Nachbearbeitung</a:t>
+          </a:r>
+        </a:p>
+        <a:p>
+          <a:pPr marL="0" lvl="0" indent="0" algn="ctr" defTabSz="666750">
+            <a:lnSpc>
+              <a:spcPct val="90000"/>
+            </a:lnSpc>
+            <a:spcBef>
+              <a:spcPct val="0"/>
+            </a:spcBef>
+            <a:spcAft>
+              <a:spcPct val="35000"/>
+            </a:spcAft>
+            <a:buNone/>
+          </a:pPr>
+          <a:r>
+            <a:rPr lang="de-DE" sz="1500" kern="1200" dirty="0">
+              <a:latin typeface="Arial" panose="020B0604020202020204" pitchFamily="34" charset="0"/>
+              <a:cs typeface="Arial" panose="020B0604020202020204" pitchFamily="34" charset="0"/>
+            </a:rPr>
+            <a:t>Reflexionsberichte</a:t>
+          </a:r>
+        </a:p>
+      </dsp:txBody>
+      <dsp:txXfrm>
+        <a:off x="18448570" y="50106"/>
+        <a:ext cx="1702782" cy="1135187"/>
+      </dsp:txXfrm>
+    </dsp:sp>
+  </dsp:spTree>
+</dsp:drawing>
+</file>
+
+<file path=ppt/diagrams/layout1.xml><?xml version="1.0" encoding="utf-8"?>
+<dgm:layoutDef xmlns:dgm="http://schemas.openxmlformats.org/drawingml/2006/diagram" xmlns:a="http://schemas.openxmlformats.org/drawingml/2006/main" uniqueId="urn:microsoft.com/office/officeart/2005/8/layout/chevron1">
+  <dgm:title val=""/>
+  <dgm:desc val=""/>
+  <dgm:catLst>
+    <dgm:cat type="process" pri="9000"/>
+  </dgm:catLst>
+  <dgm:sampData useDef="1">
+    <dgm:dataModel>
+      <dgm:ptLst/>
+      <dgm:bg/>
+      <dgm:whole/>
+    </dgm:dataModel>
+  </dgm:sampData>
+  <dgm:styleData>
+    <dgm:dataModel>
+      <dgm:ptLst>
+        <dgm:pt modelId="0" type="doc"/>
+        <dgm:pt modelId="1"/>
+        <dgm:pt modelId="2"/>
+      </dgm:ptLst>
+      <dgm:cxnLst>
+        <dgm:cxn modelId="3" srcId="0" destId="1" srcOrd="0" destOrd="0"/>
+        <dgm:cxn modelId="4" srcId="0" destId="2" srcOrd="1" destOrd="0"/>
+      </dgm:cxnLst>
+      <dgm:bg/>
+      <dgm:whole/>
+    </dgm:dataModel>
+  </dgm:styleData>
+  <dgm:clrData>
+    <dgm:dataModel>
+      <dgm:ptLst>
+        <dgm:pt modelId="0" type="doc"/>
+        <dgm:pt modelId="1"/>
+        <dgm:pt modelId="2"/>
+        <dgm:pt modelId="3"/>
+        <dgm:pt modelId="4"/>
+      </dgm:ptLst>
+      <dgm:cxnLst>
+        <dgm:cxn modelId="5" srcId="0" destId="1" srcOrd="0" destOrd="0"/>
+        <dgm:cxn modelId="6" srcId="0" destId="2" srcOrd="1" destOrd="0"/>
+        <dgm:cxn modelId="7" srcId="0" destId="3" srcOrd="2" destOrd="0"/>
+        <dgm:cxn modelId="8" srcId="0" destId="4" srcOrd="3" destOrd="0"/>
+      </dgm:cxnLst>
+      <dgm:bg/>
+      <dgm:whole/>
+    </dgm:dataModel>
+  </dgm:clrData>
+  <dgm:layoutNode name="Name0">
+    <dgm:varLst>
+      <dgm:dir/>
+      <dgm:animLvl val="lvl"/>
+      <dgm:resizeHandles val="exact"/>
+    </dgm:varLst>
+    <dgm:choose name="Name1">
+      <dgm:if name="Name2" func="var" arg="dir" op="equ" val="norm">
+        <dgm:alg type="lin"/>
+      </dgm:if>
+      <dgm:else name="Name3">
+        <dgm:alg type="lin">
+          <dgm:param type="linDir" val="fromR"/>
+        </dgm:alg>
+      </dgm:else>
+    </dgm:choose>
+    <dgm:shape xmlns:r="http://schemas.openxmlformats.org/officeDocument/2006/relationships" r:blip="">
+      <dgm:adjLst/>
+    </dgm:shape>
+    <dgm:presOf/>
+    <dgm:choose name="Name4">
+      <dgm:if name="Name5" axis="des" func="maxDepth" op="gte" val="2">
+        <dgm:constrLst>
+          <dgm:constr type="h" for="ch" forName="composite" refType="h"/>
+          <dgm:constr type="w" for="ch" forName="composite" refType="w"/>
+          <dgm:constr type="w" for="des" forName="parTx"/>
+          <dgm:constr type="h" for="des" forName="parTx" op="equ"/>
+          <dgm:constr type="w" for="des" forName="desTx"/>
+          <dgm:constr type="h" for="des" forName="desTx" op="equ"/>
+          <dgm:constr type="primFontSz" for="des" forName="parTx" val="65"/>
+          <dgm:constr type="secFontSz" for="des" forName="desTx" refType="primFontSz" refFor="des" refForName="parTx" op="equ"/>
+          <dgm:constr type="h" for="des" forName="parTx" refType="primFontSz" refFor="des" refForName="parTx" fact="1.5"/>
+          <dgm:constr type="h" for="des" forName="desTx" refType="primFontSz" refFor="des" refForName="parTx" fact="0.5"/>
+          <dgm:constr type="w" for="ch" forName="space" op="equ" val="-6"/>
+        </dgm:constrLst>
+        <dgm:ruleLst>
+          <dgm:rule type="w" for="ch" forName="composite" val="0" fact="NaN" max="NaN"/>
+          <dgm:rule type="primFontSz" for="des" forName="parTx" val="5" fact="NaN" max="NaN"/>
+        </dgm:ruleLst>
+        <dgm:forEach name="Name6" axis="ch" ptType="node">
+          <dgm:layoutNode name="composite">
+            <dgm:alg type="composite"/>
+            <dgm:shape xmlns:r="http://schemas.openxmlformats.org/officeDocument/2006/relationships" r:blip="">
+              <dgm:adjLst/>
+            </dgm:shape>
+            <dgm:presOf/>
+            <dgm:choose name="Name7">
+              <dgm:if name="Name8" func="var" arg="dir" op="equ" val="norm">
+                <dgm:constrLst>
+                  <dgm:constr type="l" for="ch" forName="parTx"/>
+                  <dgm:constr type="w" for="ch" forName="parTx" refType="w"/>
+                  <dgm:constr type="t" for="ch" forName="parTx"/>
+                  <dgm:constr type="l" for="ch" forName="desTx"/>
+                  <dgm:constr type="w" for="ch" forName="desTx" refType="w" refFor="ch" refForName="parTx" fact="0.8"/>
+                  <dgm:constr type="t" for="ch" forName="desTx" refType="h" refFor="ch" refForName="parTx" fact="1.125"/>
+                </dgm:constrLst>
+              </dgm:if>
+              <dgm:else name="Name9">
+                <dgm:constrLst>
+                  <dgm:constr type="l" for="ch" forName="parTx"/>
+                  <dgm:constr type="w" for="ch" forName="parTx" refType="w"/>
+                  <dgm:constr type="t" for="ch" forName="parTx"/>
+                  <dgm:constr type="l" for="ch" forName="desTx" refType="w" fact="0.2"/>
+                  <dgm:constr type="w" for="ch" forName="desTx" refType="w" refFor="ch" refForName="parTx" fact="0.8"/>
+                  <dgm:constr type="t" for="ch" forName="desTx" refType="h" refFor="ch" refForName="parTx" fact="1.125"/>
+                </dgm:constrLst>
+              </dgm:else>
+            </dgm:choose>
+            <dgm:ruleLst>
+              <dgm:rule type="h" val="INF" fact="NaN" max="NaN"/>
+            </dgm:ruleLst>
+            <dgm:layoutNode name="parTx">
+              <dgm:varLst>
+                <dgm:chMax val="0"/>
+                <dgm:chPref val="0"/>
+                <dgm:bulletEnabled val="1"/>
+              </dgm:varLst>
+              <dgm:alg type="tx"/>
+              <dgm:choose name="Name10">
+                <dgm:if name="Name11" func="var" arg="dir" op="equ" val="norm">
+                  <dgm:shape xmlns:r="http://schemas.openxmlformats.org/officeDocument/2006/relationships" type="chevron" r:blip="">
+                    <dgm:adjLst/>
+                  </dgm:shape>
+                </dgm:if>
+                <dgm:else name="Name12">
+                  <dgm:shape xmlns:r="http://schemas.openxmlformats.org/officeDocument/2006/relationships" rot="180" type="chevron" r:blip="">
+                    <dgm:adjLst/>
+                  </dgm:shape>
+                </dgm:else>
+              </dgm:choose>
+              <dgm:presOf axis="self" ptType="node"/>
+              <dgm:choose name="Name13">
+                <dgm:if name="Name14" func="var" arg="dir" op="equ" val="norm">
+                  <dgm:constrLst>
+                    <dgm:constr type="h" refType="w" op="lte" fact="0.4"/>
+                    <dgm:constr type="h"/>
+                    <dgm:constr type="tMarg" refType="primFontSz" fact="0.105"/>
+                    <dgm:constr type="bMarg" refType="primFontSz" fact="0.105"/>
+                    <dgm:constr type="lMarg" refType="primFontSz" fact="0.315"/>
+                    <dgm:constr type="rMarg" refType="primFontSz" fact="0.105"/>
+                  </dgm:constrLst>
+                </dgm:if>
+                <dgm:else name="Name15">
+                  <dgm:constrLst>
+                    <dgm:constr type="h" refType="w" op="lte" fact="0.4"/>
+                    <dgm:constr type="h"/>
+                    <dgm:constr type="tMarg" refType="primFontSz" fact="0.105"/>
+                    <dgm:constr type="bMarg" refType="primFontSz" fact="0.105"/>
+                    <dgm:constr type="lMarg" refType="primFontSz" fact="0.105"/>
+                    <dgm:constr type="rMarg" refType="primFontSz" fact="0.315"/>
+                  </dgm:constrLst>
+                </dgm:else>
+              </dgm:choose>
+              <dgm:ruleLst>
+                <dgm:rule type="h" val="INF" fact="NaN" max="NaN"/>
+              </dgm:ruleLst>
+            </dgm:layoutNode>
+            <dgm:layoutNode name="desTx" styleLbl="revTx">
+              <dgm:varLst>
+                <dgm:bulletEnabled val="1"/>
+              </dgm:varLst>
+              <dgm:alg type="tx">
+                <dgm:param type="stBulletLvl" val="1"/>
+              </dgm:alg>
+              <dgm:choose name="Name16">
+                <dgm:if name="Name17" axis="ch" ptType="node" func="cnt" op="gte" val="1">
+                  <dgm:shape xmlns:r="http://schemas.openxmlformats.org/officeDocument/2006/relationships" type="rect" r:blip="">
+                    <dgm:adjLst/>
+                  </dgm:shape>
+                </dgm:if>
+                <dgm:else name="Name18">
+                  <dgm:shape xmlns:r="http://schemas.openxmlformats.org/officeDocument/2006/relationships" type="rect" r:blip="" hideGeom="1">
+                    <dgm:adjLst/>
+                  </dgm:shape>
+                </dgm:else>
+              </dgm:choose>
+              <dgm:presOf axis="des" ptType="node"/>
+              <dgm:constrLst>
+                <dgm:constr type="secFontSz" val="65"/>
+                <dgm:constr type="primFontSz" refType="secFontSz"/>
+                <dgm:constr type="h"/>
+                <dgm:constr type="tMarg"/>
+                <dgm:constr type="bMarg"/>
+                <dgm:constr type="rMarg"/>
+                <dgm:constr type="lMarg"/>
+              </dgm:constrLst>
+              <dgm:ruleLst>
+                <dgm:rule type="h" val="INF" fact="NaN" max="NaN"/>
+              </dgm:ruleLst>
+            </dgm:layoutNode>
+          </dgm:layoutNode>
+          <dgm:forEach name="Name19" axis="followSib" ptType="sibTrans" cnt="1">
+            <dgm:layoutNode name="space">
+              <dgm:alg type="sp"/>
+              <dgm:shape xmlns:r="http://schemas.openxmlformats.org/officeDocument/2006/relationships" r:blip="">
+                <dgm:adjLst/>
+              </dgm:shape>
+              <dgm:presOf/>
+              <dgm:constrLst/>
+              <dgm:ruleLst/>
+            </dgm:layoutNode>
+          </dgm:forEach>
+        </dgm:forEach>
+      </dgm:if>
+      <dgm:else name="Name20">
+        <dgm:constrLst>
+          <dgm:constr type="w" for="ch" forName="parTxOnly" refType="w"/>
+          <dgm:constr type="h" for="des" forName="parTxOnly" op="equ"/>
+          <dgm:constr type="primFontSz" for="des" forName="parTxOnly" op="equ" val="65"/>
+          <dgm:constr type="w" for="ch" forName="parTxOnlySpace" refType="w" refFor="ch" refForName="parTxOnly" fact="-0.1"/>
+        </dgm:constrLst>
+        <dgm:ruleLst/>
+        <dgm:forEach name="Name21" axis="ch" ptType="node">
+          <dgm:layoutNode name="parTxOnly">
+            <dgm:varLst>
+              <dgm:chMax val="0"/>
+              <dgm:chPref val="0"/>
+              <dgm:bulletEnabled val="1"/>
+            </dgm:varLst>
+            <dgm:alg type="tx"/>
+            <dgm:choose name="Name22">
+              <dgm:if name="Name23" func="var" arg="dir" op="equ" val="norm">
+                <dgm:shape xmlns:r="http://schemas.openxmlformats.org/officeDocument/2006/relationships" type="chevron" r:blip="">
+                  <dgm:adjLst/>
+                </dgm:shape>
+              </dgm:if>
+              <dgm:else name="Name24">
+                <dgm:shape xmlns:r="http://schemas.openxmlformats.org/officeDocument/2006/relationships" rot="180" type="chevron" r:blip="">
+                  <dgm:adjLst/>
+                </dgm:shape>
+              </dgm:else>
+            </dgm:choose>
+            <dgm:presOf axis="self" ptType="node"/>
+            <dgm:choose name="Name25">
+              <dgm:if name="Name26" func="var" arg="dir" op="equ" val="norm">
+                <dgm:constrLst>
+                  <dgm:constr type="h" refType="w" op="equ" fact="0.4"/>
+                  <dgm:constr type="tMarg" refType="primFontSz" fact="0.105"/>
+                  <dgm:constr type="bMarg" refType="primFontSz" fact="0.105"/>
+                  <dgm:constr type="lMarg" refType="primFontSz" fact="0.315"/>
+                  <dgm:constr type="rMarg" refType="primFontSz" fact="0.105"/>
+                </dgm:constrLst>
+              </dgm:if>
+              <dgm:else name="Name27">
+                <dgm:constrLst>
+                  <dgm:constr type="h" refType="w" op="equ" fact="0.4"/>
+                  <dgm:constr type="tMarg" refType="primFontSz" fact="0.105"/>
+                  <dgm:constr type="bMarg" refType="primFontSz" fact="0.105"/>
+                  <dgm:constr type="lMarg" refType="primFontSz" fact="0.105"/>
+                  <dgm:constr type="rMarg" refType="primFontSz" fact="0.315"/>
+                </dgm:constrLst>
+              </dgm:else>
+            </dgm:choose>
+            <dgm:ruleLst>
+              <dgm:rule type="primFontSz" val="5" fact="NaN" max="NaN"/>
+            </dgm:ruleLst>
+          </dgm:layoutNode>
+          <dgm:forEach name="Name28" axis="followSib" ptType="sibTrans" cnt="1">
+            <dgm:layoutNode name="parTxOnlySpace">
+              <dgm:alg type="sp"/>
+              <dgm:shape xmlns:r="http://schemas.openxmlformats.org/officeDocument/2006/relationships" r:blip="">
+                <dgm:adjLst/>
+              </dgm:shape>
+              <dgm:presOf/>
+              <dgm:constrLst/>
+              <dgm:ruleLst/>
+            </dgm:layoutNode>
+          </dgm:forEach>
+        </dgm:forEach>
+      </dgm:else>
+    </dgm:choose>
+  </dgm:layoutNode>
+</dgm:layoutDef>
+</file>
+
+<file path=ppt/diagrams/quickStyle1.xml><?xml version="1.0" encoding="utf-8"?>
+<dgm:styleDef xmlns:dgm="http://schemas.openxmlformats.org/drawingml/2006/diagram" xmlns:a="http://schemas.openxmlformats.org/drawingml/2006/main" uniqueId="urn:microsoft.com/office/officeart/2005/8/quickstyle/simple1">
+  <dgm:title val=""/>
+  <dgm:desc val=""/>
+  <dgm:catLst>
+    <dgm:cat type="simple" pri="10100"/>
+  </dgm:catLst>
+  <dgm:scene3d>
+    <a:camera prst="orthographicFront"/>
+    <a:lightRig rig="threePt" dir="t"/>
+  </dgm:scene3d>
+  <dgm:styleLbl name="node0">
+    <dgm:scene3d>
+      <a:camera prst="orthographicFront"/>
+      <a:lightRig rig="threePt" dir="t"/>
+    </dgm:scene3d>
+    <dgm:sp3d/>
+    <dgm:txPr/>
+    <dgm:style>
+      <a:lnRef idx="2">
+        <a:scrgbClr r="0" g="0" b="0"/>
+      </a:lnRef>
+      <a:fillRef idx="1">
+        <a:scrgbClr r="0" g="0" b="0"/>
+      </a:fillRef>
+      <a:effectRef idx="0">
+        <a:scrgbClr r="0" g="0" b="0"/>
+      </a:effectRef>
+      <a:fontRef idx="minor">
+        <a:schemeClr val="lt1"/>
+      </a:fontRef>
+    </dgm:style>
+  </dgm:styleLbl>
+  <dgm:styleLbl name="lnNode1">
+    <dgm:scene3d>
+      <a:camera prst="orthographicFront"/>
+      <a:lightRig rig="threePt" dir="t"/>
+    </dgm:scene3d>
+    <dgm:sp3d/>
+    <dgm:txPr/>
+    <dgm:style>
+      <a:lnRef idx="2">
+        <a:scrgbClr r="0" g="0" b="0"/>
+      </a:lnRef>
+      <a:fillRef idx="1">
+        <a:scrgbClr r="0" g="0" b="0"/>
+      </a:fillRef>
+      <a:effectRef idx="0">
+        <a:scrgbClr r="0" g="0" b="0"/>
+      </a:effectRef>
+      <a:fontRef idx="minor">
+        <a:schemeClr val="lt1"/>
+      </a:fontRef>
+    </dgm:style>
+  </dgm:styleLbl>
+  <dgm:styleLbl name="vennNode1">
+    <dgm:scene3d>
+      <a:camera prst="orthographicFront"/>
+      <a:lightRig rig="threePt" dir="t"/>
+    </dgm:scene3d>
+    <dgm:sp3d/>
+    <dgm:txPr/>
+    <dgm:style>
+      <a:lnRef idx="2">
+        <a:scrgbClr r="0" g="0" b="0"/>
+      </a:lnRef>
+      <a:fillRef idx="1">
+        <a:scrgbClr r="0" g="0" b="0"/>
+      </a:fillRef>
+      <a:effectRef idx="0">
+        <a:scrgbClr r="0" g="0" b="0"/>
+      </a:effectRef>
+      <a:fontRef idx="minor">
+        <a:schemeClr val="tx1"/>
+      </a:fontRef>
+    </dgm:style>
+  </dgm:styleLbl>
+  <dgm:styleLbl name="alignNode1">
+    <dgm:scene3d>
+      <a:camera prst="orthographicFront"/>
+      <a:lightRig rig="threePt" dir="t"/>
+    </dgm:scene3d>
+    <dgm:sp3d/>
+    <dgm:txPr/>
+    <dgm:style>
+      <a:lnRef idx="2">
+        <a:scrgbClr r="0" g="0" b="0"/>
+      </a:lnRef>
+      <a:fillRef idx="1">
+        <a:scrgbClr r="0" g="0" b="0"/>
+      </a:fillRef>
+      <a:effectRef idx="0">
+        <a:scrgbClr r="0" g="0" b="0"/>
+      </a:effectRef>
+      <a:fontRef idx="minor">
+        <a:schemeClr val="lt1"/>
+      </a:fontRef>
+    </dgm:style>
+  </dgm:styleLbl>
+  <dgm:styleLbl name="node1">
+    <dgm:scene3d>
+      <a:camera prst="orthographicFront"/>
+      <a:lightRig rig="threePt" dir="t"/>
+    </dgm:scene3d>
+    <dgm:sp3d/>
+    <dgm:txPr/>
+    <dgm:style>
+      <a:lnRef idx="2">
+        <a:scrgbClr r="0" g="0" b="0"/>
+      </a:lnRef>
+      <a:fillRef idx="1">
+        <a:scrgbClr r="0" g="0" b="0"/>
+      </a:fillRef>
+      <a:effectRef idx="0">
+        <a:scrgbClr r="0" g="0" b="0"/>
+      </a:effectRef>
+      <a:fontRef idx="minor">
+        <a:schemeClr val="lt1"/>
+      </a:fontRef>
+    </dgm:style>
+  </dgm:styleLbl>
+  <dgm:styleLbl name="node2">
+    <dgm:scene3d>
+      <a:camera prst="orthographicFront"/>
+      <a:lightRig rig="threePt" dir="t"/>
+    </dgm:scene3d>
+    <dgm:sp3d/>
+    <dgm:txPr/>
+    <dgm:style>
+      <a:lnRef idx="2">
+        <a:scrgbClr r="0" g="0" b="0"/>
+      </a:lnRef>
+      <a:fillRef idx="1">
+        <a:scrgbClr r="0" g="0" b="0"/>
+      </a:fillRef>
+      <a:effectRef idx="0">
+        <a:scrgbClr r="0" g="0" b="0"/>
+      </a:effectRef>
+      <a:fontRef idx="minor">
+        <a:schemeClr val="lt1"/>
+      </a:fontRef>
+    </dgm:style>
+  </dgm:styleLbl>
+  <dgm:styleLbl name="node3">
+    <dgm:scene3d>
+      <a:camera prst="orthographicFront"/>
+      <a:lightRig rig="threePt" dir="t"/>
+    </dgm:scene3d>
+    <dgm:sp3d/>
+    <dgm:txPr/>
+    <dgm:style>
+      <a:lnRef idx="2">
+        <a:scrgbClr r="0" g="0" b="0"/>
+      </a:lnRef>
+      <a:fillRef idx="1">
+        <a:scrgbClr r="0" g="0" b="0"/>
+      </a:fillRef>
+      <a:effectRef idx="0">
+        <a:scrgbClr r="0" g="0" b="0"/>
+      </a:effectRef>
+      <a:fontRef idx="minor">
+        <a:schemeClr val="lt1"/>
+      </a:fontRef>
+    </dgm:style>
+  </dgm:styleLbl>
+  <dgm:styleLbl name="node4">
+    <dgm:scene3d>
+      <a:camera prst="orthographicFront"/>
+      <a:lightRig rig="threePt" dir="t"/>
+    </dgm:scene3d>
+    <dgm:sp3d/>
+    <dgm:txPr/>
+    <dgm:style>
+      <a:lnRef idx="2">
+        <a:scrgbClr r="0" g="0" b="0"/>
+      </a:lnRef>
+      <a:fillRef idx="1">
+        <a:scrgbClr r="0" g="0" b="0"/>
+      </a:fillRef>
+      <a:effectRef idx="0">
+        <a:scrgbClr r="0" g="0" b="0"/>
+      </a:effectRef>
+      <a:fontRef idx="minor">
+        <a:schemeClr val="lt1"/>
+      </a:fontRef>
+    </dgm:style>
+  </dgm:styleLbl>
+  <dgm:styleLbl name="fgImgPlace1">
+    <dgm:scene3d>
+      <a:camera prst="orthographicFront"/>
+      <a:lightRig rig="threePt" dir="t"/>
+    </dgm:scene3d>
+    <dgm:sp3d/>
+    <dgm:txPr/>
+    <dgm:style>
+      <a:lnRef idx="2">
+        <a:scrgbClr r="0" g="0" b="0"/>
+      </a:lnRef>
+      <a:fillRef idx="1">
+        <a:scrgbClr r="0" g="0" b="0"/>
+      </a:fillRef>
+      <a:effectRef idx="0">
+        <a:scrgbClr r="0" g="0" b="0"/>
+      </a:effectRef>
+      <a:fontRef idx="minor"/>
+    </dgm:style>
+  </dgm:styleLbl>
+  <dgm:styleLbl name="alignImgPlace1">
+    <dgm:scene3d>
+      <a:camera prst="orthographicFront"/>
+      <a:lightRig rig="threePt" dir="t"/>
+    </dgm:scene3d>
+    <dgm:sp3d/>
+    <dgm:txPr/>
+    <dgm:style>
+      <a:lnRef idx="2">
+        <a:scrgbClr r="0" g="0" b="0"/>
+      </a:lnRef>
+      <a:fillRef idx="1">
+        <a:scrgbClr r="0" g="0" b="0"/>
+      </a:fillRef>
+      <a:effectRef idx="0">
+        <a:scrgbClr r="0" g="0" b="0"/>
+      </a:effectRef>
+      <a:fontRef idx="minor"/>
+    </dgm:style>
+  </dgm:styleLbl>
+  <dgm:styleLbl name="bgImgPlace1">
+    <dgm:scene3d>
+      <a:camera prst="orthographicFront"/>
+      <a:lightRig rig="threePt" dir="t"/>
+    </dgm:scene3d>
+    <dgm:sp3d/>
+    <dgm:txPr/>
+    <dgm:style>
+      <a:lnRef idx="2">
+        <a:scrgbClr r="0" g="0" b="0"/>
+      </a:lnRef>
+      <a:fillRef idx="1">
+        <a:scrgbClr r="0" g="0" b="0"/>
+      </a:fillRef>
+      <a:effectRef idx="0">
+        <a:scrgbClr r="0" g="0" b="0"/>
+      </a:effectRef>
+      <a:fontRef idx="minor"/>
+    </dgm:style>
+  </dgm:styleLbl>
+  <dgm:styleLbl name="sibTrans2D1">
+    <dgm:scene3d>
+      <a:camera prst="orthographicFront"/>
+      <a:lightRig rig="threePt" dir="t"/>
+    </dgm:scene3d>
+    <dgm:sp3d/>
+    <dgm:txPr/>
+    <dgm:style>
+      <a:lnRef idx="0">
+        <a:scrgbClr r="0" g="0" b="0"/>
+      </a:lnRef>
+      <a:fillRef idx="1">
+        <a:scrgbClr r="0" g="0" b="0"/>
+      </a:fillRef>
+      <a:effectRef idx="0">
+        <a:scrgbClr r="0" g="0" b="0"/>
+      </a:effectRef>
+      <a:fontRef idx="minor">
+        <a:schemeClr val="lt1"/>
+      </a:fontRef>
+    </dgm:style>
+  </dgm:styleLbl>
+  <dgm:styleLbl name="fgSibTrans2D1">
+    <dgm:scene3d>
+      <a:camera prst="orthographicFront"/>
+      <a:lightRig rig="threePt" dir="t"/>
+    </dgm:scene3d>
+    <dgm:sp3d/>
+    <dgm:txPr/>
+    <dgm:style>
+      <a:lnRef idx="0">
+        <a:scrgbClr r="0" g="0" b="0"/>
+      </a:lnRef>
+      <a:fillRef idx="1">
+        <a:scrgbClr r="0" g="0" b="0"/>
+      </a:fillRef>
+      <a:effectRef idx="0">
+        <a:scrgbClr r="0" g="0" b="0"/>
+      </a:effectRef>
+      <a:fontRef idx="minor">
+        <a:schemeClr val="lt1"/>
+      </a:fontRef>
+    </dgm:style>
+  </dgm:styleLbl>
+  <dgm:styleLbl name="bgSibTrans2D1">
+    <dgm:scene3d>
+      <a:camera prst="orthographicFront"/>
+      <a:lightRig rig="threePt" dir="t"/>
+    </dgm:scene3d>
+    <dgm:sp3d/>
+    <dgm:txPr/>
+    <dgm:style>
+      <a:lnRef idx="0">
+        <a:scrgbClr r="0" g="0" b="0"/>
+      </a:lnRef>
+      <a:fillRef idx="1">
+        <a:scrgbClr r="0" g="0" b="0"/>
+      </a:fillRef>
+      <a:effectRef idx="0">
+        <a:scrgbClr r="0" g="0" b="0"/>
+      </a:effectRef>
+      <a:fontRef idx="minor">
+        <a:schemeClr val="lt1"/>
+      </a:fontRef>
+    </dgm:style>
+  </dgm:styleLbl>
+  <dgm:styleLbl name="sibTrans1D1">
+    <dgm:scene3d>
+      <a:camera prst="orthographicFront"/>
+      <a:lightRig rig="threePt" dir="t"/>
+    </dgm:scene3d>
+    <dgm:sp3d/>
+    <dgm:txPr/>
+    <dgm:style>
+      <a:lnRef idx="1">
+        <a:scrgbClr r="0" g="0" b="0"/>
+      </a:lnRef>
+      <a:fillRef idx="0">
+        <a:scrgbClr r="0" g="0" b="0"/>
+      </a:fillRef>
+      <a:effectRef idx="0">
+        <a:scrgbClr r="0" g="0" b="0"/>
+      </a:effectRef>
+      <a:fontRef idx="minor"/>
+    </dgm:style>
+  </dgm:styleLbl>
+  <dgm:styleLbl name="callout">
+    <dgm:scene3d>
+      <a:camera prst="orthographicFront"/>
+      <a:lightRig rig="threePt" dir="t"/>
+    </dgm:scene3d>
+    <dgm:sp3d/>
+    <dgm:txPr/>
+    <dgm:style>
+      <a:lnRef idx="2">
+        <a:scrgbClr r="0" g="0" b="0"/>
+      </a:lnRef>
+      <a:fillRef idx="1">
+        <a:scrgbClr r="0" g="0" b="0"/>
+      </a:fillRef>
+      <a:effectRef idx="0">
+        <a:scrgbClr r="0" g="0" b="0"/>
+      </a:effectRef>
+      <a:fontRef idx="minor"/>
+    </dgm:style>
+  </dgm:styleLbl>
+  <dgm:styleLbl name="asst0">
+    <dgm:scene3d>
+      <a:camera prst="orthographicFront"/>
+      <a:lightRig rig="threePt" dir="t"/>
+    </dgm:scene3d>
+    <dgm:sp3d/>
+    <dgm:txPr/>
+    <dgm:style>
+      <a:lnRef idx="2">
+        <a:scrgbClr r="0" g="0" b="0"/>
+      </a:lnRef>
+      <a:fillRef idx="1">
+        <a:scrgbClr r="0" g="0" b="0"/>
+      </a:fillRef>
+      <a:effectRef idx="0">
+        <a:scrgbClr r="0" g="0" b="0"/>
+      </a:effectRef>
+      <a:fontRef idx="minor">
+        <a:schemeClr val="lt1"/>
+      </a:fontRef>
+    </dgm:style>
+  </dgm:styleLbl>
+  <dgm:styleLbl name="asst1">
+    <dgm:scene3d>
+      <a:camera prst="orthographicFront"/>
+      <a:lightRig rig="threePt" dir="t"/>
+    </dgm:scene3d>
+    <dgm:sp3d/>
+    <dgm:txPr/>
+    <dgm:style>
+      <a:lnRef idx="2">
+        <a:scrgbClr r="0" g="0" b="0"/>
+      </a:lnRef>
+      <a:fillRef idx="1">
+        <a:scrgbClr r="0" g="0" b="0"/>
+      </a:fillRef>
+      <a:effectRef idx="0">
+        <a:scrgbClr r="0" g="0" b="0"/>
+      </a:effectRef>
+      <a:fontRef idx="minor">
+        <a:schemeClr val="lt1"/>
+      </a:fontRef>
+    </dgm:style>
+  </dgm:styleLbl>
+  <dgm:styleLbl name="asst2">
+    <dgm:scene3d>
+      <a:camera prst="orthographicFront"/>
+      <a:lightRig rig="threePt" dir="t"/>
+    </dgm:scene3d>
+    <dgm:sp3d/>
+    <dgm:txPr/>
+    <dgm:style>
+      <a:lnRef idx="2">
+        <a:scrgbClr r="0" g="0" b="0"/>
+      </a:lnRef>
+      <a:fillRef idx="1">
+        <a:scrgbClr r="0" g="0" b="0"/>
+      </a:fillRef>
+      <a:effectRef idx="0">
+        <a:scrgbClr r="0" g="0" b="0"/>
+      </a:effectRef>
+      <a:fontRef idx="minor">
+        <a:schemeClr val="lt1"/>
+      </a:fontRef>
+    </dgm:style>
+  </dgm:styleLbl>
+  <dgm:styleLbl name="asst3">
+    <dgm:scene3d>
+      <a:camera prst="orthographicFront"/>
+      <a:lightRig rig="threePt" dir="t"/>
+    </dgm:scene3d>
+    <dgm:sp3d/>
+    <dgm:txPr/>
+    <dgm:style>
+      <a:lnRef idx="2">
+        <a:scrgbClr r="0" g="0" b="0"/>
+      </a:lnRef>
+      <a:fillRef idx="1">
+        <a:scrgbClr r="0" g="0" b="0"/>
+      </a:fillRef>
+      <a:effectRef idx="0">
+        <a:scrgbClr r="0" g="0" b="0"/>
+      </a:effectRef>
+      <a:fontRef idx="minor">
+        <a:schemeClr val="lt1"/>
+      </a:fontRef>
+    </dgm:style>
+  </dgm:styleLbl>
+  <dgm:styleLbl name="asst4">
+    <dgm:scene3d>
+      <a:camera prst="orthographicFront"/>
+      <a:lightRig rig="threePt" dir="t"/>
+    </dgm:scene3d>
+    <dgm:sp3d/>
+    <dgm:txPr/>
+    <dgm:style>
+      <a:lnRef idx="2">
+        <a:scrgbClr r="0" g="0" b="0"/>
+      </a:lnRef>
+      <a:fillRef idx="1">
+        <a:scrgbClr r="0" g="0" b="0"/>
+      </a:fillRef>
+      <a:effectRef idx="0">
+        <a:scrgbClr r="0" g="0" b="0"/>
+      </a:effectRef>
+      <a:fontRef idx="minor">
+        <a:schemeClr val="lt1"/>
+      </a:fontRef>
+    </dgm:style>
+  </dgm:styleLbl>
+  <dgm:styleLbl name="parChTrans2D1">
+    <dgm:scene3d>
+      <a:camera prst="orthographicFront"/>
+      <a:lightRig rig="threePt" dir="t"/>
+    </dgm:scene3d>
+    <dgm:sp3d/>
+    <dgm:txPr/>
+    <dgm:style>
+      <a:lnRef idx="2">
+        <a:scrgbClr r="0" g="0" b="0"/>
+      </a:lnRef>
+      <a:fillRef idx="1">
+        <a:scrgbClr r="0" g="0" b="0"/>
+      </a:fillRef>
+      <a:effectRef idx="0">
+        <a:scrgbClr r="0" g="0" b="0"/>
+      </a:effectRef>
+      <a:fontRef idx="minor">
+        <a:schemeClr val="lt1"/>
+      </a:fontRef>
+    </dgm:style>
+  </dgm:styleLbl>
+  <dgm:styleLbl name="parChTrans2D2">
+    <dgm:scene3d>
+      <a:camera prst="orthographicFront"/>
+      <a:lightRig rig="threePt" dir="t"/>
+    </dgm:scene3d>
+    <dgm:sp3d/>
+    <dgm:txPr/>
+    <dgm:style>
+      <a:lnRef idx="2">
+        <a:scrgbClr r="0" g="0" b="0"/>
+      </a:lnRef>
+      <a:fillRef idx="1">
+        <a:scrgbClr r="0" g="0" b="0"/>
+      </a:fillRef>
+      <a:effectRef idx="0">
+        <a:scrgbClr r="0" g="0" b="0"/>
+      </a:effectRef>
+      <a:fontRef idx="minor">
+        <a:schemeClr val="lt1"/>
+      </a:fontRef>
+    </dgm:style>
+  </dgm:styleLbl>
+  <dgm:styleLbl name="parChTrans2D3">
+    <dgm:scene3d>
+      <a:camera prst="orthographicFront"/>
+      <a:lightRig rig="threePt" dir="t"/>
+    </dgm:scene3d>
+    <dgm:sp3d/>
+    <dgm:txPr/>
+    <dgm:style>
+      <a:lnRef idx="2">
+        <a:scrgbClr r="0" g="0" b="0"/>
+      </a:lnRef>
+      <a:fillRef idx="1">
+        <a:scrgbClr r="0" g="0" b="0"/>
+      </a:fillRef>
+      <a:effectRef idx="0">
+        <a:scrgbClr r="0" g="0" b="0"/>
+      </a:effectRef>
+      <a:fontRef idx="minor">
+        <a:schemeClr val="lt1"/>
+      </a:fontRef>
+    </dgm:style>
+  </dgm:styleLbl>
+  <dgm:styleLbl name="parChTrans2D4">
+    <dgm:scene3d>
+      <a:camera prst="orthographicFront"/>
+      <a:lightRig rig="threePt" dir="t"/>
+    </dgm:scene3d>
+    <dgm:sp3d/>
+    <dgm:txPr/>
+    <dgm:style>
+      <a:lnRef idx="2">
+        <a:scrgbClr r="0" g="0" b="0"/>
+      </a:lnRef>
+      <a:fillRef idx="1">
+        <a:scrgbClr r="0" g="0" b="0"/>
+      </a:fillRef>
+      <a:effectRef idx="0">
+        <a:scrgbClr r="0" g="0" b="0"/>
+      </a:effectRef>
+      <a:fontRef idx="minor">
+        <a:schemeClr val="lt1"/>
+      </a:fontRef>
+    </dgm:style>
+  </dgm:styleLbl>
+  <dgm:styleLbl name="parChTrans1D1">
+    <dgm:scene3d>
+      <a:camera prst="orthographicFront"/>
+      <a:lightRig rig="threePt" dir="t"/>
+    </dgm:scene3d>
+    <dgm:sp3d/>
+    <dgm:txPr/>
+    <dgm:style>
+      <a:lnRef idx="2">
+        <a:scrgbClr r="0" g="0" b="0"/>
+      </a:lnRef>
+      <a:fillRef idx="0">
+        <a:scrgbClr r="0" g="0" b="0"/>
+      </a:fillRef>
+      <a:effectRef idx="0">
+        <a:scrgbClr r="0" g="0" b="0"/>
+      </a:effectRef>
+      <a:fontRef idx="minor"/>
+    </dgm:style>
+  </dgm:styleLbl>
+  <dgm:styleLbl name="parChTrans1D2">
+    <dgm:scene3d>
+      <a:camera prst="orthographicFront"/>
+      <a:lightRig rig="threePt" dir="t"/>
+    </dgm:scene3d>
+    <dgm:sp3d/>
+    <dgm:txPr/>
+    <dgm:style>
+      <a:lnRef idx="2">
+        <a:scrgbClr r="0" g="0" b="0"/>
+      </a:lnRef>
+      <a:fillRef idx="0">
+        <a:scrgbClr r="0" g="0" b="0"/>
+      </a:fillRef>
+      <a:effectRef idx="0">
+        <a:scrgbClr r="0" g="0" b="0"/>
+      </a:effectRef>
+      <a:fontRef idx="minor"/>
+    </dgm:style>
+  </dgm:styleLbl>
+  <dgm:styleLbl name="parChTrans1D3">
+    <dgm:scene3d>
+      <a:camera prst="orthographicFront"/>
+      <a:lightRig rig="threePt" dir="t"/>
+    </dgm:scene3d>
+    <dgm:sp3d/>
+    <dgm:txPr/>
+    <dgm:style>
+      <a:lnRef idx="2">
+        <a:scrgbClr r="0" g="0" b="0"/>
+      </a:lnRef>
+      <a:fillRef idx="0">
+        <a:scrgbClr r="0" g="0" b="0"/>
+      </a:fillRef>
+      <a:effectRef idx="0">
+        <a:scrgbClr r="0" g="0" b="0"/>
+      </a:effectRef>
+      <a:fontRef idx="minor"/>
+    </dgm:style>
+  </dgm:styleLbl>
+  <dgm:styleLbl name="parChTrans1D4">
+    <dgm:scene3d>
+      <a:camera prst="orthographicFront"/>
+      <a:lightRig rig="threePt" dir="t"/>
+    </dgm:scene3d>
+    <dgm:sp3d/>
+    <dgm:txPr/>
+    <dgm:style>
+      <a:lnRef idx="2">
+        <a:scrgbClr r="0" g="0" b="0"/>
+      </a:lnRef>
+      <a:fillRef idx="0">
+        <a:scrgbClr r="0" g="0" b="0"/>
+      </a:fillRef>
+      <a:effectRef idx="0">
+        <a:scrgbClr r="0" g="0" b="0"/>
+      </a:effectRef>
+      <a:fontRef idx="minor"/>
+    </dgm:style>
+  </dgm:styleLbl>
+  <dgm:styleLbl name="fgAcc1">
+    <dgm:scene3d>
+      <a:camera prst="orthographicFront"/>
+      <a:lightRig rig="threePt" dir="t"/>
+    </dgm:scene3d>
+    <dgm:sp3d/>
+    <dgm:txPr/>
+    <dgm:style>
+      <a:lnRef idx="2">
+        <a:scrgbClr r="0" g="0" b="0"/>
+      </a:lnRef>
+      <a:fillRef idx="1">
+        <a:scrgbClr r="0" g="0" b="0"/>
+      </a:fillRef>
+      <a:effectRef idx="0">
+        <a:scrgbClr r="0" g="0" b="0"/>
+      </a:effectRef>
+      <a:fontRef idx="minor"/>
+    </dgm:style>
+  </dgm:styleLbl>
+  <dgm:styleLbl name="conFgAcc1">
+    <dgm:scene3d>
+      <a:camera prst="orthographicFront"/>
+      <a:lightRig rig="threePt" dir="t"/>
+    </dgm:scene3d>
+    <dgm:sp3d/>
+    <dgm:txPr/>
+    <dgm:style>
+      <a:lnRef idx="2">
+        <a:scrgbClr r="0" g="0" b="0"/>
+      </a:lnRef>
+      <a:fillRef idx="1">
+        <a:scrgbClr r="0" g="0" b="0"/>
+      </a:fillRef>
+      <a:effectRef idx="0">
+        <a:scrgbClr r="0" g="0" b="0"/>
+      </a:effectRef>
+      <a:fontRef idx="minor"/>
+    </dgm:style>
+  </dgm:styleLbl>
+  <dgm:styleLbl name="alignAcc1">
+    <dgm:scene3d>
+      <a:camera prst="orthographicFront"/>
+      <a:lightRig rig="threePt" dir="t"/>
+    </dgm:scene3d>
+    <dgm:sp3d/>
+    <dgm:txPr/>
+    <dgm:style>
+      <a:lnRef idx="2">
+        <a:scrgbClr r="0" g="0" b="0"/>
+      </a:lnRef>
+      <a:fillRef idx="1">
+        <a:scrgbClr r="0" g="0" b="0"/>
+      </a:fillRef>
+      <a:effectRef idx="0">
+        <a:scrgbClr r="0" g="0" b="0"/>
+      </a:effectRef>
+      <a:fontRef idx="minor"/>
+    </dgm:style>
+  </dgm:styleLbl>
+  <dgm:styleLbl name="trAlignAcc1">
+    <dgm:scene3d>
+      <a:camera prst="orthographicFront"/>
+      <a:lightRig rig="threePt" dir="t"/>
+    </dgm:scene3d>
+    <dgm:sp3d/>
+    <dgm:txPr/>
+    <dgm:style>
+      <a:lnRef idx="1">
+        <a:scrgbClr r="0" g="0" b="0"/>
+      </a:lnRef>
+      <a:fillRef idx="1">
+        <a:scrgbClr r="0" g="0" b="0"/>
+      </a:fillRef>
+      <a:effectRef idx="0">
+        <a:scrgbClr r="0" g="0" b="0"/>
+      </a:effectRef>
+      <a:fontRef idx="minor"/>
+    </dgm:style>
+  </dgm:styleLbl>
+  <dgm:styleLbl name="bgAcc1">
+    <dgm:scene3d>
+      <a:camera prst="orthographicFront"/>
+      <a:lightRig rig="threePt" dir="t"/>
+    </dgm:scene3d>
+    <dgm:sp3d/>
+    <dgm:txPr/>
+    <dgm:style>
+      <a:lnRef idx="2">
+        <a:scrgbClr r="0" g="0" b="0"/>
+      </a:lnRef>
+      <a:fillRef idx="1">
+        <a:scrgbClr r="0" g="0" b="0"/>
+      </a:fillRef>
+      <a:effectRef idx="0">
+        <a:scrgbClr r="0" g="0" b="0"/>
+      </a:effectRef>
+      <a:fontRef idx="minor"/>
+    </dgm:style>
+  </dgm:styleLbl>
+  <dgm:styleLbl name="solidFgAcc1">
+    <dgm:scene3d>
+      <a:camera prst="orthographicFront"/>
+      <a:lightRig rig="threePt" dir="t"/>
+    </dgm:scene3d>
+    <dgm:sp3d/>
+    <dgm:txPr/>
+    <dgm:style>
+      <a:lnRef idx="2">
+        <a:scrgbClr r="0" g="0" b="0"/>
+      </a:lnRef>
+      <a:fillRef idx="1">
+        <a:scrgbClr r="0" g="0" b="0"/>
+      </a:fillRef>
+      <a:effectRef idx="0">
+        <a:scrgbClr r="0" g="0" b="0"/>
+      </a:effectRef>
+      <a:fontRef idx="minor"/>
+    </dgm:style>
+  </dgm:styleLbl>
+  <dgm:styleLbl name="solidAlignAcc1">
+    <dgm:scene3d>
+      <a:camera prst="orthographicFront"/>
+      <a:lightRig rig="threePt" dir="t"/>
+    </dgm:scene3d>
+    <dgm:sp3d/>
+    <dgm:txPr/>
+    <dgm:style>
+      <a:lnRef idx="2">
+        <a:scrgbClr r="0" g="0" b="0"/>
+      </a:lnRef>
+      <a:fillRef idx="1">
+        <a:scrgbClr r="0" g="0" b="0"/>
+      </a:fillRef>
+      <a:effectRef idx="0">
+        <a:scrgbClr r="0" g="0" b="0"/>
+      </a:effectRef>
+      <a:fontRef idx="minor"/>
+    </dgm:style>
+  </dgm:styleLbl>
+  <dgm:styleLbl name="solidBgAcc1">
+    <dgm:scene3d>
+      <a:camera prst="orthographicFront"/>
+      <a:lightRig rig="threePt" dir="t"/>
+    </dgm:scene3d>
+    <dgm:sp3d/>
+    <dgm:txPr/>
+    <dgm:style>
+      <a:lnRef idx="2">
+        <a:scrgbClr r="0" g="0" b="0"/>
+      </a:lnRef>
+      <a:fillRef idx="1">
+        <a:scrgbClr r="0" g="0" b="0"/>
+      </a:fillRef>
+      <a:effectRef idx="0">
+        <a:scrgbClr r="0" g="0" b="0"/>
+      </a:effectRef>
+      <a:fontRef idx="minor"/>
+    </dgm:style>
+  </dgm:styleLbl>
+  <dgm:styleLbl name="fgAccFollowNode1">
+    <dgm:scene3d>
+      <a:camera prst="orthographicFront"/>
+      <a:lightRig rig="threePt" dir="t"/>
+    </dgm:scene3d>
+    <dgm:sp3d/>
+    <dgm:txPr/>
+    <dgm:style>
+      <a:lnRef idx="2">
+        <a:scrgbClr r="0" g="0" b="0"/>
+      </a:lnRef>
+      <a:fillRef idx="1">
+        <a:scrgbClr r="0" g="0" b="0"/>
+      </a:fillRef>
+      <a:effectRef idx="0">
+        <a:scrgbClr r="0" g="0" b="0"/>
+      </a:effectRef>
+      <a:fontRef idx="minor"/>
+    </dgm:style>
+  </dgm:styleLbl>
+  <dgm:styleLbl name="alignAccFollowNode1">
+    <dgm:scene3d>
+      <a:camera prst="orthographicFront"/>
+      <a:lightRig rig="threePt" dir="t"/>
+    </dgm:scene3d>
+    <dgm:sp3d/>
+    <dgm:txPr/>
+    <dgm:style>
+      <a:lnRef idx="2">
+        <a:scrgbClr r="0" g="0" b="0"/>
+      </a:lnRef>
+      <a:fillRef idx="1">
+        <a:scrgbClr r="0" g="0" b="0"/>
+      </a:fillRef>
+      <a:effectRef idx="0">
+        <a:scrgbClr r="0" g="0" b="0"/>
+      </a:effectRef>
+      <a:fontRef idx="minor"/>
+    </dgm:style>
+  </dgm:styleLbl>
+  <dgm:styleLbl name="bgAccFollowNode1">
+    <dgm:scene3d>
+      <a:camera prst="orthographicFront"/>
+      <a:lightRig rig="threePt" dir="t"/>
+    </dgm:scene3d>
+    <dgm:sp3d/>
+    <dgm:txPr/>
+    <dgm:style>
+      <a:lnRef idx="2">
+        <a:scrgbClr r="0" g="0" b="0"/>
+      </a:lnRef>
+      <a:fillRef idx="1">
+        <a:scrgbClr r="0" g="0" b="0"/>
+      </a:fillRef>
+      <a:effectRef idx="0">
+        <a:scrgbClr r="0" g="0" b="0"/>
+      </a:effectRef>
+      <a:fontRef idx="minor"/>
+    </dgm:style>
+  </dgm:styleLbl>
+  <dgm:styleLbl name="fgAcc0">
+    <dgm:scene3d>
+      <a:camera prst="orthographicFront"/>
+      <a:lightRig rig="threePt" dir="t"/>
+    </dgm:scene3d>
+    <dgm:sp3d/>
+    <dgm:txPr/>
+    <dgm:style>
+      <a:lnRef idx="2">
+        <a:scrgbClr r="0" g="0" b="0"/>
+      </a:lnRef>
+      <a:fillRef idx="1">
+        <a:scrgbClr r="0" g="0" b="0"/>
+      </a:fillRef>
+      <a:effectRef idx="0">
+        <a:scrgbClr r="0" g="0" b="0"/>
+      </a:effectRef>
+      <a:fontRef idx="minor"/>
+    </dgm:style>
+  </dgm:styleLbl>
+  <dgm:styleLbl name="fgAcc2">
+    <dgm:scene3d>
+      <a:camera prst="orthographicFront"/>
+      <a:lightRig rig="threePt" dir="t"/>
+    </dgm:scene3d>
+    <dgm:sp3d/>
+    <dgm:txPr/>
+    <dgm:style>
+      <a:lnRef idx="2">
+        <a:scrgbClr r="0" g="0" b="0"/>
+      </a:lnRef>
+      <a:fillRef idx="1">
+        <a:scrgbClr r="0" g="0" b="0"/>
+      </a:fillRef>
+      <a:effectRef idx="0">
+        <a:scrgbClr r="0" g="0" b="0"/>
+      </a:effectRef>
+      <a:fontRef idx="minor"/>
+    </dgm:style>
+  </dgm:styleLbl>
+  <dgm:styleLbl name="fgAcc3">
+    <dgm:scene3d>
+      <a:camera prst="orthographicFront"/>
+      <a:lightRig rig="threePt" dir="t"/>
+    </dgm:scene3d>
+    <dgm:sp3d/>
+    <dgm:txPr/>
+    <dgm:style>
+      <a:lnRef idx="2">
+        <a:scrgbClr r="0" g="0" b="0"/>
+      </a:lnRef>
+      <a:fillRef idx="1">
+        <a:scrgbClr r="0" g="0" b="0"/>
+      </a:fillRef>
+      <a:effectRef idx="0">
+        <a:scrgbClr r="0" g="0" b="0"/>
+      </a:effectRef>
+      <a:fontRef idx="minor"/>
+    </dgm:style>
+  </dgm:styleLbl>
+  <dgm:styleLbl name="fgAcc4">
+    <dgm:scene3d>
+      <a:camera prst="orthographicFront"/>
+      <a:lightRig rig="threePt" dir="t"/>
+    </dgm:scene3d>
+    <dgm:sp3d/>
+    <dgm:txPr/>
+    <dgm:style>
+      <a:lnRef idx="2">
+        <a:scrgbClr r="0" g="0" b="0"/>
+      </a:lnRef>
+      <a:fillRef idx="1">
+        <a:scrgbClr r="0" g="0" b="0"/>
+      </a:fillRef>
+      <a:effectRef idx="0">
+        <a:scrgbClr r="0" g="0" b="0"/>
+      </a:effectRef>
+      <a:fontRef idx="minor"/>
+    </dgm:style>
+  </dgm:styleLbl>
+  <dgm:styleLbl name="bgShp">
+    <dgm:scene3d>
+      <a:camera prst="orthographicFront"/>
+      <a:lightRig rig="threePt" dir="t"/>
+    </dgm:scene3d>
+    <dgm:sp3d/>
+    <dgm:txPr/>
+    <dgm:style>
+      <a:lnRef idx="0">
+        <a:scrgbClr r="0" g="0" b="0"/>
+      </a:lnRef>
+      <a:fillRef idx="1">
+        <a:scrgbClr r="0" g="0" b="0"/>
+      </a:fillRef>
+      <a:effectRef idx="0">
+        <a:scrgbClr r="0" g="0" b="0"/>
+      </a:effectRef>
+      <a:fontRef idx="minor"/>
+    </dgm:style>
+  </dgm:styleLbl>
+  <dgm:styleLbl name="dkBgShp">
+    <dgm:scene3d>
+      <a:camera prst="orthographicFront"/>
+      <a:lightRig rig="threePt" dir="t"/>
+    </dgm:scene3d>
+    <dgm:sp3d/>
+    <dgm:txPr/>
+    <dgm:style>
+      <a:lnRef idx="0">
+        <a:scrgbClr r="0" g="0" b="0"/>
+      </a:lnRef>
+      <a:fillRef idx="1">
+        <a:scrgbClr r="0" g="0" b="0"/>
+      </a:fillRef>
+      <a:effectRef idx="0">
+        <a:scrgbClr r="0" g="0" b="0"/>
+      </a:effectRef>
+      <a:fontRef idx="minor"/>
+    </dgm:style>
+  </dgm:styleLbl>
+  <dgm:styleLbl name="trBgShp">
+    <dgm:scene3d>
+      <a:camera prst="orthographicFront"/>
+      <a:lightRig rig="threePt" dir="t"/>
+    </dgm:scene3d>
+    <dgm:sp3d/>
+    <dgm:txPr/>
+    <dgm:style>
+      <a:lnRef idx="0">
+        <a:scrgbClr r="0" g="0" b="0"/>
+      </a:lnRef>
+      <a:fillRef idx="1">
+        <a:scrgbClr r="0" g="0" b="0"/>
+      </a:fillRef>
+      <a:effectRef idx="0">
+        <a:scrgbClr r="0" g="0" b="0"/>
+      </a:effectRef>
+      <a:fontRef idx="minor"/>
+    </dgm:style>
+  </dgm:styleLbl>
+  <dgm:styleLbl name="fgShp">
+    <dgm:scene3d>
+      <a:camera prst="orthographicFront"/>
+      <a:lightRig rig="threePt" dir="t"/>
+    </dgm:scene3d>
+    <dgm:sp3d/>
+    <dgm:txPr/>
+    <dgm:style>
+      <a:lnRef idx="2">
+        <a:scrgbClr r="0" g="0" b="0"/>
+      </a:lnRef>
+      <a:fillRef idx="1">
+        <a:scrgbClr r="0" g="0" b="0"/>
+      </a:fillRef>
+      <a:effectRef idx="0">
+        <a:scrgbClr r="0" g="0" b="0"/>
+      </a:effectRef>
+      <a:fontRef idx="minor"/>
+    </dgm:style>
+  </dgm:styleLbl>
+  <dgm:styleLbl name="revTx">
+    <dgm:scene3d>
+      <a:camera prst="orthographicFront"/>
+      <a:lightRig rig="threePt" dir="t"/>
+    </dgm:scene3d>
+    <dgm:sp3d/>
+    <dgm:txPr/>
+    <dgm:style>
+      <a:lnRef idx="0">
+        <a:scrgbClr r="0" g="0" b="0"/>
+      </a:lnRef>
+      <a:fillRef idx="0">
+        <a:scrgbClr r="0" g="0" b="0"/>
+      </a:fillRef>
+      <a:effectRef idx="0">
+        <a:scrgbClr r="0" g="0" b="0"/>
+      </a:effectRef>
+      <a:fontRef idx="minor"/>
+    </dgm:style>
+  </dgm:styleLbl>
+</dgm:styleDef>
+</file>
+
 <file path=ppt/notesMasters/notesMaster1.xml><?xml version="1.0" encoding="utf-8"?>
 <p:notesMaster xmlns:a="http://schemas.openxmlformats.org/drawingml/2006/main" xmlns:r="http://schemas.openxmlformats.org/officeDocument/2006/relationships" xmlns:p="http://schemas.openxmlformats.org/presentationml/2006/main">
   <p:cSld>
@@ -212,7 +3992,7 @@
           <a:p>
             <a:fld id="{F8A2F35C-CEA7-4A41-A6EB-7B100C25E6CB}" type="datetimeFigureOut">
               <a:rPr lang="de-DE" smtClean="0"/>
-              <a:t>19.05.2017</a:t>
+              <a:t>31.05.2017</a:t>
             </a:fld>
             <a:endParaRPr lang="de-DE"/>
           </a:p>
@@ -742,7 +4522,7 @@
           <a:p>
             <a:fld id="{CFEF8110-D74D-4E53-9D8A-42DFB11C9F8B}" type="datetimeFigureOut">
               <a:rPr lang="de-DE" smtClean="0"/>
-              <a:t>19.05.2017</a:t>
+              <a:t>31.05.2017</a:t>
             </a:fld>
             <a:endParaRPr lang="de-DE"/>
           </a:p>
@@ -910,7 +4690,7 @@
           <a:p>
             <a:fld id="{CFEF8110-D74D-4E53-9D8A-42DFB11C9F8B}" type="datetimeFigureOut">
               <a:rPr lang="de-DE" smtClean="0"/>
-              <a:t>19.05.2017</a:t>
+              <a:t>31.05.2017</a:t>
             </a:fld>
             <a:endParaRPr lang="de-DE"/>
           </a:p>
@@ -1088,7 +4868,7 @@
           <a:p>
             <a:fld id="{CFEF8110-D74D-4E53-9D8A-42DFB11C9F8B}" type="datetimeFigureOut">
               <a:rPr lang="de-DE" smtClean="0"/>
-              <a:t>19.05.2017</a:t>
+              <a:t>31.05.2017</a:t>
             </a:fld>
             <a:endParaRPr lang="de-DE"/>
           </a:p>
@@ -1256,7 +5036,7 @@
           <a:p>
             <a:fld id="{CFEF8110-D74D-4E53-9D8A-42DFB11C9F8B}" type="datetimeFigureOut">
               <a:rPr lang="de-DE" smtClean="0"/>
-              <a:t>19.05.2017</a:t>
+              <a:t>31.05.2017</a:t>
             </a:fld>
             <a:endParaRPr lang="de-DE"/>
           </a:p>
@@ -1501,7 +5281,7 @@
           <a:p>
             <a:fld id="{CFEF8110-D74D-4E53-9D8A-42DFB11C9F8B}" type="datetimeFigureOut">
               <a:rPr lang="de-DE" smtClean="0"/>
-              <a:t>19.05.2017</a:t>
+              <a:t>31.05.2017</a:t>
             </a:fld>
             <a:endParaRPr lang="de-DE"/>
           </a:p>
@@ -1786,7 +5566,7 @@
           <a:p>
             <a:fld id="{CFEF8110-D74D-4E53-9D8A-42DFB11C9F8B}" type="datetimeFigureOut">
               <a:rPr lang="de-DE" smtClean="0"/>
-              <a:t>19.05.2017</a:t>
+              <a:t>31.05.2017</a:t>
             </a:fld>
             <a:endParaRPr lang="de-DE"/>
           </a:p>
@@ -2205,7 +5985,7 @@
           <a:p>
             <a:fld id="{CFEF8110-D74D-4E53-9D8A-42DFB11C9F8B}" type="datetimeFigureOut">
               <a:rPr lang="de-DE" smtClean="0"/>
-              <a:t>19.05.2017</a:t>
+              <a:t>31.05.2017</a:t>
             </a:fld>
             <a:endParaRPr lang="de-DE"/>
           </a:p>
@@ -2322,7 +6102,7 @@
           <a:p>
             <a:fld id="{CFEF8110-D74D-4E53-9D8A-42DFB11C9F8B}" type="datetimeFigureOut">
               <a:rPr lang="de-DE" smtClean="0"/>
-              <a:t>19.05.2017</a:t>
+              <a:t>31.05.2017</a:t>
             </a:fld>
             <a:endParaRPr lang="de-DE"/>
           </a:p>
@@ -2417,7 +6197,7 @@
           <a:p>
             <a:fld id="{CFEF8110-D74D-4E53-9D8A-42DFB11C9F8B}" type="datetimeFigureOut">
               <a:rPr lang="de-DE" smtClean="0"/>
-              <a:t>19.05.2017</a:t>
+              <a:t>31.05.2017</a:t>
             </a:fld>
             <a:endParaRPr lang="de-DE"/>
           </a:p>
@@ -2692,7 +6472,7 @@
           <a:p>
             <a:fld id="{CFEF8110-D74D-4E53-9D8A-42DFB11C9F8B}" type="datetimeFigureOut">
               <a:rPr lang="de-DE" smtClean="0"/>
-              <a:t>19.05.2017</a:t>
+              <a:t>31.05.2017</a:t>
             </a:fld>
             <a:endParaRPr lang="de-DE"/>
           </a:p>
@@ -2944,7 +6724,7 @@
           <a:p>
             <a:fld id="{CFEF8110-D74D-4E53-9D8A-42DFB11C9F8B}" type="datetimeFigureOut">
               <a:rPr lang="de-DE" smtClean="0"/>
-              <a:t>19.05.2017</a:t>
+              <a:t>31.05.2017</a:t>
             </a:fld>
             <a:endParaRPr lang="de-DE"/>
           </a:p>
@@ -3155,7 +6935,7 @@
           <a:p>
             <a:fld id="{CFEF8110-D74D-4E53-9D8A-42DFB11C9F8B}" type="datetimeFigureOut">
               <a:rPr lang="de-DE" smtClean="0"/>
-              <a:t>19.05.2017</a:t>
+              <a:t>31.05.2017</a:t>
             </a:fld>
             <a:endParaRPr lang="de-DE"/>
           </a:p>
@@ -3604,7 +7384,7 @@
           <a:lstStyle/>
           <a:p>
             <a:pPr algn="ctr"/>
-            <a:endParaRPr lang="de-DE"/>
+            <a:endParaRPr lang="de-DE" dirty="0"/>
           </a:p>
         </p:txBody>
       </p:sp>
@@ -3712,7 +7492,7 @@
         </p:nvSpPr>
         <p:spPr>
           <a:xfrm>
-            <a:off x="252017" y="15766960"/>
+            <a:off x="380587" y="14617675"/>
             <a:ext cx="14201022" cy="3236927"/>
           </a:xfrm>
           <a:prstGeom prst="rect">
@@ -3816,9 +7596,225 @@
           </a:p>
         </p:txBody>
       </p:sp>
+      <p:sp>
+        <p:nvSpPr>
+          <p:cNvPr id="4" name="Textfeld 3"/>
+          <p:cNvSpPr txBox="1"/>
+          <p:nvPr/>
+        </p:nvSpPr>
+        <p:spPr>
+          <a:xfrm>
+            <a:off x="368559" y="12025387"/>
+            <a:ext cx="19187102" cy="1028647"/>
+          </a:xfrm>
+          <a:prstGeom prst="rect">
+            <a:avLst/>
+          </a:prstGeom>
+          <a:noFill/>
+        </p:spPr>
+        <p:txBody>
+          <a:bodyPr wrap="square" rtlCol="0">
+            <a:noAutofit/>
+          </a:bodyPr>
+          <a:lstStyle/>
+          <a:p>
+            <a:r>
+              <a:rPr lang="de-DE" b="1" dirty="0" err="1">
+                <a:solidFill>
+                  <a:srgbClr val="FF9400"/>
+                </a:solidFill>
+                <a:latin typeface="Arial" panose="020B0604020202020204" pitchFamily="34" charset="0"/>
+                <a:cs typeface="Arial" panose="020B0604020202020204" pitchFamily="34" charset="0"/>
+              </a:rPr>
+              <a:t>Immopiraten</a:t>
+            </a:r>
+            <a:r>
+              <a:rPr lang="de-DE" b="1" dirty="0">
+                <a:solidFill>
+                  <a:srgbClr val="FF9400"/>
+                </a:solidFill>
+                <a:latin typeface="Arial" panose="020B0604020202020204" pitchFamily="34" charset="0"/>
+                <a:cs typeface="Arial" panose="020B0604020202020204" pitchFamily="34" charset="0"/>
+              </a:rPr>
+              <a:t> – eine Metasuchmaschine für Immobilien</a:t>
+            </a:r>
+          </a:p>
+        </p:txBody>
+      </p:sp>
+      <p:sp>
+        <p:nvSpPr>
+          <p:cNvPr id="7" name="Textfeld 6"/>
+          <p:cNvSpPr txBox="1"/>
+          <p:nvPr/>
+        </p:nvSpPr>
+        <p:spPr>
+          <a:xfrm>
+            <a:off x="15013657" y="3271867"/>
+            <a:ext cx="5861032" cy="4361032"/>
+          </a:xfrm>
+          <a:prstGeom prst="rect">
+            <a:avLst/>
+          </a:prstGeom>
+          <a:noFill/>
+          <a:ln w="25400" cmpd="sng">
+            <a:noFill/>
+          </a:ln>
+        </p:spPr>
+        <p:txBody>
+          <a:bodyPr wrap="square" numCol="2" spcCol="504000" rtlCol="0">
+            <a:noAutofit/>
+          </a:bodyPr>
+          <a:lstStyle/>
+          <a:p>
+            <a:r>
+              <a:rPr lang="de-DE" sz="3200" b="1" dirty="0">
+                <a:latin typeface="Arial" panose="020B0604020202020204" pitchFamily="34" charset="0"/>
+                <a:cs typeface="Arial" panose="020B0604020202020204" pitchFamily="34" charset="0"/>
+              </a:rPr>
+              <a:t>Anbieter</a:t>
+            </a:r>
+          </a:p>
+          <a:p>
+            <a:r>
+              <a:rPr lang="de-DE" sz="3200" dirty="0">
+                <a:latin typeface="Arial" panose="020B0604020202020204" pitchFamily="34" charset="0"/>
+                <a:cs typeface="Arial" panose="020B0604020202020204" pitchFamily="34" charset="0"/>
+              </a:rPr>
+              <a:t>Beitz </a:t>
+            </a:r>
+          </a:p>
+          <a:p>
+            <a:r>
+              <a:rPr lang="de-DE" sz="3200" dirty="0">
+                <a:latin typeface="Arial" panose="020B0604020202020204" pitchFamily="34" charset="0"/>
+                <a:cs typeface="Arial" panose="020B0604020202020204" pitchFamily="34" charset="0"/>
+              </a:rPr>
+              <a:t>Billerbeck</a:t>
+            </a:r>
+          </a:p>
+          <a:p>
+            <a:r>
+              <a:rPr lang="de-DE" sz="3200" dirty="0" err="1">
+                <a:latin typeface="Arial" panose="020B0604020202020204" pitchFamily="34" charset="0"/>
+                <a:cs typeface="Arial" panose="020B0604020202020204" pitchFamily="34" charset="0"/>
+              </a:rPr>
+              <a:t>Brecklinghaus</a:t>
+            </a:r>
+            <a:endParaRPr lang="de-DE" sz="3200" dirty="0">
+              <a:latin typeface="Arial" panose="020B0604020202020204" pitchFamily="34" charset="0"/>
+              <a:cs typeface="Arial" panose="020B0604020202020204" pitchFamily="34" charset="0"/>
+            </a:endParaRPr>
+          </a:p>
+          <a:p>
+            <a:r>
+              <a:rPr lang="de-DE" sz="3200" dirty="0" err="1">
+                <a:latin typeface="Arial" panose="020B0604020202020204" pitchFamily="34" charset="0"/>
+                <a:cs typeface="Arial" panose="020B0604020202020204" pitchFamily="34" charset="0"/>
+              </a:rPr>
+              <a:t>Ciecior</a:t>
+            </a:r>
+            <a:endParaRPr lang="de-DE" sz="3200" dirty="0">
+              <a:latin typeface="Arial" panose="020B0604020202020204" pitchFamily="34" charset="0"/>
+              <a:cs typeface="Arial" panose="020B0604020202020204" pitchFamily="34" charset="0"/>
+            </a:endParaRPr>
+          </a:p>
+          <a:p>
+            <a:r>
+              <a:rPr lang="de-DE" sz="3200" dirty="0" err="1">
+                <a:latin typeface="Arial" panose="020B0604020202020204" pitchFamily="34" charset="0"/>
+                <a:cs typeface="Arial" panose="020B0604020202020204" pitchFamily="34" charset="0"/>
+              </a:rPr>
+              <a:t>Mergenbaum</a:t>
+            </a:r>
+            <a:endParaRPr lang="de-DE" sz="3200" dirty="0">
+              <a:latin typeface="Arial" panose="020B0604020202020204" pitchFamily="34" charset="0"/>
+              <a:cs typeface="Arial" panose="020B0604020202020204" pitchFamily="34" charset="0"/>
+            </a:endParaRPr>
+          </a:p>
+          <a:p>
+            <a:r>
+              <a:rPr lang="de-DE" sz="3200" dirty="0" err="1">
+                <a:latin typeface="Arial" panose="020B0604020202020204" pitchFamily="34" charset="0"/>
+                <a:cs typeface="Arial" panose="020B0604020202020204" pitchFamily="34" charset="0"/>
+              </a:rPr>
+              <a:t>Vranken</a:t>
+            </a:r>
+            <a:endParaRPr lang="de-DE" sz="3200" dirty="0">
+              <a:latin typeface="Arial" panose="020B0604020202020204" pitchFamily="34" charset="0"/>
+              <a:cs typeface="Arial" panose="020B0604020202020204" pitchFamily="34" charset="0"/>
+            </a:endParaRPr>
+          </a:p>
+          <a:p>
+            <a:endParaRPr lang="de-DE" sz="3200" dirty="0">
+              <a:latin typeface="Arial" panose="020B0604020202020204" pitchFamily="34" charset="0"/>
+              <a:cs typeface="Arial" panose="020B0604020202020204" pitchFamily="34" charset="0"/>
+            </a:endParaRPr>
+          </a:p>
+          <a:p>
+            <a:endParaRPr lang="de-DE" sz="3200" dirty="0">
+              <a:latin typeface="Arial" panose="020B0604020202020204" pitchFamily="34" charset="0"/>
+              <a:cs typeface="Arial" panose="020B0604020202020204" pitchFamily="34" charset="0"/>
+            </a:endParaRPr>
+          </a:p>
+          <a:p>
+            <a:r>
+              <a:rPr lang="de-DE" sz="3200" dirty="0">
+                <a:latin typeface="Arial" panose="020B0604020202020204" pitchFamily="34" charset="0"/>
+                <a:cs typeface="Arial" panose="020B0604020202020204" pitchFamily="34" charset="0"/>
+              </a:rPr>
+              <a:t>Julia</a:t>
+            </a:r>
+          </a:p>
+          <a:p>
+            <a:r>
+              <a:rPr lang="de-DE" sz="3200" dirty="0">
+                <a:latin typeface="Arial" panose="020B0604020202020204" pitchFamily="34" charset="0"/>
+                <a:cs typeface="Arial" panose="020B0604020202020204" pitchFamily="34" charset="0"/>
+              </a:rPr>
+              <a:t>Kerstin</a:t>
+            </a:r>
+          </a:p>
+          <a:p>
+            <a:r>
+              <a:rPr lang="de-DE" sz="3200" dirty="0">
+                <a:latin typeface="Arial" panose="020B0604020202020204" pitchFamily="34" charset="0"/>
+                <a:cs typeface="Arial" panose="020B0604020202020204" pitchFamily="34" charset="0"/>
+              </a:rPr>
+              <a:t>Stephan</a:t>
+            </a:r>
+          </a:p>
+          <a:p>
+            <a:r>
+              <a:rPr lang="de-DE" sz="3200" dirty="0">
+                <a:latin typeface="Arial" panose="020B0604020202020204" pitchFamily="34" charset="0"/>
+                <a:cs typeface="Arial" panose="020B0604020202020204" pitchFamily="34" charset="0"/>
+              </a:rPr>
+              <a:t>Peter</a:t>
+            </a:r>
+          </a:p>
+          <a:p>
+            <a:r>
+              <a:rPr lang="de-DE" sz="3200" dirty="0">
+                <a:latin typeface="Arial" panose="020B0604020202020204" pitchFamily="34" charset="0"/>
+                <a:cs typeface="Arial" panose="020B0604020202020204" pitchFamily="34" charset="0"/>
+              </a:rPr>
+              <a:t>Andrea</a:t>
+            </a:r>
+          </a:p>
+          <a:p>
+            <a:r>
+              <a:rPr lang="de-DE" sz="3200" dirty="0">
+                <a:latin typeface="Arial" panose="020B0604020202020204" pitchFamily="34" charset="0"/>
+                <a:cs typeface="Arial" panose="020B0604020202020204" pitchFamily="34" charset="0"/>
+              </a:rPr>
+              <a:t>Sebastian</a:t>
+            </a:r>
+          </a:p>
+        </p:txBody>
+      </p:sp>
       <p:pic>
         <p:nvPicPr>
-          <p:cNvPr id="1026" name="Picture 2"/>
+          <p:cNvPr id="1034" name="Picture 10"/>
           <p:cNvPicPr>
             <a:picLocks noChangeAspect="1" noChangeArrowheads="1"/>
           </p:cNvPicPr>
@@ -3839,518 +7835,7 @@
         </p:blipFill>
         <p:spPr bwMode="auto">
           <a:xfrm>
-            <a:off x="578125" y="20641298"/>
-            <a:ext cx="4572000" cy="3429001"/>
-          </a:xfrm>
-          <a:prstGeom prst="rect">
-            <a:avLst/>
-          </a:prstGeom>
-          <a:noFill/>
-          <a:ln w="9525">
-            <a:solidFill>
-              <a:schemeClr val="tx2"/>
-            </a:solidFill>
-            <a:miter lim="800000"/>
-            <a:headEnd/>
-            <a:tailEnd/>
-          </a:ln>
-          <a:effectLst/>
-          <a:extLst>
-            <a:ext uri="{909E8E84-426E-40DD-AFC4-6F175D3DCCD1}">
-              <a14:hiddenFill xmlns:a14="http://schemas.microsoft.com/office/drawing/2010/main">
-                <a:solidFill>
-                  <a:schemeClr val="accent1"/>
-                </a:solidFill>
-              </a14:hiddenFill>
-            </a:ext>
-            <a:ext uri="{AF507438-7753-43E0-B8FC-AC1667EBCBE1}">
-              <a14:hiddenEffects xmlns:a14="http://schemas.microsoft.com/office/drawing/2010/main">
-                <a:effectLst>
-                  <a:outerShdw dist="35921" dir="2700000" algn="ctr" rotWithShape="0">
-                    <a:schemeClr val="bg2"/>
-                  </a:outerShdw>
-                </a:effectLst>
-              </a14:hiddenEffects>
-            </a:ext>
-          </a:extLst>
-        </p:spPr>
-      </p:pic>
-      <p:sp>
-        <p:nvSpPr>
-          <p:cNvPr id="4" name="Textfeld 3"/>
-          <p:cNvSpPr txBox="1"/>
-          <p:nvPr/>
-        </p:nvSpPr>
-        <p:spPr>
-          <a:xfrm>
-            <a:off x="368559" y="12686619"/>
-            <a:ext cx="19187102" cy="1028647"/>
-          </a:xfrm>
-          <a:prstGeom prst="rect">
-            <a:avLst/>
-          </a:prstGeom>
-          <a:noFill/>
-        </p:spPr>
-        <p:txBody>
-          <a:bodyPr wrap="square" rtlCol="0">
-            <a:noAutofit/>
-          </a:bodyPr>
-          <a:lstStyle/>
-          <a:p>
-            <a:r>
-              <a:rPr lang="de-DE" b="1" dirty="0" err="1">
-                <a:solidFill>
-                  <a:srgbClr val="FF9400"/>
-                </a:solidFill>
-                <a:latin typeface="Arial" panose="020B0604020202020204" pitchFamily="34" charset="0"/>
-                <a:cs typeface="Arial" panose="020B0604020202020204" pitchFamily="34" charset="0"/>
-              </a:rPr>
-              <a:t>Immopiraten</a:t>
-            </a:r>
-            <a:r>
-              <a:rPr lang="de-DE" b="1" dirty="0">
-                <a:solidFill>
-                  <a:srgbClr val="FF9400"/>
-                </a:solidFill>
-                <a:latin typeface="Arial" panose="020B0604020202020204" pitchFamily="34" charset="0"/>
-                <a:cs typeface="Arial" panose="020B0604020202020204" pitchFamily="34" charset="0"/>
-              </a:rPr>
-              <a:t> – eine Metasuchmaschine für Immobilien</a:t>
-            </a:r>
-          </a:p>
-        </p:txBody>
-      </p:sp>
-      <p:sp>
-        <p:nvSpPr>
-          <p:cNvPr id="7" name="Textfeld 6"/>
-          <p:cNvSpPr txBox="1"/>
-          <p:nvPr/>
-        </p:nvSpPr>
-        <p:spPr>
-          <a:xfrm>
-            <a:off x="15071043" y="3844497"/>
-            <a:ext cx="5861032" cy="4361032"/>
-          </a:xfrm>
-          <a:prstGeom prst="rect">
-            <a:avLst/>
-          </a:prstGeom>
-          <a:noFill/>
-          <a:ln w="25400" cmpd="sng">
-            <a:noFill/>
-          </a:ln>
-        </p:spPr>
-        <p:txBody>
-          <a:bodyPr wrap="square" numCol="2" spcCol="504000" rtlCol="0">
-            <a:noAutofit/>
-          </a:bodyPr>
-          <a:lstStyle/>
-          <a:p>
-            <a:r>
-              <a:rPr lang="de-DE" sz="3200" b="1" dirty="0">
-                <a:latin typeface="Arial" panose="020B0604020202020204" pitchFamily="34" charset="0"/>
-                <a:cs typeface="Arial" panose="020B0604020202020204" pitchFamily="34" charset="0"/>
-              </a:rPr>
-              <a:t>Anbieter</a:t>
-            </a:r>
-          </a:p>
-          <a:p>
-            <a:r>
-              <a:rPr lang="de-DE" sz="3200" dirty="0">
-                <a:latin typeface="Arial" panose="020B0604020202020204" pitchFamily="34" charset="0"/>
-                <a:cs typeface="Arial" panose="020B0604020202020204" pitchFamily="34" charset="0"/>
-              </a:rPr>
-              <a:t>Beitz </a:t>
-            </a:r>
-          </a:p>
-          <a:p>
-            <a:r>
-              <a:rPr lang="de-DE" sz="3200" dirty="0">
-                <a:latin typeface="Arial" panose="020B0604020202020204" pitchFamily="34" charset="0"/>
-                <a:cs typeface="Arial" panose="020B0604020202020204" pitchFamily="34" charset="0"/>
-              </a:rPr>
-              <a:t>Billerbeck</a:t>
-            </a:r>
-          </a:p>
-          <a:p>
-            <a:r>
-              <a:rPr lang="de-DE" sz="3200" dirty="0" err="1">
-                <a:latin typeface="Arial" panose="020B0604020202020204" pitchFamily="34" charset="0"/>
-                <a:cs typeface="Arial" panose="020B0604020202020204" pitchFamily="34" charset="0"/>
-              </a:rPr>
-              <a:t>Brecklinghaus</a:t>
-            </a:r>
-            <a:endParaRPr lang="de-DE" sz="3200" dirty="0">
-              <a:latin typeface="Arial" panose="020B0604020202020204" pitchFamily="34" charset="0"/>
-              <a:cs typeface="Arial" panose="020B0604020202020204" pitchFamily="34" charset="0"/>
-            </a:endParaRPr>
-          </a:p>
-          <a:p>
-            <a:r>
-              <a:rPr lang="de-DE" sz="3200" dirty="0" err="1">
-                <a:latin typeface="Arial" panose="020B0604020202020204" pitchFamily="34" charset="0"/>
-                <a:cs typeface="Arial" panose="020B0604020202020204" pitchFamily="34" charset="0"/>
-              </a:rPr>
-              <a:t>Ciecior</a:t>
-            </a:r>
-            <a:endParaRPr lang="de-DE" sz="3200" dirty="0">
-              <a:latin typeface="Arial" panose="020B0604020202020204" pitchFamily="34" charset="0"/>
-              <a:cs typeface="Arial" panose="020B0604020202020204" pitchFamily="34" charset="0"/>
-            </a:endParaRPr>
-          </a:p>
-          <a:p>
-            <a:r>
-              <a:rPr lang="de-DE" sz="3200" dirty="0" err="1">
-                <a:latin typeface="Arial" panose="020B0604020202020204" pitchFamily="34" charset="0"/>
-                <a:cs typeface="Arial" panose="020B0604020202020204" pitchFamily="34" charset="0"/>
-              </a:rPr>
-              <a:t>Mergenbaum</a:t>
-            </a:r>
-            <a:endParaRPr lang="de-DE" sz="3200" dirty="0">
-              <a:latin typeface="Arial" panose="020B0604020202020204" pitchFamily="34" charset="0"/>
-              <a:cs typeface="Arial" panose="020B0604020202020204" pitchFamily="34" charset="0"/>
-            </a:endParaRPr>
-          </a:p>
-          <a:p>
-            <a:r>
-              <a:rPr lang="de-DE" sz="3200" dirty="0" err="1">
-                <a:latin typeface="Arial" panose="020B0604020202020204" pitchFamily="34" charset="0"/>
-                <a:cs typeface="Arial" panose="020B0604020202020204" pitchFamily="34" charset="0"/>
-              </a:rPr>
-              <a:t>Vranken</a:t>
-            </a:r>
-            <a:endParaRPr lang="de-DE" sz="3200" dirty="0">
-              <a:latin typeface="Arial" panose="020B0604020202020204" pitchFamily="34" charset="0"/>
-              <a:cs typeface="Arial" panose="020B0604020202020204" pitchFamily="34" charset="0"/>
-            </a:endParaRPr>
-          </a:p>
-          <a:p>
-            <a:endParaRPr lang="de-DE" sz="3200" dirty="0">
-              <a:latin typeface="Arial" panose="020B0604020202020204" pitchFamily="34" charset="0"/>
-              <a:cs typeface="Arial" panose="020B0604020202020204" pitchFamily="34" charset="0"/>
-            </a:endParaRPr>
-          </a:p>
-          <a:p>
-            <a:endParaRPr lang="de-DE" sz="3200" dirty="0">
-              <a:latin typeface="Arial" panose="020B0604020202020204" pitchFamily="34" charset="0"/>
-              <a:cs typeface="Arial" panose="020B0604020202020204" pitchFamily="34" charset="0"/>
-            </a:endParaRPr>
-          </a:p>
-          <a:p>
-            <a:r>
-              <a:rPr lang="de-DE" sz="3200" dirty="0">
-                <a:latin typeface="Arial" panose="020B0604020202020204" pitchFamily="34" charset="0"/>
-                <a:cs typeface="Arial" panose="020B0604020202020204" pitchFamily="34" charset="0"/>
-              </a:rPr>
-              <a:t>Julia</a:t>
-            </a:r>
-          </a:p>
-          <a:p>
-            <a:r>
-              <a:rPr lang="de-DE" sz="3200" dirty="0">
-                <a:latin typeface="Arial" panose="020B0604020202020204" pitchFamily="34" charset="0"/>
-                <a:cs typeface="Arial" panose="020B0604020202020204" pitchFamily="34" charset="0"/>
-              </a:rPr>
-              <a:t>Kerstin</a:t>
-            </a:r>
-          </a:p>
-          <a:p>
-            <a:r>
-              <a:rPr lang="de-DE" sz="3200" dirty="0">
-                <a:latin typeface="Arial" panose="020B0604020202020204" pitchFamily="34" charset="0"/>
-                <a:cs typeface="Arial" panose="020B0604020202020204" pitchFamily="34" charset="0"/>
-              </a:rPr>
-              <a:t>Stephan</a:t>
-            </a:r>
-          </a:p>
-          <a:p>
-            <a:r>
-              <a:rPr lang="de-DE" sz="3200" dirty="0">
-                <a:latin typeface="Arial" panose="020B0604020202020204" pitchFamily="34" charset="0"/>
-                <a:cs typeface="Arial" panose="020B0604020202020204" pitchFamily="34" charset="0"/>
-              </a:rPr>
-              <a:t>Peter</a:t>
-            </a:r>
-          </a:p>
-          <a:p>
-            <a:r>
-              <a:rPr lang="de-DE" sz="3200" dirty="0">
-                <a:latin typeface="Arial" panose="020B0604020202020204" pitchFamily="34" charset="0"/>
-                <a:cs typeface="Arial" panose="020B0604020202020204" pitchFamily="34" charset="0"/>
-              </a:rPr>
-              <a:t>Andrea</a:t>
-            </a:r>
-          </a:p>
-          <a:p>
-            <a:r>
-              <a:rPr lang="de-DE" sz="3200" dirty="0">
-                <a:latin typeface="Arial" panose="020B0604020202020204" pitchFamily="34" charset="0"/>
-                <a:cs typeface="Arial" panose="020B0604020202020204" pitchFamily="34" charset="0"/>
-              </a:rPr>
-              <a:t>Sebastian</a:t>
-            </a:r>
-          </a:p>
-        </p:txBody>
-      </p:sp>
-      <p:pic>
-        <p:nvPicPr>
-          <p:cNvPr id="1028" name="Picture 4"/>
-          <p:cNvPicPr>
-            <a:picLocks noChangeAspect="1" noChangeArrowheads="1"/>
-          </p:cNvPicPr>
-          <p:nvPr/>
-        </p:nvPicPr>
-        <p:blipFill>
-          <a:blip r:embed="rId5">
-            <a:extLst>
-              <a:ext uri="{28A0092B-C50C-407E-A947-70E740481C1C}">
-                <a14:useLocalDpi xmlns:a14="http://schemas.microsoft.com/office/drawing/2010/main" val="0"/>
-              </a:ext>
-            </a:extLst>
-          </a:blip>
-          <a:srcRect/>
-          <a:stretch>
-            <a:fillRect/>
-          </a:stretch>
-        </p:blipFill>
-        <p:spPr bwMode="auto">
-          <a:xfrm>
-            <a:off x="578125" y="24831650"/>
-            <a:ext cx="4572000" cy="3429001"/>
-          </a:xfrm>
-          <a:prstGeom prst="rect">
-            <a:avLst/>
-          </a:prstGeom>
-          <a:noFill/>
-          <a:ln w="9525">
-            <a:solidFill>
-              <a:schemeClr val="tx2"/>
-            </a:solidFill>
-            <a:miter lim="800000"/>
-            <a:headEnd/>
-            <a:tailEnd/>
-          </a:ln>
-          <a:effectLst/>
-          <a:extLst>
-            <a:ext uri="{909E8E84-426E-40DD-AFC4-6F175D3DCCD1}">
-              <a14:hiddenFill xmlns:a14="http://schemas.microsoft.com/office/drawing/2010/main">
-                <a:solidFill>
-                  <a:schemeClr val="accent1"/>
-                </a:solidFill>
-              </a14:hiddenFill>
-            </a:ext>
-            <a:ext uri="{AF507438-7753-43E0-B8FC-AC1667EBCBE1}">
-              <a14:hiddenEffects xmlns:a14="http://schemas.microsoft.com/office/drawing/2010/main">
-                <a:effectLst>
-                  <a:outerShdw dist="35921" dir="2700000" algn="ctr" rotWithShape="0">
-                    <a:schemeClr val="bg2"/>
-                  </a:outerShdw>
-                </a:effectLst>
-              </a14:hiddenEffects>
-            </a:ext>
-          </a:extLst>
-        </p:spPr>
-      </p:pic>
-      <p:pic>
-        <p:nvPicPr>
-          <p:cNvPr id="1030" name="Picture 6"/>
-          <p:cNvPicPr>
-            <a:picLocks noChangeAspect="1" noChangeArrowheads="1"/>
-          </p:cNvPicPr>
-          <p:nvPr/>
-        </p:nvPicPr>
-        <p:blipFill>
-          <a:blip r:embed="rId6">
-            <a:extLst>
-              <a:ext uri="{28A0092B-C50C-407E-A947-70E740481C1C}">
-                <a14:useLocalDpi xmlns:a14="http://schemas.microsoft.com/office/drawing/2010/main" val="0"/>
-              </a:ext>
-            </a:extLst>
-          </a:blip>
-          <a:srcRect/>
-          <a:stretch>
-            <a:fillRect/>
-          </a:stretch>
-        </p:blipFill>
-        <p:spPr bwMode="auto">
-          <a:xfrm>
-            <a:off x="7517818" y="24958425"/>
-            <a:ext cx="4572000" cy="3429001"/>
-          </a:xfrm>
-          <a:prstGeom prst="rect">
-            <a:avLst/>
-          </a:prstGeom>
-          <a:noFill/>
-          <a:ln w="9525">
-            <a:solidFill>
-              <a:schemeClr val="tx2"/>
-            </a:solidFill>
-            <a:miter lim="800000"/>
-            <a:headEnd/>
-            <a:tailEnd/>
-          </a:ln>
-          <a:effectLst/>
-          <a:extLst>
-            <a:ext uri="{909E8E84-426E-40DD-AFC4-6F175D3DCCD1}">
-              <a14:hiddenFill xmlns:a14="http://schemas.microsoft.com/office/drawing/2010/main">
-                <a:solidFill>
-                  <a:schemeClr val="accent1"/>
-                </a:solidFill>
-              </a14:hiddenFill>
-            </a:ext>
-            <a:ext uri="{AF507438-7753-43E0-B8FC-AC1667EBCBE1}">
-              <a14:hiddenEffects xmlns:a14="http://schemas.microsoft.com/office/drawing/2010/main">
-                <a:effectLst>
-                  <a:outerShdw dist="35921" dir="2700000" algn="ctr" rotWithShape="0">
-                    <a:schemeClr val="bg2"/>
-                  </a:outerShdw>
-                </a:effectLst>
-              </a14:hiddenEffects>
-            </a:ext>
-          </a:extLst>
-        </p:spPr>
-      </p:pic>
-      <p:pic>
-        <p:nvPicPr>
-          <p:cNvPr id="1031" name="Picture 7"/>
-          <p:cNvPicPr>
-            <a:picLocks noChangeAspect="1" noChangeArrowheads="1"/>
-          </p:cNvPicPr>
-          <p:nvPr/>
-        </p:nvPicPr>
-        <p:blipFill>
-          <a:blip r:embed="rId7">
-            <a:extLst>
-              <a:ext uri="{28A0092B-C50C-407E-A947-70E740481C1C}">
-                <a14:useLocalDpi xmlns:a14="http://schemas.microsoft.com/office/drawing/2010/main" val="0"/>
-              </a:ext>
-            </a:extLst>
-          </a:blip>
-          <a:srcRect/>
-          <a:stretch>
-            <a:fillRect/>
-          </a:stretch>
-        </p:blipFill>
-        <p:spPr bwMode="auto">
-          <a:xfrm>
-            <a:off x="14357507" y="20641298"/>
-            <a:ext cx="4572000" cy="3429001"/>
-          </a:xfrm>
-          <a:prstGeom prst="rect">
-            <a:avLst/>
-          </a:prstGeom>
-          <a:noFill/>
-          <a:ln w="9525">
-            <a:solidFill>
-              <a:schemeClr val="tx2"/>
-            </a:solidFill>
-            <a:miter lim="800000"/>
-            <a:headEnd/>
-            <a:tailEnd/>
-          </a:ln>
-          <a:effectLst/>
-          <a:extLst>
-            <a:ext uri="{909E8E84-426E-40DD-AFC4-6F175D3DCCD1}">
-              <a14:hiddenFill xmlns:a14="http://schemas.microsoft.com/office/drawing/2010/main">
-                <a:solidFill>
-                  <a:schemeClr val="accent1"/>
-                </a:solidFill>
-              </a14:hiddenFill>
-            </a:ext>
-            <a:ext uri="{AF507438-7753-43E0-B8FC-AC1667EBCBE1}">
-              <a14:hiddenEffects xmlns:a14="http://schemas.microsoft.com/office/drawing/2010/main">
-                <a:effectLst>
-                  <a:outerShdw dist="35921" dir="2700000" algn="ctr" rotWithShape="0">
-                    <a:schemeClr val="bg2"/>
-                  </a:outerShdw>
-                </a:effectLst>
-              </a14:hiddenEffects>
-            </a:ext>
-          </a:extLst>
-        </p:spPr>
-      </p:pic>
-      <p:pic>
-        <p:nvPicPr>
-          <p:cNvPr id="1033" name="Picture 9"/>
-          <p:cNvPicPr>
-            <a:picLocks noChangeAspect="1" noChangeArrowheads="1"/>
-          </p:cNvPicPr>
-          <p:nvPr/>
-        </p:nvPicPr>
-        <p:blipFill>
-          <a:blip r:embed="rId8">
-            <a:extLst>
-              <a:ext uri="{28A0092B-C50C-407E-A947-70E740481C1C}">
-                <a14:useLocalDpi xmlns:a14="http://schemas.microsoft.com/office/drawing/2010/main" val="0"/>
-              </a:ext>
-            </a:extLst>
-          </a:blip>
-          <a:srcRect/>
-          <a:stretch>
-            <a:fillRect/>
-          </a:stretch>
-        </p:blipFill>
-        <p:spPr bwMode="auto">
-          <a:xfrm>
-            <a:off x="7517819" y="20641298"/>
-            <a:ext cx="4572000" cy="3429001"/>
-          </a:xfrm>
-          <a:prstGeom prst="rect">
-            <a:avLst/>
-          </a:prstGeom>
-          <a:noFill/>
-          <a:ln w="9525">
-            <a:solidFill>
-              <a:schemeClr val="tx2"/>
-            </a:solidFill>
-            <a:miter lim="800000"/>
-            <a:headEnd/>
-            <a:tailEnd/>
-          </a:ln>
-          <a:effectLst/>
-          <a:extLst>
-            <a:ext uri="{909E8E84-426E-40DD-AFC4-6F175D3DCCD1}">
-              <a14:hiddenFill xmlns:a14="http://schemas.microsoft.com/office/drawing/2010/main">
-                <a:solidFill>
-                  <a:schemeClr val="accent1"/>
-                </a:solidFill>
-              </a14:hiddenFill>
-            </a:ext>
-            <a:ext uri="{AF507438-7753-43E0-B8FC-AC1667EBCBE1}">
-              <a14:hiddenEffects xmlns:a14="http://schemas.microsoft.com/office/drawing/2010/main">
-                <a:effectLst>
-                  <a:outerShdw dist="35921" dir="2700000" algn="ctr" rotWithShape="0">
-                    <a:schemeClr val="bg2"/>
-                  </a:outerShdw>
-                </a:effectLst>
-              </a14:hiddenEffects>
-            </a:ext>
-          </a:extLst>
-        </p:spPr>
-      </p:pic>
-      <p:pic>
-        <p:nvPicPr>
-          <p:cNvPr id="1034" name="Picture 10"/>
-          <p:cNvPicPr>
-            <a:picLocks noChangeAspect="1" noChangeArrowheads="1"/>
-          </p:cNvPicPr>
-          <p:nvPr/>
-        </p:nvPicPr>
-        <p:blipFill>
-          <a:blip r:embed="rId9">
-            <a:extLst>
-              <a:ext uri="{28A0092B-C50C-407E-A947-70E740481C1C}">
-                <a14:useLocalDpi xmlns:a14="http://schemas.microsoft.com/office/drawing/2010/main" val="0"/>
-              </a:ext>
-            </a:extLst>
-          </a:blip>
-          <a:srcRect/>
-          <a:stretch>
-            <a:fillRect/>
-          </a:stretch>
-        </p:blipFill>
-        <p:spPr bwMode="auto">
-          <a:xfrm>
-            <a:off x="14357507" y="24831650"/>
+            <a:off x="14556396" y="24956284"/>
             <a:ext cx="4572000" cy="3429001"/>
           </a:xfrm>
           <a:prstGeom prst="rect">
@@ -4440,7 +7925,7 @@
           </a:prstGeom>
         </p:spPr>
         <p:txBody>
-          <a:bodyPr wrap="none">
+          <a:bodyPr wrap="square">
             <a:spAutoFit/>
           </a:bodyPr>
           <a:lstStyle/>
@@ -4453,7 +7938,7 @@
                 <a:latin typeface="Arial" panose="020B0604020202020204" pitchFamily="34" charset="0"/>
                 <a:cs typeface="Arial" panose="020B0604020202020204" pitchFamily="34" charset="0"/>
               </a:rPr>
-              <a:t>Konzeption</a:t>
+              <a:t>Architektur</a:t>
             </a:r>
             <a:endParaRPr lang="de-DE" dirty="0">
               <a:latin typeface="Arial" panose="020B0604020202020204" pitchFamily="34" charset="0"/>
@@ -4502,1302 +7987,6 @@
       </p:sp>
       <p:sp>
         <p:nvSpPr>
-          <p:cNvPr id="6" name="Rechteck 5"/>
-          <p:cNvSpPr/>
-          <p:nvPr/>
-        </p:nvSpPr>
-        <p:spPr>
-          <a:xfrm>
-            <a:off x="5208572" y="20574632"/>
-            <a:ext cx="2045694" cy="4524315"/>
-          </a:xfrm>
-          <a:prstGeom prst="rect">
-            <a:avLst/>
-          </a:prstGeom>
-        </p:spPr>
-        <p:txBody>
-          <a:bodyPr wrap="square">
-            <a:spAutoFit/>
-          </a:bodyPr>
-          <a:lstStyle/>
-          <a:p>
-            <a:r>
-              <a:rPr lang="de-DE" sz="1800" dirty="0" err="1">
-                <a:solidFill>
-                  <a:prstClr val="black"/>
-                </a:solidFill>
-                <a:latin typeface="Arial" panose="020B0604020202020204" pitchFamily="34" charset="0"/>
-                <a:cs typeface="Arial" panose="020B0604020202020204" pitchFamily="34" charset="0"/>
-              </a:rPr>
-              <a:t>Lorem</a:t>
-            </a:r>
-            <a:r>
-              <a:rPr lang="de-DE" sz="1800" dirty="0">
-                <a:solidFill>
-                  <a:prstClr val="black"/>
-                </a:solidFill>
-                <a:latin typeface="Arial" panose="020B0604020202020204" pitchFamily="34" charset="0"/>
-                <a:cs typeface="Arial" panose="020B0604020202020204" pitchFamily="34" charset="0"/>
-              </a:rPr>
-              <a:t> </a:t>
-            </a:r>
-            <a:r>
-              <a:rPr lang="de-DE" sz="1800" dirty="0" err="1">
-                <a:solidFill>
-                  <a:prstClr val="black"/>
-                </a:solidFill>
-                <a:latin typeface="Arial" panose="020B0604020202020204" pitchFamily="34" charset="0"/>
-                <a:cs typeface="Arial" panose="020B0604020202020204" pitchFamily="34" charset="0"/>
-              </a:rPr>
-              <a:t>ipsum</a:t>
-            </a:r>
-            <a:r>
-              <a:rPr lang="de-DE" sz="1800" dirty="0">
-                <a:solidFill>
-                  <a:prstClr val="black"/>
-                </a:solidFill>
-                <a:latin typeface="Arial" panose="020B0604020202020204" pitchFamily="34" charset="0"/>
-                <a:cs typeface="Arial" panose="020B0604020202020204" pitchFamily="34" charset="0"/>
-              </a:rPr>
-              <a:t> </a:t>
-            </a:r>
-            <a:r>
-              <a:rPr lang="de-DE" sz="1800" dirty="0" err="1">
-                <a:solidFill>
-                  <a:prstClr val="black"/>
-                </a:solidFill>
-                <a:latin typeface="Arial" panose="020B0604020202020204" pitchFamily="34" charset="0"/>
-                <a:cs typeface="Arial" panose="020B0604020202020204" pitchFamily="34" charset="0"/>
-              </a:rPr>
-              <a:t>dolor</a:t>
-            </a:r>
-            <a:r>
-              <a:rPr lang="de-DE" sz="1800" dirty="0">
-                <a:solidFill>
-                  <a:prstClr val="black"/>
-                </a:solidFill>
-                <a:latin typeface="Arial" panose="020B0604020202020204" pitchFamily="34" charset="0"/>
-                <a:cs typeface="Arial" panose="020B0604020202020204" pitchFamily="34" charset="0"/>
-              </a:rPr>
-              <a:t> </a:t>
-            </a:r>
-            <a:r>
-              <a:rPr lang="de-DE" sz="1800" dirty="0" err="1">
-                <a:solidFill>
-                  <a:prstClr val="black"/>
-                </a:solidFill>
-                <a:latin typeface="Arial" panose="020B0604020202020204" pitchFamily="34" charset="0"/>
-                <a:cs typeface="Arial" panose="020B0604020202020204" pitchFamily="34" charset="0"/>
-              </a:rPr>
-              <a:t>sit</a:t>
-            </a:r>
-            <a:r>
-              <a:rPr lang="de-DE" sz="1800" dirty="0">
-                <a:solidFill>
-                  <a:prstClr val="black"/>
-                </a:solidFill>
-                <a:latin typeface="Arial" panose="020B0604020202020204" pitchFamily="34" charset="0"/>
-                <a:cs typeface="Arial" panose="020B0604020202020204" pitchFamily="34" charset="0"/>
-              </a:rPr>
-              <a:t> </a:t>
-            </a:r>
-            <a:r>
-              <a:rPr lang="de-DE" sz="1800" dirty="0" err="1">
-                <a:solidFill>
-                  <a:prstClr val="black"/>
-                </a:solidFill>
-                <a:latin typeface="Arial" panose="020B0604020202020204" pitchFamily="34" charset="0"/>
-                <a:cs typeface="Arial" panose="020B0604020202020204" pitchFamily="34" charset="0"/>
-              </a:rPr>
-              <a:t>amet</a:t>
-            </a:r>
-            <a:r>
-              <a:rPr lang="de-DE" sz="1800" dirty="0">
-                <a:solidFill>
-                  <a:prstClr val="black"/>
-                </a:solidFill>
-                <a:latin typeface="Arial" panose="020B0604020202020204" pitchFamily="34" charset="0"/>
-                <a:cs typeface="Arial" panose="020B0604020202020204" pitchFamily="34" charset="0"/>
-              </a:rPr>
-              <a:t>, </a:t>
-            </a:r>
-            <a:r>
-              <a:rPr lang="de-DE" sz="1800" dirty="0" err="1">
-                <a:solidFill>
-                  <a:prstClr val="black"/>
-                </a:solidFill>
-                <a:latin typeface="Arial" panose="020B0604020202020204" pitchFamily="34" charset="0"/>
-                <a:cs typeface="Arial" panose="020B0604020202020204" pitchFamily="34" charset="0"/>
-              </a:rPr>
-              <a:t>consectetur</a:t>
-            </a:r>
-            <a:r>
-              <a:rPr lang="de-DE" sz="1800" dirty="0">
-                <a:solidFill>
-                  <a:prstClr val="black"/>
-                </a:solidFill>
-                <a:latin typeface="Arial" panose="020B0604020202020204" pitchFamily="34" charset="0"/>
-                <a:cs typeface="Arial" panose="020B0604020202020204" pitchFamily="34" charset="0"/>
-              </a:rPr>
-              <a:t> </a:t>
-            </a:r>
-            <a:r>
-              <a:rPr lang="de-DE" sz="1800" dirty="0" err="1">
-                <a:solidFill>
-                  <a:prstClr val="black"/>
-                </a:solidFill>
-                <a:latin typeface="Arial" panose="020B0604020202020204" pitchFamily="34" charset="0"/>
-                <a:cs typeface="Arial" panose="020B0604020202020204" pitchFamily="34" charset="0"/>
-              </a:rPr>
-              <a:t>adipiscing</a:t>
-            </a:r>
-            <a:r>
-              <a:rPr lang="de-DE" sz="1800" dirty="0">
-                <a:solidFill>
-                  <a:prstClr val="black"/>
-                </a:solidFill>
-                <a:latin typeface="Arial" panose="020B0604020202020204" pitchFamily="34" charset="0"/>
-                <a:cs typeface="Arial" panose="020B0604020202020204" pitchFamily="34" charset="0"/>
-              </a:rPr>
-              <a:t> </a:t>
-            </a:r>
-            <a:r>
-              <a:rPr lang="de-DE" sz="1800" dirty="0" err="1">
-                <a:solidFill>
-                  <a:prstClr val="black"/>
-                </a:solidFill>
-                <a:latin typeface="Arial" panose="020B0604020202020204" pitchFamily="34" charset="0"/>
-                <a:cs typeface="Arial" panose="020B0604020202020204" pitchFamily="34" charset="0"/>
-              </a:rPr>
-              <a:t>elit</a:t>
-            </a:r>
-            <a:r>
-              <a:rPr lang="de-DE" sz="1800" dirty="0">
-                <a:solidFill>
-                  <a:prstClr val="black"/>
-                </a:solidFill>
-                <a:latin typeface="Arial" panose="020B0604020202020204" pitchFamily="34" charset="0"/>
-                <a:cs typeface="Arial" panose="020B0604020202020204" pitchFamily="34" charset="0"/>
-              </a:rPr>
-              <a:t>. Nam </a:t>
-            </a:r>
-            <a:r>
-              <a:rPr lang="de-DE" sz="1800" dirty="0" err="1">
-                <a:solidFill>
-                  <a:prstClr val="black"/>
-                </a:solidFill>
-                <a:latin typeface="Arial" panose="020B0604020202020204" pitchFamily="34" charset="0"/>
-                <a:cs typeface="Arial" panose="020B0604020202020204" pitchFamily="34" charset="0"/>
-              </a:rPr>
-              <a:t>sodales</a:t>
-            </a:r>
-            <a:r>
-              <a:rPr lang="de-DE" sz="1800" dirty="0">
-                <a:solidFill>
-                  <a:prstClr val="black"/>
-                </a:solidFill>
-                <a:latin typeface="Arial" panose="020B0604020202020204" pitchFamily="34" charset="0"/>
-                <a:cs typeface="Arial" panose="020B0604020202020204" pitchFamily="34" charset="0"/>
-              </a:rPr>
-              <a:t> </a:t>
-            </a:r>
-            <a:r>
-              <a:rPr lang="de-DE" sz="1800" dirty="0" err="1">
-                <a:solidFill>
-                  <a:prstClr val="black"/>
-                </a:solidFill>
-                <a:latin typeface="Arial" panose="020B0604020202020204" pitchFamily="34" charset="0"/>
-                <a:cs typeface="Arial" panose="020B0604020202020204" pitchFamily="34" charset="0"/>
-              </a:rPr>
-              <a:t>dignissim</a:t>
-            </a:r>
-            <a:r>
-              <a:rPr lang="de-DE" sz="1800" dirty="0">
-                <a:solidFill>
-                  <a:prstClr val="black"/>
-                </a:solidFill>
-                <a:latin typeface="Arial" panose="020B0604020202020204" pitchFamily="34" charset="0"/>
-                <a:cs typeface="Arial" panose="020B0604020202020204" pitchFamily="34" charset="0"/>
-              </a:rPr>
-              <a:t> </a:t>
-            </a:r>
-            <a:r>
-              <a:rPr lang="de-DE" sz="1800" dirty="0" err="1">
-                <a:solidFill>
-                  <a:prstClr val="black"/>
-                </a:solidFill>
-                <a:latin typeface="Arial" panose="020B0604020202020204" pitchFamily="34" charset="0"/>
-                <a:cs typeface="Arial" panose="020B0604020202020204" pitchFamily="34" charset="0"/>
-              </a:rPr>
-              <a:t>eros</a:t>
-            </a:r>
-            <a:r>
-              <a:rPr lang="de-DE" sz="1800" dirty="0">
-                <a:solidFill>
-                  <a:prstClr val="black"/>
-                </a:solidFill>
-                <a:latin typeface="Arial" panose="020B0604020202020204" pitchFamily="34" charset="0"/>
-                <a:cs typeface="Arial" panose="020B0604020202020204" pitchFamily="34" charset="0"/>
-              </a:rPr>
-              <a:t>, </a:t>
-            </a:r>
-            <a:r>
-              <a:rPr lang="de-DE" sz="1800" dirty="0" err="1">
-                <a:solidFill>
-                  <a:prstClr val="black"/>
-                </a:solidFill>
-                <a:latin typeface="Arial" panose="020B0604020202020204" pitchFamily="34" charset="0"/>
-                <a:cs typeface="Arial" panose="020B0604020202020204" pitchFamily="34" charset="0"/>
-              </a:rPr>
-              <a:t>rutrum</a:t>
-            </a:r>
-            <a:r>
-              <a:rPr lang="de-DE" sz="1800" dirty="0">
-                <a:solidFill>
-                  <a:prstClr val="black"/>
-                </a:solidFill>
-                <a:latin typeface="Arial" panose="020B0604020202020204" pitchFamily="34" charset="0"/>
-                <a:cs typeface="Arial" panose="020B0604020202020204" pitchFamily="34" charset="0"/>
-              </a:rPr>
-              <a:t> </a:t>
-            </a:r>
-            <a:r>
-              <a:rPr lang="de-DE" sz="1800" dirty="0" err="1">
-                <a:solidFill>
-                  <a:prstClr val="black"/>
-                </a:solidFill>
-                <a:latin typeface="Arial" panose="020B0604020202020204" pitchFamily="34" charset="0"/>
-                <a:cs typeface="Arial" panose="020B0604020202020204" pitchFamily="34" charset="0"/>
-              </a:rPr>
-              <a:t>gravida</a:t>
-            </a:r>
-            <a:r>
-              <a:rPr lang="de-DE" sz="1800" dirty="0">
-                <a:solidFill>
-                  <a:prstClr val="black"/>
-                </a:solidFill>
-                <a:latin typeface="Arial" panose="020B0604020202020204" pitchFamily="34" charset="0"/>
-                <a:cs typeface="Arial" panose="020B0604020202020204" pitchFamily="34" charset="0"/>
-              </a:rPr>
-              <a:t> </a:t>
-            </a:r>
-            <a:r>
-              <a:rPr lang="de-DE" sz="1800" dirty="0" err="1">
-                <a:solidFill>
-                  <a:prstClr val="black"/>
-                </a:solidFill>
-                <a:latin typeface="Arial" panose="020B0604020202020204" pitchFamily="34" charset="0"/>
-                <a:cs typeface="Arial" panose="020B0604020202020204" pitchFamily="34" charset="0"/>
-              </a:rPr>
-              <a:t>ipsum</a:t>
-            </a:r>
-            <a:r>
-              <a:rPr lang="de-DE" sz="1800" dirty="0">
-                <a:solidFill>
-                  <a:prstClr val="black"/>
-                </a:solidFill>
-                <a:latin typeface="Arial" panose="020B0604020202020204" pitchFamily="34" charset="0"/>
-                <a:cs typeface="Arial" panose="020B0604020202020204" pitchFamily="34" charset="0"/>
-              </a:rPr>
-              <a:t> </a:t>
-            </a:r>
-            <a:r>
-              <a:rPr lang="de-DE" sz="1800" dirty="0" err="1">
-                <a:solidFill>
-                  <a:prstClr val="black"/>
-                </a:solidFill>
-                <a:latin typeface="Arial" panose="020B0604020202020204" pitchFamily="34" charset="0"/>
-                <a:cs typeface="Arial" panose="020B0604020202020204" pitchFamily="34" charset="0"/>
-              </a:rPr>
-              <a:t>blandit</a:t>
-            </a:r>
-            <a:r>
-              <a:rPr lang="de-DE" sz="1800" dirty="0">
-                <a:solidFill>
-                  <a:prstClr val="black"/>
-                </a:solidFill>
-                <a:latin typeface="Arial" panose="020B0604020202020204" pitchFamily="34" charset="0"/>
-                <a:cs typeface="Arial" panose="020B0604020202020204" pitchFamily="34" charset="0"/>
-              </a:rPr>
-              <a:t> </a:t>
-            </a:r>
-            <a:r>
-              <a:rPr lang="de-DE" sz="1800" dirty="0" err="1">
-                <a:solidFill>
-                  <a:prstClr val="black"/>
-                </a:solidFill>
-                <a:latin typeface="Arial" panose="020B0604020202020204" pitchFamily="34" charset="0"/>
-                <a:cs typeface="Arial" panose="020B0604020202020204" pitchFamily="34" charset="0"/>
-              </a:rPr>
-              <a:t>vitae</a:t>
-            </a:r>
-            <a:r>
-              <a:rPr lang="de-DE" sz="1800" dirty="0">
-                <a:solidFill>
-                  <a:prstClr val="black"/>
-                </a:solidFill>
-                <a:latin typeface="Arial" panose="020B0604020202020204" pitchFamily="34" charset="0"/>
-                <a:cs typeface="Arial" panose="020B0604020202020204" pitchFamily="34" charset="0"/>
-              </a:rPr>
-              <a:t>. </a:t>
-            </a:r>
-            <a:r>
-              <a:rPr lang="de-DE" sz="1800" dirty="0" err="1">
-                <a:solidFill>
-                  <a:prstClr val="black"/>
-                </a:solidFill>
-                <a:latin typeface="Arial" panose="020B0604020202020204" pitchFamily="34" charset="0"/>
-                <a:cs typeface="Arial" panose="020B0604020202020204" pitchFamily="34" charset="0"/>
-              </a:rPr>
-              <a:t>Quisque</a:t>
-            </a:r>
-            <a:r>
-              <a:rPr lang="de-DE" sz="1800" dirty="0">
-                <a:solidFill>
-                  <a:prstClr val="black"/>
-                </a:solidFill>
-                <a:latin typeface="Arial" panose="020B0604020202020204" pitchFamily="34" charset="0"/>
-                <a:cs typeface="Arial" panose="020B0604020202020204" pitchFamily="34" charset="0"/>
-              </a:rPr>
-              <a:t> </a:t>
-            </a:r>
-            <a:r>
-              <a:rPr lang="de-DE" sz="1800" dirty="0" err="1">
-                <a:solidFill>
-                  <a:prstClr val="black"/>
-                </a:solidFill>
-                <a:latin typeface="Arial" panose="020B0604020202020204" pitchFamily="34" charset="0"/>
-                <a:cs typeface="Arial" panose="020B0604020202020204" pitchFamily="34" charset="0"/>
-              </a:rPr>
-              <a:t>adipiscing</a:t>
-            </a:r>
-            <a:r>
-              <a:rPr lang="de-DE" sz="1800" dirty="0">
-                <a:solidFill>
-                  <a:prstClr val="black"/>
-                </a:solidFill>
-                <a:latin typeface="Arial" panose="020B0604020202020204" pitchFamily="34" charset="0"/>
-                <a:cs typeface="Arial" panose="020B0604020202020204" pitchFamily="34" charset="0"/>
-              </a:rPr>
-              <a:t>, </a:t>
-            </a:r>
-            <a:r>
-              <a:rPr lang="de-DE" sz="1800" dirty="0" err="1">
-                <a:solidFill>
-                  <a:prstClr val="black"/>
-                </a:solidFill>
-                <a:latin typeface="Arial" panose="020B0604020202020204" pitchFamily="34" charset="0"/>
-                <a:cs typeface="Arial" panose="020B0604020202020204" pitchFamily="34" charset="0"/>
-              </a:rPr>
-              <a:t>dui</a:t>
-            </a:r>
-            <a:r>
-              <a:rPr lang="de-DE" sz="1800" dirty="0">
-                <a:solidFill>
-                  <a:prstClr val="black"/>
-                </a:solidFill>
-                <a:latin typeface="Arial" panose="020B0604020202020204" pitchFamily="34" charset="0"/>
-                <a:cs typeface="Arial" panose="020B0604020202020204" pitchFamily="34" charset="0"/>
-              </a:rPr>
-              <a:t> </a:t>
-            </a:r>
-            <a:r>
-              <a:rPr lang="de-DE" sz="1800" dirty="0" err="1">
-                <a:solidFill>
-                  <a:prstClr val="black"/>
-                </a:solidFill>
-                <a:latin typeface="Arial" panose="020B0604020202020204" pitchFamily="34" charset="0"/>
-                <a:cs typeface="Arial" panose="020B0604020202020204" pitchFamily="34" charset="0"/>
-              </a:rPr>
-              <a:t>quis</a:t>
-            </a:r>
-            <a:r>
-              <a:rPr lang="de-DE" sz="1800" dirty="0">
-                <a:solidFill>
-                  <a:prstClr val="black"/>
-                </a:solidFill>
-                <a:latin typeface="Arial" panose="020B0604020202020204" pitchFamily="34" charset="0"/>
-                <a:cs typeface="Arial" panose="020B0604020202020204" pitchFamily="34" charset="0"/>
-              </a:rPr>
-              <a:t> </a:t>
-            </a:r>
-            <a:r>
-              <a:rPr lang="de-DE" sz="1800" dirty="0" err="1">
-                <a:solidFill>
-                  <a:prstClr val="black"/>
-                </a:solidFill>
-                <a:latin typeface="Arial" panose="020B0604020202020204" pitchFamily="34" charset="0"/>
-                <a:cs typeface="Arial" panose="020B0604020202020204" pitchFamily="34" charset="0"/>
-              </a:rPr>
-              <a:t>fermentum</a:t>
-            </a:r>
-            <a:r>
-              <a:rPr lang="de-DE" sz="1800" dirty="0">
-                <a:solidFill>
-                  <a:prstClr val="black"/>
-                </a:solidFill>
-                <a:latin typeface="Arial" panose="020B0604020202020204" pitchFamily="34" charset="0"/>
-                <a:cs typeface="Arial" panose="020B0604020202020204" pitchFamily="34" charset="0"/>
-              </a:rPr>
-              <a:t> </a:t>
-            </a:r>
-            <a:r>
-              <a:rPr lang="de-DE" sz="1800" dirty="0" err="1">
-                <a:solidFill>
-                  <a:prstClr val="black"/>
-                </a:solidFill>
-                <a:latin typeface="Arial" panose="020B0604020202020204" pitchFamily="34" charset="0"/>
-                <a:cs typeface="Arial" panose="020B0604020202020204" pitchFamily="34" charset="0"/>
-              </a:rPr>
-              <a:t>ultricies</a:t>
-            </a:r>
-            <a:r>
-              <a:rPr lang="de-DE" sz="1800" dirty="0">
-                <a:solidFill>
-                  <a:prstClr val="black"/>
-                </a:solidFill>
-                <a:latin typeface="Arial" panose="020B0604020202020204" pitchFamily="34" charset="0"/>
-                <a:cs typeface="Arial" panose="020B0604020202020204" pitchFamily="34" charset="0"/>
-              </a:rPr>
-              <a:t>, </a:t>
-            </a:r>
-            <a:r>
-              <a:rPr lang="de-DE" sz="1800" dirty="0" err="1">
-                <a:solidFill>
-                  <a:prstClr val="black"/>
-                </a:solidFill>
-                <a:latin typeface="Arial" panose="020B0604020202020204" pitchFamily="34" charset="0"/>
-                <a:cs typeface="Arial" panose="020B0604020202020204" pitchFamily="34" charset="0"/>
-              </a:rPr>
-              <a:t>dolor</a:t>
-            </a:r>
-            <a:r>
-              <a:rPr lang="de-DE" sz="1800" dirty="0">
-                <a:solidFill>
-                  <a:prstClr val="black"/>
-                </a:solidFill>
-                <a:latin typeface="Arial" panose="020B0604020202020204" pitchFamily="34" charset="0"/>
-                <a:cs typeface="Arial" panose="020B0604020202020204" pitchFamily="34" charset="0"/>
-              </a:rPr>
-              <a:t> ante </a:t>
-            </a:r>
-            <a:r>
-              <a:rPr lang="de-DE" sz="1800" dirty="0" err="1">
-                <a:solidFill>
-                  <a:prstClr val="black"/>
-                </a:solidFill>
-                <a:latin typeface="Arial" panose="020B0604020202020204" pitchFamily="34" charset="0"/>
-                <a:cs typeface="Arial" panose="020B0604020202020204" pitchFamily="34" charset="0"/>
-              </a:rPr>
-              <a:t>convallis</a:t>
-            </a:r>
-            <a:r>
-              <a:rPr lang="de-DE" sz="1800" dirty="0">
-                <a:solidFill>
-                  <a:prstClr val="black"/>
-                </a:solidFill>
-                <a:latin typeface="Arial" panose="020B0604020202020204" pitchFamily="34" charset="0"/>
-                <a:cs typeface="Arial" panose="020B0604020202020204" pitchFamily="34" charset="0"/>
-              </a:rPr>
-              <a:t> </a:t>
-            </a:r>
-            <a:r>
-              <a:rPr lang="de-DE" sz="1800" dirty="0" err="1">
-                <a:solidFill>
-                  <a:prstClr val="black"/>
-                </a:solidFill>
-                <a:latin typeface="Arial" panose="020B0604020202020204" pitchFamily="34" charset="0"/>
-                <a:cs typeface="Arial" panose="020B0604020202020204" pitchFamily="34" charset="0"/>
-              </a:rPr>
-              <a:t>eros</a:t>
-            </a:r>
-            <a:r>
-              <a:rPr lang="de-DE" sz="1800" dirty="0">
-                <a:solidFill>
-                  <a:prstClr val="black"/>
-                </a:solidFill>
-                <a:latin typeface="Arial" panose="020B0604020202020204" pitchFamily="34" charset="0"/>
-                <a:cs typeface="Arial" panose="020B0604020202020204" pitchFamily="34" charset="0"/>
-              </a:rPr>
-              <a:t>, </a:t>
-            </a:r>
-            <a:r>
-              <a:rPr lang="de-DE" sz="1800" dirty="0" err="1">
-                <a:solidFill>
-                  <a:prstClr val="black"/>
-                </a:solidFill>
-                <a:latin typeface="Arial" panose="020B0604020202020204" pitchFamily="34" charset="0"/>
-                <a:cs typeface="Arial" panose="020B0604020202020204" pitchFamily="34" charset="0"/>
-              </a:rPr>
-              <a:t>at</a:t>
-            </a:r>
-            <a:r>
-              <a:rPr lang="de-DE" sz="1800" dirty="0">
-                <a:solidFill>
-                  <a:prstClr val="black"/>
-                </a:solidFill>
-                <a:latin typeface="Arial" panose="020B0604020202020204" pitchFamily="34" charset="0"/>
-                <a:cs typeface="Arial" panose="020B0604020202020204" pitchFamily="34" charset="0"/>
-              </a:rPr>
-              <a:t> </a:t>
-            </a:r>
-            <a:r>
-              <a:rPr lang="de-DE" sz="1800" dirty="0" err="1">
-                <a:solidFill>
-                  <a:prstClr val="black"/>
-                </a:solidFill>
-                <a:latin typeface="Arial" panose="020B0604020202020204" pitchFamily="34" charset="0"/>
-                <a:cs typeface="Arial" panose="020B0604020202020204" pitchFamily="34" charset="0"/>
-              </a:rPr>
-              <a:t>tincidunt</a:t>
-            </a:r>
-            <a:r>
-              <a:rPr lang="de-DE" sz="1800" dirty="0">
-                <a:solidFill>
-                  <a:prstClr val="black"/>
-                </a:solidFill>
-                <a:latin typeface="Arial" panose="020B0604020202020204" pitchFamily="34" charset="0"/>
-                <a:cs typeface="Arial" panose="020B0604020202020204" pitchFamily="34" charset="0"/>
-              </a:rPr>
-              <a:t> </a:t>
-            </a:r>
-            <a:r>
-              <a:rPr lang="de-DE" sz="1800" dirty="0" err="1">
-                <a:solidFill>
-                  <a:prstClr val="black"/>
-                </a:solidFill>
-                <a:latin typeface="Arial" panose="020B0604020202020204" pitchFamily="34" charset="0"/>
-                <a:cs typeface="Arial" panose="020B0604020202020204" pitchFamily="34" charset="0"/>
-              </a:rPr>
-              <a:t>augue</a:t>
-            </a:r>
-            <a:r>
-              <a:rPr lang="de-DE" sz="1800" dirty="0">
-                <a:solidFill>
-                  <a:prstClr val="black"/>
-                </a:solidFill>
-                <a:latin typeface="Arial" panose="020B0604020202020204" pitchFamily="34" charset="0"/>
-                <a:cs typeface="Arial" panose="020B0604020202020204" pitchFamily="34" charset="0"/>
-              </a:rPr>
-              <a:t> </a:t>
-            </a:r>
-            <a:r>
-              <a:rPr lang="de-DE" sz="1800" dirty="0" err="1">
-                <a:solidFill>
-                  <a:prstClr val="black"/>
-                </a:solidFill>
-                <a:latin typeface="Arial" panose="020B0604020202020204" pitchFamily="34" charset="0"/>
-                <a:cs typeface="Arial" panose="020B0604020202020204" pitchFamily="34" charset="0"/>
-              </a:rPr>
-              <a:t>massa</a:t>
-            </a:r>
-            <a:r>
-              <a:rPr lang="de-DE" sz="1800" dirty="0">
-                <a:solidFill>
-                  <a:prstClr val="black"/>
-                </a:solidFill>
-                <a:latin typeface="Arial" panose="020B0604020202020204" pitchFamily="34" charset="0"/>
-                <a:cs typeface="Arial" panose="020B0604020202020204" pitchFamily="34" charset="0"/>
-              </a:rPr>
-              <a:t> </a:t>
-            </a:r>
-            <a:r>
-              <a:rPr lang="de-DE" sz="1800" dirty="0" err="1">
-                <a:solidFill>
-                  <a:prstClr val="black"/>
-                </a:solidFill>
-                <a:latin typeface="Arial" panose="020B0604020202020204" pitchFamily="34" charset="0"/>
-                <a:cs typeface="Arial" panose="020B0604020202020204" pitchFamily="34" charset="0"/>
-              </a:rPr>
-              <a:t>id</a:t>
-            </a:r>
-            <a:r>
-              <a:rPr lang="de-DE" sz="1800" dirty="0">
-                <a:solidFill>
-                  <a:prstClr val="black"/>
-                </a:solidFill>
-                <a:latin typeface="Arial" panose="020B0604020202020204" pitchFamily="34" charset="0"/>
-                <a:cs typeface="Arial" panose="020B0604020202020204" pitchFamily="34" charset="0"/>
-              </a:rPr>
-              <a:t> </a:t>
-            </a:r>
-            <a:r>
-              <a:rPr lang="de-DE" sz="1800" dirty="0" err="1">
-                <a:solidFill>
-                  <a:prstClr val="black"/>
-                </a:solidFill>
-                <a:latin typeface="Arial" panose="020B0604020202020204" pitchFamily="34" charset="0"/>
-                <a:cs typeface="Arial" panose="020B0604020202020204" pitchFamily="34" charset="0"/>
-              </a:rPr>
-              <a:t>dolor</a:t>
-            </a:r>
-            <a:r>
-              <a:rPr lang="de-DE" sz="1800" dirty="0">
-                <a:solidFill>
-                  <a:prstClr val="black"/>
-                </a:solidFill>
-                <a:latin typeface="Arial" panose="020B0604020202020204" pitchFamily="34" charset="0"/>
-                <a:cs typeface="Arial" panose="020B0604020202020204" pitchFamily="34" charset="0"/>
-              </a:rPr>
-              <a:t>. </a:t>
-            </a:r>
-            <a:endParaRPr lang="de-DE" sz="1800" dirty="0">
-              <a:latin typeface="Arial" panose="020B0604020202020204" pitchFamily="34" charset="0"/>
-              <a:cs typeface="Arial" panose="020B0604020202020204" pitchFamily="34" charset="0"/>
-            </a:endParaRPr>
-          </a:p>
-        </p:txBody>
-      </p:sp>
-      <p:sp>
-        <p:nvSpPr>
-          <p:cNvPr id="18" name="Rechteck 17"/>
-          <p:cNvSpPr/>
-          <p:nvPr/>
-        </p:nvSpPr>
-        <p:spPr>
-          <a:xfrm>
-            <a:off x="5210553" y="24831651"/>
-            <a:ext cx="2045694" cy="4524315"/>
-          </a:xfrm>
-          <a:prstGeom prst="rect">
-            <a:avLst/>
-          </a:prstGeom>
-        </p:spPr>
-        <p:txBody>
-          <a:bodyPr wrap="square">
-            <a:spAutoFit/>
-          </a:bodyPr>
-          <a:lstStyle/>
-          <a:p>
-            <a:r>
-              <a:rPr lang="de-DE" sz="1800" dirty="0" err="1">
-                <a:solidFill>
-                  <a:prstClr val="black"/>
-                </a:solidFill>
-                <a:latin typeface="Arial" panose="020B0604020202020204" pitchFamily="34" charset="0"/>
-                <a:cs typeface="Arial" panose="020B0604020202020204" pitchFamily="34" charset="0"/>
-              </a:rPr>
-              <a:t>Lorem</a:t>
-            </a:r>
-            <a:r>
-              <a:rPr lang="de-DE" sz="1800" dirty="0">
-                <a:solidFill>
-                  <a:prstClr val="black"/>
-                </a:solidFill>
-                <a:latin typeface="Arial" panose="020B0604020202020204" pitchFamily="34" charset="0"/>
-                <a:cs typeface="Arial" panose="020B0604020202020204" pitchFamily="34" charset="0"/>
-              </a:rPr>
-              <a:t> </a:t>
-            </a:r>
-            <a:r>
-              <a:rPr lang="de-DE" sz="1800" dirty="0" err="1">
-                <a:solidFill>
-                  <a:prstClr val="black"/>
-                </a:solidFill>
-                <a:latin typeface="Arial" panose="020B0604020202020204" pitchFamily="34" charset="0"/>
-                <a:cs typeface="Arial" panose="020B0604020202020204" pitchFamily="34" charset="0"/>
-              </a:rPr>
-              <a:t>ipsum</a:t>
-            </a:r>
-            <a:r>
-              <a:rPr lang="de-DE" sz="1800" dirty="0">
-                <a:solidFill>
-                  <a:prstClr val="black"/>
-                </a:solidFill>
-                <a:latin typeface="Arial" panose="020B0604020202020204" pitchFamily="34" charset="0"/>
-                <a:cs typeface="Arial" panose="020B0604020202020204" pitchFamily="34" charset="0"/>
-              </a:rPr>
-              <a:t> </a:t>
-            </a:r>
-            <a:r>
-              <a:rPr lang="de-DE" sz="1800" dirty="0" err="1">
-                <a:solidFill>
-                  <a:prstClr val="black"/>
-                </a:solidFill>
-                <a:latin typeface="Arial" panose="020B0604020202020204" pitchFamily="34" charset="0"/>
-                <a:cs typeface="Arial" panose="020B0604020202020204" pitchFamily="34" charset="0"/>
-              </a:rPr>
-              <a:t>dolor</a:t>
-            </a:r>
-            <a:r>
-              <a:rPr lang="de-DE" sz="1800" dirty="0">
-                <a:solidFill>
-                  <a:prstClr val="black"/>
-                </a:solidFill>
-                <a:latin typeface="Arial" panose="020B0604020202020204" pitchFamily="34" charset="0"/>
-                <a:cs typeface="Arial" panose="020B0604020202020204" pitchFamily="34" charset="0"/>
-              </a:rPr>
-              <a:t> </a:t>
-            </a:r>
-            <a:r>
-              <a:rPr lang="de-DE" sz="1800" dirty="0" err="1">
-                <a:solidFill>
-                  <a:prstClr val="black"/>
-                </a:solidFill>
-                <a:latin typeface="Arial" panose="020B0604020202020204" pitchFamily="34" charset="0"/>
-                <a:cs typeface="Arial" panose="020B0604020202020204" pitchFamily="34" charset="0"/>
-              </a:rPr>
-              <a:t>sit</a:t>
-            </a:r>
-            <a:r>
-              <a:rPr lang="de-DE" sz="1800" dirty="0">
-                <a:solidFill>
-                  <a:prstClr val="black"/>
-                </a:solidFill>
-                <a:latin typeface="Arial" panose="020B0604020202020204" pitchFamily="34" charset="0"/>
-                <a:cs typeface="Arial" panose="020B0604020202020204" pitchFamily="34" charset="0"/>
-              </a:rPr>
-              <a:t> </a:t>
-            </a:r>
-            <a:r>
-              <a:rPr lang="de-DE" sz="1800" dirty="0" err="1">
-                <a:solidFill>
-                  <a:prstClr val="black"/>
-                </a:solidFill>
-                <a:latin typeface="Arial" panose="020B0604020202020204" pitchFamily="34" charset="0"/>
-                <a:cs typeface="Arial" panose="020B0604020202020204" pitchFamily="34" charset="0"/>
-              </a:rPr>
-              <a:t>amet</a:t>
-            </a:r>
-            <a:r>
-              <a:rPr lang="de-DE" sz="1800" dirty="0">
-                <a:solidFill>
-                  <a:prstClr val="black"/>
-                </a:solidFill>
-                <a:latin typeface="Arial" panose="020B0604020202020204" pitchFamily="34" charset="0"/>
-                <a:cs typeface="Arial" panose="020B0604020202020204" pitchFamily="34" charset="0"/>
-              </a:rPr>
-              <a:t>, </a:t>
-            </a:r>
-            <a:r>
-              <a:rPr lang="de-DE" sz="1800" dirty="0" err="1">
-                <a:solidFill>
-                  <a:prstClr val="black"/>
-                </a:solidFill>
-                <a:latin typeface="Arial" panose="020B0604020202020204" pitchFamily="34" charset="0"/>
-                <a:cs typeface="Arial" panose="020B0604020202020204" pitchFamily="34" charset="0"/>
-              </a:rPr>
-              <a:t>consectetur</a:t>
-            </a:r>
-            <a:r>
-              <a:rPr lang="de-DE" sz="1800" dirty="0">
-                <a:solidFill>
-                  <a:prstClr val="black"/>
-                </a:solidFill>
-                <a:latin typeface="Arial" panose="020B0604020202020204" pitchFamily="34" charset="0"/>
-                <a:cs typeface="Arial" panose="020B0604020202020204" pitchFamily="34" charset="0"/>
-              </a:rPr>
-              <a:t> </a:t>
-            </a:r>
-            <a:r>
-              <a:rPr lang="de-DE" sz="1800" dirty="0" err="1">
-                <a:solidFill>
-                  <a:prstClr val="black"/>
-                </a:solidFill>
-                <a:latin typeface="Arial" panose="020B0604020202020204" pitchFamily="34" charset="0"/>
-                <a:cs typeface="Arial" panose="020B0604020202020204" pitchFamily="34" charset="0"/>
-              </a:rPr>
-              <a:t>adipiscing</a:t>
-            </a:r>
-            <a:r>
-              <a:rPr lang="de-DE" sz="1800" dirty="0">
-                <a:solidFill>
-                  <a:prstClr val="black"/>
-                </a:solidFill>
-                <a:latin typeface="Arial" panose="020B0604020202020204" pitchFamily="34" charset="0"/>
-                <a:cs typeface="Arial" panose="020B0604020202020204" pitchFamily="34" charset="0"/>
-              </a:rPr>
-              <a:t> </a:t>
-            </a:r>
-            <a:r>
-              <a:rPr lang="de-DE" sz="1800" dirty="0" err="1">
-                <a:solidFill>
-                  <a:prstClr val="black"/>
-                </a:solidFill>
-                <a:latin typeface="Arial" panose="020B0604020202020204" pitchFamily="34" charset="0"/>
-                <a:cs typeface="Arial" panose="020B0604020202020204" pitchFamily="34" charset="0"/>
-              </a:rPr>
-              <a:t>elit</a:t>
-            </a:r>
-            <a:r>
-              <a:rPr lang="de-DE" sz="1800" dirty="0">
-                <a:solidFill>
-                  <a:prstClr val="black"/>
-                </a:solidFill>
-                <a:latin typeface="Arial" panose="020B0604020202020204" pitchFamily="34" charset="0"/>
-                <a:cs typeface="Arial" panose="020B0604020202020204" pitchFamily="34" charset="0"/>
-              </a:rPr>
-              <a:t>. Nam </a:t>
-            </a:r>
-            <a:r>
-              <a:rPr lang="de-DE" sz="1800" dirty="0" err="1">
-                <a:solidFill>
-                  <a:prstClr val="black"/>
-                </a:solidFill>
-                <a:latin typeface="Arial" panose="020B0604020202020204" pitchFamily="34" charset="0"/>
-                <a:cs typeface="Arial" panose="020B0604020202020204" pitchFamily="34" charset="0"/>
-              </a:rPr>
-              <a:t>sodales</a:t>
-            </a:r>
-            <a:r>
-              <a:rPr lang="de-DE" sz="1800" dirty="0">
-                <a:solidFill>
-                  <a:prstClr val="black"/>
-                </a:solidFill>
-                <a:latin typeface="Arial" panose="020B0604020202020204" pitchFamily="34" charset="0"/>
-                <a:cs typeface="Arial" panose="020B0604020202020204" pitchFamily="34" charset="0"/>
-              </a:rPr>
-              <a:t> </a:t>
-            </a:r>
-            <a:r>
-              <a:rPr lang="de-DE" sz="1800" dirty="0" err="1">
-                <a:solidFill>
-                  <a:prstClr val="black"/>
-                </a:solidFill>
-                <a:latin typeface="Arial" panose="020B0604020202020204" pitchFamily="34" charset="0"/>
-                <a:cs typeface="Arial" panose="020B0604020202020204" pitchFamily="34" charset="0"/>
-              </a:rPr>
-              <a:t>dignissim</a:t>
-            </a:r>
-            <a:r>
-              <a:rPr lang="de-DE" sz="1800" dirty="0">
-                <a:solidFill>
-                  <a:prstClr val="black"/>
-                </a:solidFill>
-                <a:latin typeface="Arial" panose="020B0604020202020204" pitchFamily="34" charset="0"/>
-                <a:cs typeface="Arial" panose="020B0604020202020204" pitchFamily="34" charset="0"/>
-              </a:rPr>
-              <a:t> </a:t>
-            </a:r>
-            <a:r>
-              <a:rPr lang="de-DE" sz="1800" dirty="0" err="1">
-                <a:solidFill>
-                  <a:prstClr val="black"/>
-                </a:solidFill>
-                <a:latin typeface="Arial" panose="020B0604020202020204" pitchFamily="34" charset="0"/>
-                <a:cs typeface="Arial" panose="020B0604020202020204" pitchFamily="34" charset="0"/>
-              </a:rPr>
-              <a:t>eros</a:t>
-            </a:r>
-            <a:r>
-              <a:rPr lang="de-DE" sz="1800" dirty="0">
-                <a:solidFill>
-                  <a:prstClr val="black"/>
-                </a:solidFill>
-                <a:latin typeface="Arial" panose="020B0604020202020204" pitchFamily="34" charset="0"/>
-                <a:cs typeface="Arial" panose="020B0604020202020204" pitchFamily="34" charset="0"/>
-              </a:rPr>
-              <a:t>, </a:t>
-            </a:r>
-            <a:r>
-              <a:rPr lang="de-DE" sz="1800" dirty="0" err="1">
-                <a:solidFill>
-                  <a:prstClr val="black"/>
-                </a:solidFill>
-                <a:latin typeface="Arial" panose="020B0604020202020204" pitchFamily="34" charset="0"/>
-                <a:cs typeface="Arial" panose="020B0604020202020204" pitchFamily="34" charset="0"/>
-              </a:rPr>
-              <a:t>rutrum</a:t>
-            </a:r>
-            <a:r>
-              <a:rPr lang="de-DE" sz="1800" dirty="0">
-                <a:solidFill>
-                  <a:prstClr val="black"/>
-                </a:solidFill>
-                <a:latin typeface="Arial" panose="020B0604020202020204" pitchFamily="34" charset="0"/>
-                <a:cs typeface="Arial" panose="020B0604020202020204" pitchFamily="34" charset="0"/>
-              </a:rPr>
-              <a:t> </a:t>
-            </a:r>
-            <a:r>
-              <a:rPr lang="de-DE" sz="1800" dirty="0" err="1">
-                <a:solidFill>
-                  <a:prstClr val="black"/>
-                </a:solidFill>
-                <a:latin typeface="Arial" panose="020B0604020202020204" pitchFamily="34" charset="0"/>
-                <a:cs typeface="Arial" panose="020B0604020202020204" pitchFamily="34" charset="0"/>
-              </a:rPr>
-              <a:t>gravida</a:t>
-            </a:r>
-            <a:r>
-              <a:rPr lang="de-DE" sz="1800" dirty="0">
-                <a:solidFill>
-                  <a:prstClr val="black"/>
-                </a:solidFill>
-                <a:latin typeface="Arial" panose="020B0604020202020204" pitchFamily="34" charset="0"/>
-                <a:cs typeface="Arial" panose="020B0604020202020204" pitchFamily="34" charset="0"/>
-              </a:rPr>
-              <a:t> </a:t>
-            </a:r>
-            <a:r>
-              <a:rPr lang="de-DE" sz="1800" dirty="0" err="1">
-                <a:solidFill>
-                  <a:prstClr val="black"/>
-                </a:solidFill>
-                <a:latin typeface="Arial" panose="020B0604020202020204" pitchFamily="34" charset="0"/>
-                <a:cs typeface="Arial" panose="020B0604020202020204" pitchFamily="34" charset="0"/>
-              </a:rPr>
-              <a:t>ipsum</a:t>
-            </a:r>
-            <a:r>
-              <a:rPr lang="de-DE" sz="1800" dirty="0">
-                <a:solidFill>
-                  <a:prstClr val="black"/>
-                </a:solidFill>
-                <a:latin typeface="Arial" panose="020B0604020202020204" pitchFamily="34" charset="0"/>
-                <a:cs typeface="Arial" panose="020B0604020202020204" pitchFamily="34" charset="0"/>
-              </a:rPr>
-              <a:t> </a:t>
-            </a:r>
-            <a:r>
-              <a:rPr lang="de-DE" sz="1800" dirty="0" err="1">
-                <a:solidFill>
-                  <a:prstClr val="black"/>
-                </a:solidFill>
-                <a:latin typeface="Arial" panose="020B0604020202020204" pitchFamily="34" charset="0"/>
-                <a:cs typeface="Arial" panose="020B0604020202020204" pitchFamily="34" charset="0"/>
-              </a:rPr>
-              <a:t>blandit</a:t>
-            </a:r>
-            <a:r>
-              <a:rPr lang="de-DE" sz="1800" dirty="0">
-                <a:solidFill>
-                  <a:prstClr val="black"/>
-                </a:solidFill>
-                <a:latin typeface="Arial" panose="020B0604020202020204" pitchFamily="34" charset="0"/>
-                <a:cs typeface="Arial" panose="020B0604020202020204" pitchFamily="34" charset="0"/>
-              </a:rPr>
-              <a:t> </a:t>
-            </a:r>
-            <a:r>
-              <a:rPr lang="de-DE" sz="1800" dirty="0" err="1">
-                <a:solidFill>
-                  <a:prstClr val="black"/>
-                </a:solidFill>
-                <a:latin typeface="Arial" panose="020B0604020202020204" pitchFamily="34" charset="0"/>
-                <a:cs typeface="Arial" panose="020B0604020202020204" pitchFamily="34" charset="0"/>
-              </a:rPr>
-              <a:t>vitae</a:t>
-            </a:r>
-            <a:r>
-              <a:rPr lang="de-DE" sz="1800" dirty="0">
-                <a:solidFill>
-                  <a:prstClr val="black"/>
-                </a:solidFill>
-                <a:latin typeface="Arial" panose="020B0604020202020204" pitchFamily="34" charset="0"/>
-                <a:cs typeface="Arial" panose="020B0604020202020204" pitchFamily="34" charset="0"/>
-              </a:rPr>
-              <a:t>. </a:t>
-            </a:r>
-            <a:r>
-              <a:rPr lang="de-DE" sz="1800" dirty="0" err="1">
-                <a:solidFill>
-                  <a:prstClr val="black"/>
-                </a:solidFill>
-                <a:latin typeface="Arial" panose="020B0604020202020204" pitchFamily="34" charset="0"/>
-                <a:cs typeface="Arial" panose="020B0604020202020204" pitchFamily="34" charset="0"/>
-              </a:rPr>
-              <a:t>Quisque</a:t>
-            </a:r>
-            <a:r>
-              <a:rPr lang="de-DE" sz="1800" dirty="0">
-                <a:solidFill>
-                  <a:prstClr val="black"/>
-                </a:solidFill>
-                <a:latin typeface="Arial" panose="020B0604020202020204" pitchFamily="34" charset="0"/>
-                <a:cs typeface="Arial" panose="020B0604020202020204" pitchFamily="34" charset="0"/>
-              </a:rPr>
-              <a:t> </a:t>
-            </a:r>
-            <a:r>
-              <a:rPr lang="de-DE" sz="1800" dirty="0" err="1">
-                <a:solidFill>
-                  <a:prstClr val="black"/>
-                </a:solidFill>
-                <a:latin typeface="Arial" panose="020B0604020202020204" pitchFamily="34" charset="0"/>
-                <a:cs typeface="Arial" panose="020B0604020202020204" pitchFamily="34" charset="0"/>
-              </a:rPr>
-              <a:t>adipiscing</a:t>
-            </a:r>
-            <a:r>
-              <a:rPr lang="de-DE" sz="1800" dirty="0">
-                <a:solidFill>
-                  <a:prstClr val="black"/>
-                </a:solidFill>
-                <a:latin typeface="Arial" panose="020B0604020202020204" pitchFamily="34" charset="0"/>
-                <a:cs typeface="Arial" panose="020B0604020202020204" pitchFamily="34" charset="0"/>
-              </a:rPr>
-              <a:t>, </a:t>
-            </a:r>
-            <a:r>
-              <a:rPr lang="de-DE" sz="1800" dirty="0" err="1">
-                <a:solidFill>
-                  <a:prstClr val="black"/>
-                </a:solidFill>
-                <a:latin typeface="Arial" panose="020B0604020202020204" pitchFamily="34" charset="0"/>
-                <a:cs typeface="Arial" panose="020B0604020202020204" pitchFamily="34" charset="0"/>
-              </a:rPr>
-              <a:t>dui</a:t>
-            </a:r>
-            <a:r>
-              <a:rPr lang="de-DE" sz="1800" dirty="0">
-                <a:solidFill>
-                  <a:prstClr val="black"/>
-                </a:solidFill>
-                <a:latin typeface="Arial" panose="020B0604020202020204" pitchFamily="34" charset="0"/>
-                <a:cs typeface="Arial" panose="020B0604020202020204" pitchFamily="34" charset="0"/>
-              </a:rPr>
-              <a:t> </a:t>
-            </a:r>
-            <a:r>
-              <a:rPr lang="de-DE" sz="1800" dirty="0" err="1">
-                <a:solidFill>
-                  <a:prstClr val="black"/>
-                </a:solidFill>
-                <a:latin typeface="Arial" panose="020B0604020202020204" pitchFamily="34" charset="0"/>
-                <a:cs typeface="Arial" panose="020B0604020202020204" pitchFamily="34" charset="0"/>
-              </a:rPr>
-              <a:t>quis</a:t>
-            </a:r>
-            <a:r>
-              <a:rPr lang="de-DE" sz="1800" dirty="0">
-                <a:solidFill>
-                  <a:prstClr val="black"/>
-                </a:solidFill>
-                <a:latin typeface="Arial" panose="020B0604020202020204" pitchFamily="34" charset="0"/>
-                <a:cs typeface="Arial" panose="020B0604020202020204" pitchFamily="34" charset="0"/>
-              </a:rPr>
-              <a:t> </a:t>
-            </a:r>
-            <a:r>
-              <a:rPr lang="de-DE" sz="1800" dirty="0" err="1">
-                <a:solidFill>
-                  <a:prstClr val="black"/>
-                </a:solidFill>
-                <a:latin typeface="Arial" panose="020B0604020202020204" pitchFamily="34" charset="0"/>
-                <a:cs typeface="Arial" panose="020B0604020202020204" pitchFamily="34" charset="0"/>
-              </a:rPr>
-              <a:t>fermentum</a:t>
-            </a:r>
-            <a:r>
-              <a:rPr lang="de-DE" sz="1800" dirty="0">
-                <a:solidFill>
-                  <a:prstClr val="black"/>
-                </a:solidFill>
-                <a:latin typeface="Arial" panose="020B0604020202020204" pitchFamily="34" charset="0"/>
-                <a:cs typeface="Arial" panose="020B0604020202020204" pitchFamily="34" charset="0"/>
-              </a:rPr>
-              <a:t> </a:t>
-            </a:r>
-            <a:r>
-              <a:rPr lang="de-DE" sz="1800" dirty="0" err="1">
-                <a:solidFill>
-                  <a:prstClr val="black"/>
-                </a:solidFill>
-                <a:latin typeface="Arial" panose="020B0604020202020204" pitchFamily="34" charset="0"/>
-                <a:cs typeface="Arial" panose="020B0604020202020204" pitchFamily="34" charset="0"/>
-              </a:rPr>
-              <a:t>ultricies</a:t>
-            </a:r>
-            <a:r>
-              <a:rPr lang="de-DE" sz="1800" dirty="0">
-                <a:solidFill>
-                  <a:prstClr val="black"/>
-                </a:solidFill>
-                <a:latin typeface="Arial" panose="020B0604020202020204" pitchFamily="34" charset="0"/>
-                <a:cs typeface="Arial" panose="020B0604020202020204" pitchFamily="34" charset="0"/>
-              </a:rPr>
-              <a:t>, </a:t>
-            </a:r>
-            <a:r>
-              <a:rPr lang="de-DE" sz="1800" dirty="0" err="1">
-                <a:solidFill>
-                  <a:prstClr val="black"/>
-                </a:solidFill>
-                <a:latin typeface="Arial" panose="020B0604020202020204" pitchFamily="34" charset="0"/>
-                <a:cs typeface="Arial" panose="020B0604020202020204" pitchFamily="34" charset="0"/>
-              </a:rPr>
-              <a:t>dolor</a:t>
-            </a:r>
-            <a:r>
-              <a:rPr lang="de-DE" sz="1800" dirty="0">
-                <a:solidFill>
-                  <a:prstClr val="black"/>
-                </a:solidFill>
-                <a:latin typeface="Arial" panose="020B0604020202020204" pitchFamily="34" charset="0"/>
-                <a:cs typeface="Arial" panose="020B0604020202020204" pitchFamily="34" charset="0"/>
-              </a:rPr>
-              <a:t> ante </a:t>
-            </a:r>
-            <a:r>
-              <a:rPr lang="de-DE" sz="1800" dirty="0" err="1">
-                <a:solidFill>
-                  <a:prstClr val="black"/>
-                </a:solidFill>
-                <a:latin typeface="Arial" panose="020B0604020202020204" pitchFamily="34" charset="0"/>
-                <a:cs typeface="Arial" panose="020B0604020202020204" pitchFamily="34" charset="0"/>
-              </a:rPr>
-              <a:t>convallis</a:t>
-            </a:r>
-            <a:r>
-              <a:rPr lang="de-DE" sz="1800" dirty="0">
-                <a:solidFill>
-                  <a:prstClr val="black"/>
-                </a:solidFill>
-                <a:latin typeface="Arial" panose="020B0604020202020204" pitchFamily="34" charset="0"/>
-                <a:cs typeface="Arial" panose="020B0604020202020204" pitchFamily="34" charset="0"/>
-              </a:rPr>
-              <a:t> </a:t>
-            </a:r>
-            <a:r>
-              <a:rPr lang="de-DE" sz="1800" dirty="0" err="1">
-                <a:solidFill>
-                  <a:prstClr val="black"/>
-                </a:solidFill>
-                <a:latin typeface="Arial" panose="020B0604020202020204" pitchFamily="34" charset="0"/>
-                <a:cs typeface="Arial" panose="020B0604020202020204" pitchFamily="34" charset="0"/>
-              </a:rPr>
-              <a:t>eros</a:t>
-            </a:r>
-            <a:r>
-              <a:rPr lang="de-DE" sz="1800" dirty="0">
-                <a:solidFill>
-                  <a:prstClr val="black"/>
-                </a:solidFill>
-                <a:latin typeface="Arial" panose="020B0604020202020204" pitchFamily="34" charset="0"/>
-                <a:cs typeface="Arial" panose="020B0604020202020204" pitchFamily="34" charset="0"/>
-              </a:rPr>
-              <a:t>, </a:t>
-            </a:r>
-            <a:r>
-              <a:rPr lang="de-DE" sz="1800" dirty="0" err="1">
-                <a:solidFill>
-                  <a:prstClr val="black"/>
-                </a:solidFill>
-                <a:latin typeface="Arial" panose="020B0604020202020204" pitchFamily="34" charset="0"/>
-                <a:cs typeface="Arial" panose="020B0604020202020204" pitchFamily="34" charset="0"/>
-              </a:rPr>
-              <a:t>at</a:t>
-            </a:r>
-            <a:r>
-              <a:rPr lang="de-DE" sz="1800" dirty="0">
-                <a:solidFill>
-                  <a:prstClr val="black"/>
-                </a:solidFill>
-                <a:latin typeface="Arial" panose="020B0604020202020204" pitchFamily="34" charset="0"/>
-                <a:cs typeface="Arial" panose="020B0604020202020204" pitchFamily="34" charset="0"/>
-              </a:rPr>
-              <a:t> </a:t>
-            </a:r>
-            <a:r>
-              <a:rPr lang="de-DE" sz="1800" dirty="0" err="1">
-                <a:solidFill>
-                  <a:prstClr val="black"/>
-                </a:solidFill>
-                <a:latin typeface="Arial" panose="020B0604020202020204" pitchFamily="34" charset="0"/>
-                <a:cs typeface="Arial" panose="020B0604020202020204" pitchFamily="34" charset="0"/>
-              </a:rPr>
-              <a:t>tincidunt</a:t>
-            </a:r>
-            <a:r>
-              <a:rPr lang="de-DE" sz="1800" dirty="0">
-                <a:solidFill>
-                  <a:prstClr val="black"/>
-                </a:solidFill>
-                <a:latin typeface="Arial" panose="020B0604020202020204" pitchFamily="34" charset="0"/>
-                <a:cs typeface="Arial" panose="020B0604020202020204" pitchFamily="34" charset="0"/>
-              </a:rPr>
-              <a:t> </a:t>
-            </a:r>
-            <a:r>
-              <a:rPr lang="de-DE" sz="1800" dirty="0" err="1">
-                <a:solidFill>
-                  <a:prstClr val="black"/>
-                </a:solidFill>
-                <a:latin typeface="Arial" panose="020B0604020202020204" pitchFamily="34" charset="0"/>
-                <a:cs typeface="Arial" panose="020B0604020202020204" pitchFamily="34" charset="0"/>
-              </a:rPr>
-              <a:t>augue</a:t>
-            </a:r>
-            <a:r>
-              <a:rPr lang="de-DE" sz="1800" dirty="0">
-                <a:solidFill>
-                  <a:prstClr val="black"/>
-                </a:solidFill>
-                <a:latin typeface="Arial" panose="020B0604020202020204" pitchFamily="34" charset="0"/>
-                <a:cs typeface="Arial" panose="020B0604020202020204" pitchFamily="34" charset="0"/>
-              </a:rPr>
-              <a:t> </a:t>
-            </a:r>
-            <a:r>
-              <a:rPr lang="de-DE" sz="1800" dirty="0" err="1">
-                <a:solidFill>
-                  <a:prstClr val="black"/>
-                </a:solidFill>
-                <a:latin typeface="Arial" panose="020B0604020202020204" pitchFamily="34" charset="0"/>
-                <a:cs typeface="Arial" panose="020B0604020202020204" pitchFamily="34" charset="0"/>
-              </a:rPr>
-              <a:t>massa</a:t>
-            </a:r>
-            <a:r>
-              <a:rPr lang="de-DE" sz="1800" dirty="0">
-                <a:solidFill>
-                  <a:prstClr val="black"/>
-                </a:solidFill>
-                <a:latin typeface="Arial" panose="020B0604020202020204" pitchFamily="34" charset="0"/>
-                <a:cs typeface="Arial" panose="020B0604020202020204" pitchFamily="34" charset="0"/>
-              </a:rPr>
-              <a:t> </a:t>
-            </a:r>
-            <a:r>
-              <a:rPr lang="de-DE" sz="1800" dirty="0" err="1">
-                <a:solidFill>
-                  <a:prstClr val="black"/>
-                </a:solidFill>
-                <a:latin typeface="Arial" panose="020B0604020202020204" pitchFamily="34" charset="0"/>
-                <a:cs typeface="Arial" panose="020B0604020202020204" pitchFamily="34" charset="0"/>
-              </a:rPr>
-              <a:t>id</a:t>
-            </a:r>
-            <a:r>
-              <a:rPr lang="de-DE" sz="1800" dirty="0">
-                <a:solidFill>
-                  <a:prstClr val="black"/>
-                </a:solidFill>
-                <a:latin typeface="Arial" panose="020B0604020202020204" pitchFamily="34" charset="0"/>
-                <a:cs typeface="Arial" panose="020B0604020202020204" pitchFamily="34" charset="0"/>
-              </a:rPr>
-              <a:t> </a:t>
-            </a:r>
-            <a:r>
-              <a:rPr lang="de-DE" sz="1800" dirty="0" err="1">
-                <a:solidFill>
-                  <a:prstClr val="black"/>
-                </a:solidFill>
-                <a:latin typeface="Arial" panose="020B0604020202020204" pitchFamily="34" charset="0"/>
-                <a:cs typeface="Arial" panose="020B0604020202020204" pitchFamily="34" charset="0"/>
-              </a:rPr>
-              <a:t>dolor</a:t>
-            </a:r>
-            <a:r>
-              <a:rPr lang="de-DE" sz="1800" dirty="0">
-                <a:solidFill>
-                  <a:prstClr val="black"/>
-                </a:solidFill>
-                <a:latin typeface="Arial" panose="020B0604020202020204" pitchFamily="34" charset="0"/>
-                <a:cs typeface="Arial" panose="020B0604020202020204" pitchFamily="34" charset="0"/>
-              </a:rPr>
-              <a:t>. </a:t>
-            </a:r>
-            <a:endParaRPr lang="de-DE" sz="1800" dirty="0">
-              <a:latin typeface="Arial" panose="020B0604020202020204" pitchFamily="34" charset="0"/>
-              <a:cs typeface="Arial" panose="020B0604020202020204" pitchFamily="34" charset="0"/>
-            </a:endParaRPr>
-          </a:p>
-        </p:txBody>
-      </p:sp>
-      <p:sp>
-        <p:nvSpPr>
           <p:cNvPr id="20" name="Rechteck 19"/>
           <p:cNvSpPr/>
           <p:nvPr/>
@@ -6452,8 +8641,8 @@
         </p:nvSpPr>
         <p:spPr>
           <a:xfrm>
-            <a:off x="12090792" y="24832518"/>
-            <a:ext cx="2045694" cy="4524315"/>
+            <a:off x="12084461" y="24956284"/>
+            <a:ext cx="2045694" cy="3416320"/>
           </a:xfrm>
           <a:prstGeom prst="rect">
             <a:avLst/>
@@ -6493,6 +8682,246 @@
                 <a:latin typeface="Arial" panose="020B0604020202020204" pitchFamily="34" charset="0"/>
                 <a:cs typeface="Arial" panose="020B0604020202020204" pitchFamily="34" charset="0"/>
               </a:rPr>
+              <a:t>psum</a:t>
+            </a:r>
+            <a:r>
+              <a:rPr lang="de-DE" sz="1800" dirty="0">
+                <a:solidFill>
+                  <a:prstClr val="black"/>
+                </a:solidFill>
+                <a:latin typeface="Arial" panose="020B0604020202020204" pitchFamily="34" charset="0"/>
+                <a:cs typeface="Arial" panose="020B0604020202020204" pitchFamily="34" charset="0"/>
+              </a:rPr>
+              <a:t> </a:t>
+            </a:r>
+            <a:r>
+              <a:rPr lang="de-DE" sz="1800" dirty="0" err="1">
+                <a:solidFill>
+                  <a:prstClr val="black"/>
+                </a:solidFill>
+                <a:latin typeface="Arial" panose="020B0604020202020204" pitchFamily="34" charset="0"/>
+                <a:cs typeface="Arial" panose="020B0604020202020204" pitchFamily="34" charset="0"/>
+              </a:rPr>
+              <a:t>dolor</a:t>
+            </a:r>
+            <a:r>
+              <a:rPr lang="de-DE" sz="1800" dirty="0">
+                <a:solidFill>
+                  <a:prstClr val="black"/>
+                </a:solidFill>
+                <a:latin typeface="Arial" panose="020B0604020202020204" pitchFamily="34" charset="0"/>
+                <a:cs typeface="Arial" panose="020B0604020202020204" pitchFamily="34" charset="0"/>
+              </a:rPr>
+              <a:t> </a:t>
+            </a:r>
+            <a:r>
+              <a:rPr lang="de-DE" sz="1800" dirty="0" err="1">
+                <a:solidFill>
+                  <a:prstClr val="black"/>
+                </a:solidFill>
+                <a:latin typeface="Arial" panose="020B0604020202020204" pitchFamily="34" charset="0"/>
+                <a:cs typeface="Arial" panose="020B0604020202020204" pitchFamily="34" charset="0"/>
+              </a:rPr>
+              <a:t>sit</a:t>
+            </a:r>
+            <a:r>
+              <a:rPr lang="de-DE" sz="1800" dirty="0">
+                <a:solidFill>
+                  <a:prstClr val="black"/>
+                </a:solidFill>
+                <a:latin typeface="Arial" panose="020B0604020202020204" pitchFamily="34" charset="0"/>
+                <a:cs typeface="Arial" panose="020B0604020202020204" pitchFamily="34" charset="0"/>
+              </a:rPr>
+              <a:t> </a:t>
+            </a:r>
+            <a:r>
+              <a:rPr lang="de-DE" sz="1800" dirty="0" err="1">
+                <a:solidFill>
+                  <a:prstClr val="black"/>
+                </a:solidFill>
+                <a:latin typeface="Arial" panose="020B0604020202020204" pitchFamily="34" charset="0"/>
+                <a:cs typeface="Arial" panose="020B0604020202020204" pitchFamily="34" charset="0"/>
+              </a:rPr>
+              <a:t>amet</a:t>
+            </a:r>
+            <a:r>
+              <a:rPr lang="de-DE" sz="1800" dirty="0">
+                <a:solidFill>
+                  <a:prstClr val="black"/>
+                </a:solidFill>
+                <a:latin typeface="Arial" panose="020B0604020202020204" pitchFamily="34" charset="0"/>
+                <a:cs typeface="Arial" panose="020B0604020202020204" pitchFamily="34" charset="0"/>
+              </a:rPr>
+              <a:t>, </a:t>
+            </a:r>
+            <a:r>
+              <a:rPr lang="de-DE" sz="1800" dirty="0" err="1">
+                <a:solidFill>
+                  <a:prstClr val="black"/>
+                </a:solidFill>
+                <a:latin typeface="Arial" panose="020B0604020202020204" pitchFamily="34" charset="0"/>
+                <a:cs typeface="Arial" panose="020B0604020202020204" pitchFamily="34" charset="0"/>
+              </a:rPr>
+              <a:t>consectetur</a:t>
+            </a:r>
+            <a:r>
+              <a:rPr lang="de-DE" sz="1800" dirty="0">
+                <a:solidFill>
+                  <a:prstClr val="black"/>
+                </a:solidFill>
+                <a:latin typeface="Arial" panose="020B0604020202020204" pitchFamily="34" charset="0"/>
+                <a:cs typeface="Arial" panose="020B0604020202020204" pitchFamily="34" charset="0"/>
+              </a:rPr>
+              <a:t> </a:t>
+            </a:r>
+            <a:r>
+              <a:rPr lang="de-DE" sz="1800" dirty="0" err="1">
+                <a:solidFill>
+                  <a:prstClr val="black"/>
+                </a:solidFill>
+                <a:latin typeface="Arial" panose="020B0604020202020204" pitchFamily="34" charset="0"/>
+                <a:cs typeface="Arial" panose="020B0604020202020204" pitchFamily="34" charset="0"/>
+              </a:rPr>
+              <a:t>adipiscing</a:t>
+            </a:r>
+            <a:r>
+              <a:rPr lang="de-DE" sz="1800" dirty="0">
+                <a:solidFill>
+                  <a:prstClr val="black"/>
+                </a:solidFill>
+                <a:latin typeface="Arial" panose="020B0604020202020204" pitchFamily="34" charset="0"/>
+                <a:cs typeface="Arial" panose="020B0604020202020204" pitchFamily="34" charset="0"/>
+              </a:rPr>
+              <a:t> </a:t>
+            </a:r>
+            <a:r>
+              <a:rPr lang="de-DE" sz="1800" dirty="0" err="1">
+                <a:solidFill>
+                  <a:prstClr val="black"/>
+                </a:solidFill>
+                <a:latin typeface="Arial" panose="020B0604020202020204" pitchFamily="34" charset="0"/>
+                <a:cs typeface="Arial" panose="020B0604020202020204" pitchFamily="34" charset="0"/>
+              </a:rPr>
+              <a:t>elit</a:t>
+            </a:r>
+            <a:r>
+              <a:rPr lang="de-DE" sz="1800" dirty="0">
+                <a:solidFill>
+                  <a:prstClr val="black"/>
+                </a:solidFill>
+                <a:latin typeface="Arial" panose="020B0604020202020204" pitchFamily="34" charset="0"/>
+                <a:cs typeface="Arial" panose="020B0604020202020204" pitchFamily="34" charset="0"/>
+              </a:rPr>
+              <a:t>. Nam </a:t>
+            </a:r>
+            <a:r>
+              <a:rPr lang="de-DE" sz="1800" dirty="0" err="1">
+                <a:solidFill>
+                  <a:prstClr val="black"/>
+                </a:solidFill>
+                <a:latin typeface="Arial" panose="020B0604020202020204" pitchFamily="34" charset="0"/>
+                <a:cs typeface="Arial" panose="020B0604020202020204" pitchFamily="34" charset="0"/>
+              </a:rPr>
+              <a:t>sodales</a:t>
+            </a:r>
+            <a:r>
+              <a:rPr lang="de-DE" sz="1800" dirty="0">
+                <a:solidFill>
+                  <a:prstClr val="black"/>
+                </a:solidFill>
+                <a:latin typeface="Arial" panose="020B0604020202020204" pitchFamily="34" charset="0"/>
+                <a:cs typeface="Arial" panose="020B0604020202020204" pitchFamily="34" charset="0"/>
+              </a:rPr>
+              <a:t> </a:t>
+            </a:r>
+            <a:r>
+              <a:rPr lang="de-DE" sz="1800" dirty="0" err="1">
+                <a:solidFill>
+                  <a:prstClr val="black"/>
+                </a:solidFill>
+                <a:latin typeface="Arial" panose="020B0604020202020204" pitchFamily="34" charset="0"/>
+                <a:cs typeface="Arial" panose="020B0604020202020204" pitchFamily="34" charset="0"/>
+              </a:rPr>
+              <a:t>dignissim</a:t>
+            </a:r>
+            <a:r>
+              <a:rPr lang="de-DE" sz="1800" dirty="0">
+                <a:solidFill>
+                  <a:prstClr val="black"/>
+                </a:solidFill>
+                <a:latin typeface="Arial" panose="020B0604020202020204" pitchFamily="34" charset="0"/>
+                <a:cs typeface="Arial" panose="020B0604020202020204" pitchFamily="34" charset="0"/>
+              </a:rPr>
+              <a:t> </a:t>
+            </a:r>
+            <a:r>
+              <a:rPr lang="de-DE" sz="1800" dirty="0" err="1">
+                <a:solidFill>
+                  <a:prstClr val="black"/>
+                </a:solidFill>
+                <a:latin typeface="Arial" panose="020B0604020202020204" pitchFamily="34" charset="0"/>
+                <a:cs typeface="Arial" panose="020B0604020202020204" pitchFamily="34" charset="0"/>
+              </a:rPr>
+              <a:t>eros</a:t>
+            </a:r>
+            <a:r>
+              <a:rPr lang="de-DE" sz="1800" dirty="0">
+                <a:solidFill>
+                  <a:prstClr val="black"/>
+                </a:solidFill>
+                <a:latin typeface="Arial" panose="020B0604020202020204" pitchFamily="34" charset="0"/>
+                <a:cs typeface="Arial" panose="020B0604020202020204" pitchFamily="34" charset="0"/>
+              </a:rPr>
+              <a:t>, </a:t>
+            </a:r>
+            <a:r>
+              <a:rPr lang="de-DE" sz="1800" dirty="0" err="1">
+                <a:solidFill>
+                  <a:prstClr val="black"/>
+                </a:solidFill>
+                <a:latin typeface="Arial" panose="020B0604020202020204" pitchFamily="34" charset="0"/>
+                <a:cs typeface="Arial" panose="020B0604020202020204" pitchFamily="34" charset="0"/>
+              </a:rPr>
+              <a:t>rutrum</a:t>
+            </a:r>
+            <a:r>
+              <a:rPr lang="de-DE" sz="1800" dirty="0">
+                <a:solidFill>
+                  <a:prstClr val="black"/>
+                </a:solidFill>
+                <a:latin typeface="Arial" panose="020B0604020202020204" pitchFamily="34" charset="0"/>
+                <a:cs typeface="Arial" panose="020B0604020202020204" pitchFamily="34" charset="0"/>
+              </a:rPr>
+              <a:t> </a:t>
+            </a:r>
+            <a:r>
+              <a:rPr lang="de-DE" sz="1800" dirty="0" err="1">
+                <a:solidFill>
+                  <a:prstClr val="black"/>
+                </a:solidFill>
+                <a:latin typeface="Arial" panose="020B0604020202020204" pitchFamily="34" charset="0"/>
+                <a:cs typeface="Arial" panose="020B0604020202020204" pitchFamily="34" charset="0"/>
+              </a:rPr>
+              <a:t>gravida</a:t>
+            </a:r>
+            <a:r>
+              <a:rPr lang="de-DE" sz="1800" dirty="0">
+                <a:solidFill>
+                  <a:prstClr val="black"/>
+                </a:solidFill>
+                <a:latin typeface="Arial" panose="020B0604020202020204" pitchFamily="34" charset="0"/>
+                <a:cs typeface="Arial" panose="020B0604020202020204" pitchFamily="34" charset="0"/>
+              </a:rPr>
+              <a:t> </a:t>
+            </a:r>
+            <a:r>
+              <a:rPr lang="de-DE" sz="1800" dirty="0" err="1">
+                <a:solidFill>
+                  <a:prstClr val="black"/>
+                </a:solidFill>
+                <a:latin typeface="Arial" panose="020B0604020202020204" pitchFamily="34" charset="0"/>
+                <a:cs typeface="Arial" panose="020B0604020202020204" pitchFamily="34" charset="0"/>
+              </a:rPr>
               <a:t>ipsum</a:t>
             </a:r>
             <a:r>
@@ -6513,7 +8942,7 @@
                 <a:latin typeface="Arial" panose="020B0604020202020204" pitchFamily="34" charset="0"/>
                 <a:cs typeface="Arial" panose="020B0604020202020204" pitchFamily="34" charset="0"/>
               </a:rPr>
-              <a:t>dolor</a:t>
+              <a:t>blandit</a:t>
             </a:r>
             <a:r>
               <a:rPr lang="de-DE" sz="1800" dirty="0">
@@ -6533,7 +8962,7 @@
                 <a:latin typeface="Arial" panose="020B0604020202020204" pitchFamily="34" charset="0"/>
                 <a:cs typeface="Arial" panose="020B0604020202020204" pitchFamily="34" charset="0"/>
               </a:rPr>
-              <a:t>sit</a:t>
+              <a:t>vitae</a:t>
             </a:r>
             <a:r>
               <a:rPr lang="de-DE" sz="1800" dirty="0">
@@ -6543,6 +8972,26 @@
                 <a:latin typeface="Arial" panose="020B0604020202020204" pitchFamily="34" charset="0"/>
                 <a:cs typeface="Arial" panose="020B0604020202020204" pitchFamily="34" charset="0"/>
               </a:rPr>
+              <a:t>. </a:t>
+            </a:r>
+            <a:r>
+              <a:rPr lang="de-DE" sz="1800" dirty="0" err="1">
+                <a:solidFill>
+                  <a:prstClr val="black"/>
+                </a:solidFill>
+                <a:latin typeface="Arial" panose="020B0604020202020204" pitchFamily="34" charset="0"/>
+                <a:cs typeface="Arial" panose="020B0604020202020204" pitchFamily="34" charset="0"/>
+              </a:rPr>
+              <a:t>Quisque</a:t>
+            </a:r>
+            <a:r>
+              <a:rPr lang="de-DE" sz="1800" dirty="0">
+                <a:solidFill>
+                  <a:prstClr val="black"/>
+                </a:solidFill>
+                <a:latin typeface="Arial" panose="020B0604020202020204" pitchFamily="34" charset="0"/>
+                <a:cs typeface="Arial" panose="020B0604020202020204" pitchFamily="34" charset="0"/>
+              </a:rPr>
               <a:t> </a:t>
             </a:r>
             <a:r>
@@ -6553,7 +9002,7 @@
                 <a:latin typeface="Arial" panose="020B0604020202020204" pitchFamily="34" charset="0"/>
                 <a:cs typeface="Arial" panose="020B0604020202020204" pitchFamily="34" charset="0"/>
               </a:rPr>
-              <a:t>amet</a:t>
+              <a:t>adipiscing</a:t>
             </a:r>
             <a:r>
               <a:rPr lang="de-DE" sz="1800" dirty="0">
@@ -6573,7 +9022,7 @@
                 <a:latin typeface="Arial" panose="020B0604020202020204" pitchFamily="34" charset="0"/>
                 <a:cs typeface="Arial" panose="020B0604020202020204" pitchFamily="34" charset="0"/>
               </a:rPr>
-              <a:t>consectetur</a:t>
+              <a:t>dui</a:t>
             </a:r>
             <a:r>
               <a:rPr lang="de-DE" sz="1800" dirty="0">
@@ -6593,7 +9042,7 @@
                 <a:latin typeface="Arial" panose="020B0604020202020204" pitchFamily="34" charset="0"/>
                 <a:cs typeface="Arial" panose="020B0604020202020204" pitchFamily="34" charset="0"/>
               </a:rPr>
-              <a:t>adipiscing</a:t>
+              <a:t>quis</a:t>
             </a:r>
             <a:r>
               <a:rPr lang="de-DE" sz="1800" dirty="0">
@@ -6613,7 +9062,7 @@
                 <a:latin typeface="Arial" panose="020B0604020202020204" pitchFamily="34" charset="0"/>
                 <a:cs typeface="Arial" panose="020B0604020202020204" pitchFamily="34" charset="0"/>
               </a:rPr>
-              <a:t>elit</a:t>
+              <a:t>fermentum</a:t>
             </a:r>
             <a:r>
               <a:rPr lang="de-DE" sz="1800" dirty="0">
@@ -6623,7 +9072,7 @@
                 <a:latin typeface="Arial" panose="020B0604020202020204" pitchFamily="34" charset="0"/>
                 <a:cs typeface="Arial" panose="020B0604020202020204" pitchFamily="34" charset="0"/>
               </a:rPr>
-              <a:t>. Nam </a:t>
+              <a:t> </a:t>
             </a:r>
             <a:r>
               <a:rPr lang="de-DE" sz="1800" dirty="0" err="1">
@@ -6633,457 +9082,7 @@
                 <a:latin typeface="Arial" panose="020B0604020202020204" pitchFamily="34" charset="0"/>
                 <a:cs typeface="Arial" panose="020B0604020202020204" pitchFamily="34" charset="0"/>
               </a:rPr>
-              <a:t>sodales</a:t>
-            </a:r>
-            <a:r>
-              <a:rPr lang="de-DE" sz="1800" dirty="0">
-                <a:solidFill>
-                  <a:prstClr val="black"/>
-                </a:solidFill>
-                <a:latin typeface="Arial" panose="020B0604020202020204" pitchFamily="34" charset="0"/>
-                <a:cs typeface="Arial" panose="020B0604020202020204" pitchFamily="34" charset="0"/>
-              </a:rPr>
-              <a:t> </a:t>
-            </a:r>
-            <a:r>
-              <a:rPr lang="de-DE" sz="1800" dirty="0" err="1">
-                <a:solidFill>
-                  <a:prstClr val="black"/>
-                </a:solidFill>
-                <a:latin typeface="Arial" panose="020B0604020202020204" pitchFamily="34" charset="0"/>
-                <a:cs typeface="Arial" panose="020B0604020202020204" pitchFamily="34" charset="0"/>
-              </a:rPr>
-              <a:t>dignissim</a:t>
-            </a:r>
-            <a:r>
-              <a:rPr lang="de-DE" sz="1800" dirty="0">
-                <a:solidFill>
-                  <a:prstClr val="black"/>
-                </a:solidFill>
-                <a:latin typeface="Arial" panose="020B0604020202020204" pitchFamily="34" charset="0"/>
-                <a:cs typeface="Arial" panose="020B0604020202020204" pitchFamily="34" charset="0"/>
-              </a:rPr>
-              <a:t> </a:t>
-            </a:r>
-            <a:r>
-              <a:rPr lang="de-DE" sz="1800" dirty="0" err="1">
-                <a:solidFill>
-                  <a:prstClr val="black"/>
-                </a:solidFill>
-                <a:latin typeface="Arial" panose="020B0604020202020204" pitchFamily="34" charset="0"/>
-                <a:cs typeface="Arial" panose="020B0604020202020204" pitchFamily="34" charset="0"/>
-              </a:rPr>
-              <a:t>eros</a:t>
-            </a:r>
-            <a:r>
-              <a:rPr lang="de-DE" sz="1800" dirty="0">
-                <a:solidFill>
-                  <a:prstClr val="black"/>
-                </a:solidFill>
-                <a:latin typeface="Arial" panose="020B0604020202020204" pitchFamily="34" charset="0"/>
-                <a:cs typeface="Arial" panose="020B0604020202020204" pitchFamily="34" charset="0"/>
-              </a:rPr>
-              <a:t>, </a:t>
-            </a:r>
-            <a:r>
-              <a:rPr lang="de-DE" sz="1800" dirty="0" err="1">
-                <a:solidFill>
-                  <a:prstClr val="black"/>
-                </a:solidFill>
-                <a:latin typeface="Arial" panose="020B0604020202020204" pitchFamily="34" charset="0"/>
-                <a:cs typeface="Arial" panose="020B0604020202020204" pitchFamily="34" charset="0"/>
-              </a:rPr>
-              <a:t>rutrum</a:t>
-            </a:r>
-            <a:r>
-              <a:rPr lang="de-DE" sz="1800" dirty="0">
-                <a:solidFill>
-                  <a:prstClr val="black"/>
-                </a:solidFill>
-                <a:latin typeface="Arial" panose="020B0604020202020204" pitchFamily="34" charset="0"/>
-                <a:cs typeface="Arial" panose="020B0604020202020204" pitchFamily="34" charset="0"/>
-              </a:rPr>
-              <a:t> </a:t>
-            </a:r>
-            <a:r>
-              <a:rPr lang="de-DE" sz="1800" dirty="0" err="1">
-                <a:solidFill>
-                  <a:prstClr val="black"/>
-                </a:solidFill>
-                <a:latin typeface="Arial" panose="020B0604020202020204" pitchFamily="34" charset="0"/>
-                <a:cs typeface="Arial" panose="020B0604020202020204" pitchFamily="34" charset="0"/>
-              </a:rPr>
-              <a:t>gravida</a:t>
-            </a:r>
-            <a:r>
-              <a:rPr lang="de-DE" sz="1800" dirty="0">
-                <a:solidFill>
-                  <a:prstClr val="black"/>
-                </a:solidFill>
-                <a:latin typeface="Arial" panose="020B0604020202020204" pitchFamily="34" charset="0"/>
-                <a:cs typeface="Arial" panose="020B0604020202020204" pitchFamily="34" charset="0"/>
-              </a:rPr>
-              <a:t> </a:t>
-            </a:r>
-            <a:r>
-              <a:rPr lang="de-DE" sz="1800" dirty="0" err="1">
-                <a:solidFill>
-                  <a:prstClr val="black"/>
-                </a:solidFill>
-                <a:latin typeface="Arial" panose="020B0604020202020204" pitchFamily="34" charset="0"/>
-                <a:cs typeface="Arial" panose="020B0604020202020204" pitchFamily="34" charset="0"/>
-              </a:rPr>
-              <a:t>ipsum</a:t>
-            </a:r>
-            <a:r>
-              <a:rPr lang="de-DE" sz="1800" dirty="0">
-                <a:solidFill>
-                  <a:prstClr val="black"/>
-                </a:solidFill>
-                <a:latin typeface="Arial" panose="020B0604020202020204" pitchFamily="34" charset="0"/>
-                <a:cs typeface="Arial" panose="020B0604020202020204" pitchFamily="34" charset="0"/>
-              </a:rPr>
-              <a:t> </a:t>
-            </a:r>
-            <a:r>
-              <a:rPr lang="de-DE" sz="1800" dirty="0" err="1">
-                <a:solidFill>
-                  <a:prstClr val="black"/>
-                </a:solidFill>
-                <a:latin typeface="Arial" panose="020B0604020202020204" pitchFamily="34" charset="0"/>
-                <a:cs typeface="Arial" panose="020B0604020202020204" pitchFamily="34" charset="0"/>
-              </a:rPr>
-              <a:t>blandit</a:t>
-            </a:r>
-            <a:r>
-              <a:rPr lang="de-DE" sz="1800" dirty="0">
-                <a:solidFill>
-                  <a:prstClr val="black"/>
-                </a:solidFill>
-                <a:latin typeface="Arial" panose="020B0604020202020204" pitchFamily="34" charset="0"/>
-                <a:cs typeface="Arial" panose="020B0604020202020204" pitchFamily="34" charset="0"/>
-              </a:rPr>
-              <a:t> </a:t>
-            </a:r>
-            <a:r>
-              <a:rPr lang="de-DE" sz="1800" dirty="0" err="1">
-                <a:solidFill>
-                  <a:prstClr val="black"/>
-                </a:solidFill>
-                <a:latin typeface="Arial" panose="020B0604020202020204" pitchFamily="34" charset="0"/>
-                <a:cs typeface="Arial" panose="020B0604020202020204" pitchFamily="34" charset="0"/>
-              </a:rPr>
-              <a:t>vitae</a:t>
-            </a:r>
-            <a:r>
-              <a:rPr lang="de-DE" sz="1800" dirty="0">
-                <a:solidFill>
-                  <a:prstClr val="black"/>
-                </a:solidFill>
-                <a:latin typeface="Arial" panose="020B0604020202020204" pitchFamily="34" charset="0"/>
-                <a:cs typeface="Arial" panose="020B0604020202020204" pitchFamily="34" charset="0"/>
-              </a:rPr>
-              <a:t>. </a:t>
-            </a:r>
-            <a:r>
-              <a:rPr lang="de-DE" sz="1800" dirty="0" err="1">
-                <a:solidFill>
-                  <a:prstClr val="black"/>
-                </a:solidFill>
-                <a:latin typeface="Arial" panose="020B0604020202020204" pitchFamily="34" charset="0"/>
-                <a:cs typeface="Arial" panose="020B0604020202020204" pitchFamily="34" charset="0"/>
-              </a:rPr>
-              <a:t>Quisque</a:t>
-            </a:r>
-            <a:r>
-              <a:rPr lang="de-DE" sz="1800" dirty="0">
-                <a:solidFill>
-                  <a:prstClr val="black"/>
-                </a:solidFill>
-                <a:latin typeface="Arial" panose="020B0604020202020204" pitchFamily="34" charset="0"/>
-                <a:cs typeface="Arial" panose="020B0604020202020204" pitchFamily="34" charset="0"/>
-              </a:rPr>
-              <a:t> </a:t>
-            </a:r>
-            <a:r>
-              <a:rPr lang="de-DE" sz="1800" dirty="0" err="1">
-                <a:solidFill>
-                  <a:prstClr val="black"/>
-                </a:solidFill>
-                <a:latin typeface="Arial" panose="020B0604020202020204" pitchFamily="34" charset="0"/>
-                <a:cs typeface="Arial" panose="020B0604020202020204" pitchFamily="34" charset="0"/>
-              </a:rPr>
-              <a:t>adipiscing</a:t>
-            </a:r>
-            <a:r>
-              <a:rPr lang="de-DE" sz="1800" dirty="0">
-                <a:solidFill>
-                  <a:prstClr val="black"/>
-                </a:solidFill>
-                <a:latin typeface="Arial" panose="020B0604020202020204" pitchFamily="34" charset="0"/>
-                <a:cs typeface="Arial" panose="020B0604020202020204" pitchFamily="34" charset="0"/>
-              </a:rPr>
-              <a:t>, </a:t>
-            </a:r>
-            <a:r>
-              <a:rPr lang="de-DE" sz="1800" dirty="0" err="1">
-                <a:solidFill>
-                  <a:prstClr val="black"/>
-                </a:solidFill>
-                <a:latin typeface="Arial" panose="020B0604020202020204" pitchFamily="34" charset="0"/>
-                <a:cs typeface="Arial" panose="020B0604020202020204" pitchFamily="34" charset="0"/>
-              </a:rPr>
-              <a:t>dui</a:t>
-            </a:r>
-            <a:r>
-              <a:rPr lang="de-DE" sz="1800" dirty="0">
-                <a:solidFill>
-                  <a:prstClr val="black"/>
-                </a:solidFill>
-                <a:latin typeface="Arial" panose="020B0604020202020204" pitchFamily="34" charset="0"/>
-                <a:cs typeface="Arial" panose="020B0604020202020204" pitchFamily="34" charset="0"/>
-              </a:rPr>
-              <a:t> </a:t>
-            </a:r>
-            <a:r>
-              <a:rPr lang="de-DE" sz="1800" dirty="0" err="1">
-                <a:solidFill>
-                  <a:prstClr val="black"/>
-                </a:solidFill>
-                <a:latin typeface="Arial" panose="020B0604020202020204" pitchFamily="34" charset="0"/>
-                <a:cs typeface="Arial" panose="020B0604020202020204" pitchFamily="34" charset="0"/>
-              </a:rPr>
-              <a:t>quis</a:t>
-            </a:r>
-            <a:r>
-              <a:rPr lang="de-DE" sz="1800" dirty="0">
-                <a:solidFill>
-                  <a:prstClr val="black"/>
-                </a:solidFill>
-                <a:latin typeface="Arial" panose="020B0604020202020204" pitchFamily="34" charset="0"/>
-                <a:cs typeface="Arial" panose="020B0604020202020204" pitchFamily="34" charset="0"/>
-              </a:rPr>
-              <a:t> </a:t>
-            </a:r>
-            <a:r>
-              <a:rPr lang="de-DE" sz="1800" dirty="0" err="1">
-                <a:solidFill>
-                  <a:prstClr val="black"/>
-                </a:solidFill>
-                <a:latin typeface="Arial" panose="020B0604020202020204" pitchFamily="34" charset="0"/>
-                <a:cs typeface="Arial" panose="020B0604020202020204" pitchFamily="34" charset="0"/>
-              </a:rPr>
-              <a:t>fermentum</a:t>
-            </a:r>
-            <a:r>
-              <a:rPr lang="de-DE" sz="1800" dirty="0">
-                <a:solidFill>
-                  <a:prstClr val="black"/>
-                </a:solidFill>
-                <a:latin typeface="Arial" panose="020B0604020202020204" pitchFamily="34" charset="0"/>
-                <a:cs typeface="Arial" panose="020B0604020202020204" pitchFamily="34" charset="0"/>
-              </a:rPr>
-              <a:t> </a:t>
-            </a:r>
-            <a:r>
-              <a:rPr lang="de-DE" sz="1800" dirty="0" err="1">
-                <a:solidFill>
-                  <a:prstClr val="black"/>
-                </a:solidFill>
-                <a:latin typeface="Arial" panose="020B0604020202020204" pitchFamily="34" charset="0"/>
-                <a:cs typeface="Arial" panose="020B0604020202020204" pitchFamily="34" charset="0"/>
-              </a:rPr>
-              <a:t>ultricies</a:t>
-            </a:r>
-            <a:r>
-              <a:rPr lang="de-DE" sz="1800" dirty="0">
-                <a:solidFill>
-                  <a:prstClr val="black"/>
-                </a:solidFill>
-                <a:latin typeface="Arial" panose="020B0604020202020204" pitchFamily="34" charset="0"/>
-                <a:cs typeface="Arial" panose="020B0604020202020204" pitchFamily="34" charset="0"/>
-              </a:rPr>
-              <a:t>, </a:t>
-            </a:r>
-            <a:r>
-              <a:rPr lang="de-DE" sz="1800" dirty="0" err="1">
-                <a:solidFill>
-                  <a:prstClr val="black"/>
-                </a:solidFill>
-                <a:latin typeface="Arial" panose="020B0604020202020204" pitchFamily="34" charset="0"/>
-                <a:cs typeface="Arial" panose="020B0604020202020204" pitchFamily="34" charset="0"/>
-              </a:rPr>
-              <a:t>dolor</a:t>
-            </a:r>
-            <a:r>
-              <a:rPr lang="de-DE" sz="1800" dirty="0">
-                <a:solidFill>
-                  <a:prstClr val="black"/>
-                </a:solidFill>
-                <a:latin typeface="Arial" panose="020B0604020202020204" pitchFamily="34" charset="0"/>
-                <a:cs typeface="Arial" panose="020B0604020202020204" pitchFamily="34" charset="0"/>
-              </a:rPr>
-              <a:t> ante </a:t>
-            </a:r>
-            <a:r>
-              <a:rPr lang="de-DE" sz="1800" dirty="0" err="1">
-                <a:solidFill>
-                  <a:prstClr val="black"/>
-                </a:solidFill>
-                <a:latin typeface="Arial" panose="020B0604020202020204" pitchFamily="34" charset="0"/>
-                <a:cs typeface="Arial" panose="020B0604020202020204" pitchFamily="34" charset="0"/>
-              </a:rPr>
-              <a:t>convallis</a:t>
-            </a:r>
-            <a:r>
-              <a:rPr lang="de-DE" sz="1800" dirty="0">
-                <a:solidFill>
-                  <a:prstClr val="black"/>
-                </a:solidFill>
-                <a:latin typeface="Arial" panose="020B0604020202020204" pitchFamily="34" charset="0"/>
-                <a:cs typeface="Arial" panose="020B0604020202020204" pitchFamily="34" charset="0"/>
-              </a:rPr>
-              <a:t> </a:t>
-            </a:r>
-            <a:r>
-              <a:rPr lang="de-DE" sz="1800" dirty="0" err="1">
-                <a:solidFill>
-                  <a:prstClr val="black"/>
-                </a:solidFill>
-                <a:latin typeface="Arial" panose="020B0604020202020204" pitchFamily="34" charset="0"/>
-                <a:cs typeface="Arial" panose="020B0604020202020204" pitchFamily="34" charset="0"/>
-              </a:rPr>
-              <a:t>eros</a:t>
-            </a:r>
-            <a:r>
-              <a:rPr lang="de-DE" sz="1800" dirty="0">
-                <a:solidFill>
-                  <a:prstClr val="black"/>
-                </a:solidFill>
-                <a:latin typeface="Arial" panose="020B0604020202020204" pitchFamily="34" charset="0"/>
-                <a:cs typeface="Arial" panose="020B0604020202020204" pitchFamily="34" charset="0"/>
-              </a:rPr>
-              <a:t>, </a:t>
-            </a:r>
-            <a:r>
-              <a:rPr lang="de-DE" sz="1800" dirty="0" err="1">
-                <a:solidFill>
-                  <a:prstClr val="black"/>
-                </a:solidFill>
-                <a:latin typeface="Arial" panose="020B0604020202020204" pitchFamily="34" charset="0"/>
-                <a:cs typeface="Arial" panose="020B0604020202020204" pitchFamily="34" charset="0"/>
-              </a:rPr>
-              <a:t>at</a:t>
-            </a:r>
-            <a:r>
-              <a:rPr lang="de-DE" sz="1800" dirty="0">
-                <a:solidFill>
-                  <a:prstClr val="black"/>
-                </a:solidFill>
-                <a:latin typeface="Arial" panose="020B0604020202020204" pitchFamily="34" charset="0"/>
-                <a:cs typeface="Arial" panose="020B0604020202020204" pitchFamily="34" charset="0"/>
-              </a:rPr>
-              <a:t> </a:t>
-            </a:r>
-            <a:r>
-              <a:rPr lang="de-DE" sz="1800" dirty="0" err="1">
-                <a:solidFill>
-                  <a:prstClr val="black"/>
-                </a:solidFill>
-                <a:latin typeface="Arial" panose="020B0604020202020204" pitchFamily="34" charset="0"/>
-                <a:cs typeface="Arial" panose="020B0604020202020204" pitchFamily="34" charset="0"/>
-              </a:rPr>
-              <a:t>tincidunt</a:t>
-            </a:r>
-            <a:r>
-              <a:rPr lang="de-DE" sz="1800" dirty="0">
-                <a:solidFill>
-                  <a:prstClr val="black"/>
-                </a:solidFill>
-                <a:latin typeface="Arial" panose="020B0604020202020204" pitchFamily="34" charset="0"/>
-                <a:cs typeface="Arial" panose="020B0604020202020204" pitchFamily="34" charset="0"/>
-              </a:rPr>
-              <a:t> </a:t>
-            </a:r>
-            <a:r>
-              <a:rPr lang="de-DE" sz="1800" dirty="0" err="1">
-                <a:solidFill>
-                  <a:prstClr val="black"/>
-                </a:solidFill>
-                <a:latin typeface="Arial" panose="020B0604020202020204" pitchFamily="34" charset="0"/>
-                <a:cs typeface="Arial" panose="020B0604020202020204" pitchFamily="34" charset="0"/>
-              </a:rPr>
-              <a:t>augue</a:t>
-            </a:r>
-            <a:r>
-              <a:rPr lang="de-DE" sz="1800" dirty="0">
-                <a:solidFill>
-                  <a:prstClr val="black"/>
-                </a:solidFill>
-                <a:latin typeface="Arial" panose="020B0604020202020204" pitchFamily="34" charset="0"/>
-                <a:cs typeface="Arial" panose="020B0604020202020204" pitchFamily="34" charset="0"/>
-              </a:rPr>
-              <a:t> </a:t>
-            </a:r>
-            <a:r>
-              <a:rPr lang="de-DE" sz="1800" dirty="0" err="1">
-                <a:solidFill>
-                  <a:prstClr val="black"/>
-                </a:solidFill>
-                <a:latin typeface="Arial" panose="020B0604020202020204" pitchFamily="34" charset="0"/>
-                <a:cs typeface="Arial" panose="020B0604020202020204" pitchFamily="34" charset="0"/>
-              </a:rPr>
-              <a:t>massa</a:t>
-            </a:r>
-            <a:r>
-              <a:rPr lang="de-DE" sz="1800" dirty="0">
-                <a:solidFill>
-                  <a:prstClr val="black"/>
-                </a:solidFill>
-                <a:latin typeface="Arial" panose="020B0604020202020204" pitchFamily="34" charset="0"/>
-                <a:cs typeface="Arial" panose="020B0604020202020204" pitchFamily="34" charset="0"/>
-              </a:rPr>
-              <a:t> </a:t>
-            </a:r>
-            <a:r>
-              <a:rPr lang="de-DE" sz="1800" dirty="0" err="1">
-                <a:solidFill>
-                  <a:prstClr val="black"/>
-                </a:solidFill>
-                <a:latin typeface="Arial" panose="020B0604020202020204" pitchFamily="34" charset="0"/>
-                <a:cs typeface="Arial" panose="020B0604020202020204" pitchFamily="34" charset="0"/>
-              </a:rPr>
-              <a:t>id</a:t>
-            </a:r>
-            <a:r>
-              <a:rPr lang="de-DE" sz="1800" dirty="0">
-                <a:solidFill>
-                  <a:prstClr val="black"/>
-                </a:solidFill>
-                <a:latin typeface="Arial" panose="020B0604020202020204" pitchFamily="34" charset="0"/>
-                <a:cs typeface="Arial" panose="020B0604020202020204" pitchFamily="34" charset="0"/>
-              </a:rPr>
-              <a:t> </a:t>
-            </a:r>
-            <a:r>
-              <a:rPr lang="de-DE" sz="1800" dirty="0" err="1">
-                <a:solidFill>
-                  <a:prstClr val="black"/>
-                </a:solidFill>
-                <a:latin typeface="Arial" panose="020B0604020202020204" pitchFamily="34" charset="0"/>
-                <a:cs typeface="Arial" panose="020B0604020202020204" pitchFamily="34" charset="0"/>
-              </a:rPr>
-              <a:t>dolor</a:t>
-            </a:r>
-            <a:r>
-              <a:rPr lang="de-DE" sz="1800" dirty="0">
-                <a:solidFill>
-                  <a:prstClr val="black"/>
-                </a:solidFill>
-                <a:latin typeface="Arial" panose="020B0604020202020204" pitchFamily="34" charset="0"/>
-                <a:cs typeface="Arial" panose="020B0604020202020204" pitchFamily="34" charset="0"/>
-              </a:rPr>
-              <a:t>. </a:t>
+              <a:t>ultricie</a:t>
             </a:r>
             <a:endParaRPr lang="de-DE" sz="1800" dirty="0">
               <a:latin typeface="Arial" panose="020B0604020202020204" pitchFamily="34" charset="0"/>
@@ -7100,8 +9099,8 @@
         </p:nvSpPr>
         <p:spPr>
           <a:xfrm>
-            <a:off x="18918792" y="20574630"/>
-            <a:ext cx="2045694" cy="4524315"/>
+            <a:off x="14525047" y="23938386"/>
+            <a:ext cx="6407027" cy="923330"/>
           </a:xfrm>
           <a:prstGeom prst="rect">
             <a:avLst/>
@@ -7553,186 +9552,6 @@
               </a:rPr>
               <a:t>, </a:t>
             </a:r>
-            <a:r>
-              <a:rPr lang="de-DE" sz="1800" dirty="0" err="1">
-                <a:solidFill>
-                  <a:prstClr val="black"/>
-                </a:solidFill>
-                <a:latin typeface="Arial" panose="020B0604020202020204" pitchFamily="34" charset="0"/>
-                <a:cs typeface="Arial" panose="020B0604020202020204" pitchFamily="34" charset="0"/>
-              </a:rPr>
-              <a:t>dolor</a:t>
-            </a:r>
-            <a:r>
-              <a:rPr lang="de-DE" sz="1800" dirty="0">
-                <a:solidFill>
-                  <a:prstClr val="black"/>
-                </a:solidFill>
-                <a:latin typeface="Arial" panose="020B0604020202020204" pitchFamily="34" charset="0"/>
-                <a:cs typeface="Arial" panose="020B0604020202020204" pitchFamily="34" charset="0"/>
-              </a:rPr>
-              <a:t> ante </a:t>
-            </a:r>
-            <a:r>
-              <a:rPr lang="de-DE" sz="1800" dirty="0" err="1">
-                <a:solidFill>
-                  <a:prstClr val="black"/>
-                </a:solidFill>
-                <a:latin typeface="Arial" panose="020B0604020202020204" pitchFamily="34" charset="0"/>
-                <a:cs typeface="Arial" panose="020B0604020202020204" pitchFamily="34" charset="0"/>
-              </a:rPr>
-              <a:t>convallis</a:t>
-            </a:r>
-            <a:r>
-              <a:rPr lang="de-DE" sz="1800" dirty="0">
-                <a:solidFill>
-                  <a:prstClr val="black"/>
-                </a:solidFill>
-                <a:latin typeface="Arial" panose="020B0604020202020204" pitchFamily="34" charset="0"/>
-                <a:cs typeface="Arial" panose="020B0604020202020204" pitchFamily="34" charset="0"/>
-              </a:rPr>
-              <a:t> </a:t>
-            </a:r>
-            <a:r>
-              <a:rPr lang="de-DE" sz="1800" dirty="0" err="1">
-                <a:solidFill>
-                  <a:prstClr val="black"/>
-                </a:solidFill>
-                <a:latin typeface="Arial" panose="020B0604020202020204" pitchFamily="34" charset="0"/>
-                <a:cs typeface="Arial" panose="020B0604020202020204" pitchFamily="34" charset="0"/>
-              </a:rPr>
-              <a:t>eros</a:t>
-            </a:r>
-            <a:r>
-              <a:rPr lang="de-DE" sz="1800" dirty="0">
-                <a:solidFill>
-                  <a:prstClr val="black"/>
-                </a:solidFill>
-                <a:latin typeface="Arial" panose="020B0604020202020204" pitchFamily="34" charset="0"/>
-                <a:cs typeface="Arial" panose="020B0604020202020204" pitchFamily="34" charset="0"/>
-              </a:rPr>
-              <a:t>, </a:t>
-            </a:r>
-            <a:r>
-              <a:rPr lang="de-DE" sz="1800" dirty="0" err="1">
-                <a:solidFill>
-                  <a:prstClr val="black"/>
-                </a:solidFill>
-                <a:latin typeface="Arial" panose="020B0604020202020204" pitchFamily="34" charset="0"/>
-                <a:cs typeface="Arial" panose="020B0604020202020204" pitchFamily="34" charset="0"/>
-              </a:rPr>
-              <a:t>at</a:t>
-            </a:r>
-            <a:r>
-              <a:rPr lang="de-DE" sz="1800" dirty="0">
-                <a:solidFill>
-                  <a:prstClr val="black"/>
-                </a:solidFill>
-                <a:latin typeface="Arial" panose="020B0604020202020204" pitchFamily="34" charset="0"/>
-                <a:cs typeface="Arial" panose="020B0604020202020204" pitchFamily="34" charset="0"/>
-              </a:rPr>
-              <a:t> </a:t>
-            </a:r>
-            <a:r>
-              <a:rPr lang="de-DE" sz="1800" dirty="0" err="1">
-                <a:solidFill>
-                  <a:prstClr val="black"/>
-                </a:solidFill>
-                <a:latin typeface="Arial" panose="020B0604020202020204" pitchFamily="34" charset="0"/>
-                <a:cs typeface="Arial" panose="020B0604020202020204" pitchFamily="34" charset="0"/>
-              </a:rPr>
-              <a:t>tincidunt</a:t>
-            </a:r>
-            <a:r>
-              <a:rPr lang="de-DE" sz="1800" dirty="0">
-                <a:solidFill>
-                  <a:prstClr val="black"/>
-                </a:solidFill>
-                <a:latin typeface="Arial" panose="020B0604020202020204" pitchFamily="34" charset="0"/>
-                <a:cs typeface="Arial" panose="020B0604020202020204" pitchFamily="34" charset="0"/>
-              </a:rPr>
-              <a:t> </a:t>
-            </a:r>
-            <a:r>
-              <a:rPr lang="de-DE" sz="1800" dirty="0" err="1">
-                <a:solidFill>
-                  <a:prstClr val="black"/>
-                </a:solidFill>
-                <a:latin typeface="Arial" panose="020B0604020202020204" pitchFamily="34" charset="0"/>
-                <a:cs typeface="Arial" panose="020B0604020202020204" pitchFamily="34" charset="0"/>
-              </a:rPr>
-              <a:t>augue</a:t>
-            </a:r>
-            <a:r>
-              <a:rPr lang="de-DE" sz="1800" dirty="0">
-                <a:solidFill>
-                  <a:prstClr val="black"/>
-                </a:solidFill>
-                <a:latin typeface="Arial" panose="020B0604020202020204" pitchFamily="34" charset="0"/>
-                <a:cs typeface="Arial" panose="020B0604020202020204" pitchFamily="34" charset="0"/>
-              </a:rPr>
-              <a:t> </a:t>
-            </a:r>
-            <a:r>
-              <a:rPr lang="de-DE" sz="1800" dirty="0" err="1">
-                <a:solidFill>
-                  <a:prstClr val="black"/>
-                </a:solidFill>
-                <a:latin typeface="Arial" panose="020B0604020202020204" pitchFamily="34" charset="0"/>
-                <a:cs typeface="Arial" panose="020B0604020202020204" pitchFamily="34" charset="0"/>
-              </a:rPr>
-              <a:t>massa</a:t>
-            </a:r>
-            <a:r>
-              <a:rPr lang="de-DE" sz="1800" dirty="0">
-                <a:solidFill>
-                  <a:prstClr val="black"/>
-                </a:solidFill>
-                <a:latin typeface="Arial" panose="020B0604020202020204" pitchFamily="34" charset="0"/>
-                <a:cs typeface="Arial" panose="020B0604020202020204" pitchFamily="34" charset="0"/>
-              </a:rPr>
-              <a:t> </a:t>
-            </a:r>
-            <a:r>
-              <a:rPr lang="de-DE" sz="1800" dirty="0" err="1">
-                <a:solidFill>
-                  <a:prstClr val="black"/>
-                </a:solidFill>
-                <a:latin typeface="Arial" panose="020B0604020202020204" pitchFamily="34" charset="0"/>
-                <a:cs typeface="Arial" panose="020B0604020202020204" pitchFamily="34" charset="0"/>
-              </a:rPr>
-              <a:t>id</a:t>
-            </a:r>
-            <a:r>
-              <a:rPr lang="de-DE" sz="1800" dirty="0">
-                <a:solidFill>
-                  <a:prstClr val="black"/>
-                </a:solidFill>
-                <a:latin typeface="Arial" panose="020B0604020202020204" pitchFamily="34" charset="0"/>
-                <a:cs typeface="Arial" panose="020B0604020202020204" pitchFamily="34" charset="0"/>
-              </a:rPr>
-              <a:t> </a:t>
-            </a:r>
-            <a:r>
-              <a:rPr lang="de-DE" sz="1800" dirty="0" err="1">
-                <a:solidFill>
-                  <a:prstClr val="black"/>
-                </a:solidFill>
-                <a:latin typeface="Arial" panose="020B0604020202020204" pitchFamily="34" charset="0"/>
-                <a:cs typeface="Arial" panose="020B0604020202020204" pitchFamily="34" charset="0"/>
-              </a:rPr>
-              <a:t>dolor</a:t>
-            </a:r>
-            <a:r>
-              <a:rPr lang="de-DE" sz="1800" dirty="0">
-                <a:solidFill>
-                  <a:prstClr val="black"/>
-                </a:solidFill>
-                <a:latin typeface="Arial" panose="020B0604020202020204" pitchFamily="34" charset="0"/>
-                <a:cs typeface="Arial" panose="020B0604020202020204" pitchFamily="34" charset="0"/>
-              </a:rPr>
-              <a:t>. </a:t>
-            </a:r>
             <a:endParaRPr lang="de-DE" sz="1800" dirty="0">
               <a:latin typeface="Arial" panose="020B0604020202020204" pitchFamily="34" charset="0"/>
               <a:cs typeface="Arial" panose="020B0604020202020204" pitchFamily="34" charset="0"/>
@@ -7748,8 +9567,8 @@
         </p:nvSpPr>
         <p:spPr>
           <a:xfrm>
-            <a:off x="18919765" y="24891757"/>
-            <a:ext cx="2045694" cy="4524315"/>
+            <a:off x="19218877" y="24937824"/>
+            <a:ext cx="1812010" cy="3693319"/>
           </a:xfrm>
           <a:prstGeom prst="rect">
             <a:avLst/>
@@ -8219,167 +10038,7 @@
                 <a:latin typeface="Arial" panose="020B0604020202020204" pitchFamily="34" charset="0"/>
                 <a:cs typeface="Arial" panose="020B0604020202020204" pitchFamily="34" charset="0"/>
               </a:rPr>
-              <a:t> ante </a:t>
-            </a:r>
-            <a:r>
-              <a:rPr lang="de-DE" sz="1800" dirty="0" err="1">
-                <a:solidFill>
-                  <a:prstClr val="black"/>
-                </a:solidFill>
-                <a:latin typeface="Arial" panose="020B0604020202020204" pitchFamily="34" charset="0"/>
-                <a:cs typeface="Arial" panose="020B0604020202020204" pitchFamily="34" charset="0"/>
-              </a:rPr>
-              <a:t>convallis</a:t>
-            </a:r>
-            <a:r>
-              <a:rPr lang="de-DE" sz="1800" dirty="0">
-                <a:solidFill>
-                  <a:prstClr val="black"/>
-                </a:solidFill>
-                <a:latin typeface="Arial" panose="020B0604020202020204" pitchFamily="34" charset="0"/>
-                <a:cs typeface="Arial" panose="020B0604020202020204" pitchFamily="34" charset="0"/>
-              </a:rPr>
-              <a:t> </a:t>
-            </a:r>
-            <a:r>
-              <a:rPr lang="de-DE" sz="1800" dirty="0" err="1">
-                <a:solidFill>
-                  <a:prstClr val="black"/>
-                </a:solidFill>
-                <a:latin typeface="Arial" panose="020B0604020202020204" pitchFamily="34" charset="0"/>
-                <a:cs typeface="Arial" panose="020B0604020202020204" pitchFamily="34" charset="0"/>
-              </a:rPr>
-              <a:t>eros</a:t>
-            </a:r>
-            <a:r>
-              <a:rPr lang="de-DE" sz="1800" dirty="0">
-                <a:solidFill>
-                  <a:prstClr val="black"/>
-                </a:solidFill>
-                <a:latin typeface="Arial" panose="020B0604020202020204" pitchFamily="34" charset="0"/>
-                <a:cs typeface="Arial" panose="020B0604020202020204" pitchFamily="34" charset="0"/>
-              </a:rPr>
-              <a:t>, </a:t>
-            </a:r>
-            <a:r>
-              <a:rPr lang="de-DE" sz="1800" dirty="0" err="1">
-                <a:solidFill>
-                  <a:prstClr val="black"/>
-                </a:solidFill>
-                <a:latin typeface="Arial" panose="020B0604020202020204" pitchFamily="34" charset="0"/>
-                <a:cs typeface="Arial" panose="020B0604020202020204" pitchFamily="34" charset="0"/>
-              </a:rPr>
-              <a:t>at</a:t>
-            </a:r>
-            <a:r>
-              <a:rPr lang="de-DE" sz="1800" dirty="0">
-                <a:solidFill>
-                  <a:prstClr val="black"/>
-                </a:solidFill>
-                <a:latin typeface="Arial" panose="020B0604020202020204" pitchFamily="34" charset="0"/>
-                <a:cs typeface="Arial" panose="020B0604020202020204" pitchFamily="34" charset="0"/>
-              </a:rPr>
-              <a:t> </a:t>
-            </a:r>
-            <a:r>
-              <a:rPr lang="de-DE" sz="1800" dirty="0" err="1">
-                <a:solidFill>
-                  <a:prstClr val="black"/>
-                </a:solidFill>
-                <a:latin typeface="Arial" panose="020B0604020202020204" pitchFamily="34" charset="0"/>
-                <a:cs typeface="Arial" panose="020B0604020202020204" pitchFamily="34" charset="0"/>
-              </a:rPr>
-              <a:t>tincidunt</a:t>
-            </a:r>
-            <a:r>
-              <a:rPr lang="de-DE" sz="1800" dirty="0">
-                <a:solidFill>
-                  <a:prstClr val="black"/>
-                </a:solidFill>
-                <a:latin typeface="Arial" panose="020B0604020202020204" pitchFamily="34" charset="0"/>
-                <a:cs typeface="Arial" panose="020B0604020202020204" pitchFamily="34" charset="0"/>
-              </a:rPr>
-              <a:t> </a:t>
-            </a:r>
-            <a:r>
-              <a:rPr lang="de-DE" sz="1800" dirty="0" err="1">
-                <a:solidFill>
-                  <a:prstClr val="black"/>
-                </a:solidFill>
-                <a:latin typeface="Arial" panose="020B0604020202020204" pitchFamily="34" charset="0"/>
-                <a:cs typeface="Arial" panose="020B0604020202020204" pitchFamily="34" charset="0"/>
-              </a:rPr>
-              <a:t>augue</a:t>
-            </a:r>
-            <a:r>
-              <a:rPr lang="de-DE" sz="1800" dirty="0">
-                <a:solidFill>
-                  <a:prstClr val="black"/>
-                </a:solidFill>
-                <a:latin typeface="Arial" panose="020B0604020202020204" pitchFamily="34" charset="0"/>
-                <a:cs typeface="Arial" panose="020B0604020202020204" pitchFamily="34" charset="0"/>
-              </a:rPr>
-              <a:t> </a:t>
-            </a:r>
-            <a:r>
-              <a:rPr lang="de-DE" sz="1800" dirty="0" err="1">
-                <a:solidFill>
-                  <a:prstClr val="black"/>
-                </a:solidFill>
-                <a:latin typeface="Arial" panose="020B0604020202020204" pitchFamily="34" charset="0"/>
-                <a:cs typeface="Arial" panose="020B0604020202020204" pitchFamily="34" charset="0"/>
-              </a:rPr>
-              <a:t>massa</a:t>
-            </a:r>
-            <a:r>
-              <a:rPr lang="de-DE" sz="1800" dirty="0">
-                <a:solidFill>
-                  <a:prstClr val="black"/>
-                </a:solidFill>
-                <a:latin typeface="Arial" panose="020B0604020202020204" pitchFamily="34" charset="0"/>
-                <a:cs typeface="Arial" panose="020B0604020202020204" pitchFamily="34" charset="0"/>
-              </a:rPr>
-              <a:t> </a:t>
-            </a:r>
-            <a:r>
-              <a:rPr lang="de-DE" sz="1800" dirty="0" err="1">
-                <a:solidFill>
-                  <a:prstClr val="black"/>
-                </a:solidFill>
-                <a:latin typeface="Arial" panose="020B0604020202020204" pitchFamily="34" charset="0"/>
-                <a:cs typeface="Arial" panose="020B0604020202020204" pitchFamily="34" charset="0"/>
-              </a:rPr>
-              <a:t>id</a:t>
-            </a:r>
-            <a:r>
-              <a:rPr lang="de-DE" sz="1800" dirty="0">
-                <a:solidFill>
-                  <a:prstClr val="black"/>
-                </a:solidFill>
-                <a:latin typeface="Arial" panose="020B0604020202020204" pitchFamily="34" charset="0"/>
-                <a:cs typeface="Arial" panose="020B0604020202020204" pitchFamily="34" charset="0"/>
-              </a:rPr>
-              <a:t> </a:t>
-            </a:r>
-            <a:r>
-              <a:rPr lang="de-DE" sz="1800" dirty="0" err="1">
-                <a:solidFill>
-                  <a:prstClr val="black"/>
-                </a:solidFill>
-                <a:latin typeface="Arial" panose="020B0604020202020204" pitchFamily="34" charset="0"/>
-                <a:cs typeface="Arial" panose="020B0604020202020204" pitchFamily="34" charset="0"/>
-              </a:rPr>
-              <a:t>dolor</a:t>
-            </a:r>
-            <a:r>
-              <a:rPr lang="de-DE" sz="1800" dirty="0">
-                <a:solidFill>
-                  <a:prstClr val="black"/>
-                </a:solidFill>
-                <a:latin typeface="Arial" panose="020B0604020202020204" pitchFamily="34" charset="0"/>
-                <a:cs typeface="Arial" panose="020B0604020202020204" pitchFamily="34" charset="0"/>
-              </a:rPr>
-              <a:t>. </a:t>
+              <a:t> ante</a:t>
             </a:r>
             <a:endParaRPr lang="de-DE" sz="1800" dirty="0">
               <a:latin typeface="Arial" panose="020B0604020202020204" pitchFamily="34" charset="0"/>
@@ -8397,7 +10056,7 @@
           <p:nvPr/>
         </p:nvPicPr>
         <p:blipFill>
-          <a:blip r:embed="rId10">
+          <a:blip r:embed="rId5">
             <a:extLst>
               <a:ext uri="{28A0092B-C50C-407E-A947-70E740481C1C}">
                 <a14:useLocalDpi xmlns:a14="http://schemas.microsoft.com/office/drawing/2010/main" val="0"/>
@@ -8440,7 +10099,7 @@
         </p:blipFill>
         <p:spPr>
           <a:xfrm>
-            <a:off x="252017" y="2376315"/>
+            <a:off x="252017" y="2088283"/>
             <a:ext cx="20810312" cy="581106"/>
           </a:xfrm>
           <a:prstGeom prst="rect">
@@ -8456,7 +10115,7 @@
         </p:nvSpPr>
         <p:spPr>
           <a:xfrm>
-            <a:off x="14725625" y="3528443"/>
+            <a:off x="14725625" y="2923174"/>
             <a:ext cx="6206449" cy="8880467"/>
           </a:xfrm>
           <a:prstGeom prst="rect">
@@ -8502,7 +10161,7 @@
         </p:nvSpPr>
         <p:spPr>
           <a:xfrm>
-            <a:off x="15229681" y="8205529"/>
+            <a:off x="15229681" y="7600260"/>
             <a:ext cx="5256584" cy="3539465"/>
           </a:xfrm>
           <a:prstGeom prst="rect">
@@ -8574,7 +10233,7 @@
         </p:nvSpPr>
         <p:spPr>
           <a:xfrm>
-            <a:off x="396033" y="3485640"/>
+            <a:off x="396033" y="2880371"/>
             <a:ext cx="13707066" cy="8259353"/>
           </a:xfrm>
           <a:prstGeom prst="rect">
@@ -8631,7 +10290,7 @@
         </p:blipFill>
         <p:spPr>
           <a:xfrm>
-            <a:off x="368559" y="11953379"/>
+            <a:off x="368559" y="11348110"/>
             <a:ext cx="14084480" cy="393295"/>
           </a:xfrm>
           <a:prstGeom prst="rect">
@@ -8648,7 +10307,7 @@
           <p:nvPr/>
         </p:nvPicPr>
         <p:blipFill>
-          <a:blip r:embed="rId11">
+          <a:blip r:embed="rId6">
             <a:extLst>
               <a:ext uri="{28A0092B-C50C-407E-A947-70E740481C1C}">
                 <a14:useLocalDpi xmlns:a14="http://schemas.microsoft.com/office/drawing/2010/main" val="0"/>
@@ -8661,7 +10320,7 @@
         </p:blipFill>
         <p:spPr>
           <a:xfrm>
-            <a:off x="2203371" y="3682961"/>
+            <a:off x="2203371" y="3077692"/>
             <a:ext cx="9948373" cy="6707504"/>
           </a:xfrm>
           <a:prstGeom prst="rect">
@@ -8677,7 +10336,7 @@
         </p:nvSpPr>
         <p:spPr>
           <a:xfrm>
-            <a:off x="13109575" y="6435001"/>
+            <a:off x="13109575" y="5829732"/>
             <a:ext cx="439189" cy="1092405"/>
           </a:xfrm>
           <a:prstGeom prst="chevron">
@@ -8729,7 +10388,7 @@
         </p:nvSpPr>
         <p:spPr>
           <a:xfrm flipH="1">
-            <a:off x="1008100" y="6435002"/>
+            <a:off x="1008100" y="5829733"/>
             <a:ext cx="439189" cy="1092405"/>
           </a:xfrm>
           <a:prstGeom prst="chevron">
@@ -8782,7 +10441,7 @@
           <p:nvPr/>
         </p:nvPicPr>
         <p:blipFill>
-          <a:blip r:embed="rId12" cstate="print">
+          <a:blip r:embed="rId7" cstate="print">
             <a:extLst>
               <a:ext uri="{28A0092B-C50C-407E-A947-70E740481C1C}">
                 <a14:useLocalDpi xmlns:a14="http://schemas.microsoft.com/office/drawing/2010/main" val="0"/>
@@ -8795,7 +10454,7 @@
         </p:blipFill>
         <p:spPr>
           <a:xfrm>
-            <a:off x="578125" y="10420301"/>
+            <a:off x="578125" y="9815032"/>
             <a:ext cx="1889493" cy="1281380"/>
           </a:xfrm>
           <a:prstGeom prst="rect">
@@ -8812,7 +10471,7 @@
           <p:nvPr/>
         </p:nvPicPr>
         <p:blipFill>
-          <a:blip r:embed="rId13" cstate="print">
+          <a:blip r:embed="rId8" cstate="print">
             <a:extLst>
               <a:ext uri="{28A0092B-C50C-407E-A947-70E740481C1C}">
                 <a14:useLocalDpi xmlns:a14="http://schemas.microsoft.com/office/drawing/2010/main" val="0"/>
@@ -8825,7 +10484,7 @@
         </p:blipFill>
         <p:spPr>
           <a:xfrm>
-            <a:off x="2596189" y="10423128"/>
+            <a:off x="2596189" y="9817859"/>
             <a:ext cx="1904300" cy="1291368"/>
           </a:xfrm>
           <a:prstGeom prst="rect">
@@ -8836,6 +10495,207 @@
       <p:pic>
         <p:nvPicPr>
           <p:cNvPr id="36" name="Grafik 35"/>
+          <p:cNvPicPr>
+            <a:picLocks noChangeAspect="1"/>
+          </p:cNvPicPr>
+          <p:nvPr/>
+        </p:nvPicPr>
+        <p:blipFill>
+          <a:blip r:embed="rId9" cstate="print">
+            <a:extLst>
+              <a:ext uri="{28A0092B-C50C-407E-A947-70E740481C1C}">
+                <a14:useLocalDpi xmlns:a14="http://schemas.microsoft.com/office/drawing/2010/main" val="0"/>
+              </a:ext>
+            </a:extLst>
+          </a:blip>
+          <a:stretch>
+            <a:fillRect/>
+          </a:stretch>
+        </p:blipFill>
+        <p:spPr>
+          <a:xfrm>
+            <a:off x="4629060" y="9818778"/>
+            <a:ext cx="2232248" cy="1255027"/>
+          </a:xfrm>
+          <a:prstGeom prst="rect">
+            <a:avLst/>
+          </a:prstGeom>
+        </p:spPr>
+      </p:pic>
+      <p:pic>
+        <p:nvPicPr>
+          <p:cNvPr id="38" name="Grafik 37"/>
+          <p:cNvPicPr>
+            <a:picLocks noChangeAspect="1"/>
+          </p:cNvPicPr>
+          <p:nvPr/>
+        </p:nvPicPr>
+        <p:blipFill>
+          <a:blip r:embed="rId10" cstate="print">
+            <a:extLst>
+              <a:ext uri="{28A0092B-C50C-407E-A947-70E740481C1C}">
+                <a14:useLocalDpi xmlns:a14="http://schemas.microsoft.com/office/drawing/2010/main" val="0"/>
+              </a:ext>
+            </a:extLst>
+          </a:blip>
+          <a:stretch>
+            <a:fillRect/>
+          </a:stretch>
+        </p:blipFill>
+        <p:spPr>
+          <a:xfrm>
+            <a:off x="6985517" y="9824872"/>
+            <a:ext cx="1475412" cy="1245351"/>
+          </a:xfrm>
+          <a:prstGeom prst="rect">
+            <a:avLst/>
+          </a:prstGeom>
+        </p:spPr>
+      </p:pic>
+      <p:pic>
+        <p:nvPicPr>
+          <p:cNvPr id="41" name="Grafik 40"/>
+          <p:cNvPicPr>
+            <a:picLocks noChangeAspect="1"/>
+          </p:cNvPicPr>
+          <p:nvPr/>
+        </p:nvPicPr>
+        <p:blipFill>
+          <a:blip r:embed="rId11" cstate="print">
+            <a:extLst>
+              <a:ext uri="{28A0092B-C50C-407E-A947-70E740481C1C}">
+                <a14:useLocalDpi xmlns:a14="http://schemas.microsoft.com/office/drawing/2010/main" val="0"/>
+              </a:ext>
+            </a:extLst>
+          </a:blip>
+          <a:stretch>
+            <a:fillRect/>
+          </a:stretch>
+        </p:blipFill>
+        <p:spPr>
+          <a:xfrm>
+            <a:off x="8585138" y="9820798"/>
+            <a:ext cx="1746826" cy="1227638"/>
+          </a:xfrm>
+          <a:prstGeom prst="rect">
+            <a:avLst/>
+          </a:prstGeom>
+        </p:spPr>
+      </p:pic>
+      <p:sp>
+        <p:nvSpPr>
+          <p:cNvPr id="42" name="Textfeld 41"/>
+          <p:cNvSpPr txBox="1"/>
+          <p:nvPr/>
+        </p:nvSpPr>
+        <p:spPr>
+          <a:xfrm>
+            <a:off x="396033" y="12817475"/>
+            <a:ext cx="19992681" cy="1754326"/>
+          </a:xfrm>
+          <a:prstGeom prst="rect">
+            <a:avLst/>
+          </a:prstGeom>
+          <a:noFill/>
+        </p:spPr>
+        <p:txBody>
+          <a:bodyPr wrap="square" rtlCol="0">
+            <a:spAutoFit/>
+          </a:bodyPr>
+          <a:lstStyle/>
+          <a:p>
+            <a:pPr>
+              <a:lnSpc>
+                <a:spcPct val="150000"/>
+              </a:lnSpc>
+            </a:pPr>
+            <a:r>
+              <a:rPr lang="de-DE" sz="3600" dirty="0">
+                <a:latin typeface="Arial" panose="020B0604020202020204" pitchFamily="34" charset="0"/>
+                <a:cs typeface="Arial" panose="020B0604020202020204" pitchFamily="34" charset="0"/>
+              </a:rPr>
+              <a:t>Praktikum der Veranstaltung Fortgeschrittene Softwaretechnologie, Sommersemester 2017</a:t>
+            </a:r>
+          </a:p>
+          <a:p>
+            <a:pPr>
+              <a:lnSpc>
+                <a:spcPct val="150000"/>
+              </a:lnSpc>
+            </a:pPr>
+            <a:r>
+              <a:rPr lang="de-DE" sz="3600" dirty="0">
+                <a:latin typeface="Arial" panose="020B0604020202020204" pitchFamily="34" charset="0"/>
+                <a:cs typeface="Arial" panose="020B0604020202020204" pitchFamily="34" charset="0"/>
+              </a:rPr>
+              <a:t>Verbundstudium Wirtschaftsinformatik Master</a:t>
+            </a:r>
+          </a:p>
+        </p:txBody>
+      </p:sp>
+      <p:pic>
+        <p:nvPicPr>
+          <p:cNvPr id="8" name="Grafik 7"/>
+          <p:cNvPicPr>
+            <a:picLocks noChangeAspect="1"/>
+          </p:cNvPicPr>
+          <p:nvPr/>
+        </p:nvPicPr>
+        <p:blipFill>
+          <a:blip r:embed="rId12">
+            <a:extLst>
+              <a:ext uri="{28A0092B-C50C-407E-A947-70E740481C1C}">
+                <a14:useLocalDpi xmlns:a14="http://schemas.microsoft.com/office/drawing/2010/main" val="0"/>
+              </a:ext>
+            </a:extLst>
+          </a:blip>
+          <a:stretch>
+            <a:fillRect/>
+          </a:stretch>
+        </p:blipFill>
+        <p:spPr>
+          <a:xfrm>
+            <a:off x="9962110" y="14019716"/>
+            <a:ext cx="2819971" cy="398240"/>
+          </a:xfrm>
+          <a:prstGeom prst="rect">
+            <a:avLst/>
+          </a:prstGeom>
+        </p:spPr>
+      </p:pic>
+      <p:pic>
+        <p:nvPicPr>
+          <p:cNvPr id="11" name="Grafik 10"/>
+          <p:cNvPicPr>
+            <a:picLocks noChangeAspect="1"/>
+          </p:cNvPicPr>
+          <p:nvPr/>
+        </p:nvPicPr>
+        <p:blipFill>
+          <a:blip r:embed="rId13">
+            <a:extLst>
+              <a:ext uri="{28A0092B-C50C-407E-A947-70E740481C1C}">
+                <a14:useLocalDpi xmlns:a14="http://schemas.microsoft.com/office/drawing/2010/main" val="0"/>
+              </a:ext>
+            </a:extLst>
+          </a:blip>
+          <a:stretch>
+            <a:fillRect/>
+          </a:stretch>
+        </p:blipFill>
+        <p:spPr>
+          <a:xfrm>
+            <a:off x="13109575" y="13859164"/>
+            <a:ext cx="1668304" cy="645795"/>
+          </a:xfrm>
+          <a:prstGeom prst="rect">
+            <a:avLst/>
+          </a:prstGeom>
+        </p:spPr>
+      </p:pic>
+      <p:pic>
+        <p:nvPicPr>
+          <p:cNvPr id="44" name="Grafik 43"/>
           <p:cNvPicPr>
             <a:picLocks noChangeAspect="1"/>
           </p:cNvPicPr>
@@ -8855,17 +10715,144 @@
         </p:blipFill>
         <p:spPr>
           <a:xfrm>
-            <a:off x="4629060" y="10424047"/>
-            <a:ext cx="2232248" cy="1255027"/>
+            <a:off x="15105373" y="13834971"/>
+            <a:ext cx="1083793" cy="586991"/>
           </a:xfrm>
           <a:prstGeom prst="rect">
             <a:avLst/>
           </a:prstGeom>
         </p:spPr>
       </p:pic>
+      <p:sp>
+        <p:nvSpPr>
+          <p:cNvPr id="45" name="Textfeld 44"/>
+          <p:cNvSpPr txBox="1"/>
+          <p:nvPr/>
+        </p:nvSpPr>
+        <p:spPr>
+          <a:xfrm>
+            <a:off x="324025" y="14649463"/>
+            <a:ext cx="3948517" cy="769441"/>
+          </a:xfrm>
+          <a:prstGeom prst="rect">
+            <a:avLst/>
+          </a:prstGeom>
+          <a:noFill/>
+        </p:spPr>
+        <p:txBody>
+          <a:bodyPr wrap="none" rtlCol="0">
+            <a:spAutoFit/>
+          </a:bodyPr>
+          <a:lstStyle/>
+          <a:p>
+            <a:r>
+              <a:rPr lang="de-DE" sz="4400" b="1" dirty="0">
+                <a:latin typeface="Arial" panose="020B0604020202020204" pitchFamily="34" charset="0"/>
+                <a:cs typeface="Arial" panose="020B0604020202020204" pitchFamily="34" charset="0"/>
+              </a:rPr>
+              <a:t>Produktvision</a:t>
+            </a:r>
+            <a:endParaRPr lang="de-DE" b="1" dirty="0">
+              <a:latin typeface="Arial" panose="020B0604020202020204" pitchFamily="34" charset="0"/>
+              <a:cs typeface="Arial" panose="020B0604020202020204" pitchFamily="34" charset="0"/>
+            </a:endParaRPr>
+          </a:p>
+        </p:txBody>
+      </p:sp>
+      <p:sp>
+        <p:nvSpPr>
+          <p:cNvPr id="46" name="Textfeld 45"/>
+          <p:cNvSpPr txBox="1"/>
+          <p:nvPr/>
+        </p:nvSpPr>
+        <p:spPr>
+          <a:xfrm>
+            <a:off x="324025" y="15369629"/>
+            <a:ext cx="14201022" cy="3139321"/>
+          </a:xfrm>
+          <a:prstGeom prst="rect">
+            <a:avLst/>
+          </a:prstGeom>
+          <a:noFill/>
+        </p:spPr>
+        <p:txBody>
+          <a:bodyPr wrap="square" rtlCol="0">
+            <a:spAutoFit/>
+          </a:bodyPr>
+          <a:lstStyle/>
+          <a:p>
+            <a:pPr marL="457200" lvl="0" indent="-457200" algn="ctr">
+              <a:buFont typeface="Arial" panose="020B0604020202020204" pitchFamily="34" charset="0"/>
+              <a:buChar char="•"/>
+            </a:pPr>
+            <a:r>
+              <a:rPr lang="de-DE" sz="2800" dirty="0">
+                <a:latin typeface="Arial" panose="020B0604020202020204" pitchFamily="34" charset="0"/>
+                <a:cs typeface="Arial" panose="020B0604020202020204" pitchFamily="34" charset="0"/>
+              </a:rPr>
+              <a:t>Bündeln von Suchergebnissen verschiedener Quellen auf einem Portal</a:t>
+            </a:r>
+          </a:p>
+          <a:p>
+            <a:pPr marL="457200" lvl="0" indent="-457200" algn="ctr">
+              <a:buFont typeface="Arial" panose="020B0604020202020204" pitchFamily="34" charset="0"/>
+              <a:buChar char="•"/>
+            </a:pPr>
+            <a:r>
+              <a:rPr lang="de-DE" sz="2800" dirty="0">
+                <a:latin typeface="Arial" panose="020B0604020202020204" pitchFamily="34" charset="0"/>
+                <a:cs typeface="Arial" panose="020B0604020202020204" pitchFamily="34" charset="0"/>
+              </a:rPr>
+              <a:t>Verwalten von Benutzern</a:t>
+            </a:r>
+          </a:p>
+          <a:p>
+            <a:pPr marL="457200" lvl="0" indent="-457200" algn="ctr">
+              <a:buFont typeface="Arial" panose="020B0604020202020204" pitchFamily="34" charset="0"/>
+              <a:buChar char="•"/>
+            </a:pPr>
+            <a:r>
+              <a:rPr lang="de-DE" sz="2800" dirty="0">
+                <a:latin typeface="Arial" panose="020B0604020202020204" pitchFamily="34" charset="0"/>
+                <a:cs typeface="Arial" panose="020B0604020202020204" pitchFamily="34" charset="0"/>
+              </a:rPr>
+              <a:t>Verwalten von Suchprofilen (Ablegen von Suchparametern)</a:t>
+            </a:r>
+          </a:p>
+          <a:p>
+            <a:pPr marL="457200" lvl="0" indent="-457200" algn="ctr">
+              <a:buFont typeface="Arial" panose="020B0604020202020204" pitchFamily="34" charset="0"/>
+              <a:buChar char="•"/>
+            </a:pPr>
+            <a:r>
+              <a:rPr lang="de-DE" sz="2800" dirty="0">
+                <a:latin typeface="Arial" panose="020B0604020202020204" pitchFamily="34" charset="0"/>
+                <a:cs typeface="Arial" panose="020B0604020202020204" pitchFamily="34" charset="0"/>
+              </a:rPr>
+              <a:t>Benachrichtigung über zum Suchprofil passenden Immobilien</a:t>
+            </a:r>
+          </a:p>
+          <a:p>
+            <a:pPr marL="457200" lvl="0" indent="-457200" algn="ctr">
+              <a:buFont typeface="Arial" panose="020B0604020202020204" pitchFamily="34" charset="0"/>
+              <a:buChar char="•"/>
+            </a:pPr>
+            <a:r>
+              <a:rPr lang="de-DE" sz="2800" dirty="0">
+                <a:latin typeface="Arial" panose="020B0604020202020204" pitchFamily="34" charset="0"/>
+                <a:cs typeface="Arial" panose="020B0604020202020204" pitchFamily="34" charset="0"/>
+              </a:rPr>
+              <a:t>Vereinheitlichung der Informationen einer Immobilie (evtl. in einer späteren Phase)</a:t>
+            </a:r>
+          </a:p>
+          <a:p>
+            <a:endParaRPr lang="de-DE" dirty="0"/>
+          </a:p>
+        </p:txBody>
+      </p:sp>
       <p:pic>
         <p:nvPicPr>
-          <p:cNvPr id="38" name="Grafik 37"/>
+          <p:cNvPr id="9" name="Grafik 8"/>
           <p:cNvPicPr>
             <a:picLocks noChangeAspect="1"/>
           </p:cNvPicPr>
@@ -8885,8 +10872,8 @@
         </p:blipFill>
         <p:spPr>
           <a:xfrm>
-            <a:off x="6985517" y="10430141"/>
-            <a:ext cx="1475412" cy="1245351"/>
+            <a:off x="324025" y="21159111"/>
+            <a:ext cx="6325179" cy="3131244"/>
           </a:xfrm>
           <a:prstGeom prst="rect">
             <a:avLst/>
@@ -8895,14 +10882,202 @@
       </p:pic>
       <p:pic>
         <p:nvPicPr>
-          <p:cNvPr id="41" name="Grafik 40"/>
+          <p:cNvPr id="10" name="Grafik 9"/>
           <p:cNvPicPr>
             <a:picLocks noChangeAspect="1"/>
           </p:cNvPicPr>
           <p:nvPr/>
         </p:nvPicPr>
         <p:blipFill>
-          <a:blip r:embed="rId16" cstate="print">
+          <a:blip r:embed="rId16"/>
+          <a:stretch>
+            <a:fillRect/>
+          </a:stretch>
+        </p:blipFill>
+        <p:spPr>
+          <a:xfrm>
+            <a:off x="328890" y="24958425"/>
+            <a:ext cx="6325179" cy="3015914"/>
+          </a:xfrm>
+          <a:prstGeom prst="rect">
+            <a:avLst/>
+          </a:prstGeom>
+        </p:spPr>
+      </p:pic>
+      <p:sp>
+        <p:nvSpPr>
+          <p:cNvPr id="48" name="Rechteck 47"/>
+          <p:cNvSpPr/>
+          <p:nvPr/>
+        </p:nvSpPr>
+        <p:spPr>
+          <a:xfrm>
+            <a:off x="252017" y="20290604"/>
+            <a:ext cx="6402052" cy="923330"/>
+          </a:xfrm>
+          <a:prstGeom prst="rect">
+            <a:avLst/>
+          </a:prstGeom>
+        </p:spPr>
+        <p:txBody>
+          <a:bodyPr wrap="square">
+            <a:spAutoFit/>
+          </a:bodyPr>
+          <a:lstStyle/>
+          <a:p>
+            <a:r>
+              <a:rPr lang="de-DE" sz="1800" dirty="0" err="1">
+                <a:solidFill>
+                  <a:prstClr val="black"/>
+                </a:solidFill>
+                <a:latin typeface="Arial" panose="020B0604020202020204" pitchFamily="34" charset="0"/>
+                <a:cs typeface="Arial" panose="020B0604020202020204" pitchFamily="34" charset="0"/>
+              </a:rPr>
+              <a:t>Trello</a:t>
+            </a:r>
+            <a:r>
+              <a:rPr lang="de-DE" sz="1800" dirty="0">
+                <a:solidFill>
+                  <a:prstClr val="black"/>
+                </a:solidFill>
+                <a:latin typeface="Arial" panose="020B0604020202020204" pitchFamily="34" charset="0"/>
+                <a:cs typeface="Arial" panose="020B0604020202020204" pitchFamily="34" charset="0"/>
+              </a:rPr>
+              <a:t> als Tool zur Projektorganisation. Wir haben ein agiles Vorgehensmodell gewählt und </a:t>
+            </a:r>
+            <a:r>
+              <a:rPr lang="de-DE" sz="1800" dirty="0" err="1">
+                <a:solidFill>
+                  <a:prstClr val="black"/>
+                </a:solidFill>
+                <a:latin typeface="Arial" panose="020B0604020202020204" pitchFamily="34" charset="0"/>
+                <a:cs typeface="Arial" panose="020B0604020202020204" pitchFamily="34" charset="0"/>
+              </a:rPr>
+              <a:t>Scrum</a:t>
+            </a:r>
+            <a:r>
+              <a:rPr lang="de-DE" sz="1800" dirty="0">
+                <a:solidFill>
+                  <a:prstClr val="black"/>
+                </a:solidFill>
+                <a:latin typeface="Arial" panose="020B0604020202020204" pitchFamily="34" charset="0"/>
+                <a:cs typeface="Arial" panose="020B0604020202020204" pitchFamily="34" charset="0"/>
+              </a:rPr>
+              <a:t> in den generellen Strukturen umgesetzt. </a:t>
+            </a:r>
+            <a:endParaRPr lang="de-DE" sz="1800" dirty="0">
+              <a:latin typeface="Arial" panose="020B0604020202020204" pitchFamily="34" charset="0"/>
+              <a:cs typeface="Arial" panose="020B0604020202020204" pitchFamily="34" charset="0"/>
+            </a:endParaRPr>
+          </a:p>
+        </p:txBody>
+      </p:sp>
+      <p:sp>
+        <p:nvSpPr>
+          <p:cNvPr id="49" name="Rechteck 48"/>
+          <p:cNvSpPr/>
+          <p:nvPr/>
+        </p:nvSpPr>
+        <p:spPr>
+          <a:xfrm>
+            <a:off x="247152" y="24300327"/>
+            <a:ext cx="6402052" cy="369332"/>
+          </a:xfrm>
+          <a:prstGeom prst="rect">
+            <a:avLst/>
+          </a:prstGeom>
+        </p:spPr>
+        <p:txBody>
+          <a:bodyPr wrap="square">
+            <a:spAutoFit/>
+          </a:bodyPr>
+          <a:lstStyle/>
+          <a:p>
+            <a:r>
+              <a:rPr lang="de-DE" sz="1800" dirty="0">
+                <a:solidFill>
+                  <a:prstClr val="black"/>
+                </a:solidFill>
+                <a:latin typeface="Arial" panose="020B0604020202020204" pitchFamily="34" charset="0"/>
+                <a:cs typeface="Arial" panose="020B0604020202020204" pitchFamily="34" charset="0"/>
+              </a:rPr>
+              <a:t>Momentaufnahme während des 1. Sprints.</a:t>
+            </a:r>
+            <a:endParaRPr lang="de-DE" sz="1800" dirty="0">
+              <a:latin typeface="Arial" panose="020B0604020202020204" pitchFamily="34" charset="0"/>
+              <a:cs typeface="Arial" panose="020B0604020202020204" pitchFamily="34" charset="0"/>
+            </a:endParaRPr>
+          </a:p>
+        </p:txBody>
+      </p:sp>
+      <p:sp>
+        <p:nvSpPr>
+          <p:cNvPr id="50" name="Rechteck 49"/>
+          <p:cNvSpPr/>
+          <p:nvPr/>
+        </p:nvSpPr>
+        <p:spPr>
+          <a:xfrm>
+            <a:off x="247152" y="28003272"/>
+            <a:ext cx="6402052" cy="369332"/>
+          </a:xfrm>
+          <a:prstGeom prst="rect">
+            <a:avLst/>
+          </a:prstGeom>
+        </p:spPr>
+        <p:txBody>
+          <a:bodyPr wrap="square">
+            <a:spAutoFit/>
+          </a:bodyPr>
+          <a:lstStyle/>
+          <a:p>
+            <a:r>
+              <a:rPr lang="de-DE" sz="1800" dirty="0">
+                <a:solidFill>
+                  <a:prstClr val="black"/>
+                </a:solidFill>
+                <a:latin typeface="Arial" panose="020B0604020202020204" pitchFamily="34" charset="0"/>
+                <a:cs typeface="Arial" panose="020B0604020202020204" pitchFamily="34" charset="0"/>
+              </a:rPr>
+              <a:t>Backlog mit </a:t>
+            </a:r>
+            <a:r>
+              <a:rPr lang="de-DE" sz="1800" dirty="0" err="1">
+                <a:solidFill>
+                  <a:prstClr val="black"/>
+                </a:solidFill>
+                <a:latin typeface="Arial" panose="020B0604020202020204" pitchFamily="34" charset="0"/>
+                <a:cs typeface="Arial" panose="020B0604020202020204" pitchFamily="34" charset="0"/>
+              </a:rPr>
+              <a:t>Epics</a:t>
+            </a:r>
+            <a:r>
+              <a:rPr lang="de-DE" sz="1800" dirty="0">
+                <a:solidFill>
+                  <a:prstClr val="black"/>
+                </a:solidFill>
+                <a:latin typeface="Arial" panose="020B0604020202020204" pitchFamily="34" charset="0"/>
+                <a:cs typeface="Arial" panose="020B0604020202020204" pitchFamily="34" charset="0"/>
+              </a:rPr>
+              <a:t> und User Stories (User Story Board).</a:t>
+            </a:r>
+            <a:endParaRPr lang="de-DE" sz="1800" dirty="0">
+              <a:latin typeface="Arial" panose="020B0604020202020204" pitchFamily="34" charset="0"/>
+              <a:cs typeface="Arial" panose="020B0604020202020204" pitchFamily="34" charset="0"/>
+            </a:endParaRPr>
+          </a:p>
+        </p:txBody>
+      </p:sp>
+      <p:pic>
+        <p:nvPicPr>
+          <p:cNvPr id="19" name="Grafik 18"/>
+          <p:cNvPicPr>
+            <a:picLocks noChangeAspect="1"/>
+          </p:cNvPicPr>
+          <p:nvPr/>
+        </p:nvPicPr>
+        <p:blipFill>
+          <a:blip r:embed="rId17" cstate="print">
             <a:extLst>
               <a:ext uri="{28A0092B-C50C-407E-A947-70E740481C1C}">
                 <a14:useLocalDpi xmlns:a14="http://schemas.microsoft.com/office/drawing/2010/main" val="0"/>
@@ -8915,75 +11090,24 @@
         </p:blipFill>
         <p:spPr>
           <a:xfrm>
-            <a:off x="8585138" y="10426067"/>
-            <a:ext cx="1746826" cy="1227638"/>
+            <a:off x="7461722" y="20290604"/>
+            <a:ext cx="4502221" cy="4573874"/>
           </a:xfrm>
           <a:prstGeom prst="rect">
             <a:avLst/>
           </a:prstGeom>
         </p:spPr>
       </p:pic>
-      <p:sp>
-        <p:nvSpPr>
-          <p:cNvPr id="42" name="Textfeld 41"/>
-          <p:cNvSpPr txBox="1"/>
-          <p:nvPr/>
-        </p:nvSpPr>
-        <p:spPr>
-          <a:xfrm>
-            <a:off x="396033" y="13868619"/>
-            <a:ext cx="19992681" cy="1754326"/>
-          </a:xfrm>
-          <a:prstGeom prst="rect">
-            <a:avLst/>
-          </a:prstGeom>
-          <a:noFill/>
-        </p:spPr>
-        <p:txBody>
-          <a:bodyPr wrap="square" rtlCol="0">
-            <a:spAutoFit/>
-          </a:bodyPr>
-          <a:lstStyle/>
-          <a:p>
-            <a:pPr>
-              <a:lnSpc>
-                <a:spcPct val="150000"/>
-              </a:lnSpc>
-            </a:pPr>
-            <a:r>
-              <a:rPr lang="de-DE" sz="3600" dirty="0">
-                <a:latin typeface="Arial" panose="020B0604020202020204" pitchFamily="34" charset="0"/>
-                <a:cs typeface="Arial" panose="020B0604020202020204" pitchFamily="34" charset="0"/>
-              </a:rPr>
-              <a:t>Praktikum der Veranstaltung Fortgeschrittene Softwaretechnologie, Sommersemester 2017</a:t>
-            </a:r>
-          </a:p>
-          <a:p>
-            <a:pPr>
-              <a:lnSpc>
-                <a:spcPct val="150000"/>
-              </a:lnSpc>
-            </a:pPr>
-            <a:r>
-              <a:rPr lang="de-DE" sz="3600" dirty="0">
-                <a:latin typeface="Arial" panose="020B0604020202020204" pitchFamily="34" charset="0"/>
-                <a:cs typeface="Arial" panose="020B0604020202020204" pitchFamily="34" charset="0"/>
-              </a:rPr>
-              <a:t>Verbundstudium Wirtschaftsinformatik Master</a:t>
-            </a:r>
-          </a:p>
-        </p:txBody>
-      </p:sp>
       <p:pic>
         <p:nvPicPr>
-          <p:cNvPr id="8" name="Grafik 7"/>
+          <p:cNvPr id="27" name="Grafik 26"/>
           <p:cNvPicPr>
             <a:picLocks noChangeAspect="1"/>
           </p:cNvPicPr>
           <p:nvPr/>
         </p:nvPicPr>
         <p:blipFill>
-          <a:blip r:embed="rId17">
+          <a:blip r:embed="rId18" cstate="print">
             <a:extLst>
               <a:ext uri="{28A0092B-C50C-407E-A947-70E740481C1C}">
                 <a14:useLocalDpi xmlns:a14="http://schemas.microsoft.com/office/drawing/2010/main" val="0"/>
@@ -8996,8 +11120,8 @@
         </p:blipFill>
         <p:spPr>
           <a:xfrm>
-            <a:off x="9962110" y="15070860"/>
-            <a:ext cx="2819971" cy="398240"/>
+            <a:off x="7481098" y="24958425"/>
+            <a:ext cx="4482845" cy="3509380"/>
           </a:xfrm>
           <a:prstGeom prst="rect">
             <a:avLst/>
@@ -9006,14 +11130,14 @@
       </p:pic>
       <p:pic>
         <p:nvPicPr>
-          <p:cNvPr id="11" name="Grafik 10"/>
+          <p:cNvPr id="37" name="Grafik 36"/>
           <p:cNvPicPr>
             <a:picLocks noChangeAspect="1"/>
           </p:cNvPicPr>
           <p:nvPr/>
         </p:nvPicPr>
         <p:blipFill>
-          <a:blip r:embed="rId18">
+          <a:blip r:embed="rId19">
             <a:extLst>
               <a:ext uri="{28A0092B-C50C-407E-A947-70E740481C1C}">
                 <a14:useLocalDpi xmlns:a14="http://schemas.microsoft.com/office/drawing/2010/main" val="0"/>
@@ -9026,185 +11150,36 @@
         </p:blipFill>
         <p:spPr>
           <a:xfrm>
-            <a:off x="13109575" y="14910308"/>
-            <a:ext cx="1668304" cy="645795"/>
+            <a:off x="14556396" y="20290604"/>
+            <a:ext cx="6349642" cy="3571674"/>
           </a:xfrm>
           <a:prstGeom prst="rect">
             <a:avLst/>
           </a:prstGeom>
         </p:spPr>
       </p:pic>
-      <p:pic>
-        <p:nvPicPr>
-          <p:cNvPr id="44" name="Grafik 43"/>
-          <p:cNvPicPr>
-            <a:picLocks noChangeAspect="1"/>
-          </p:cNvPicPr>
-          <p:nvPr/>
-        </p:nvPicPr>
-        <p:blipFill>
-          <a:blip r:embed="rId19" cstate="print">
-            <a:extLst>
-              <a:ext uri="{28A0092B-C50C-407E-A947-70E740481C1C}">
-                <a14:useLocalDpi xmlns:a14="http://schemas.microsoft.com/office/drawing/2010/main" val="0"/>
-              </a:ext>
-            </a:extLst>
-          </a:blip>
-          <a:stretch>
-            <a:fillRect/>
-          </a:stretch>
-        </p:blipFill>
-        <p:spPr>
-          <a:xfrm>
-            <a:off x="15105373" y="14886115"/>
-            <a:ext cx="1083793" cy="586991"/>
-          </a:xfrm>
-          <a:prstGeom prst="rect">
-            <a:avLst/>
-          </a:prstGeom>
-        </p:spPr>
-      </p:pic>
-      <p:sp>
-        <p:nvSpPr>
-          <p:cNvPr id="45" name="Textfeld 44"/>
-          <p:cNvSpPr txBox="1"/>
-          <p:nvPr/>
-        </p:nvSpPr>
-        <p:spPr>
-          <a:xfrm>
-            <a:off x="252017" y="15798748"/>
-            <a:ext cx="3948517" cy="769441"/>
-          </a:xfrm>
-          <a:prstGeom prst="rect">
-            <a:avLst/>
-          </a:prstGeom>
-          <a:noFill/>
-        </p:spPr>
-        <p:txBody>
-          <a:bodyPr wrap="none" rtlCol="0">
-            <a:spAutoFit/>
-          </a:bodyPr>
-          <a:lstStyle/>
-          <a:p>
-            <a:r>
-              <a:rPr lang="de-DE" sz="4400" b="1" dirty="0">
-                <a:latin typeface="Arial" panose="020B0604020202020204" pitchFamily="34" charset="0"/>
-                <a:cs typeface="Arial" panose="020B0604020202020204" pitchFamily="34" charset="0"/>
-              </a:rPr>
-              <a:t>Produktvision</a:t>
-            </a:r>
-            <a:endParaRPr lang="de-DE" b="1" dirty="0">
-              <a:latin typeface="Arial" panose="020B0604020202020204" pitchFamily="34" charset="0"/>
-              <a:cs typeface="Arial" panose="020B0604020202020204" pitchFamily="34" charset="0"/>
-            </a:endParaRPr>
-          </a:p>
-        </p:txBody>
-      </p:sp>
-      <p:sp>
-        <p:nvSpPr>
-          <p:cNvPr id="46" name="Textfeld 45"/>
-          <p:cNvSpPr txBox="1"/>
-          <p:nvPr/>
-        </p:nvSpPr>
-        <p:spPr>
-          <a:xfrm>
-            <a:off x="252017" y="16518914"/>
-            <a:ext cx="14201022" cy="3139321"/>
-          </a:xfrm>
-          <a:prstGeom prst="rect">
-            <a:avLst/>
-          </a:prstGeom>
-          <a:noFill/>
-        </p:spPr>
-        <p:txBody>
-          <a:bodyPr wrap="square" rtlCol="0">
-            <a:spAutoFit/>
-          </a:bodyPr>
-          <a:lstStyle/>
-          <a:p>
-            <a:pPr marL="457200" lvl="0" indent="-457200" algn="ctr">
-              <a:buFont typeface="Arial" panose="020B0604020202020204" pitchFamily="34" charset="0"/>
-              <a:buChar char="•"/>
-            </a:pPr>
-            <a:r>
-              <a:rPr lang="de-DE" sz="2800" dirty="0">
-                <a:latin typeface="Arial" panose="020B0604020202020204" pitchFamily="34" charset="0"/>
-                <a:cs typeface="Arial" panose="020B0604020202020204" pitchFamily="34" charset="0"/>
-              </a:rPr>
-              <a:t>Bündeln von Suchergebnissen verschiedener Quellen auf einem Portal</a:t>
-            </a:r>
-          </a:p>
-          <a:p>
-            <a:pPr marL="457200" lvl="0" indent="-457200" algn="ctr">
-              <a:buFont typeface="Arial" panose="020B0604020202020204" pitchFamily="34" charset="0"/>
-              <a:buChar char="•"/>
-            </a:pPr>
-            <a:r>
-              <a:rPr lang="de-DE" sz="2800" dirty="0">
-                <a:latin typeface="Arial" panose="020B0604020202020204" pitchFamily="34" charset="0"/>
-                <a:cs typeface="Arial" panose="020B0604020202020204" pitchFamily="34" charset="0"/>
-              </a:rPr>
-              <a:t>Verwalten von Benutzern</a:t>
-            </a:r>
-          </a:p>
-          <a:p>
-            <a:pPr marL="457200" lvl="0" indent="-457200" algn="ctr">
-              <a:buFont typeface="Arial" panose="020B0604020202020204" pitchFamily="34" charset="0"/>
-              <a:buChar char="•"/>
-            </a:pPr>
-            <a:r>
-              <a:rPr lang="de-DE" sz="2800" dirty="0">
-                <a:latin typeface="Arial" panose="020B0604020202020204" pitchFamily="34" charset="0"/>
-                <a:cs typeface="Arial" panose="020B0604020202020204" pitchFamily="34" charset="0"/>
-              </a:rPr>
-              <a:t>Verwalten von Suchprofilen (Ablegen von Suchparametern)</a:t>
-            </a:r>
-          </a:p>
-          <a:p>
-            <a:pPr marL="457200" lvl="0" indent="-457200" algn="ctr">
-              <a:buFont typeface="Arial" panose="020B0604020202020204" pitchFamily="34" charset="0"/>
-              <a:buChar char="•"/>
-            </a:pPr>
-            <a:r>
-              <a:rPr lang="de-DE" sz="2800" dirty="0">
-                <a:latin typeface="Arial" panose="020B0604020202020204" pitchFamily="34" charset="0"/>
-                <a:cs typeface="Arial" panose="020B0604020202020204" pitchFamily="34" charset="0"/>
-              </a:rPr>
-              <a:t>Benachrichtigung über zum Suchprofil passenden Immobilien</a:t>
-            </a:r>
-          </a:p>
-          <a:p>
-            <a:pPr marL="457200" lvl="0" indent="-457200" algn="ctr">
-              <a:buFont typeface="Arial" panose="020B0604020202020204" pitchFamily="34" charset="0"/>
-              <a:buChar char="•"/>
-            </a:pPr>
-            <a:r>
-              <a:rPr lang="de-DE" sz="2800" dirty="0">
-                <a:latin typeface="Arial" panose="020B0604020202020204" pitchFamily="34" charset="0"/>
-                <a:cs typeface="Arial" panose="020B0604020202020204" pitchFamily="34" charset="0"/>
-              </a:rPr>
-              <a:t>Vereinheitlichung der Informationen einer Immobilie (</a:t>
-            </a:r>
-            <a:r>
-              <a:rPr lang="de-DE" sz="2800" dirty="0" err="1">
-                <a:latin typeface="Arial" panose="020B0604020202020204" pitchFamily="34" charset="0"/>
-                <a:cs typeface="Arial" panose="020B0604020202020204" pitchFamily="34" charset="0"/>
-              </a:rPr>
-              <a:t>evt.</a:t>
-            </a:r>
-            <a:r>
-              <a:rPr lang="de-DE" sz="2800" dirty="0">
-                <a:latin typeface="Arial" panose="020B0604020202020204" pitchFamily="34" charset="0"/>
-                <a:cs typeface="Arial" panose="020B0604020202020204" pitchFamily="34" charset="0"/>
-              </a:rPr>
-              <a:t> in einer späteren Phase)</a:t>
-            </a:r>
-          </a:p>
-          <a:p>
-            <a:endParaRPr lang="de-DE" dirty="0"/>
-          </a:p>
-        </p:txBody>
-      </p:sp>
+      <p:graphicFrame>
+        <p:nvGraphicFramePr>
+          <p:cNvPr id="40" name="Diagramm 39"/>
+          <p:cNvGraphicFramePr/>
+          <p:nvPr>
+            <p:extLst>
+              <p:ext uri="{D42A27DB-BD31-4B8C-83A1-F6EECF244321}">
+                <p14:modId xmlns:p14="http://schemas.microsoft.com/office/powerpoint/2010/main" val="1401471547"/>
+              </p:ext>
+            </p:extLst>
+          </p:nvPr>
+        </p:nvGraphicFramePr>
+        <p:xfrm>
+          <a:off x="211358" y="17948549"/>
+          <a:ext cx="20720716" cy="1235401"/>
+        </p:xfrm>
+        <a:graphic>
+          <a:graphicData uri="http://schemas.openxmlformats.org/drawingml/2006/diagram">
+            <dgm:relIds xmlns:dgm="http://schemas.openxmlformats.org/drawingml/2006/diagram" xmlns:r="http://schemas.openxmlformats.org/officeDocument/2006/relationships" r:dm="rId20" r:lo="rId21" r:qs="rId22" r:cs="rId23"/>
+          </a:graphicData>
+        </a:graphic>
+      </p:graphicFrame>
     </p:spTree>
     <p:extLst>
       <p:ext uri="{BB962C8B-B14F-4D97-AF65-F5344CB8AC3E}">

--- a/FST17_M4_PosterHoch_T04.pptx
+++ b/FST17_M4_PosterHoch_T04.pptx
@@ -1604,7 +1604,7 @@
   <dgm:whole/>
   <dgm:extLst>
     <a:ext uri="http://schemas.microsoft.com/office/drawing/2008/diagram">
-      <dsp:dataModelExt xmlns:dsp="http://schemas.microsoft.com/office/drawing/2008/diagram" relId="rId24" minVer="http://schemas.openxmlformats.org/drawingml/2006/diagram"/>
+      <dsp:dataModelExt xmlns:dsp="http://schemas.microsoft.com/office/drawing/2008/diagram" relId="rId23" minVer="http://schemas.openxmlformats.org/drawingml/2006/diagram"/>
     </a:ext>
     <a:ext uri="{C62137D5-CB1D-491B-B009-E17868A290BF}">
       <dgm14:recolorImg xmlns:dgm14="http://schemas.microsoft.com/office/drawing/2010/diagram" val="1"/>
@@ -3992,7 +3992,7 @@
           <a:p>
             <a:fld id="{F8A2F35C-CEA7-4A41-A6EB-7B100C25E6CB}" type="datetimeFigureOut">
               <a:rPr lang="de-DE" smtClean="0"/>
-              <a:t>31.05.2017</a:t>
+              <a:t>02.06.2017</a:t>
             </a:fld>
             <a:endParaRPr lang="de-DE"/>
           </a:p>
@@ -4522,7 +4522,7 @@
           <a:p>
             <a:fld id="{CFEF8110-D74D-4E53-9D8A-42DFB11C9F8B}" type="datetimeFigureOut">
               <a:rPr lang="de-DE" smtClean="0"/>
-              <a:t>31.05.2017</a:t>
+              <a:t>02.06.2017</a:t>
             </a:fld>
             <a:endParaRPr lang="de-DE"/>
           </a:p>
@@ -4690,7 +4690,7 @@
           <a:p>
             <a:fld id="{CFEF8110-D74D-4E53-9D8A-42DFB11C9F8B}" type="datetimeFigureOut">
               <a:rPr lang="de-DE" smtClean="0"/>
-              <a:t>31.05.2017</a:t>
+              <a:t>02.06.2017</a:t>
             </a:fld>
             <a:endParaRPr lang="de-DE"/>
           </a:p>
@@ -4868,7 +4868,7 @@
           <a:p>
             <a:fld id="{CFEF8110-D74D-4E53-9D8A-42DFB11C9F8B}" type="datetimeFigureOut">
               <a:rPr lang="de-DE" smtClean="0"/>
-              <a:t>31.05.2017</a:t>
+              <a:t>02.06.2017</a:t>
             </a:fld>
             <a:endParaRPr lang="de-DE"/>
           </a:p>
@@ -5036,7 +5036,7 @@
           <a:p>
             <a:fld id="{CFEF8110-D74D-4E53-9D8A-42DFB11C9F8B}" type="datetimeFigureOut">
               <a:rPr lang="de-DE" smtClean="0"/>
-              <a:t>31.05.2017</a:t>
+              <a:t>02.06.2017</a:t>
             </a:fld>
             <a:endParaRPr lang="de-DE"/>
           </a:p>
@@ -5281,7 +5281,7 @@
           <a:p>
             <a:fld id="{CFEF8110-D74D-4E53-9D8A-42DFB11C9F8B}" type="datetimeFigureOut">
               <a:rPr lang="de-DE" smtClean="0"/>
-              <a:t>31.05.2017</a:t>
+              <a:t>02.06.2017</a:t>
             </a:fld>
             <a:endParaRPr lang="de-DE"/>
           </a:p>
@@ -5566,7 +5566,7 @@
           <a:p>
             <a:fld id="{CFEF8110-D74D-4E53-9D8A-42DFB11C9F8B}" type="datetimeFigureOut">
               <a:rPr lang="de-DE" smtClean="0"/>
-              <a:t>31.05.2017</a:t>
+              <a:t>02.06.2017</a:t>
             </a:fld>
             <a:endParaRPr lang="de-DE"/>
           </a:p>
@@ -5985,7 +5985,7 @@
           <a:p>
             <a:fld id="{CFEF8110-D74D-4E53-9D8A-42DFB11C9F8B}" type="datetimeFigureOut">
               <a:rPr lang="de-DE" smtClean="0"/>
-              <a:t>31.05.2017</a:t>
+              <a:t>02.06.2017</a:t>
             </a:fld>
             <a:endParaRPr lang="de-DE"/>
           </a:p>
@@ -6102,7 +6102,7 @@
           <a:p>
             <a:fld id="{CFEF8110-D74D-4E53-9D8A-42DFB11C9F8B}" type="datetimeFigureOut">
               <a:rPr lang="de-DE" smtClean="0"/>
-              <a:t>31.05.2017</a:t>
+              <a:t>02.06.2017</a:t>
             </a:fld>
             <a:endParaRPr lang="de-DE"/>
           </a:p>
@@ -6197,7 +6197,7 @@
           <a:p>
             <a:fld id="{CFEF8110-D74D-4E53-9D8A-42DFB11C9F8B}" type="datetimeFigureOut">
               <a:rPr lang="de-DE" smtClean="0"/>
-              <a:t>31.05.2017</a:t>
+              <a:t>02.06.2017</a:t>
             </a:fld>
             <a:endParaRPr lang="de-DE"/>
           </a:p>
@@ -6472,7 +6472,7 @@
           <a:p>
             <a:fld id="{CFEF8110-D74D-4E53-9D8A-42DFB11C9F8B}" type="datetimeFigureOut">
               <a:rPr lang="de-DE" smtClean="0"/>
-              <a:t>31.05.2017</a:t>
+              <a:t>02.06.2017</a:t>
             </a:fld>
             <a:endParaRPr lang="de-DE"/>
           </a:p>
@@ -6724,7 +6724,7 @@
           <a:p>
             <a:fld id="{CFEF8110-D74D-4E53-9D8A-42DFB11C9F8B}" type="datetimeFigureOut">
               <a:rPr lang="de-DE" smtClean="0"/>
-              <a:t>31.05.2017</a:t>
+              <a:t>02.06.2017</a:t>
             </a:fld>
             <a:endParaRPr lang="de-DE"/>
           </a:p>
@@ -6935,7 +6935,7 @@
           <a:p>
             <a:fld id="{CFEF8110-D74D-4E53-9D8A-42DFB11C9F8B}" type="datetimeFigureOut">
               <a:rPr lang="de-DE" smtClean="0"/>
-              <a:t>31.05.2017</a:t>
+              <a:t>02.06.2017</a:t>
             </a:fld>
             <a:endParaRPr lang="de-DE"/>
           </a:p>
@@ -7312,7 +7312,7 @@
       </p:grpSpPr>
       <p:pic>
         <p:nvPicPr>
-          <p:cNvPr id="59" name="Grafik 58"/>
+          <p:cNvPr id="51" name="Grafik 50"/>
           <p:cNvPicPr>
             <a:picLocks noChangeAspect="1"/>
           </p:cNvPicPr>
@@ -7332,8 +7332,8 @@
         </p:blipFill>
         <p:spPr>
           <a:xfrm>
-            <a:off x="252017" y="29446890"/>
-            <a:ext cx="20778870" cy="580228"/>
+            <a:off x="146104" y="29451322"/>
+            <a:ext cx="20950131" cy="610891"/>
           </a:xfrm>
           <a:prstGeom prst="rect">
             <a:avLst/>
@@ -7348,8 +7348,8 @@
         </p:nvSpPr>
         <p:spPr>
           <a:xfrm>
-            <a:off x="203866" y="19337795"/>
-            <a:ext cx="6657442" cy="9592685"/>
+            <a:off x="304333" y="18039231"/>
+            <a:ext cx="6657442" cy="10891249"/>
           </a:xfrm>
           <a:prstGeom prst="rect">
             <a:avLst/>
@@ -7396,8 +7396,8 @@
         </p:nvSpPr>
         <p:spPr>
           <a:xfrm>
-            <a:off x="7286285" y="19354581"/>
-            <a:ext cx="6657442" cy="9592685"/>
+            <a:off x="7292448" y="18039231"/>
+            <a:ext cx="6657442" cy="10890000"/>
           </a:xfrm>
           <a:prstGeom prst="rect">
             <a:avLst/>
@@ -7444,8 +7444,8 @@
         </p:nvSpPr>
         <p:spPr>
           <a:xfrm>
-            <a:off x="14373445" y="19337795"/>
-            <a:ext cx="6657442" cy="9592685"/>
+            <a:off x="14280563" y="18039231"/>
+            <a:ext cx="6657442" cy="10891249"/>
           </a:xfrm>
           <a:prstGeom prst="rect">
             <a:avLst/>
@@ -7480,7 +7480,7 @@
           <a:lstStyle/>
           <a:p>
             <a:pPr algn="ctr"/>
-            <a:endParaRPr lang="de-DE"/>
+            <a:endParaRPr lang="de-DE" dirty="0"/>
           </a:p>
         </p:txBody>
       </p:sp>
@@ -7492,8 +7492,8 @@
         </p:nvSpPr>
         <p:spPr>
           <a:xfrm>
-            <a:off x="380587" y="14617675"/>
-            <a:ext cx="14201022" cy="3236927"/>
+            <a:off x="253901" y="13050861"/>
+            <a:ext cx="14026662" cy="3236927"/>
           </a:xfrm>
           <a:prstGeom prst="rect">
             <a:avLst/>
@@ -7572,8 +7572,8 @@
         </p:nvSpPr>
         <p:spPr>
           <a:xfrm>
-            <a:off x="3674036" y="29275552"/>
-            <a:ext cx="12259563" cy="916396"/>
+            <a:off x="4567946" y="29275552"/>
+            <a:ext cx="12106446" cy="916396"/>
           </a:xfrm>
         </p:spPr>
         <p:txBody>
@@ -7604,7 +7604,7 @@
         </p:nvSpPr>
         <p:spPr>
           <a:xfrm>
-            <a:off x="368559" y="12025387"/>
+            <a:off x="242216" y="11934024"/>
             <a:ext cx="19187102" cy="1028647"/>
           </a:xfrm>
           <a:prstGeom prst="rect">
@@ -7649,8 +7649,8 @@
         </p:nvSpPr>
         <p:spPr>
           <a:xfrm>
-            <a:off x="15013657" y="3271867"/>
-            <a:ext cx="5861032" cy="4361032"/>
+            <a:off x="14826237" y="3690690"/>
+            <a:ext cx="5199354" cy="3931569"/>
           </a:xfrm>
           <a:prstGeom prst="rect">
             <a:avLst/>
@@ -7661,216 +7661,124 @@
           </a:ln>
         </p:spPr>
         <p:txBody>
-          <a:bodyPr wrap="square" numCol="2" spcCol="504000" rtlCol="0">
+          <a:bodyPr wrap="square" numCol="1" spcCol="504000" rtlCol="0">
             <a:noAutofit/>
           </a:bodyPr>
           <a:lstStyle/>
           <a:p>
-            <a:r>
-              <a:rPr lang="de-DE" sz="3200" b="1" dirty="0">
+            <a:pPr>
+              <a:lnSpc>
+                <a:spcPct val="150000"/>
+              </a:lnSpc>
+            </a:pPr>
+            <a:r>
+              <a:rPr lang="de-DE" sz="2800" dirty="0">
                 <a:latin typeface="Arial" panose="020B0604020202020204" pitchFamily="34" charset="0"/>
                 <a:cs typeface="Arial" panose="020B0604020202020204" pitchFamily="34" charset="0"/>
               </a:rPr>
-              <a:t>Anbieter</a:t>
-            </a:r>
-          </a:p>
-          <a:p>
-            <a:r>
-              <a:rPr lang="de-DE" sz="3200" dirty="0">
+              <a:t>Beitz, Julia</a:t>
+            </a:r>
+          </a:p>
+          <a:p>
+            <a:pPr>
+              <a:lnSpc>
+                <a:spcPct val="150000"/>
+              </a:lnSpc>
+            </a:pPr>
+            <a:r>
+              <a:rPr lang="de-DE" sz="2800" dirty="0">
                 <a:latin typeface="Arial" panose="020B0604020202020204" pitchFamily="34" charset="0"/>
                 <a:cs typeface="Arial" panose="020B0604020202020204" pitchFamily="34" charset="0"/>
               </a:rPr>
-              <a:t>Beitz </a:t>
-            </a:r>
-          </a:p>
-          <a:p>
-            <a:r>
-              <a:rPr lang="de-DE" sz="3200" dirty="0">
-                <a:latin typeface="Arial" panose="020B0604020202020204" pitchFamily="34" charset="0"/>
-                <a:cs typeface="Arial" panose="020B0604020202020204" pitchFamily="34" charset="0"/>
-              </a:rPr>
-              <a:t>Billerbeck</a:t>
-            </a:r>
-          </a:p>
-          <a:p>
-            <a:r>
-              <a:rPr lang="de-DE" sz="3200" dirty="0" err="1">
+              <a:t>Billerbeck, Kerstin</a:t>
+            </a:r>
+          </a:p>
+          <a:p>
+            <a:pPr>
+              <a:lnSpc>
+                <a:spcPct val="150000"/>
+              </a:lnSpc>
+            </a:pPr>
+            <a:r>
+              <a:rPr lang="de-DE" sz="2800" dirty="0" err="1">
                 <a:latin typeface="Arial" panose="020B0604020202020204" pitchFamily="34" charset="0"/>
                 <a:cs typeface="Arial" panose="020B0604020202020204" pitchFamily="34" charset="0"/>
               </a:rPr>
               <a:t>Brecklinghaus</a:t>
             </a:r>
-            <a:endParaRPr lang="de-DE" sz="3200" dirty="0">
-              <a:latin typeface="Arial" panose="020B0604020202020204" pitchFamily="34" charset="0"/>
-              <a:cs typeface="Arial" panose="020B0604020202020204" pitchFamily="34" charset="0"/>
-            </a:endParaRPr>
-          </a:p>
-          <a:p>
-            <a:r>
-              <a:rPr lang="de-DE" sz="3200" dirty="0" err="1">
+            <a:r>
+              <a:rPr lang="de-DE" sz="2800" dirty="0">
+                <a:latin typeface="Arial" panose="020B0604020202020204" pitchFamily="34" charset="0"/>
+                <a:cs typeface="Arial" panose="020B0604020202020204" pitchFamily="34" charset="0"/>
+              </a:rPr>
+              <a:t>, Stephan</a:t>
+            </a:r>
+          </a:p>
+          <a:p>
+            <a:pPr>
+              <a:lnSpc>
+                <a:spcPct val="150000"/>
+              </a:lnSpc>
+            </a:pPr>
+            <a:r>
+              <a:rPr lang="de-DE" sz="2800" dirty="0" err="1">
                 <a:latin typeface="Arial" panose="020B0604020202020204" pitchFamily="34" charset="0"/>
                 <a:cs typeface="Arial" panose="020B0604020202020204" pitchFamily="34" charset="0"/>
               </a:rPr>
               <a:t>Ciecior</a:t>
             </a:r>
-            <a:endParaRPr lang="de-DE" sz="3200" dirty="0">
-              <a:latin typeface="Arial" panose="020B0604020202020204" pitchFamily="34" charset="0"/>
-              <a:cs typeface="Arial" panose="020B0604020202020204" pitchFamily="34" charset="0"/>
-            </a:endParaRPr>
-          </a:p>
-          <a:p>
-            <a:r>
-              <a:rPr lang="de-DE" sz="3200" dirty="0" err="1">
+            <a:r>
+              <a:rPr lang="de-DE" sz="2800" dirty="0">
+                <a:latin typeface="Arial" panose="020B0604020202020204" pitchFamily="34" charset="0"/>
+                <a:cs typeface="Arial" panose="020B0604020202020204" pitchFamily="34" charset="0"/>
+              </a:rPr>
+              <a:t>, Peter</a:t>
+            </a:r>
+          </a:p>
+          <a:p>
+            <a:pPr>
+              <a:lnSpc>
+                <a:spcPct val="150000"/>
+              </a:lnSpc>
+            </a:pPr>
+            <a:r>
+              <a:rPr lang="de-DE" sz="2800" dirty="0" err="1">
                 <a:latin typeface="Arial" panose="020B0604020202020204" pitchFamily="34" charset="0"/>
                 <a:cs typeface="Arial" panose="020B0604020202020204" pitchFamily="34" charset="0"/>
               </a:rPr>
               <a:t>Mergenbaum</a:t>
             </a:r>
-            <a:endParaRPr lang="de-DE" sz="3200" dirty="0">
-              <a:latin typeface="Arial" panose="020B0604020202020204" pitchFamily="34" charset="0"/>
-              <a:cs typeface="Arial" panose="020B0604020202020204" pitchFamily="34" charset="0"/>
-            </a:endParaRPr>
-          </a:p>
-          <a:p>
-            <a:r>
-              <a:rPr lang="de-DE" sz="3200" dirty="0" err="1">
+            <a:r>
+              <a:rPr lang="de-DE" sz="2800" dirty="0">
+                <a:latin typeface="Arial" panose="020B0604020202020204" pitchFamily="34" charset="0"/>
+                <a:cs typeface="Arial" panose="020B0604020202020204" pitchFamily="34" charset="0"/>
+              </a:rPr>
+              <a:t>, Andrea</a:t>
+            </a:r>
+          </a:p>
+          <a:p>
+            <a:pPr>
+              <a:lnSpc>
+                <a:spcPct val="150000"/>
+              </a:lnSpc>
+            </a:pPr>
+            <a:r>
+              <a:rPr lang="de-DE" sz="2800" dirty="0" err="1">
                 <a:latin typeface="Arial" panose="020B0604020202020204" pitchFamily="34" charset="0"/>
                 <a:cs typeface="Arial" panose="020B0604020202020204" pitchFamily="34" charset="0"/>
               </a:rPr>
               <a:t>Vranken</a:t>
             </a:r>
-            <a:endParaRPr lang="de-DE" sz="3200" dirty="0">
-              <a:latin typeface="Arial" panose="020B0604020202020204" pitchFamily="34" charset="0"/>
-              <a:cs typeface="Arial" panose="020B0604020202020204" pitchFamily="34" charset="0"/>
-            </a:endParaRPr>
-          </a:p>
-          <a:p>
-            <a:endParaRPr lang="de-DE" sz="3200" dirty="0">
-              <a:latin typeface="Arial" panose="020B0604020202020204" pitchFamily="34" charset="0"/>
-              <a:cs typeface="Arial" panose="020B0604020202020204" pitchFamily="34" charset="0"/>
-            </a:endParaRPr>
-          </a:p>
-          <a:p>
-            <a:endParaRPr lang="de-DE" sz="3200" dirty="0">
-              <a:latin typeface="Arial" panose="020B0604020202020204" pitchFamily="34" charset="0"/>
-              <a:cs typeface="Arial" panose="020B0604020202020204" pitchFamily="34" charset="0"/>
-            </a:endParaRPr>
-          </a:p>
-          <a:p>
-            <a:r>
-              <a:rPr lang="de-DE" sz="3200" dirty="0">
+            <a:r>
+              <a:rPr lang="de-DE" sz="2800" dirty="0">
                 <a:latin typeface="Arial" panose="020B0604020202020204" pitchFamily="34" charset="0"/>
                 <a:cs typeface="Arial" panose="020B0604020202020204" pitchFamily="34" charset="0"/>
               </a:rPr>
-              <a:t>Julia</a:t>
-            </a:r>
-          </a:p>
-          <a:p>
-            <a:r>
-              <a:rPr lang="de-DE" sz="3200" dirty="0">
-                <a:latin typeface="Arial" panose="020B0604020202020204" pitchFamily="34" charset="0"/>
-                <a:cs typeface="Arial" panose="020B0604020202020204" pitchFamily="34" charset="0"/>
-              </a:rPr>
-              <a:t>Kerstin</a:t>
-            </a:r>
-          </a:p>
-          <a:p>
-            <a:r>
-              <a:rPr lang="de-DE" sz="3200" dirty="0">
-                <a:latin typeface="Arial" panose="020B0604020202020204" pitchFamily="34" charset="0"/>
-                <a:cs typeface="Arial" panose="020B0604020202020204" pitchFamily="34" charset="0"/>
-              </a:rPr>
-              <a:t>Stephan</a:t>
-            </a:r>
-          </a:p>
-          <a:p>
-            <a:r>
-              <a:rPr lang="de-DE" sz="3200" dirty="0">
-                <a:latin typeface="Arial" panose="020B0604020202020204" pitchFamily="34" charset="0"/>
-                <a:cs typeface="Arial" panose="020B0604020202020204" pitchFamily="34" charset="0"/>
-              </a:rPr>
-              <a:t>Peter</a:t>
-            </a:r>
-          </a:p>
-          <a:p>
-            <a:r>
-              <a:rPr lang="de-DE" sz="3200" dirty="0">
-                <a:latin typeface="Arial" panose="020B0604020202020204" pitchFamily="34" charset="0"/>
-                <a:cs typeface="Arial" panose="020B0604020202020204" pitchFamily="34" charset="0"/>
-              </a:rPr>
-              <a:t>Andrea</a:t>
-            </a:r>
-          </a:p>
-          <a:p>
-            <a:r>
-              <a:rPr lang="de-DE" sz="3200" dirty="0">
-                <a:latin typeface="Arial" panose="020B0604020202020204" pitchFamily="34" charset="0"/>
-                <a:cs typeface="Arial" panose="020B0604020202020204" pitchFamily="34" charset="0"/>
-              </a:rPr>
-              <a:t>Sebastian</a:t>
+              <a:t>, Sebastian</a:t>
             </a:r>
           </a:p>
         </p:txBody>
       </p:sp>
-      <p:pic>
-        <p:nvPicPr>
-          <p:cNvPr id="1034" name="Picture 10"/>
-          <p:cNvPicPr>
-            <a:picLocks noChangeAspect="1" noChangeArrowheads="1"/>
-          </p:cNvPicPr>
-          <p:nvPr/>
-        </p:nvPicPr>
-        <p:blipFill>
-          <a:blip r:embed="rId4">
-            <a:extLst>
-              <a:ext uri="{28A0092B-C50C-407E-A947-70E740481C1C}">
-                <a14:useLocalDpi xmlns:a14="http://schemas.microsoft.com/office/drawing/2010/main" val="0"/>
-              </a:ext>
-            </a:extLst>
-          </a:blip>
-          <a:srcRect/>
-          <a:stretch>
-            <a:fillRect/>
-          </a:stretch>
-        </p:blipFill>
-        <p:spPr bwMode="auto">
-          <a:xfrm>
-            <a:off x="14556396" y="24956284"/>
-            <a:ext cx="4572000" cy="3429001"/>
-          </a:xfrm>
-          <a:prstGeom prst="rect">
-            <a:avLst/>
-          </a:prstGeom>
-          <a:noFill/>
-          <a:ln w="9525">
-            <a:solidFill>
-              <a:schemeClr val="tx1"/>
-            </a:solidFill>
-            <a:miter lim="800000"/>
-            <a:headEnd/>
-            <a:tailEnd/>
-          </a:ln>
-          <a:effectLst/>
-          <a:extLst>
-            <a:ext uri="{909E8E84-426E-40DD-AFC4-6F175D3DCCD1}">
-              <a14:hiddenFill xmlns:a14="http://schemas.microsoft.com/office/drawing/2010/main">
-                <a:solidFill>
-                  <a:schemeClr val="accent1"/>
-                </a:solidFill>
-              </a14:hiddenFill>
-            </a:ext>
-            <a:ext uri="{AF507438-7753-43E0-B8FC-AC1667EBCBE1}">
-              <a14:hiddenEffects xmlns:a14="http://schemas.microsoft.com/office/drawing/2010/main">
-                <a:effectLst>
-                  <a:outerShdw dist="35921" dir="2700000" algn="ctr" rotWithShape="0">
-                    <a:schemeClr val="bg2"/>
-                  </a:outerShdw>
-                </a:effectLst>
-              </a14:hiddenEffects>
-            </a:ext>
-          </a:extLst>
-        </p:spPr>
-      </p:pic>
       <p:sp>
         <p:nvSpPr>
           <p:cNvPr id="5" name="Rechteck 4"/>
@@ -7879,7 +7787,7 @@
         </p:nvSpPr>
         <p:spPr>
           <a:xfrm>
-            <a:off x="215178" y="19354583"/>
+            <a:off x="470465" y="18080498"/>
             <a:ext cx="4402167" cy="984885"/>
           </a:xfrm>
           <a:prstGeom prst="rect">
@@ -7917,7 +7825,7 @@
         </p:nvSpPr>
         <p:spPr>
           <a:xfrm>
-            <a:off x="7324860" y="19305719"/>
+            <a:off x="7460878" y="18077411"/>
             <a:ext cx="3905236" cy="984885"/>
           </a:xfrm>
           <a:prstGeom prst="rect">
@@ -7955,7 +7863,7 @@
         </p:nvSpPr>
         <p:spPr>
           <a:xfrm>
-            <a:off x="14429479" y="19337795"/>
+            <a:off x="14414066" y="18080498"/>
             <a:ext cx="4318811" cy="984885"/>
           </a:xfrm>
           <a:prstGeom prst="rect">
@@ -7993,8 +7901,8 @@
         </p:nvSpPr>
         <p:spPr>
           <a:xfrm>
-            <a:off x="12089818" y="20515391"/>
-            <a:ext cx="2045694" cy="4524315"/>
+            <a:off x="7466663" y="24408191"/>
+            <a:ext cx="6466671" cy="369332"/>
           </a:xfrm>
           <a:prstGeom prst="rect">
             <a:avLst/>
@@ -8007,16 +7915,6 @@
           <a:lstStyle/>
           <a:p>
             <a:r>
-              <a:rPr lang="de-DE" sz="1800" dirty="0" err="1">
-                <a:solidFill>
-                  <a:prstClr val="black"/>
-                </a:solidFill>
-                <a:latin typeface="Arial" panose="020B0604020202020204" pitchFamily="34" charset="0"/>
-                <a:cs typeface="Arial" panose="020B0604020202020204" pitchFamily="34" charset="0"/>
-              </a:rPr>
-              <a:t>Lorem</a:t>
-            </a:r>
-            <a:r>
               <a:rPr lang="de-DE" sz="1800" dirty="0">
                 <a:solidFill>
                   <a:prstClr val="black"/>
@@ -8024,607 +7922,7 @@
                 <a:latin typeface="Arial" panose="020B0604020202020204" pitchFamily="34" charset="0"/>
                 <a:cs typeface="Arial" panose="020B0604020202020204" pitchFamily="34" charset="0"/>
               </a:rPr>
-              <a:t> </a:t>
-            </a:r>
-            <a:r>
-              <a:rPr lang="de-DE" sz="1800" dirty="0" err="1">
-                <a:solidFill>
-                  <a:prstClr val="black"/>
-                </a:solidFill>
-                <a:latin typeface="Arial" panose="020B0604020202020204" pitchFamily="34" charset="0"/>
-                <a:cs typeface="Arial" panose="020B0604020202020204" pitchFamily="34" charset="0"/>
-              </a:rPr>
-              <a:t>ipsum</a:t>
-            </a:r>
-            <a:r>
-              <a:rPr lang="de-DE" sz="1800" dirty="0">
-                <a:solidFill>
-                  <a:prstClr val="black"/>
-                </a:solidFill>
-                <a:latin typeface="Arial" panose="020B0604020202020204" pitchFamily="34" charset="0"/>
-                <a:cs typeface="Arial" panose="020B0604020202020204" pitchFamily="34" charset="0"/>
-              </a:rPr>
-              <a:t> </a:t>
-            </a:r>
-            <a:r>
-              <a:rPr lang="de-DE" sz="1800" dirty="0" err="1">
-                <a:solidFill>
-                  <a:prstClr val="black"/>
-                </a:solidFill>
-                <a:latin typeface="Arial" panose="020B0604020202020204" pitchFamily="34" charset="0"/>
-                <a:cs typeface="Arial" panose="020B0604020202020204" pitchFamily="34" charset="0"/>
-              </a:rPr>
-              <a:t>dolor</a:t>
-            </a:r>
-            <a:r>
-              <a:rPr lang="de-DE" sz="1800" dirty="0">
-                <a:solidFill>
-                  <a:prstClr val="black"/>
-                </a:solidFill>
-                <a:latin typeface="Arial" panose="020B0604020202020204" pitchFamily="34" charset="0"/>
-                <a:cs typeface="Arial" panose="020B0604020202020204" pitchFamily="34" charset="0"/>
-              </a:rPr>
-              <a:t> </a:t>
-            </a:r>
-            <a:r>
-              <a:rPr lang="de-DE" sz="1800" dirty="0" err="1">
-                <a:solidFill>
-                  <a:prstClr val="black"/>
-                </a:solidFill>
-                <a:latin typeface="Arial" panose="020B0604020202020204" pitchFamily="34" charset="0"/>
-                <a:cs typeface="Arial" panose="020B0604020202020204" pitchFamily="34" charset="0"/>
-              </a:rPr>
-              <a:t>sit</a:t>
-            </a:r>
-            <a:r>
-              <a:rPr lang="de-DE" sz="1800" dirty="0">
-                <a:solidFill>
-                  <a:prstClr val="black"/>
-                </a:solidFill>
-                <a:latin typeface="Arial" panose="020B0604020202020204" pitchFamily="34" charset="0"/>
-                <a:cs typeface="Arial" panose="020B0604020202020204" pitchFamily="34" charset="0"/>
-              </a:rPr>
-              <a:t> </a:t>
-            </a:r>
-            <a:r>
-              <a:rPr lang="de-DE" sz="1800" dirty="0" err="1">
-                <a:solidFill>
-                  <a:prstClr val="black"/>
-                </a:solidFill>
-                <a:latin typeface="Arial" panose="020B0604020202020204" pitchFamily="34" charset="0"/>
-                <a:cs typeface="Arial" panose="020B0604020202020204" pitchFamily="34" charset="0"/>
-              </a:rPr>
-              <a:t>amet</a:t>
-            </a:r>
-            <a:r>
-              <a:rPr lang="de-DE" sz="1800" dirty="0">
-                <a:solidFill>
-                  <a:prstClr val="black"/>
-                </a:solidFill>
-                <a:latin typeface="Arial" panose="020B0604020202020204" pitchFamily="34" charset="0"/>
-                <a:cs typeface="Arial" panose="020B0604020202020204" pitchFamily="34" charset="0"/>
-              </a:rPr>
-              <a:t>, </a:t>
-            </a:r>
-            <a:r>
-              <a:rPr lang="de-DE" sz="1800" dirty="0" err="1">
-                <a:solidFill>
-                  <a:prstClr val="black"/>
-                </a:solidFill>
-                <a:latin typeface="Arial" panose="020B0604020202020204" pitchFamily="34" charset="0"/>
-                <a:cs typeface="Arial" panose="020B0604020202020204" pitchFamily="34" charset="0"/>
-              </a:rPr>
-              <a:t>consectetur</a:t>
-            </a:r>
-            <a:r>
-              <a:rPr lang="de-DE" sz="1800" dirty="0">
-                <a:solidFill>
-                  <a:prstClr val="black"/>
-                </a:solidFill>
-                <a:latin typeface="Arial" panose="020B0604020202020204" pitchFamily="34" charset="0"/>
-                <a:cs typeface="Arial" panose="020B0604020202020204" pitchFamily="34" charset="0"/>
-              </a:rPr>
-              <a:t> </a:t>
-            </a:r>
-            <a:r>
-              <a:rPr lang="de-DE" sz="1800" dirty="0" err="1">
-                <a:solidFill>
-                  <a:prstClr val="black"/>
-                </a:solidFill>
-                <a:latin typeface="Arial" panose="020B0604020202020204" pitchFamily="34" charset="0"/>
-                <a:cs typeface="Arial" panose="020B0604020202020204" pitchFamily="34" charset="0"/>
-              </a:rPr>
-              <a:t>adipiscing</a:t>
-            </a:r>
-            <a:r>
-              <a:rPr lang="de-DE" sz="1800" dirty="0">
-                <a:solidFill>
-                  <a:prstClr val="black"/>
-                </a:solidFill>
-                <a:latin typeface="Arial" panose="020B0604020202020204" pitchFamily="34" charset="0"/>
-                <a:cs typeface="Arial" panose="020B0604020202020204" pitchFamily="34" charset="0"/>
-              </a:rPr>
-              <a:t> </a:t>
-            </a:r>
-            <a:r>
-              <a:rPr lang="de-DE" sz="1800" dirty="0" err="1">
-                <a:solidFill>
-                  <a:prstClr val="black"/>
-                </a:solidFill>
-                <a:latin typeface="Arial" panose="020B0604020202020204" pitchFamily="34" charset="0"/>
-                <a:cs typeface="Arial" panose="020B0604020202020204" pitchFamily="34" charset="0"/>
-              </a:rPr>
-              <a:t>elit</a:t>
-            </a:r>
-            <a:r>
-              <a:rPr lang="de-DE" sz="1800" dirty="0">
-                <a:solidFill>
-                  <a:prstClr val="black"/>
-                </a:solidFill>
-                <a:latin typeface="Arial" panose="020B0604020202020204" pitchFamily="34" charset="0"/>
-                <a:cs typeface="Arial" panose="020B0604020202020204" pitchFamily="34" charset="0"/>
-              </a:rPr>
-              <a:t>. Nam </a:t>
-            </a:r>
-            <a:r>
-              <a:rPr lang="de-DE" sz="1800" dirty="0" err="1">
-                <a:solidFill>
-                  <a:prstClr val="black"/>
-                </a:solidFill>
-                <a:latin typeface="Arial" panose="020B0604020202020204" pitchFamily="34" charset="0"/>
-                <a:cs typeface="Arial" panose="020B0604020202020204" pitchFamily="34" charset="0"/>
-              </a:rPr>
-              <a:t>sodales</a:t>
-            </a:r>
-            <a:r>
-              <a:rPr lang="de-DE" sz="1800" dirty="0">
-                <a:solidFill>
-                  <a:prstClr val="black"/>
-                </a:solidFill>
-                <a:latin typeface="Arial" panose="020B0604020202020204" pitchFamily="34" charset="0"/>
-                <a:cs typeface="Arial" panose="020B0604020202020204" pitchFamily="34" charset="0"/>
-              </a:rPr>
-              <a:t> </a:t>
-            </a:r>
-            <a:r>
-              <a:rPr lang="de-DE" sz="1800" dirty="0" err="1">
-                <a:solidFill>
-                  <a:prstClr val="black"/>
-                </a:solidFill>
-                <a:latin typeface="Arial" panose="020B0604020202020204" pitchFamily="34" charset="0"/>
-                <a:cs typeface="Arial" panose="020B0604020202020204" pitchFamily="34" charset="0"/>
-              </a:rPr>
-              <a:t>dignissim</a:t>
-            </a:r>
-            <a:r>
-              <a:rPr lang="de-DE" sz="1800" dirty="0">
-                <a:solidFill>
-                  <a:prstClr val="black"/>
-                </a:solidFill>
-                <a:latin typeface="Arial" panose="020B0604020202020204" pitchFamily="34" charset="0"/>
-                <a:cs typeface="Arial" panose="020B0604020202020204" pitchFamily="34" charset="0"/>
-              </a:rPr>
-              <a:t> </a:t>
-            </a:r>
-            <a:r>
-              <a:rPr lang="de-DE" sz="1800" dirty="0" err="1">
-                <a:solidFill>
-                  <a:prstClr val="black"/>
-                </a:solidFill>
-                <a:latin typeface="Arial" panose="020B0604020202020204" pitchFamily="34" charset="0"/>
-                <a:cs typeface="Arial" panose="020B0604020202020204" pitchFamily="34" charset="0"/>
-              </a:rPr>
-              <a:t>eros</a:t>
-            </a:r>
-            <a:r>
-              <a:rPr lang="de-DE" sz="1800" dirty="0">
-                <a:solidFill>
-                  <a:prstClr val="black"/>
-                </a:solidFill>
-                <a:latin typeface="Arial" panose="020B0604020202020204" pitchFamily="34" charset="0"/>
-                <a:cs typeface="Arial" panose="020B0604020202020204" pitchFamily="34" charset="0"/>
-              </a:rPr>
-              <a:t>, </a:t>
-            </a:r>
-            <a:r>
-              <a:rPr lang="de-DE" sz="1800" dirty="0" err="1">
-                <a:solidFill>
-                  <a:prstClr val="black"/>
-                </a:solidFill>
-                <a:latin typeface="Arial" panose="020B0604020202020204" pitchFamily="34" charset="0"/>
-                <a:cs typeface="Arial" panose="020B0604020202020204" pitchFamily="34" charset="0"/>
-              </a:rPr>
-              <a:t>rutrum</a:t>
-            </a:r>
-            <a:r>
-              <a:rPr lang="de-DE" sz="1800" dirty="0">
-                <a:solidFill>
-                  <a:prstClr val="black"/>
-                </a:solidFill>
-                <a:latin typeface="Arial" panose="020B0604020202020204" pitchFamily="34" charset="0"/>
-                <a:cs typeface="Arial" panose="020B0604020202020204" pitchFamily="34" charset="0"/>
-              </a:rPr>
-              <a:t> </a:t>
-            </a:r>
-            <a:r>
-              <a:rPr lang="de-DE" sz="1800" dirty="0" err="1">
-                <a:solidFill>
-                  <a:prstClr val="black"/>
-                </a:solidFill>
-                <a:latin typeface="Arial" panose="020B0604020202020204" pitchFamily="34" charset="0"/>
-                <a:cs typeface="Arial" panose="020B0604020202020204" pitchFamily="34" charset="0"/>
-              </a:rPr>
-              <a:t>gravida</a:t>
-            </a:r>
-            <a:r>
-              <a:rPr lang="de-DE" sz="1800" dirty="0">
-                <a:solidFill>
-                  <a:prstClr val="black"/>
-                </a:solidFill>
-                <a:latin typeface="Arial" panose="020B0604020202020204" pitchFamily="34" charset="0"/>
-                <a:cs typeface="Arial" panose="020B0604020202020204" pitchFamily="34" charset="0"/>
-              </a:rPr>
-              <a:t> </a:t>
-            </a:r>
-            <a:r>
-              <a:rPr lang="de-DE" sz="1800" dirty="0" err="1">
-                <a:solidFill>
-                  <a:prstClr val="black"/>
-                </a:solidFill>
-                <a:latin typeface="Arial" panose="020B0604020202020204" pitchFamily="34" charset="0"/>
-                <a:cs typeface="Arial" panose="020B0604020202020204" pitchFamily="34" charset="0"/>
-              </a:rPr>
-              <a:t>ipsum</a:t>
-            </a:r>
-            <a:r>
-              <a:rPr lang="de-DE" sz="1800" dirty="0">
-                <a:solidFill>
-                  <a:prstClr val="black"/>
-                </a:solidFill>
-                <a:latin typeface="Arial" panose="020B0604020202020204" pitchFamily="34" charset="0"/>
-                <a:cs typeface="Arial" panose="020B0604020202020204" pitchFamily="34" charset="0"/>
-              </a:rPr>
-              <a:t> </a:t>
-            </a:r>
-            <a:r>
-              <a:rPr lang="de-DE" sz="1800" dirty="0" err="1">
-                <a:solidFill>
-                  <a:prstClr val="black"/>
-                </a:solidFill>
-                <a:latin typeface="Arial" panose="020B0604020202020204" pitchFamily="34" charset="0"/>
-                <a:cs typeface="Arial" panose="020B0604020202020204" pitchFamily="34" charset="0"/>
-              </a:rPr>
-              <a:t>blandit</a:t>
-            </a:r>
-            <a:r>
-              <a:rPr lang="de-DE" sz="1800" dirty="0">
-                <a:solidFill>
-                  <a:prstClr val="black"/>
-                </a:solidFill>
-                <a:latin typeface="Arial" panose="020B0604020202020204" pitchFamily="34" charset="0"/>
-                <a:cs typeface="Arial" panose="020B0604020202020204" pitchFamily="34" charset="0"/>
-              </a:rPr>
-              <a:t> </a:t>
-            </a:r>
-            <a:r>
-              <a:rPr lang="de-DE" sz="1800" dirty="0" err="1">
-                <a:solidFill>
-                  <a:prstClr val="black"/>
-                </a:solidFill>
-                <a:latin typeface="Arial" panose="020B0604020202020204" pitchFamily="34" charset="0"/>
-                <a:cs typeface="Arial" panose="020B0604020202020204" pitchFamily="34" charset="0"/>
-              </a:rPr>
-              <a:t>vitae</a:t>
-            </a:r>
-            <a:r>
-              <a:rPr lang="de-DE" sz="1800" dirty="0">
-                <a:solidFill>
-                  <a:prstClr val="black"/>
-                </a:solidFill>
-                <a:latin typeface="Arial" panose="020B0604020202020204" pitchFamily="34" charset="0"/>
-                <a:cs typeface="Arial" panose="020B0604020202020204" pitchFamily="34" charset="0"/>
-              </a:rPr>
-              <a:t>. </a:t>
-            </a:r>
-            <a:r>
-              <a:rPr lang="de-DE" sz="1800" dirty="0" err="1">
-                <a:solidFill>
-                  <a:prstClr val="black"/>
-                </a:solidFill>
-                <a:latin typeface="Arial" panose="020B0604020202020204" pitchFamily="34" charset="0"/>
-                <a:cs typeface="Arial" panose="020B0604020202020204" pitchFamily="34" charset="0"/>
-              </a:rPr>
-              <a:t>Quisque</a:t>
-            </a:r>
-            <a:r>
-              <a:rPr lang="de-DE" sz="1800" dirty="0">
-                <a:solidFill>
-                  <a:prstClr val="black"/>
-                </a:solidFill>
-                <a:latin typeface="Arial" panose="020B0604020202020204" pitchFamily="34" charset="0"/>
-                <a:cs typeface="Arial" panose="020B0604020202020204" pitchFamily="34" charset="0"/>
-              </a:rPr>
-              <a:t> </a:t>
-            </a:r>
-            <a:r>
-              <a:rPr lang="de-DE" sz="1800" dirty="0" err="1">
-                <a:solidFill>
-                  <a:prstClr val="black"/>
-                </a:solidFill>
-                <a:latin typeface="Arial" panose="020B0604020202020204" pitchFamily="34" charset="0"/>
-                <a:cs typeface="Arial" panose="020B0604020202020204" pitchFamily="34" charset="0"/>
-              </a:rPr>
-              <a:t>adipiscing</a:t>
-            </a:r>
-            <a:r>
-              <a:rPr lang="de-DE" sz="1800" dirty="0">
-                <a:solidFill>
-                  <a:prstClr val="black"/>
-                </a:solidFill>
-                <a:latin typeface="Arial" panose="020B0604020202020204" pitchFamily="34" charset="0"/>
-                <a:cs typeface="Arial" panose="020B0604020202020204" pitchFamily="34" charset="0"/>
-              </a:rPr>
-              <a:t>, </a:t>
-            </a:r>
-            <a:r>
-              <a:rPr lang="de-DE" sz="1800" dirty="0" err="1">
-                <a:solidFill>
-                  <a:prstClr val="black"/>
-                </a:solidFill>
-                <a:latin typeface="Arial" panose="020B0604020202020204" pitchFamily="34" charset="0"/>
-                <a:cs typeface="Arial" panose="020B0604020202020204" pitchFamily="34" charset="0"/>
-              </a:rPr>
-              <a:t>dui</a:t>
-            </a:r>
-            <a:r>
-              <a:rPr lang="de-DE" sz="1800" dirty="0">
-                <a:solidFill>
-                  <a:prstClr val="black"/>
-                </a:solidFill>
-                <a:latin typeface="Arial" panose="020B0604020202020204" pitchFamily="34" charset="0"/>
-                <a:cs typeface="Arial" panose="020B0604020202020204" pitchFamily="34" charset="0"/>
-              </a:rPr>
-              <a:t> </a:t>
-            </a:r>
-            <a:r>
-              <a:rPr lang="de-DE" sz="1800" dirty="0" err="1">
-                <a:solidFill>
-                  <a:prstClr val="black"/>
-                </a:solidFill>
-                <a:latin typeface="Arial" panose="020B0604020202020204" pitchFamily="34" charset="0"/>
-                <a:cs typeface="Arial" panose="020B0604020202020204" pitchFamily="34" charset="0"/>
-              </a:rPr>
-              <a:t>quis</a:t>
-            </a:r>
-            <a:r>
-              <a:rPr lang="de-DE" sz="1800" dirty="0">
-                <a:solidFill>
-                  <a:prstClr val="black"/>
-                </a:solidFill>
-                <a:latin typeface="Arial" panose="020B0604020202020204" pitchFamily="34" charset="0"/>
-                <a:cs typeface="Arial" panose="020B0604020202020204" pitchFamily="34" charset="0"/>
-              </a:rPr>
-              <a:t> </a:t>
-            </a:r>
-            <a:r>
-              <a:rPr lang="de-DE" sz="1800" dirty="0" err="1">
-                <a:solidFill>
-                  <a:prstClr val="black"/>
-                </a:solidFill>
-                <a:latin typeface="Arial" panose="020B0604020202020204" pitchFamily="34" charset="0"/>
-                <a:cs typeface="Arial" panose="020B0604020202020204" pitchFamily="34" charset="0"/>
-              </a:rPr>
-              <a:t>fermentum</a:t>
-            </a:r>
-            <a:r>
-              <a:rPr lang="de-DE" sz="1800" dirty="0">
-                <a:solidFill>
-                  <a:prstClr val="black"/>
-                </a:solidFill>
-                <a:latin typeface="Arial" panose="020B0604020202020204" pitchFamily="34" charset="0"/>
-                <a:cs typeface="Arial" panose="020B0604020202020204" pitchFamily="34" charset="0"/>
-              </a:rPr>
-              <a:t> </a:t>
-            </a:r>
-            <a:r>
-              <a:rPr lang="de-DE" sz="1800" dirty="0" err="1">
-                <a:solidFill>
-                  <a:prstClr val="black"/>
-                </a:solidFill>
-                <a:latin typeface="Arial" panose="020B0604020202020204" pitchFamily="34" charset="0"/>
-                <a:cs typeface="Arial" panose="020B0604020202020204" pitchFamily="34" charset="0"/>
-              </a:rPr>
-              <a:t>ultricies</a:t>
-            </a:r>
-            <a:r>
-              <a:rPr lang="de-DE" sz="1800" dirty="0">
-                <a:solidFill>
-                  <a:prstClr val="black"/>
-                </a:solidFill>
-                <a:latin typeface="Arial" panose="020B0604020202020204" pitchFamily="34" charset="0"/>
-                <a:cs typeface="Arial" panose="020B0604020202020204" pitchFamily="34" charset="0"/>
-              </a:rPr>
-              <a:t>, </a:t>
-            </a:r>
-            <a:r>
-              <a:rPr lang="de-DE" sz="1800" dirty="0" err="1">
-                <a:solidFill>
-                  <a:prstClr val="black"/>
-                </a:solidFill>
-                <a:latin typeface="Arial" panose="020B0604020202020204" pitchFamily="34" charset="0"/>
-                <a:cs typeface="Arial" panose="020B0604020202020204" pitchFamily="34" charset="0"/>
-              </a:rPr>
-              <a:t>dolor</a:t>
-            </a:r>
-            <a:r>
-              <a:rPr lang="de-DE" sz="1800" dirty="0">
-                <a:solidFill>
-                  <a:prstClr val="black"/>
-                </a:solidFill>
-                <a:latin typeface="Arial" panose="020B0604020202020204" pitchFamily="34" charset="0"/>
-                <a:cs typeface="Arial" panose="020B0604020202020204" pitchFamily="34" charset="0"/>
-              </a:rPr>
-              <a:t> ante </a:t>
-            </a:r>
-            <a:r>
-              <a:rPr lang="de-DE" sz="1800" dirty="0" err="1">
-                <a:solidFill>
-                  <a:prstClr val="black"/>
-                </a:solidFill>
-                <a:latin typeface="Arial" panose="020B0604020202020204" pitchFamily="34" charset="0"/>
-                <a:cs typeface="Arial" panose="020B0604020202020204" pitchFamily="34" charset="0"/>
-              </a:rPr>
-              <a:t>convallis</a:t>
-            </a:r>
-            <a:r>
-              <a:rPr lang="de-DE" sz="1800" dirty="0">
-                <a:solidFill>
-                  <a:prstClr val="black"/>
-                </a:solidFill>
-                <a:latin typeface="Arial" panose="020B0604020202020204" pitchFamily="34" charset="0"/>
-                <a:cs typeface="Arial" panose="020B0604020202020204" pitchFamily="34" charset="0"/>
-              </a:rPr>
-              <a:t> </a:t>
-            </a:r>
-            <a:r>
-              <a:rPr lang="de-DE" sz="1800" dirty="0" err="1">
-                <a:solidFill>
-                  <a:prstClr val="black"/>
-                </a:solidFill>
-                <a:latin typeface="Arial" panose="020B0604020202020204" pitchFamily="34" charset="0"/>
-                <a:cs typeface="Arial" panose="020B0604020202020204" pitchFamily="34" charset="0"/>
-              </a:rPr>
-              <a:t>eros</a:t>
-            </a:r>
-            <a:r>
-              <a:rPr lang="de-DE" sz="1800" dirty="0">
-                <a:solidFill>
-                  <a:prstClr val="black"/>
-                </a:solidFill>
-                <a:latin typeface="Arial" panose="020B0604020202020204" pitchFamily="34" charset="0"/>
-                <a:cs typeface="Arial" panose="020B0604020202020204" pitchFamily="34" charset="0"/>
-              </a:rPr>
-              <a:t>, </a:t>
-            </a:r>
-            <a:r>
-              <a:rPr lang="de-DE" sz="1800" dirty="0" err="1">
-                <a:solidFill>
-                  <a:prstClr val="black"/>
-                </a:solidFill>
-                <a:latin typeface="Arial" panose="020B0604020202020204" pitchFamily="34" charset="0"/>
-                <a:cs typeface="Arial" panose="020B0604020202020204" pitchFamily="34" charset="0"/>
-              </a:rPr>
-              <a:t>at</a:t>
-            </a:r>
-            <a:r>
-              <a:rPr lang="de-DE" sz="1800" dirty="0">
-                <a:solidFill>
-                  <a:prstClr val="black"/>
-                </a:solidFill>
-                <a:latin typeface="Arial" panose="020B0604020202020204" pitchFamily="34" charset="0"/>
-                <a:cs typeface="Arial" panose="020B0604020202020204" pitchFamily="34" charset="0"/>
-              </a:rPr>
-              <a:t> </a:t>
-            </a:r>
-            <a:r>
-              <a:rPr lang="de-DE" sz="1800" dirty="0" err="1">
-                <a:solidFill>
-                  <a:prstClr val="black"/>
-                </a:solidFill>
-                <a:latin typeface="Arial" panose="020B0604020202020204" pitchFamily="34" charset="0"/>
-                <a:cs typeface="Arial" panose="020B0604020202020204" pitchFamily="34" charset="0"/>
-              </a:rPr>
-              <a:t>tincidunt</a:t>
-            </a:r>
-            <a:r>
-              <a:rPr lang="de-DE" sz="1800" dirty="0">
-                <a:solidFill>
-                  <a:prstClr val="black"/>
-                </a:solidFill>
-                <a:latin typeface="Arial" panose="020B0604020202020204" pitchFamily="34" charset="0"/>
-                <a:cs typeface="Arial" panose="020B0604020202020204" pitchFamily="34" charset="0"/>
-              </a:rPr>
-              <a:t> </a:t>
-            </a:r>
-            <a:r>
-              <a:rPr lang="de-DE" sz="1800" dirty="0" err="1">
-                <a:solidFill>
-                  <a:prstClr val="black"/>
-                </a:solidFill>
-                <a:latin typeface="Arial" panose="020B0604020202020204" pitchFamily="34" charset="0"/>
-                <a:cs typeface="Arial" panose="020B0604020202020204" pitchFamily="34" charset="0"/>
-              </a:rPr>
-              <a:t>augue</a:t>
-            </a:r>
-            <a:r>
-              <a:rPr lang="de-DE" sz="1800" dirty="0">
-                <a:solidFill>
-                  <a:prstClr val="black"/>
-                </a:solidFill>
-                <a:latin typeface="Arial" panose="020B0604020202020204" pitchFamily="34" charset="0"/>
-                <a:cs typeface="Arial" panose="020B0604020202020204" pitchFamily="34" charset="0"/>
-              </a:rPr>
-              <a:t> </a:t>
-            </a:r>
-            <a:r>
-              <a:rPr lang="de-DE" sz="1800" dirty="0" err="1">
-                <a:solidFill>
-                  <a:prstClr val="black"/>
-                </a:solidFill>
-                <a:latin typeface="Arial" panose="020B0604020202020204" pitchFamily="34" charset="0"/>
-                <a:cs typeface="Arial" panose="020B0604020202020204" pitchFamily="34" charset="0"/>
-              </a:rPr>
-              <a:t>massa</a:t>
-            </a:r>
-            <a:r>
-              <a:rPr lang="de-DE" sz="1800" dirty="0">
-                <a:solidFill>
-                  <a:prstClr val="black"/>
-                </a:solidFill>
-                <a:latin typeface="Arial" panose="020B0604020202020204" pitchFamily="34" charset="0"/>
-                <a:cs typeface="Arial" panose="020B0604020202020204" pitchFamily="34" charset="0"/>
-              </a:rPr>
-              <a:t> </a:t>
-            </a:r>
-            <a:r>
-              <a:rPr lang="de-DE" sz="1800" dirty="0" err="1">
-                <a:solidFill>
-                  <a:prstClr val="black"/>
-                </a:solidFill>
-                <a:latin typeface="Arial" panose="020B0604020202020204" pitchFamily="34" charset="0"/>
-                <a:cs typeface="Arial" panose="020B0604020202020204" pitchFamily="34" charset="0"/>
-              </a:rPr>
-              <a:t>id</a:t>
-            </a:r>
-            <a:r>
-              <a:rPr lang="de-DE" sz="1800" dirty="0">
-                <a:solidFill>
-                  <a:prstClr val="black"/>
-                </a:solidFill>
-                <a:latin typeface="Arial" panose="020B0604020202020204" pitchFamily="34" charset="0"/>
-                <a:cs typeface="Arial" panose="020B0604020202020204" pitchFamily="34" charset="0"/>
-              </a:rPr>
-              <a:t> </a:t>
-            </a:r>
-            <a:r>
-              <a:rPr lang="de-DE" sz="1800" dirty="0" err="1">
-                <a:solidFill>
-                  <a:prstClr val="black"/>
-                </a:solidFill>
-                <a:latin typeface="Arial" panose="020B0604020202020204" pitchFamily="34" charset="0"/>
-                <a:cs typeface="Arial" panose="020B0604020202020204" pitchFamily="34" charset="0"/>
-              </a:rPr>
-              <a:t>dolor</a:t>
-            </a:r>
-            <a:r>
-              <a:rPr lang="de-DE" sz="1800" dirty="0">
-                <a:solidFill>
-                  <a:prstClr val="black"/>
-                </a:solidFill>
-                <a:latin typeface="Arial" panose="020B0604020202020204" pitchFamily="34" charset="0"/>
-                <a:cs typeface="Arial" panose="020B0604020202020204" pitchFamily="34" charset="0"/>
-              </a:rPr>
-              <a:t>. </a:t>
+              <a:t>Architekturkonzept.</a:t>
             </a:r>
             <a:endParaRPr lang="de-DE" sz="1800" dirty="0">
               <a:latin typeface="Arial" panose="020B0604020202020204" pitchFamily="34" charset="0"/>
@@ -8641,8 +7939,8 @@
         </p:nvSpPr>
         <p:spPr>
           <a:xfrm>
-            <a:off x="12084461" y="24956284"/>
-            <a:ext cx="2045694" cy="3416320"/>
+            <a:off x="7374790" y="28512434"/>
+            <a:ext cx="6668433" cy="369332"/>
           </a:xfrm>
           <a:prstGeom prst="rect">
             <a:avLst/>
@@ -8662,307 +7960,7 @@
                 <a:latin typeface="Arial" panose="020B0604020202020204" pitchFamily="34" charset="0"/>
                 <a:cs typeface="Arial" panose="020B0604020202020204" pitchFamily="34" charset="0"/>
               </a:rPr>
-              <a:t>Lorem</a:t>
-            </a:r>
-            <a:r>
-              <a:rPr lang="de-DE" sz="1800" dirty="0">
-                <a:solidFill>
-                  <a:prstClr val="black"/>
-                </a:solidFill>
-                <a:latin typeface="Arial" panose="020B0604020202020204" pitchFamily="34" charset="0"/>
-                <a:cs typeface="Arial" panose="020B0604020202020204" pitchFamily="34" charset="0"/>
-              </a:rPr>
-              <a:t> </a:t>
-            </a:r>
-            <a:r>
-              <a:rPr lang="de-DE" sz="1800" dirty="0" err="1">
-                <a:solidFill>
-                  <a:prstClr val="black"/>
-                </a:solidFill>
-                <a:latin typeface="Arial" panose="020B0604020202020204" pitchFamily="34" charset="0"/>
-                <a:cs typeface="Arial" panose="020B0604020202020204" pitchFamily="34" charset="0"/>
-              </a:rPr>
-              <a:t>psum</a:t>
-            </a:r>
-            <a:r>
-              <a:rPr lang="de-DE" sz="1800" dirty="0">
-                <a:solidFill>
-                  <a:prstClr val="black"/>
-                </a:solidFill>
-                <a:latin typeface="Arial" panose="020B0604020202020204" pitchFamily="34" charset="0"/>
-                <a:cs typeface="Arial" panose="020B0604020202020204" pitchFamily="34" charset="0"/>
-              </a:rPr>
-              <a:t> </a:t>
-            </a:r>
-            <a:r>
-              <a:rPr lang="de-DE" sz="1800" dirty="0" err="1">
-                <a:solidFill>
-                  <a:prstClr val="black"/>
-                </a:solidFill>
-                <a:latin typeface="Arial" panose="020B0604020202020204" pitchFamily="34" charset="0"/>
-                <a:cs typeface="Arial" panose="020B0604020202020204" pitchFamily="34" charset="0"/>
-              </a:rPr>
-              <a:t>dolor</a:t>
-            </a:r>
-            <a:r>
-              <a:rPr lang="de-DE" sz="1800" dirty="0">
-                <a:solidFill>
-                  <a:prstClr val="black"/>
-                </a:solidFill>
-                <a:latin typeface="Arial" panose="020B0604020202020204" pitchFamily="34" charset="0"/>
-                <a:cs typeface="Arial" panose="020B0604020202020204" pitchFamily="34" charset="0"/>
-              </a:rPr>
-              <a:t> </a:t>
-            </a:r>
-            <a:r>
-              <a:rPr lang="de-DE" sz="1800" dirty="0" err="1">
-                <a:solidFill>
-                  <a:prstClr val="black"/>
-                </a:solidFill>
-                <a:latin typeface="Arial" panose="020B0604020202020204" pitchFamily="34" charset="0"/>
-                <a:cs typeface="Arial" panose="020B0604020202020204" pitchFamily="34" charset="0"/>
-              </a:rPr>
-              <a:t>sit</a:t>
-            </a:r>
-            <a:r>
-              <a:rPr lang="de-DE" sz="1800" dirty="0">
-                <a:solidFill>
-                  <a:prstClr val="black"/>
-                </a:solidFill>
-                <a:latin typeface="Arial" panose="020B0604020202020204" pitchFamily="34" charset="0"/>
-                <a:cs typeface="Arial" panose="020B0604020202020204" pitchFamily="34" charset="0"/>
-              </a:rPr>
-              <a:t> </a:t>
-            </a:r>
-            <a:r>
-              <a:rPr lang="de-DE" sz="1800" dirty="0" err="1">
-                <a:solidFill>
-                  <a:prstClr val="black"/>
-                </a:solidFill>
-                <a:latin typeface="Arial" panose="020B0604020202020204" pitchFamily="34" charset="0"/>
-                <a:cs typeface="Arial" panose="020B0604020202020204" pitchFamily="34" charset="0"/>
-              </a:rPr>
-              <a:t>amet</a:t>
-            </a:r>
-            <a:r>
-              <a:rPr lang="de-DE" sz="1800" dirty="0">
-                <a:solidFill>
-                  <a:prstClr val="black"/>
-                </a:solidFill>
-                <a:latin typeface="Arial" panose="020B0604020202020204" pitchFamily="34" charset="0"/>
-                <a:cs typeface="Arial" panose="020B0604020202020204" pitchFamily="34" charset="0"/>
-              </a:rPr>
-              <a:t>, </a:t>
-            </a:r>
-            <a:r>
-              <a:rPr lang="de-DE" sz="1800" dirty="0" err="1">
-                <a:solidFill>
-                  <a:prstClr val="black"/>
-                </a:solidFill>
-                <a:latin typeface="Arial" panose="020B0604020202020204" pitchFamily="34" charset="0"/>
-                <a:cs typeface="Arial" panose="020B0604020202020204" pitchFamily="34" charset="0"/>
-              </a:rPr>
-              <a:t>consectetur</a:t>
-            </a:r>
-            <a:r>
-              <a:rPr lang="de-DE" sz="1800" dirty="0">
-                <a:solidFill>
-                  <a:prstClr val="black"/>
-                </a:solidFill>
-                <a:latin typeface="Arial" panose="020B0604020202020204" pitchFamily="34" charset="0"/>
-                <a:cs typeface="Arial" panose="020B0604020202020204" pitchFamily="34" charset="0"/>
-              </a:rPr>
-              <a:t> </a:t>
-            </a:r>
-            <a:r>
-              <a:rPr lang="de-DE" sz="1800" dirty="0" err="1">
-                <a:solidFill>
-                  <a:prstClr val="black"/>
-                </a:solidFill>
-                <a:latin typeface="Arial" panose="020B0604020202020204" pitchFamily="34" charset="0"/>
-                <a:cs typeface="Arial" panose="020B0604020202020204" pitchFamily="34" charset="0"/>
-              </a:rPr>
-              <a:t>adipiscing</a:t>
-            </a:r>
-            <a:r>
-              <a:rPr lang="de-DE" sz="1800" dirty="0">
-                <a:solidFill>
-                  <a:prstClr val="black"/>
-                </a:solidFill>
-                <a:latin typeface="Arial" panose="020B0604020202020204" pitchFamily="34" charset="0"/>
-                <a:cs typeface="Arial" panose="020B0604020202020204" pitchFamily="34" charset="0"/>
-              </a:rPr>
-              <a:t> </a:t>
-            </a:r>
-            <a:r>
-              <a:rPr lang="de-DE" sz="1800" dirty="0" err="1">
-                <a:solidFill>
-                  <a:prstClr val="black"/>
-                </a:solidFill>
-                <a:latin typeface="Arial" panose="020B0604020202020204" pitchFamily="34" charset="0"/>
-                <a:cs typeface="Arial" panose="020B0604020202020204" pitchFamily="34" charset="0"/>
-              </a:rPr>
-              <a:t>elit</a:t>
-            </a:r>
-            <a:r>
-              <a:rPr lang="de-DE" sz="1800" dirty="0">
-                <a:solidFill>
-                  <a:prstClr val="black"/>
-                </a:solidFill>
-                <a:latin typeface="Arial" panose="020B0604020202020204" pitchFamily="34" charset="0"/>
-                <a:cs typeface="Arial" panose="020B0604020202020204" pitchFamily="34" charset="0"/>
-              </a:rPr>
-              <a:t>. Nam </a:t>
-            </a:r>
-            <a:r>
-              <a:rPr lang="de-DE" sz="1800" dirty="0" err="1">
-                <a:solidFill>
-                  <a:prstClr val="black"/>
-                </a:solidFill>
-                <a:latin typeface="Arial" panose="020B0604020202020204" pitchFamily="34" charset="0"/>
-                <a:cs typeface="Arial" panose="020B0604020202020204" pitchFamily="34" charset="0"/>
-              </a:rPr>
-              <a:t>sodales</a:t>
-            </a:r>
-            <a:r>
-              <a:rPr lang="de-DE" sz="1800" dirty="0">
-                <a:solidFill>
-                  <a:prstClr val="black"/>
-                </a:solidFill>
-                <a:latin typeface="Arial" panose="020B0604020202020204" pitchFamily="34" charset="0"/>
-                <a:cs typeface="Arial" panose="020B0604020202020204" pitchFamily="34" charset="0"/>
-              </a:rPr>
-              <a:t> </a:t>
-            </a:r>
-            <a:r>
-              <a:rPr lang="de-DE" sz="1800" dirty="0" err="1">
-                <a:solidFill>
-                  <a:prstClr val="black"/>
-                </a:solidFill>
-                <a:latin typeface="Arial" panose="020B0604020202020204" pitchFamily="34" charset="0"/>
-                <a:cs typeface="Arial" panose="020B0604020202020204" pitchFamily="34" charset="0"/>
-              </a:rPr>
-              <a:t>dignissim</a:t>
-            </a:r>
-            <a:r>
-              <a:rPr lang="de-DE" sz="1800" dirty="0">
-                <a:solidFill>
-                  <a:prstClr val="black"/>
-                </a:solidFill>
-                <a:latin typeface="Arial" panose="020B0604020202020204" pitchFamily="34" charset="0"/>
-                <a:cs typeface="Arial" panose="020B0604020202020204" pitchFamily="34" charset="0"/>
-              </a:rPr>
-              <a:t> </a:t>
-            </a:r>
-            <a:r>
-              <a:rPr lang="de-DE" sz="1800" dirty="0" err="1">
-                <a:solidFill>
-                  <a:prstClr val="black"/>
-                </a:solidFill>
-                <a:latin typeface="Arial" panose="020B0604020202020204" pitchFamily="34" charset="0"/>
-                <a:cs typeface="Arial" panose="020B0604020202020204" pitchFamily="34" charset="0"/>
-              </a:rPr>
-              <a:t>eros</a:t>
-            </a:r>
-            <a:r>
-              <a:rPr lang="de-DE" sz="1800" dirty="0">
-                <a:solidFill>
-                  <a:prstClr val="black"/>
-                </a:solidFill>
-                <a:latin typeface="Arial" panose="020B0604020202020204" pitchFamily="34" charset="0"/>
-                <a:cs typeface="Arial" panose="020B0604020202020204" pitchFamily="34" charset="0"/>
-              </a:rPr>
-              <a:t>, </a:t>
-            </a:r>
-            <a:r>
-              <a:rPr lang="de-DE" sz="1800" dirty="0" err="1">
-                <a:solidFill>
-                  <a:prstClr val="black"/>
-                </a:solidFill>
-                <a:latin typeface="Arial" panose="020B0604020202020204" pitchFamily="34" charset="0"/>
-                <a:cs typeface="Arial" panose="020B0604020202020204" pitchFamily="34" charset="0"/>
-              </a:rPr>
-              <a:t>rutrum</a:t>
-            </a:r>
-            <a:r>
-              <a:rPr lang="de-DE" sz="1800" dirty="0">
-                <a:solidFill>
-                  <a:prstClr val="black"/>
-                </a:solidFill>
-                <a:latin typeface="Arial" panose="020B0604020202020204" pitchFamily="34" charset="0"/>
-                <a:cs typeface="Arial" panose="020B0604020202020204" pitchFamily="34" charset="0"/>
-              </a:rPr>
-              <a:t> </a:t>
-            </a:r>
-            <a:r>
-              <a:rPr lang="de-DE" sz="1800" dirty="0" err="1">
-                <a:solidFill>
-                  <a:prstClr val="black"/>
-                </a:solidFill>
-                <a:latin typeface="Arial" panose="020B0604020202020204" pitchFamily="34" charset="0"/>
-                <a:cs typeface="Arial" panose="020B0604020202020204" pitchFamily="34" charset="0"/>
-              </a:rPr>
-              <a:t>gravida</a:t>
-            </a:r>
-            <a:r>
-              <a:rPr lang="de-DE" sz="1800" dirty="0">
-                <a:solidFill>
-                  <a:prstClr val="black"/>
-                </a:solidFill>
-                <a:latin typeface="Arial" panose="020B0604020202020204" pitchFamily="34" charset="0"/>
-                <a:cs typeface="Arial" panose="020B0604020202020204" pitchFamily="34" charset="0"/>
-              </a:rPr>
-              <a:t> </a:t>
-            </a:r>
-            <a:r>
-              <a:rPr lang="de-DE" sz="1800" dirty="0" err="1">
-                <a:solidFill>
-                  <a:prstClr val="black"/>
-                </a:solidFill>
-                <a:latin typeface="Arial" panose="020B0604020202020204" pitchFamily="34" charset="0"/>
-                <a:cs typeface="Arial" panose="020B0604020202020204" pitchFamily="34" charset="0"/>
-              </a:rPr>
-              <a:t>ipsum</a:t>
-            </a:r>
-            <a:r>
-              <a:rPr lang="de-DE" sz="1800" dirty="0">
-                <a:solidFill>
-                  <a:prstClr val="black"/>
-                </a:solidFill>
-                <a:latin typeface="Arial" panose="020B0604020202020204" pitchFamily="34" charset="0"/>
-                <a:cs typeface="Arial" panose="020B0604020202020204" pitchFamily="34" charset="0"/>
-              </a:rPr>
-              <a:t> </a:t>
-            </a:r>
-            <a:r>
-              <a:rPr lang="de-DE" sz="1800" dirty="0" err="1">
-                <a:solidFill>
-                  <a:prstClr val="black"/>
-                </a:solidFill>
-                <a:latin typeface="Arial" panose="020B0604020202020204" pitchFamily="34" charset="0"/>
-                <a:cs typeface="Arial" panose="020B0604020202020204" pitchFamily="34" charset="0"/>
-              </a:rPr>
-              <a:t>blandit</a:t>
-            </a:r>
-            <a:r>
-              <a:rPr lang="de-DE" sz="1800" dirty="0">
-                <a:solidFill>
-                  <a:prstClr val="black"/>
-                </a:solidFill>
-                <a:latin typeface="Arial" panose="020B0604020202020204" pitchFamily="34" charset="0"/>
-                <a:cs typeface="Arial" panose="020B0604020202020204" pitchFamily="34" charset="0"/>
-              </a:rPr>
-              <a:t> </a:t>
-            </a:r>
-            <a:r>
-              <a:rPr lang="de-DE" sz="1800" dirty="0" err="1">
-                <a:solidFill>
-                  <a:prstClr val="black"/>
-                </a:solidFill>
-                <a:latin typeface="Arial" panose="020B0604020202020204" pitchFamily="34" charset="0"/>
-                <a:cs typeface="Arial" panose="020B0604020202020204" pitchFamily="34" charset="0"/>
-              </a:rPr>
-              <a:t>vitae</a:t>
+              <a:t>Ebenenstruktur</a:t>
             </a:r>
             <a:r>
               <a:rPr lang="de-DE" sz="1800" dirty="0">
@@ -8974,116 +7972,6 @@
               </a:rPr>
               <a:t>. </a:t>
             </a:r>
-            <a:r>
-              <a:rPr lang="de-DE" sz="1800" dirty="0" err="1">
-                <a:solidFill>
-                  <a:prstClr val="black"/>
-                </a:solidFill>
-                <a:latin typeface="Arial" panose="020B0604020202020204" pitchFamily="34" charset="0"/>
-                <a:cs typeface="Arial" panose="020B0604020202020204" pitchFamily="34" charset="0"/>
-              </a:rPr>
-              <a:t>Quisque</a:t>
-            </a:r>
-            <a:r>
-              <a:rPr lang="de-DE" sz="1800" dirty="0">
-                <a:solidFill>
-                  <a:prstClr val="black"/>
-                </a:solidFill>
-                <a:latin typeface="Arial" panose="020B0604020202020204" pitchFamily="34" charset="0"/>
-                <a:cs typeface="Arial" panose="020B0604020202020204" pitchFamily="34" charset="0"/>
-              </a:rPr>
-              <a:t> </a:t>
-            </a:r>
-            <a:r>
-              <a:rPr lang="de-DE" sz="1800" dirty="0" err="1">
-                <a:solidFill>
-                  <a:prstClr val="black"/>
-                </a:solidFill>
-                <a:latin typeface="Arial" panose="020B0604020202020204" pitchFamily="34" charset="0"/>
-                <a:cs typeface="Arial" panose="020B0604020202020204" pitchFamily="34" charset="0"/>
-              </a:rPr>
-              <a:t>adipiscing</a:t>
-            </a:r>
-            <a:r>
-              <a:rPr lang="de-DE" sz="1800" dirty="0">
-                <a:solidFill>
-                  <a:prstClr val="black"/>
-                </a:solidFill>
-                <a:latin typeface="Arial" panose="020B0604020202020204" pitchFamily="34" charset="0"/>
-                <a:cs typeface="Arial" panose="020B0604020202020204" pitchFamily="34" charset="0"/>
-              </a:rPr>
-              <a:t>, </a:t>
-            </a:r>
-            <a:r>
-              <a:rPr lang="de-DE" sz="1800" dirty="0" err="1">
-                <a:solidFill>
-                  <a:prstClr val="black"/>
-                </a:solidFill>
-                <a:latin typeface="Arial" panose="020B0604020202020204" pitchFamily="34" charset="0"/>
-                <a:cs typeface="Arial" panose="020B0604020202020204" pitchFamily="34" charset="0"/>
-              </a:rPr>
-              <a:t>dui</a:t>
-            </a:r>
-            <a:r>
-              <a:rPr lang="de-DE" sz="1800" dirty="0">
-                <a:solidFill>
-                  <a:prstClr val="black"/>
-                </a:solidFill>
-                <a:latin typeface="Arial" panose="020B0604020202020204" pitchFamily="34" charset="0"/>
-                <a:cs typeface="Arial" panose="020B0604020202020204" pitchFamily="34" charset="0"/>
-              </a:rPr>
-              <a:t> </a:t>
-            </a:r>
-            <a:r>
-              <a:rPr lang="de-DE" sz="1800" dirty="0" err="1">
-                <a:solidFill>
-                  <a:prstClr val="black"/>
-                </a:solidFill>
-                <a:latin typeface="Arial" panose="020B0604020202020204" pitchFamily="34" charset="0"/>
-                <a:cs typeface="Arial" panose="020B0604020202020204" pitchFamily="34" charset="0"/>
-              </a:rPr>
-              <a:t>quis</a:t>
-            </a:r>
-            <a:r>
-              <a:rPr lang="de-DE" sz="1800" dirty="0">
-                <a:solidFill>
-                  <a:prstClr val="black"/>
-                </a:solidFill>
-                <a:latin typeface="Arial" panose="020B0604020202020204" pitchFamily="34" charset="0"/>
-                <a:cs typeface="Arial" panose="020B0604020202020204" pitchFamily="34" charset="0"/>
-              </a:rPr>
-              <a:t> </a:t>
-            </a:r>
-            <a:r>
-              <a:rPr lang="de-DE" sz="1800" dirty="0" err="1">
-                <a:solidFill>
-                  <a:prstClr val="black"/>
-                </a:solidFill>
-                <a:latin typeface="Arial" panose="020B0604020202020204" pitchFamily="34" charset="0"/>
-                <a:cs typeface="Arial" panose="020B0604020202020204" pitchFamily="34" charset="0"/>
-              </a:rPr>
-              <a:t>fermentum</a:t>
-            </a:r>
-            <a:r>
-              <a:rPr lang="de-DE" sz="1800" dirty="0">
-                <a:solidFill>
-                  <a:prstClr val="black"/>
-                </a:solidFill>
-                <a:latin typeface="Arial" panose="020B0604020202020204" pitchFamily="34" charset="0"/>
-                <a:cs typeface="Arial" panose="020B0604020202020204" pitchFamily="34" charset="0"/>
-              </a:rPr>
-              <a:t> </a:t>
-            </a:r>
-            <a:r>
-              <a:rPr lang="de-DE" sz="1800" dirty="0" err="1">
-                <a:solidFill>
-                  <a:prstClr val="black"/>
-                </a:solidFill>
-                <a:latin typeface="Arial" panose="020B0604020202020204" pitchFamily="34" charset="0"/>
-                <a:cs typeface="Arial" panose="020B0604020202020204" pitchFamily="34" charset="0"/>
-              </a:rPr>
-              <a:t>ultricie</a:t>
-            </a:r>
             <a:endParaRPr lang="de-DE" sz="1800" dirty="0">
               <a:latin typeface="Arial" panose="020B0604020202020204" pitchFamily="34" charset="0"/>
               <a:cs typeface="Arial" panose="020B0604020202020204" pitchFamily="34" charset="0"/>
@@ -9099,8 +7987,8 @@
         </p:nvSpPr>
         <p:spPr>
           <a:xfrm>
-            <a:off x="14525047" y="23938386"/>
-            <a:ext cx="6407027" cy="923330"/>
+            <a:off x="14409842" y="24415302"/>
+            <a:ext cx="6407027" cy="369332"/>
           </a:xfrm>
           <a:prstGeom prst="rect">
             <a:avLst/>
@@ -9113,16 +8001,6 @@
           <a:lstStyle/>
           <a:p>
             <a:r>
-              <a:rPr lang="de-DE" sz="1800" dirty="0" err="1">
-                <a:solidFill>
-                  <a:prstClr val="black"/>
-                </a:solidFill>
-                <a:latin typeface="Arial" panose="020B0604020202020204" pitchFamily="34" charset="0"/>
-                <a:cs typeface="Arial" panose="020B0604020202020204" pitchFamily="34" charset="0"/>
-              </a:rPr>
-              <a:t>Lorem</a:t>
-            </a:r>
-            <a:r>
               <a:rPr lang="de-DE" sz="1800" dirty="0">
                 <a:solidFill>
                   <a:prstClr val="black"/>
@@ -9130,427 +8008,7 @@
                 <a:latin typeface="Arial" panose="020B0604020202020204" pitchFamily="34" charset="0"/>
                 <a:cs typeface="Arial" panose="020B0604020202020204" pitchFamily="34" charset="0"/>
               </a:rPr>
-              <a:t> </a:t>
-            </a:r>
-            <a:r>
-              <a:rPr lang="de-DE" sz="1800" dirty="0" err="1">
-                <a:solidFill>
-                  <a:prstClr val="black"/>
-                </a:solidFill>
-                <a:latin typeface="Arial" panose="020B0604020202020204" pitchFamily="34" charset="0"/>
-                <a:cs typeface="Arial" panose="020B0604020202020204" pitchFamily="34" charset="0"/>
-              </a:rPr>
-              <a:t>ipsum</a:t>
-            </a:r>
-            <a:r>
-              <a:rPr lang="de-DE" sz="1800" dirty="0">
-                <a:solidFill>
-                  <a:prstClr val="black"/>
-                </a:solidFill>
-                <a:latin typeface="Arial" panose="020B0604020202020204" pitchFamily="34" charset="0"/>
-                <a:cs typeface="Arial" panose="020B0604020202020204" pitchFamily="34" charset="0"/>
-              </a:rPr>
-              <a:t> </a:t>
-            </a:r>
-            <a:r>
-              <a:rPr lang="de-DE" sz="1800" dirty="0" err="1">
-                <a:solidFill>
-                  <a:prstClr val="black"/>
-                </a:solidFill>
-                <a:latin typeface="Arial" panose="020B0604020202020204" pitchFamily="34" charset="0"/>
-                <a:cs typeface="Arial" panose="020B0604020202020204" pitchFamily="34" charset="0"/>
-              </a:rPr>
-              <a:t>dolor</a:t>
-            </a:r>
-            <a:r>
-              <a:rPr lang="de-DE" sz="1800" dirty="0">
-                <a:solidFill>
-                  <a:prstClr val="black"/>
-                </a:solidFill>
-                <a:latin typeface="Arial" panose="020B0604020202020204" pitchFamily="34" charset="0"/>
-                <a:cs typeface="Arial" panose="020B0604020202020204" pitchFamily="34" charset="0"/>
-              </a:rPr>
-              <a:t> </a:t>
-            </a:r>
-            <a:r>
-              <a:rPr lang="de-DE" sz="1800" dirty="0" err="1">
-                <a:solidFill>
-                  <a:prstClr val="black"/>
-                </a:solidFill>
-                <a:latin typeface="Arial" panose="020B0604020202020204" pitchFamily="34" charset="0"/>
-                <a:cs typeface="Arial" panose="020B0604020202020204" pitchFamily="34" charset="0"/>
-              </a:rPr>
-              <a:t>sit</a:t>
-            </a:r>
-            <a:r>
-              <a:rPr lang="de-DE" sz="1800" dirty="0">
-                <a:solidFill>
-                  <a:prstClr val="black"/>
-                </a:solidFill>
-                <a:latin typeface="Arial" panose="020B0604020202020204" pitchFamily="34" charset="0"/>
-                <a:cs typeface="Arial" panose="020B0604020202020204" pitchFamily="34" charset="0"/>
-              </a:rPr>
-              <a:t> </a:t>
-            </a:r>
-            <a:r>
-              <a:rPr lang="de-DE" sz="1800" dirty="0" err="1">
-                <a:solidFill>
-                  <a:prstClr val="black"/>
-                </a:solidFill>
-                <a:latin typeface="Arial" panose="020B0604020202020204" pitchFamily="34" charset="0"/>
-                <a:cs typeface="Arial" panose="020B0604020202020204" pitchFamily="34" charset="0"/>
-              </a:rPr>
-              <a:t>amet</a:t>
-            </a:r>
-            <a:r>
-              <a:rPr lang="de-DE" sz="1800" dirty="0">
-                <a:solidFill>
-                  <a:prstClr val="black"/>
-                </a:solidFill>
-                <a:latin typeface="Arial" panose="020B0604020202020204" pitchFamily="34" charset="0"/>
-                <a:cs typeface="Arial" panose="020B0604020202020204" pitchFamily="34" charset="0"/>
-              </a:rPr>
-              <a:t>, </a:t>
-            </a:r>
-            <a:r>
-              <a:rPr lang="de-DE" sz="1800" dirty="0" err="1">
-                <a:solidFill>
-                  <a:prstClr val="black"/>
-                </a:solidFill>
-                <a:latin typeface="Arial" panose="020B0604020202020204" pitchFamily="34" charset="0"/>
-                <a:cs typeface="Arial" panose="020B0604020202020204" pitchFamily="34" charset="0"/>
-              </a:rPr>
-              <a:t>consectetur</a:t>
-            </a:r>
-            <a:r>
-              <a:rPr lang="de-DE" sz="1800" dirty="0">
-                <a:solidFill>
-                  <a:prstClr val="black"/>
-                </a:solidFill>
-                <a:latin typeface="Arial" panose="020B0604020202020204" pitchFamily="34" charset="0"/>
-                <a:cs typeface="Arial" panose="020B0604020202020204" pitchFamily="34" charset="0"/>
-              </a:rPr>
-              <a:t> </a:t>
-            </a:r>
-            <a:r>
-              <a:rPr lang="de-DE" sz="1800" dirty="0" err="1">
-                <a:solidFill>
-                  <a:prstClr val="black"/>
-                </a:solidFill>
-                <a:latin typeface="Arial" panose="020B0604020202020204" pitchFamily="34" charset="0"/>
-                <a:cs typeface="Arial" panose="020B0604020202020204" pitchFamily="34" charset="0"/>
-              </a:rPr>
-              <a:t>adipiscing</a:t>
-            </a:r>
-            <a:r>
-              <a:rPr lang="de-DE" sz="1800" dirty="0">
-                <a:solidFill>
-                  <a:prstClr val="black"/>
-                </a:solidFill>
-                <a:latin typeface="Arial" panose="020B0604020202020204" pitchFamily="34" charset="0"/>
-                <a:cs typeface="Arial" panose="020B0604020202020204" pitchFamily="34" charset="0"/>
-              </a:rPr>
-              <a:t> </a:t>
-            </a:r>
-            <a:r>
-              <a:rPr lang="de-DE" sz="1800" dirty="0" err="1">
-                <a:solidFill>
-                  <a:prstClr val="black"/>
-                </a:solidFill>
-                <a:latin typeface="Arial" panose="020B0604020202020204" pitchFamily="34" charset="0"/>
-                <a:cs typeface="Arial" panose="020B0604020202020204" pitchFamily="34" charset="0"/>
-              </a:rPr>
-              <a:t>elit</a:t>
-            </a:r>
-            <a:r>
-              <a:rPr lang="de-DE" sz="1800" dirty="0">
-                <a:solidFill>
-                  <a:prstClr val="black"/>
-                </a:solidFill>
-                <a:latin typeface="Arial" panose="020B0604020202020204" pitchFamily="34" charset="0"/>
-                <a:cs typeface="Arial" panose="020B0604020202020204" pitchFamily="34" charset="0"/>
-              </a:rPr>
-              <a:t>. Nam </a:t>
-            </a:r>
-            <a:r>
-              <a:rPr lang="de-DE" sz="1800" dirty="0" err="1">
-                <a:solidFill>
-                  <a:prstClr val="black"/>
-                </a:solidFill>
-                <a:latin typeface="Arial" panose="020B0604020202020204" pitchFamily="34" charset="0"/>
-                <a:cs typeface="Arial" panose="020B0604020202020204" pitchFamily="34" charset="0"/>
-              </a:rPr>
-              <a:t>sodales</a:t>
-            </a:r>
-            <a:r>
-              <a:rPr lang="de-DE" sz="1800" dirty="0">
-                <a:solidFill>
-                  <a:prstClr val="black"/>
-                </a:solidFill>
-                <a:latin typeface="Arial" panose="020B0604020202020204" pitchFamily="34" charset="0"/>
-                <a:cs typeface="Arial" panose="020B0604020202020204" pitchFamily="34" charset="0"/>
-              </a:rPr>
-              <a:t> </a:t>
-            </a:r>
-            <a:r>
-              <a:rPr lang="de-DE" sz="1800" dirty="0" err="1">
-                <a:solidFill>
-                  <a:prstClr val="black"/>
-                </a:solidFill>
-                <a:latin typeface="Arial" panose="020B0604020202020204" pitchFamily="34" charset="0"/>
-                <a:cs typeface="Arial" panose="020B0604020202020204" pitchFamily="34" charset="0"/>
-              </a:rPr>
-              <a:t>dignissim</a:t>
-            </a:r>
-            <a:r>
-              <a:rPr lang="de-DE" sz="1800" dirty="0">
-                <a:solidFill>
-                  <a:prstClr val="black"/>
-                </a:solidFill>
-                <a:latin typeface="Arial" panose="020B0604020202020204" pitchFamily="34" charset="0"/>
-                <a:cs typeface="Arial" panose="020B0604020202020204" pitchFamily="34" charset="0"/>
-              </a:rPr>
-              <a:t> </a:t>
-            </a:r>
-            <a:r>
-              <a:rPr lang="de-DE" sz="1800" dirty="0" err="1">
-                <a:solidFill>
-                  <a:prstClr val="black"/>
-                </a:solidFill>
-                <a:latin typeface="Arial" panose="020B0604020202020204" pitchFamily="34" charset="0"/>
-                <a:cs typeface="Arial" panose="020B0604020202020204" pitchFamily="34" charset="0"/>
-              </a:rPr>
-              <a:t>eros</a:t>
-            </a:r>
-            <a:r>
-              <a:rPr lang="de-DE" sz="1800" dirty="0">
-                <a:solidFill>
-                  <a:prstClr val="black"/>
-                </a:solidFill>
-                <a:latin typeface="Arial" panose="020B0604020202020204" pitchFamily="34" charset="0"/>
-                <a:cs typeface="Arial" panose="020B0604020202020204" pitchFamily="34" charset="0"/>
-              </a:rPr>
-              <a:t>, </a:t>
-            </a:r>
-            <a:r>
-              <a:rPr lang="de-DE" sz="1800" dirty="0" err="1">
-                <a:solidFill>
-                  <a:prstClr val="black"/>
-                </a:solidFill>
-                <a:latin typeface="Arial" panose="020B0604020202020204" pitchFamily="34" charset="0"/>
-                <a:cs typeface="Arial" panose="020B0604020202020204" pitchFamily="34" charset="0"/>
-              </a:rPr>
-              <a:t>rutrum</a:t>
-            </a:r>
-            <a:r>
-              <a:rPr lang="de-DE" sz="1800" dirty="0">
-                <a:solidFill>
-                  <a:prstClr val="black"/>
-                </a:solidFill>
-                <a:latin typeface="Arial" panose="020B0604020202020204" pitchFamily="34" charset="0"/>
-                <a:cs typeface="Arial" panose="020B0604020202020204" pitchFamily="34" charset="0"/>
-              </a:rPr>
-              <a:t> </a:t>
-            </a:r>
-            <a:r>
-              <a:rPr lang="de-DE" sz="1800" dirty="0" err="1">
-                <a:solidFill>
-                  <a:prstClr val="black"/>
-                </a:solidFill>
-                <a:latin typeface="Arial" panose="020B0604020202020204" pitchFamily="34" charset="0"/>
-                <a:cs typeface="Arial" panose="020B0604020202020204" pitchFamily="34" charset="0"/>
-              </a:rPr>
-              <a:t>gravida</a:t>
-            </a:r>
-            <a:r>
-              <a:rPr lang="de-DE" sz="1800" dirty="0">
-                <a:solidFill>
-                  <a:prstClr val="black"/>
-                </a:solidFill>
-                <a:latin typeface="Arial" panose="020B0604020202020204" pitchFamily="34" charset="0"/>
-                <a:cs typeface="Arial" panose="020B0604020202020204" pitchFamily="34" charset="0"/>
-              </a:rPr>
-              <a:t> </a:t>
-            </a:r>
-            <a:r>
-              <a:rPr lang="de-DE" sz="1800" dirty="0" err="1">
-                <a:solidFill>
-                  <a:prstClr val="black"/>
-                </a:solidFill>
-                <a:latin typeface="Arial" panose="020B0604020202020204" pitchFamily="34" charset="0"/>
-                <a:cs typeface="Arial" panose="020B0604020202020204" pitchFamily="34" charset="0"/>
-              </a:rPr>
-              <a:t>ipsum</a:t>
-            </a:r>
-            <a:r>
-              <a:rPr lang="de-DE" sz="1800" dirty="0">
-                <a:solidFill>
-                  <a:prstClr val="black"/>
-                </a:solidFill>
-                <a:latin typeface="Arial" panose="020B0604020202020204" pitchFamily="34" charset="0"/>
-                <a:cs typeface="Arial" panose="020B0604020202020204" pitchFamily="34" charset="0"/>
-              </a:rPr>
-              <a:t> </a:t>
-            </a:r>
-            <a:r>
-              <a:rPr lang="de-DE" sz="1800" dirty="0" err="1">
-                <a:solidFill>
-                  <a:prstClr val="black"/>
-                </a:solidFill>
-                <a:latin typeface="Arial" panose="020B0604020202020204" pitchFamily="34" charset="0"/>
-                <a:cs typeface="Arial" panose="020B0604020202020204" pitchFamily="34" charset="0"/>
-              </a:rPr>
-              <a:t>blandit</a:t>
-            </a:r>
-            <a:r>
-              <a:rPr lang="de-DE" sz="1800" dirty="0">
-                <a:solidFill>
-                  <a:prstClr val="black"/>
-                </a:solidFill>
-                <a:latin typeface="Arial" panose="020B0604020202020204" pitchFamily="34" charset="0"/>
-                <a:cs typeface="Arial" panose="020B0604020202020204" pitchFamily="34" charset="0"/>
-              </a:rPr>
-              <a:t> </a:t>
-            </a:r>
-            <a:r>
-              <a:rPr lang="de-DE" sz="1800" dirty="0" err="1">
-                <a:solidFill>
-                  <a:prstClr val="black"/>
-                </a:solidFill>
-                <a:latin typeface="Arial" panose="020B0604020202020204" pitchFamily="34" charset="0"/>
-                <a:cs typeface="Arial" panose="020B0604020202020204" pitchFamily="34" charset="0"/>
-              </a:rPr>
-              <a:t>vitae</a:t>
-            </a:r>
-            <a:r>
-              <a:rPr lang="de-DE" sz="1800" dirty="0">
-                <a:solidFill>
-                  <a:prstClr val="black"/>
-                </a:solidFill>
-                <a:latin typeface="Arial" panose="020B0604020202020204" pitchFamily="34" charset="0"/>
-                <a:cs typeface="Arial" panose="020B0604020202020204" pitchFamily="34" charset="0"/>
-              </a:rPr>
-              <a:t>. </a:t>
-            </a:r>
-            <a:r>
-              <a:rPr lang="de-DE" sz="1800" dirty="0" err="1">
-                <a:solidFill>
-                  <a:prstClr val="black"/>
-                </a:solidFill>
-                <a:latin typeface="Arial" panose="020B0604020202020204" pitchFamily="34" charset="0"/>
-                <a:cs typeface="Arial" panose="020B0604020202020204" pitchFamily="34" charset="0"/>
-              </a:rPr>
-              <a:t>Quisque</a:t>
-            </a:r>
-            <a:r>
-              <a:rPr lang="de-DE" sz="1800" dirty="0">
-                <a:solidFill>
-                  <a:prstClr val="black"/>
-                </a:solidFill>
-                <a:latin typeface="Arial" panose="020B0604020202020204" pitchFamily="34" charset="0"/>
-                <a:cs typeface="Arial" panose="020B0604020202020204" pitchFamily="34" charset="0"/>
-              </a:rPr>
-              <a:t> </a:t>
-            </a:r>
-            <a:r>
-              <a:rPr lang="de-DE" sz="1800" dirty="0" err="1">
-                <a:solidFill>
-                  <a:prstClr val="black"/>
-                </a:solidFill>
-                <a:latin typeface="Arial" panose="020B0604020202020204" pitchFamily="34" charset="0"/>
-                <a:cs typeface="Arial" panose="020B0604020202020204" pitchFamily="34" charset="0"/>
-              </a:rPr>
-              <a:t>adipiscing</a:t>
-            </a:r>
-            <a:r>
-              <a:rPr lang="de-DE" sz="1800" dirty="0">
-                <a:solidFill>
-                  <a:prstClr val="black"/>
-                </a:solidFill>
-                <a:latin typeface="Arial" panose="020B0604020202020204" pitchFamily="34" charset="0"/>
-                <a:cs typeface="Arial" panose="020B0604020202020204" pitchFamily="34" charset="0"/>
-              </a:rPr>
-              <a:t>, </a:t>
-            </a:r>
-            <a:r>
-              <a:rPr lang="de-DE" sz="1800" dirty="0" err="1">
-                <a:solidFill>
-                  <a:prstClr val="black"/>
-                </a:solidFill>
-                <a:latin typeface="Arial" panose="020B0604020202020204" pitchFamily="34" charset="0"/>
-                <a:cs typeface="Arial" panose="020B0604020202020204" pitchFamily="34" charset="0"/>
-              </a:rPr>
-              <a:t>dui</a:t>
-            </a:r>
-            <a:r>
-              <a:rPr lang="de-DE" sz="1800" dirty="0">
-                <a:solidFill>
-                  <a:prstClr val="black"/>
-                </a:solidFill>
-                <a:latin typeface="Arial" panose="020B0604020202020204" pitchFamily="34" charset="0"/>
-                <a:cs typeface="Arial" panose="020B0604020202020204" pitchFamily="34" charset="0"/>
-              </a:rPr>
-              <a:t> </a:t>
-            </a:r>
-            <a:r>
-              <a:rPr lang="de-DE" sz="1800" dirty="0" err="1">
-                <a:solidFill>
-                  <a:prstClr val="black"/>
-                </a:solidFill>
-                <a:latin typeface="Arial" panose="020B0604020202020204" pitchFamily="34" charset="0"/>
-                <a:cs typeface="Arial" panose="020B0604020202020204" pitchFamily="34" charset="0"/>
-              </a:rPr>
-              <a:t>quis</a:t>
-            </a:r>
-            <a:r>
-              <a:rPr lang="de-DE" sz="1800" dirty="0">
-                <a:solidFill>
-                  <a:prstClr val="black"/>
-                </a:solidFill>
-                <a:latin typeface="Arial" panose="020B0604020202020204" pitchFamily="34" charset="0"/>
-                <a:cs typeface="Arial" panose="020B0604020202020204" pitchFamily="34" charset="0"/>
-              </a:rPr>
-              <a:t> </a:t>
-            </a:r>
-            <a:r>
-              <a:rPr lang="de-DE" sz="1800" dirty="0" err="1">
-                <a:solidFill>
-                  <a:prstClr val="black"/>
-                </a:solidFill>
-                <a:latin typeface="Arial" panose="020B0604020202020204" pitchFamily="34" charset="0"/>
-                <a:cs typeface="Arial" panose="020B0604020202020204" pitchFamily="34" charset="0"/>
-              </a:rPr>
-              <a:t>fermentum</a:t>
-            </a:r>
-            <a:r>
-              <a:rPr lang="de-DE" sz="1800" dirty="0">
-                <a:solidFill>
-                  <a:prstClr val="black"/>
-                </a:solidFill>
-                <a:latin typeface="Arial" panose="020B0604020202020204" pitchFamily="34" charset="0"/>
-                <a:cs typeface="Arial" panose="020B0604020202020204" pitchFamily="34" charset="0"/>
-              </a:rPr>
-              <a:t> </a:t>
-            </a:r>
-            <a:r>
-              <a:rPr lang="de-DE" sz="1800" dirty="0" err="1">
-                <a:solidFill>
-                  <a:prstClr val="black"/>
-                </a:solidFill>
-                <a:latin typeface="Arial" panose="020B0604020202020204" pitchFamily="34" charset="0"/>
-                <a:cs typeface="Arial" panose="020B0604020202020204" pitchFamily="34" charset="0"/>
-              </a:rPr>
-              <a:t>ultricies</a:t>
-            </a:r>
-            <a:r>
-              <a:rPr lang="de-DE" sz="1800" dirty="0">
-                <a:solidFill>
-                  <a:prstClr val="black"/>
-                </a:solidFill>
-                <a:latin typeface="Arial" panose="020B0604020202020204" pitchFamily="34" charset="0"/>
-                <a:cs typeface="Arial" panose="020B0604020202020204" pitchFamily="34" charset="0"/>
-              </a:rPr>
-              <a:t>, </a:t>
+              <a:t>Klassendiagramm.</a:t>
             </a:r>
             <a:endParaRPr lang="de-DE" sz="1800" dirty="0">
               <a:latin typeface="Arial" panose="020B0604020202020204" pitchFamily="34" charset="0"/>
@@ -9567,8 +8025,8 @@
         </p:nvSpPr>
         <p:spPr>
           <a:xfrm>
-            <a:off x="19218877" y="24937824"/>
-            <a:ext cx="1812010" cy="3693319"/>
+            <a:off x="14410553" y="24873527"/>
+            <a:ext cx="6449278" cy="523220"/>
           </a:xfrm>
           <a:prstGeom prst="rect">
             <a:avLst/>
@@ -9581,466 +8039,16 @@
           <a:lstStyle/>
           <a:p>
             <a:r>
-              <a:rPr lang="de-DE" sz="1800" dirty="0" err="1">
+              <a:rPr lang="de-DE" sz="2800" b="1" dirty="0">
                 <a:solidFill>
                   <a:prstClr val="black"/>
                 </a:solidFill>
                 <a:latin typeface="Arial" panose="020B0604020202020204" pitchFamily="34" charset="0"/>
                 <a:cs typeface="Arial" panose="020B0604020202020204" pitchFamily="34" charset="0"/>
               </a:rPr>
-              <a:t>Lorem</a:t>
-            </a:r>
-            <a:r>
-              <a:rPr lang="de-DE" sz="1800" dirty="0">
-                <a:solidFill>
-                  <a:prstClr val="black"/>
-                </a:solidFill>
-                <a:latin typeface="Arial" panose="020B0604020202020204" pitchFamily="34" charset="0"/>
-                <a:cs typeface="Arial" panose="020B0604020202020204" pitchFamily="34" charset="0"/>
-              </a:rPr>
-              <a:t> </a:t>
-            </a:r>
-            <a:r>
-              <a:rPr lang="de-DE" sz="1800" dirty="0" err="1">
-                <a:solidFill>
-                  <a:prstClr val="black"/>
-                </a:solidFill>
-                <a:latin typeface="Arial" panose="020B0604020202020204" pitchFamily="34" charset="0"/>
-                <a:cs typeface="Arial" panose="020B0604020202020204" pitchFamily="34" charset="0"/>
-              </a:rPr>
-              <a:t>ipsum</a:t>
-            </a:r>
-            <a:r>
-              <a:rPr lang="de-DE" sz="1800" dirty="0">
-                <a:solidFill>
-                  <a:prstClr val="black"/>
-                </a:solidFill>
-                <a:latin typeface="Arial" panose="020B0604020202020204" pitchFamily="34" charset="0"/>
-                <a:cs typeface="Arial" panose="020B0604020202020204" pitchFamily="34" charset="0"/>
-              </a:rPr>
-              <a:t> </a:t>
-            </a:r>
-            <a:r>
-              <a:rPr lang="de-DE" sz="1800" dirty="0" err="1">
-                <a:solidFill>
-                  <a:prstClr val="black"/>
-                </a:solidFill>
-                <a:latin typeface="Arial" panose="020B0604020202020204" pitchFamily="34" charset="0"/>
-                <a:cs typeface="Arial" panose="020B0604020202020204" pitchFamily="34" charset="0"/>
-              </a:rPr>
-              <a:t>dolor</a:t>
-            </a:r>
-            <a:r>
-              <a:rPr lang="de-DE" sz="1800" dirty="0">
-                <a:solidFill>
-                  <a:prstClr val="black"/>
-                </a:solidFill>
-                <a:latin typeface="Arial" panose="020B0604020202020204" pitchFamily="34" charset="0"/>
-                <a:cs typeface="Arial" panose="020B0604020202020204" pitchFamily="34" charset="0"/>
-              </a:rPr>
-              <a:t> </a:t>
-            </a:r>
-            <a:r>
-              <a:rPr lang="de-DE" sz="1800" dirty="0" err="1">
-                <a:solidFill>
-                  <a:prstClr val="black"/>
-                </a:solidFill>
-                <a:latin typeface="Arial" panose="020B0604020202020204" pitchFamily="34" charset="0"/>
-                <a:cs typeface="Arial" panose="020B0604020202020204" pitchFamily="34" charset="0"/>
-              </a:rPr>
-              <a:t>sit</a:t>
-            </a:r>
-            <a:r>
-              <a:rPr lang="de-DE" sz="1800" dirty="0">
-                <a:solidFill>
-                  <a:prstClr val="black"/>
-                </a:solidFill>
-                <a:latin typeface="Arial" panose="020B0604020202020204" pitchFamily="34" charset="0"/>
-                <a:cs typeface="Arial" panose="020B0604020202020204" pitchFamily="34" charset="0"/>
-              </a:rPr>
-              <a:t> </a:t>
-            </a:r>
-            <a:r>
-              <a:rPr lang="de-DE" sz="1800" dirty="0" err="1">
-                <a:solidFill>
-                  <a:prstClr val="black"/>
-                </a:solidFill>
-                <a:latin typeface="Arial" panose="020B0604020202020204" pitchFamily="34" charset="0"/>
-                <a:cs typeface="Arial" panose="020B0604020202020204" pitchFamily="34" charset="0"/>
-              </a:rPr>
-              <a:t>amet</a:t>
-            </a:r>
-            <a:r>
-              <a:rPr lang="de-DE" sz="1800" dirty="0">
-                <a:solidFill>
-                  <a:prstClr val="black"/>
-                </a:solidFill>
-                <a:latin typeface="Arial" panose="020B0604020202020204" pitchFamily="34" charset="0"/>
-                <a:cs typeface="Arial" panose="020B0604020202020204" pitchFamily="34" charset="0"/>
-              </a:rPr>
-              <a:t>, </a:t>
-            </a:r>
-            <a:r>
-              <a:rPr lang="de-DE" sz="1800" dirty="0" err="1">
-                <a:solidFill>
-                  <a:prstClr val="black"/>
-                </a:solidFill>
-                <a:latin typeface="Arial" panose="020B0604020202020204" pitchFamily="34" charset="0"/>
-                <a:cs typeface="Arial" panose="020B0604020202020204" pitchFamily="34" charset="0"/>
-              </a:rPr>
-              <a:t>consectetur</a:t>
-            </a:r>
-            <a:r>
-              <a:rPr lang="de-DE" sz="1800" dirty="0">
-                <a:solidFill>
-                  <a:prstClr val="black"/>
-                </a:solidFill>
-                <a:latin typeface="Arial" panose="020B0604020202020204" pitchFamily="34" charset="0"/>
-                <a:cs typeface="Arial" panose="020B0604020202020204" pitchFamily="34" charset="0"/>
-              </a:rPr>
-              <a:t> </a:t>
-            </a:r>
-            <a:r>
-              <a:rPr lang="de-DE" sz="1800" dirty="0" err="1">
-                <a:solidFill>
-                  <a:prstClr val="black"/>
-                </a:solidFill>
-                <a:latin typeface="Arial" panose="020B0604020202020204" pitchFamily="34" charset="0"/>
-                <a:cs typeface="Arial" panose="020B0604020202020204" pitchFamily="34" charset="0"/>
-              </a:rPr>
-              <a:t>adipiscing</a:t>
-            </a:r>
-            <a:r>
-              <a:rPr lang="de-DE" sz="1800" dirty="0">
-                <a:solidFill>
-                  <a:prstClr val="black"/>
-                </a:solidFill>
-                <a:latin typeface="Arial" panose="020B0604020202020204" pitchFamily="34" charset="0"/>
-                <a:cs typeface="Arial" panose="020B0604020202020204" pitchFamily="34" charset="0"/>
-              </a:rPr>
-              <a:t> </a:t>
-            </a:r>
-            <a:r>
-              <a:rPr lang="de-DE" sz="1800" dirty="0" err="1">
-                <a:solidFill>
-                  <a:prstClr val="black"/>
-                </a:solidFill>
-                <a:latin typeface="Arial" panose="020B0604020202020204" pitchFamily="34" charset="0"/>
-                <a:cs typeface="Arial" panose="020B0604020202020204" pitchFamily="34" charset="0"/>
-              </a:rPr>
-              <a:t>elit</a:t>
-            </a:r>
-            <a:r>
-              <a:rPr lang="de-DE" sz="1800" dirty="0">
-                <a:solidFill>
-                  <a:prstClr val="black"/>
-                </a:solidFill>
-                <a:latin typeface="Arial" panose="020B0604020202020204" pitchFamily="34" charset="0"/>
-                <a:cs typeface="Arial" panose="020B0604020202020204" pitchFamily="34" charset="0"/>
-              </a:rPr>
-              <a:t>. Nam </a:t>
-            </a:r>
-            <a:r>
-              <a:rPr lang="de-DE" sz="1800" dirty="0" err="1">
-                <a:solidFill>
-                  <a:prstClr val="black"/>
-                </a:solidFill>
-                <a:latin typeface="Arial" panose="020B0604020202020204" pitchFamily="34" charset="0"/>
-                <a:cs typeface="Arial" panose="020B0604020202020204" pitchFamily="34" charset="0"/>
-              </a:rPr>
-              <a:t>sodales</a:t>
-            </a:r>
-            <a:r>
-              <a:rPr lang="de-DE" sz="1800" dirty="0">
-                <a:solidFill>
-                  <a:prstClr val="black"/>
-                </a:solidFill>
-                <a:latin typeface="Arial" panose="020B0604020202020204" pitchFamily="34" charset="0"/>
-                <a:cs typeface="Arial" panose="020B0604020202020204" pitchFamily="34" charset="0"/>
-              </a:rPr>
-              <a:t> </a:t>
-            </a:r>
-            <a:r>
-              <a:rPr lang="de-DE" sz="1800" dirty="0" err="1">
-                <a:solidFill>
-                  <a:prstClr val="black"/>
-                </a:solidFill>
-                <a:latin typeface="Arial" panose="020B0604020202020204" pitchFamily="34" charset="0"/>
-                <a:cs typeface="Arial" panose="020B0604020202020204" pitchFamily="34" charset="0"/>
-              </a:rPr>
-              <a:t>dignissim</a:t>
-            </a:r>
-            <a:r>
-              <a:rPr lang="de-DE" sz="1800" dirty="0">
-                <a:solidFill>
-                  <a:prstClr val="black"/>
-                </a:solidFill>
-                <a:latin typeface="Arial" panose="020B0604020202020204" pitchFamily="34" charset="0"/>
-                <a:cs typeface="Arial" panose="020B0604020202020204" pitchFamily="34" charset="0"/>
-              </a:rPr>
-              <a:t> </a:t>
-            </a:r>
-            <a:r>
-              <a:rPr lang="de-DE" sz="1800" dirty="0" err="1">
-                <a:solidFill>
-                  <a:prstClr val="black"/>
-                </a:solidFill>
-                <a:latin typeface="Arial" panose="020B0604020202020204" pitchFamily="34" charset="0"/>
-                <a:cs typeface="Arial" panose="020B0604020202020204" pitchFamily="34" charset="0"/>
-              </a:rPr>
-              <a:t>eros</a:t>
-            </a:r>
-            <a:r>
-              <a:rPr lang="de-DE" sz="1800" dirty="0">
-                <a:solidFill>
-                  <a:prstClr val="black"/>
-                </a:solidFill>
-                <a:latin typeface="Arial" panose="020B0604020202020204" pitchFamily="34" charset="0"/>
-                <a:cs typeface="Arial" panose="020B0604020202020204" pitchFamily="34" charset="0"/>
-              </a:rPr>
-              <a:t>, </a:t>
-            </a:r>
-            <a:r>
-              <a:rPr lang="de-DE" sz="1800" dirty="0" err="1">
-                <a:solidFill>
-                  <a:prstClr val="black"/>
-                </a:solidFill>
-                <a:latin typeface="Arial" panose="020B0604020202020204" pitchFamily="34" charset="0"/>
-                <a:cs typeface="Arial" panose="020B0604020202020204" pitchFamily="34" charset="0"/>
-              </a:rPr>
-              <a:t>rutrum</a:t>
-            </a:r>
-            <a:r>
-              <a:rPr lang="de-DE" sz="1800" dirty="0">
-                <a:solidFill>
-                  <a:prstClr val="black"/>
-                </a:solidFill>
-                <a:latin typeface="Arial" panose="020B0604020202020204" pitchFamily="34" charset="0"/>
-                <a:cs typeface="Arial" panose="020B0604020202020204" pitchFamily="34" charset="0"/>
-              </a:rPr>
-              <a:t> </a:t>
-            </a:r>
-            <a:r>
-              <a:rPr lang="de-DE" sz="1800" dirty="0" err="1">
-                <a:solidFill>
-                  <a:prstClr val="black"/>
-                </a:solidFill>
-                <a:latin typeface="Arial" panose="020B0604020202020204" pitchFamily="34" charset="0"/>
-                <a:cs typeface="Arial" panose="020B0604020202020204" pitchFamily="34" charset="0"/>
-              </a:rPr>
-              <a:t>gravida</a:t>
-            </a:r>
-            <a:r>
-              <a:rPr lang="de-DE" sz="1800" dirty="0">
-                <a:solidFill>
-                  <a:prstClr val="black"/>
-                </a:solidFill>
-                <a:latin typeface="Arial" panose="020B0604020202020204" pitchFamily="34" charset="0"/>
-                <a:cs typeface="Arial" panose="020B0604020202020204" pitchFamily="34" charset="0"/>
-              </a:rPr>
-              <a:t> </a:t>
-            </a:r>
-            <a:r>
-              <a:rPr lang="de-DE" sz="1800" dirty="0" err="1">
-                <a:solidFill>
-                  <a:prstClr val="black"/>
-                </a:solidFill>
-                <a:latin typeface="Arial" panose="020B0604020202020204" pitchFamily="34" charset="0"/>
-                <a:cs typeface="Arial" panose="020B0604020202020204" pitchFamily="34" charset="0"/>
-              </a:rPr>
-              <a:t>ipsum</a:t>
-            </a:r>
-            <a:r>
-              <a:rPr lang="de-DE" sz="1800" dirty="0">
-                <a:solidFill>
-                  <a:prstClr val="black"/>
-                </a:solidFill>
-                <a:latin typeface="Arial" panose="020B0604020202020204" pitchFamily="34" charset="0"/>
-                <a:cs typeface="Arial" panose="020B0604020202020204" pitchFamily="34" charset="0"/>
-              </a:rPr>
-              <a:t> </a:t>
-            </a:r>
-            <a:r>
-              <a:rPr lang="de-DE" sz="1800" dirty="0" err="1">
-                <a:solidFill>
-                  <a:prstClr val="black"/>
-                </a:solidFill>
-                <a:latin typeface="Arial" panose="020B0604020202020204" pitchFamily="34" charset="0"/>
-                <a:cs typeface="Arial" panose="020B0604020202020204" pitchFamily="34" charset="0"/>
-              </a:rPr>
-              <a:t>blandit</a:t>
-            </a:r>
-            <a:r>
-              <a:rPr lang="de-DE" sz="1800" dirty="0">
-                <a:solidFill>
-                  <a:prstClr val="black"/>
-                </a:solidFill>
-                <a:latin typeface="Arial" panose="020B0604020202020204" pitchFamily="34" charset="0"/>
-                <a:cs typeface="Arial" panose="020B0604020202020204" pitchFamily="34" charset="0"/>
-              </a:rPr>
-              <a:t> </a:t>
-            </a:r>
-            <a:r>
-              <a:rPr lang="de-DE" sz="1800" dirty="0" err="1">
-                <a:solidFill>
-                  <a:prstClr val="black"/>
-                </a:solidFill>
-                <a:latin typeface="Arial" panose="020B0604020202020204" pitchFamily="34" charset="0"/>
-                <a:cs typeface="Arial" panose="020B0604020202020204" pitchFamily="34" charset="0"/>
-              </a:rPr>
-              <a:t>vitae</a:t>
-            </a:r>
-            <a:r>
-              <a:rPr lang="de-DE" sz="1800" dirty="0">
-                <a:solidFill>
-                  <a:prstClr val="black"/>
-                </a:solidFill>
-                <a:latin typeface="Arial" panose="020B0604020202020204" pitchFamily="34" charset="0"/>
-                <a:cs typeface="Arial" panose="020B0604020202020204" pitchFamily="34" charset="0"/>
-              </a:rPr>
-              <a:t>. </a:t>
-            </a:r>
-            <a:r>
-              <a:rPr lang="de-DE" sz="1800" dirty="0" err="1">
-                <a:solidFill>
-                  <a:prstClr val="black"/>
-                </a:solidFill>
-                <a:latin typeface="Arial" panose="020B0604020202020204" pitchFamily="34" charset="0"/>
-                <a:cs typeface="Arial" panose="020B0604020202020204" pitchFamily="34" charset="0"/>
-              </a:rPr>
-              <a:t>Quisque</a:t>
-            </a:r>
-            <a:r>
-              <a:rPr lang="de-DE" sz="1800" dirty="0">
-                <a:solidFill>
-                  <a:prstClr val="black"/>
-                </a:solidFill>
-                <a:latin typeface="Arial" panose="020B0604020202020204" pitchFamily="34" charset="0"/>
-                <a:cs typeface="Arial" panose="020B0604020202020204" pitchFamily="34" charset="0"/>
-              </a:rPr>
-              <a:t> </a:t>
-            </a:r>
-            <a:r>
-              <a:rPr lang="de-DE" sz="1800" dirty="0" err="1">
-                <a:solidFill>
-                  <a:prstClr val="black"/>
-                </a:solidFill>
-                <a:latin typeface="Arial" panose="020B0604020202020204" pitchFamily="34" charset="0"/>
-                <a:cs typeface="Arial" panose="020B0604020202020204" pitchFamily="34" charset="0"/>
-              </a:rPr>
-              <a:t>adipiscing</a:t>
-            </a:r>
-            <a:r>
-              <a:rPr lang="de-DE" sz="1800" dirty="0">
-                <a:solidFill>
-                  <a:prstClr val="black"/>
-                </a:solidFill>
-                <a:latin typeface="Arial" panose="020B0604020202020204" pitchFamily="34" charset="0"/>
-                <a:cs typeface="Arial" panose="020B0604020202020204" pitchFamily="34" charset="0"/>
-              </a:rPr>
-              <a:t>, </a:t>
-            </a:r>
-            <a:r>
-              <a:rPr lang="de-DE" sz="1800" dirty="0" err="1">
-                <a:solidFill>
-                  <a:prstClr val="black"/>
-                </a:solidFill>
-                <a:latin typeface="Arial" panose="020B0604020202020204" pitchFamily="34" charset="0"/>
-                <a:cs typeface="Arial" panose="020B0604020202020204" pitchFamily="34" charset="0"/>
-              </a:rPr>
-              <a:t>dui</a:t>
-            </a:r>
-            <a:r>
-              <a:rPr lang="de-DE" sz="1800" dirty="0">
-                <a:solidFill>
-                  <a:prstClr val="black"/>
-                </a:solidFill>
-                <a:latin typeface="Arial" panose="020B0604020202020204" pitchFamily="34" charset="0"/>
-                <a:cs typeface="Arial" panose="020B0604020202020204" pitchFamily="34" charset="0"/>
-              </a:rPr>
-              <a:t> </a:t>
-            </a:r>
-            <a:r>
-              <a:rPr lang="de-DE" sz="1800" dirty="0" err="1">
-                <a:solidFill>
-                  <a:prstClr val="black"/>
-                </a:solidFill>
-                <a:latin typeface="Arial" panose="020B0604020202020204" pitchFamily="34" charset="0"/>
-                <a:cs typeface="Arial" panose="020B0604020202020204" pitchFamily="34" charset="0"/>
-              </a:rPr>
-              <a:t>quis</a:t>
-            </a:r>
-            <a:r>
-              <a:rPr lang="de-DE" sz="1800" dirty="0">
-                <a:solidFill>
-                  <a:prstClr val="black"/>
-                </a:solidFill>
-                <a:latin typeface="Arial" panose="020B0604020202020204" pitchFamily="34" charset="0"/>
-                <a:cs typeface="Arial" panose="020B0604020202020204" pitchFamily="34" charset="0"/>
-              </a:rPr>
-              <a:t> </a:t>
-            </a:r>
-            <a:r>
-              <a:rPr lang="de-DE" sz="1800" dirty="0" err="1">
-                <a:solidFill>
-                  <a:prstClr val="black"/>
-                </a:solidFill>
-                <a:latin typeface="Arial" panose="020B0604020202020204" pitchFamily="34" charset="0"/>
-                <a:cs typeface="Arial" panose="020B0604020202020204" pitchFamily="34" charset="0"/>
-              </a:rPr>
-              <a:t>fermentum</a:t>
-            </a:r>
-            <a:r>
-              <a:rPr lang="de-DE" sz="1800" dirty="0">
-                <a:solidFill>
-                  <a:prstClr val="black"/>
-                </a:solidFill>
-                <a:latin typeface="Arial" panose="020B0604020202020204" pitchFamily="34" charset="0"/>
-                <a:cs typeface="Arial" panose="020B0604020202020204" pitchFamily="34" charset="0"/>
-              </a:rPr>
-              <a:t> </a:t>
-            </a:r>
-            <a:r>
-              <a:rPr lang="de-DE" sz="1800" dirty="0" err="1">
-                <a:solidFill>
-                  <a:prstClr val="black"/>
-                </a:solidFill>
-                <a:latin typeface="Arial" panose="020B0604020202020204" pitchFamily="34" charset="0"/>
-                <a:cs typeface="Arial" panose="020B0604020202020204" pitchFamily="34" charset="0"/>
-              </a:rPr>
-              <a:t>ultricies</a:t>
-            </a:r>
-            <a:r>
-              <a:rPr lang="de-DE" sz="1800" dirty="0">
-                <a:solidFill>
-                  <a:prstClr val="black"/>
-                </a:solidFill>
-                <a:latin typeface="Arial" panose="020B0604020202020204" pitchFamily="34" charset="0"/>
-                <a:cs typeface="Arial" panose="020B0604020202020204" pitchFamily="34" charset="0"/>
-              </a:rPr>
-              <a:t>, </a:t>
-            </a:r>
-            <a:r>
-              <a:rPr lang="de-DE" sz="1800" dirty="0" err="1">
-                <a:solidFill>
-                  <a:prstClr val="black"/>
-                </a:solidFill>
-                <a:latin typeface="Arial" panose="020B0604020202020204" pitchFamily="34" charset="0"/>
-                <a:cs typeface="Arial" panose="020B0604020202020204" pitchFamily="34" charset="0"/>
-              </a:rPr>
-              <a:t>dolor</a:t>
-            </a:r>
-            <a:r>
-              <a:rPr lang="de-DE" sz="1800" dirty="0">
-                <a:solidFill>
-                  <a:prstClr val="black"/>
-                </a:solidFill>
-                <a:latin typeface="Arial" panose="020B0604020202020204" pitchFamily="34" charset="0"/>
-                <a:cs typeface="Arial" panose="020B0604020202020204" pitchFamily="34" charset="0"/>
-              </a:rPr>
-              <a:t> ante</a:t>
-            </a:r>
-            <a:endParaRPr lang="de-DE" sz="1800" dirty="0">
+              <a:t>Realisierungstools:</a:t>
+            </a:r>
+            <a:endParaRPr lang="de-DE" sz="2800" b="1" dirty="0">
               <a:latin typeface="Arial" panose="020B0604020202020204" pitchFamily="34" charset="0"/>
               <a:cs typeface="Arial" panose="020B0604020202020204" pitchFamily="34" charset="0"/>
             </a:endParaRPr>
@@ -10056,7 +8064,7 @@
           <p:nvPr/>
         </p:nvPicPr>
         <p:blipFill>
-          <a:blip r:embed="rId5">
+          <a:blip r:embed="rId4">
             <a:extLst>
               <a:ext uri="{28A0092B-C50C-407E-A947-70E740481C1C}">
                 <a14:useLocalDpi xmlns:a14="http://schemas.microsoft.com/office/drawing/2010/main" val="0"/>
@@ -10099,8 +8107,8 @@
         </p:blipFill>
         <p:spPr>
           <a:xfrm>
-            <a:off x="252017" y="2088283"/>
-            <a:ext cx="20810312" cy="581106"/>
+            <a:off x="146104" y="2040347"/>
+            <a:ext cx="20950131" cy="581106"/>
           </a:xfrm>
           <a:prstGeom prst="rect">
             <a:avLst/>
@@ -10115,8 +8123,8 @@
         </p:nvSpPr>
         <p:spPr>
           <a:xfrm>
-            <a:off x="14725625" y="2923174"/>
-            <a:ext cx="6206449" cy="8880467"/>
+            <a:off x="14429479" y="2897158"/>
+            <a:ext cx="6502595" cy="8799943"/>
           </a:xfrm>
           <a:prstGeom prst="rect">
             <a:avLst/>
@@ -10155,35 +8163,26 @@
       </p:sp>
       <p:sp>
         <p:nvSpPr>
-          <p:cNvPr id="25" name="Rechteck 24"/>
+          <p:cNvPr id="26" name="Rechteck 25"/>
           <p:cNvSpPr/>
           <p:nvPr/>
         </p:nvSpPr>
         <p:spPr>
           <a:xfrm>
-            <a:off x="15229681" y="7600260"/>
-            <a:ext cx="5256584" cy="3539465"/>
+            <a:off x="247771" y="2879073"/>
+            <a:ext cx="13707066" cy="8259353"/>
           </a:xfrm>
           <a:prstGeom prst="rect">
             <a:avLst/>
           </a:prstGeom>
           <a:solidFill>
-            <a:schemeClr val="bg1">
-              <a:lumMod val="75000"/>
-            </a:schemeClr>
+            <a:srgbClr val="515151"/>
           </a:solidFill>
           <a:ln>
             <a:solidFill>
-              <a:schemeClr val="tx1"/>
+              <a:srgbClr val="515151"/>
             </a:solidFill>
           </a:ln>
-          <a:scene3d>
-            <a:camera prst="orthographicFront"/>
-            <a:lightRig rig="threePt" dir="t"/>
-          </a:scene3d>
-          <a:sp3d>
-            <a:bevelT/>
-          </a:sp3d>
         </p:spPr>
         <p:style>
           <a:lnRef idx="2">
@@ -10206,78 +8205,20 @@
           <a:lstStyle/>
           <a:p>
             <a:pPr algn="ctr"/>
-            <a:r>
-              <a:rPr lang="de-DE" dirty="0">
-                <a:ln w="0"/>
-                <a:solidFill>
-                  <a:schemeClr val="tx1"/>
-                </a:solidFill>
-                <a:effectLst>
-                  <a:outerShdw blurRad="38100" dist="19050" dir="2700000" algn="tl" rotWithShape="0">
-                    <a:schemeClr val="dk1">
-                      <a:alpha val="40000"/>
-                    </a:schemeClr>
-                  </a:outerShdw>
-                </a:effectLst>
-              </a:rPr>
-              <a:t>QR-Code</a:t>
-            </a:r>
-          </a:p>
-        </p:txBody>
-      </p:sp>
-      <p:sp>
-        <p:nvSpPr>
-          <p:cNvPr id="26" name="Rechteck 25"/>
-          <p:cNvSpPr/>
-          <p:nvPr/>
-        </p:nvSpPr>
-        <p:spPr>
-          <a:xfrm>
-            <a:off x="396033" y="2880371"/>
-            <a:ext cx="13707066" cy="8259353"/>
-          </a:xfrm>
-          <a:prstGeom prst="rect">
-            <a:avLst/>
-          </a:prstGeom>
-          <a:solidFill>
-            <a:srgbClr val="515151"/>
-          </a:solidFill>
-        </p:spPr>
-        <p:style>
-          <a:lnRef idx="2">
-            <a:schemeClr val="accent1">
-              <a:shade val="50000"/>
-            </a:schemeClr>
-          </a:lnRef>
-          <a:fillRef idx="1">
-            <a:schemeClr val="accent1"/>
-          </a:fillRef>
-          <a:effectRef idx="0">
-            <a:schemeClr val="accent1"/>
-          </a:effectRef>
-          <a:fontRef idx="minor">
-            <a:schemeClr val="lt1"/>
-          </a:fontRef>
-        </p:style>
-        <p:txBody>
-          <a:bodyPr rtlCol="0" anchor="ctr"/>
-          <a:lstStyle/>
-          <a:p>
-            <a:pPr algn="ctr"/>
             <a:endParaRPr lang="de-DE"/>
           </a:p>
         </p:txBody>
       </p:sp>
       <p:pic>
         <p:nvPicPr>
-          <p:cNvPr id="35" name="Grafik 34"/>
+          <p:cNvPr id="28" name="Grafik 27"/>
           <p:cNvPicPr>
             <a:picLocks noChangeAspect="1"/>
           </p:cNvPicPr>
           <p:nvPr/>
         </p:nvPicPr>
         <p:blipFill>
-          <a:blip r:embed="rId3">
+          <a:blip r:embed="rId5">
             <a:extLst>
               <a:ext uri="{28A0092B-C50C-407E-A947-70E740481C1C}">
                 <a14:useLocalDpi xmlns:a14="http://schemas.microsoft.com/office/drawing/2010/main" val="0"/>
@@ -10290,37 +8231,7 @@
         </p:blipFill>
         <p:spPr>
           <a:xfrm>
-            <a:off x="368559" y="11348110"/>
-            <a:ext cx="14084480" cy="393295"/>
-          </a:xfrm>
-          <a:prstGeom prst="rect">
-            <a:avLst/>
-          </a:prstGeom>
-        </p:spPr>
-      </p:pic>
-      <p:pic>
-        <p:nvPicPr>
-          <p:cNvPr id="28" name="Grafik 27"/>
-          <p:cNvPicPr>
-            <a:picLocks noChangeAspect="1"/>
-          </p:cNvPicPr>
-          <p:nvPr/>
-        </p:nvPicPr>
-        <p:blipFill>
-          <a:blip r:embed="rId6">
-            <a:extLst>
-              <a:ext uri="{28A0092B-C50C-407E-A947-70E740481C1C}">
-                <a14:useLocalDpi xmlns:a14="http://schemas.microsoft.com/office/drawing/2010/main" val="0"/>
-              </a:ext>
-            </a:extLst>
-          </a:blip>
-          <a:stretch>
-            <a:fillRect/>
-          </a:stretch>
-        </p:blipFill>
-        <p:spPr>
-          <a:xfrm>
-            <a:off x="2203371" y="3077692"/>
+            <a:off x="2055109" y="3076394"/>
             <a:ext cx="9948373" cy="6707504"/>
           </a:xfrm>
           <a:prstGeom prst="rect">
@@ -10336,7 +8247,7 @@
         </p:nvSpPr>
         <p:spPr>
           <a:xfrm>
-            <a:off x="13109575" y="5829732"/>
+            <a:off x="12961313" y="5828434"/>
             <a:ext cx="439189" cy="1092405"/>
           </a:xfrm>
           <a:prstGeom prst="chevron">
@@ -10388,7 +8299,7 @@
         </p:nvSpPr>
         <p:spPr>
           <a:xfrm flipH="1">
-            <a:off x="1008100" y="5829733"/>
+            <a:off x="859838" y="5828435"/>
             <a:ext cx="439189" cy="1092405"/>
           </a:xfrm>
           <a:prstGeom prst="chevron">
@@ -10441,6 +8352,36 @@
           <p:nvPr/>
         </p:nvPicPr>
         <p:blipFill>
+          <a:blip r:embed="rId6" cstate="print">
+            <a:extLst>
+              <a:ext uri="{28A0092B-C50C-407E-A947-70E740481C1C}">
+                <a14:useLocalDpi xmlns:a14="http://schemas.microsoft.com/office/drawing/2010/main" val="0"/>
+              </a:ext>
+            </a:extLst>
+          </a:blip>
+          <a:stretch>
+            <a:fillRect/>
+          </a:stretch>
+        </p:blipFill>
+        <p:spPr>
+          <a:xfrm>
+            <a:off x="429863" y="9813734"/>
+            <a:ext cx="1889493" cy="1281380"/>
+          </a:xfrm>
+          <a:prstGeom prst="rect">
+            <a:avLst/>
+          </a:prstGeom>
+        </p:spPr>
+      </p:pic>
+      <p:pic>
+        <p:nvPicPr>
+          <p:cNvPr id="33" name="Grafik 32"/>
+          <p:cNvPicPr>
+            <a:picLocks noChangeAspect="1"/>
+          </p:cNvPicPr>
+          <p:nvPr/>
+        </p:nvPicPr>
+        <p:blipFill>
           <a:blip r:embed="rId7" cstate="print">
             <a:extLst>
               <a:ext uri="{28A0092B-C50C-407E-A947-70E740481C1C}">
@@ -10454,8 +8395,8 @@
         </p:blipFill>
         <p:spPr>
           <a:xfrm>
-            <a:off x="578125" y="9815032"/>
-            <a:ext cx="1889493" cy="1281380"/>
+            <a:off x="2447927" y="9816561"/>
+            <a:ext cx="1904300" cy="1291368"/>
           </a:xfrm>
           <a:prstGeom prst="rect">
             <a:avLst/>
@@ -10464,7 +8405,7 @@
       </p:pic>
       <p:pic>
         <p:nvPicPr>
-          <p:cNvPr id="33" name="Grafik 32"/>
+          <p:cNvPr id="36" name="Grafik 35"/>
           <p:cNvPicPr>
             <a:picLocks noChangeAspect="1"/>
           </p:cNvPicPr>
@@ -10484,8 +8425,8 @@
         </p:blipFill>
         <p:spPr>
           <a:xfrm>
-            <a:off x="2596189" y="9817859"/>
-            <a:ext cx="1904300" cy="1291368"/>
+            <a:off x="4480798" y="9817480"/>
+            <a:ext cx="2232248" cy="1255027"/>
           </a:xfrm>
           <a:prstGeom prst="rect">
             <a:avLst/>
@@ -10494,7 +8435,7 @@
       </p:pic>
       <p:pic>
         <p:nvPicPr>
-          <p:cNvPr id="36" name="Grafik 35"/>
+          <p:cNvPr id="38" name="Grafik 37"/>
           <p:cNvPicPr>
             <a:picLocks noChangeAspect="1"/>
           </p:cNvPicPr>
@@ -10514,8 +8455,8 @@
         </p:blipFill>
         <p:spPr>
           <a:xfrm>
-            <a:off x="4629060" y="9818778"/>
-            <a:ext cx="2232248" cy="1255027"/>
+            <a:off x="6837255" y="9823574"/>
+            <a:ext cx="1475412" cy="1245351"/>
           </a:xfrm>
           <a:prstGeom prst="rect">
             <a:avLst/>
@@ -10524,7 +8465,7 @@
       </p:pic>
       <p:pic>
         <p:nvPicPr>
-          <p:cNvPr id="38" name="Grafik 37"/>
+          <p:cNvPr id="41" name="Grafik 40"/>
           <p:cNvPicPr>
             <a:picLocks noChangeAspect="1"/>
           </p:cNvPicPr>
@@ -10544,8 +8485,8 @@
         </p:blipFill>
         <p:spPr>
           <a:xfrm>
-            <a:off x="6985517" y="9824872"/>
-            <a:ext cx="1475412" cy="1245351"/>
+            <a:off x="8436876" y="9819500"/>
+            <a:ext cx="1746826" cy="1227638"/>
           </a:xfrm>
           <a:prstGeom prst="rect">
             <a:avLst/>
@@ -10554,14 +8495,14 @@
       </p:pic>
       <p:pic>
         <p:nvPicPr>
-          <p:cNvPr id="41" name="Grafik 40"/>
+          <p:cNvPr id="8" name="Grafik 7"/>
           <p:cNvPicPr>
             <a:picLocks noChangeAspect="1"/>
           </p:cNvPicPr>
           <p:nvPr/>
         </p:nvPicPr>
         <p:blipFill>
-          <a:blip r:embed="rId11" cstate="print">
+          <a:blip r:embed="rId11">
             <a:extLst>
               <a:ext uri="{28A0092B-C50C-407E-A947-70E740481C1C}">
                 <a14:useLocalDpi xmlns:a14="http://schemas.microsoft.com/office/drawing/2010/main" val="0"/>
@@ -10574,68 +8515,17 @@
         </p:blipFill>
         <p:spPr>
           <a:xfrm>
-            <a:off x="8585138" y="9820798"/>
-            <a:ext cx="1746826" cy="1227638"/>
+            <a:off x="16270790" y="11195099"/>
+            <a:ext cx="2819971" cy="398240"/>
           </a:xfrm>
           <a:prstGeom prst="rect">
             <a:avLst/>
           </a:prstGeom>
         </p:spPr>
       </p:pic>
-      <p:sp>
-        <p:nvSpPr>
-          <p:cNvPr id="42" name="Textfeld 41"/>
-          <p:cNvSpPr txBox="1"/>
-          <p:nvPr/>
-        </p:nvSpPr>
-        <p:spPr>
-          <a:xfrm>
-            <a:off x="396033" y="12817475"/>
-            <a:ext cx="19992681" cy="1754326"/>
-          </a:xfrm>
-          <a:prstGeom prst="rect">
-            <a:avLst/>
-          </a:prstGeom>
-          <a:noFill/>
-        </p:spPr>
-        <p:txBody>
-          <a:bodyPr wrap="square" rtlCol="0">
-            <a:spAutoFit/>
-          </a:bodyPr>
-          <a:lstStyle/>
-          <a:p>
-            <a:pPr>
-              <a:lnSpc>
-                <a:spcPct val="150000"/>
-              </a:lnSpc>
-            </a:pPr>
-            <a:r>
-              <a:rPr lang="de-DE" sz="3600" dirty="0">
-                <a:latin typeface="Arial" panose="020B0604020202020204" pitchFamily="34" charset="0"/>
-                <a:cs typeface="Arial" panose="020B0604020202020204" pitchFamily="34" charset="0"/>
-              </a:rPr>
-              <a:t>Praktikum der Veranstaltung Fortgeschrittene Softwaretechnologie, Sommersemester 2017</a:t>
-            </a:r>
-          </a:p>
-          <a:p>
-            <a:pPr>
-              <a:lnSpc>
-                <a:spcPct val="150000"/>
-              </a:lnSpc>
-            </a:pPr>
-            <a:r>
-              <a:rPr lang="de-DE" sz="3600" dirty="0">
-                <a:latin typeface="Arial" panose="020B0604020202020204" pitchFamily="34" charset="0"/>
-                <a:cs typeface="Arial" panose="020B0604020202020204" pitchFamily="34" charset="0"/>
-              </a:rPr>
-              <a:t>Verbundstudium Wirtschaftsinformatik Master</a:t>
-            </a:r>
-          </a:p>
-        </p:txBody>
-      </p:sp>
       <p:pic>
         <p:nvPicPr>
-          <p:cNvPr id="8" name="Grafik 7"/>
+          <p:cNvPr id="11" name="Grafik 10"/>
           <p:cNvPicPr>
             <a:picLocks noChangeAspect="1"/>
           </p:cNvPicPr>
@@ -10655,8 +8545,8 @@
         </p:blipFill>
         <p:spPr>
           <a:xfrm>
-            <a:off x="9962110" y="14019716"/>
-            <a:ext cx="2819971" cy="398240"/>
+            <a:off x="15984002" y="10370302"/>
+            <a:ext cx="1668304" cy="645795"/>
           </a:xfrm>
           <a:prstGeom prst="rect">
             <a:avLst/>
@@ -10665,14 +8555,14 @@
       </p:pic>
       <p:pic>
         <p:nvPicPr>
-          <p:cNvPr id="11" name="Grafik 10"/>
+          <p:cNvPr id="44" name="Grafik 43"/>
           <p:cNvPicPr>
             <a:picLocks noChangeAspect="1"/>
           </p:cNvPicPr>
           <p:nvPr/>
         </p:nvPicPr>
         <p:blipFill>
-          <a:blip r:embed="rId13">
+          <a:blip r:embed="rId13" cstate="print">
             <a:extLst>
               <a:ext uri="{28A0092B-C50C-407E-A947-70E740481C1C}">
                 <a14:useLocalDpi xmlns:a14="http://schemas.microsoft.com/office/drawing/2010/main" val="0"/>
@@ -10685,17 +8575,141 @@
         </p:blipFill>
         <p:spPr>
           <a:xfrm>
-            <a:off x="13109575" y="13859164"/>
-            <a:ext cx="1668304" cy="645795"/>
+            <a:off x="18244022" y="10368744"/>
+            <a:ext cx="1083793" cy="586991"/>
           </a:xfrm>
           <a:prstGeom prst="rect">
             <a:avLst/>
           </a:prstGeom>
         </p:spPr>
       </p:pic>
+      <p:sp>
+        <p:nvSpPr>
+          <p:cNvPr id="45" name="Textfeld 44"/>
+          <p:cNvSpPr txBox="1"/>
+          <p:nvPr/>
+        </p:nvSpPr>
+        <p:spPr>
+          <a:xfrm>
+            <a:off x="470465" y="13062629"/>
+            <a:ext cx="3948517" cy="769441"/>
+          </a:xfrm>
+          <a:prstGeom prst="rect">
+            <a:avLst/>
+          </a:prstGeom>
+          <a:noFill/>
+        </p:spPr>
+        <p:txBody>
+          <a:bodyPr wrap="none" rtlCol="0">
+            <a:spAutoFit/>
+          </a:bodyPr>
+          <a:lstStyle/>
+          <a:p>
+            <a:r>
+              <a:rPr lang="de-DE" sz="4400" b="1" dirty="0">
+                <a:latin typeface="Arial" panose="020B0604020202020204" pitchFamily="34" charset="0"/>
+                <a:cs typeface="Arial" panose="020B0604020202020204" pitchFamily="34" charset="0"/>
+              </a:rPr>
+              <a:t>Produktvision</a:t>
+            </a:r>
+            <a:endParaRPr lang="de-DE" b="1" dirty="0">
+              <a:latin typeface="Arial" panose="020B0604020202020204" pitchFamily="34" charset="0"/>
+              <a:cs typeface="Arial" panose="020B0604020202020204" pitchFamily="34" charset="0"/>
+            </a:endParaRPr>
+          </a:p>
+        </p:txBody>
+      </p:sp>
+      <p:sp>
+        <p:nvSpPr>
+          <p:cNvPr id="46" name="Textfeld 45"/>
+          <p:cNvSpPr txBox="1"/>
+          <p:nvPr/>
+        </p:nvSpPr>
+        <p:spPr>
+          <a:xfrm>
+            <a:off x="253901" y="13802289"/>
+            <a:ext cx="14026662" cy="2246769"/>
+          </a:xfrm>
+          <a:prstGeom prst="rect">
+            <a:avLst/>
+          </a:prstGeom>
+          <a:noFill/>
+        </p:spPr>
+        <p:txBody>
+          <a:bodyPr wrap="square" rtlCol="0">
+            <a:spAutoFit/>
+          </a:bodyPr>
+          <a:lstStyle/>
+          <a:p>
+            <a:pPr marL="457200" lvl="0" indent="-457200" algn="ctr">
+              <a:buFont typeface="Arial" panose="020B0604020202020204" pitchFamily="34" charset="0"/>
+              <a:buChar char="•"/>
+            </a:pPr>
+            <a:r>
+              <a:rPr lang="de-DE" sz="2800" dirty="0">
+                <a:latin typeface="Arial" panose="020B0604020202020204" pitchFamily="34" charset="0"/>
+                <a:cs typeface="Arial" panose="020B0604020202020204" pitchFamily="34" charset="0"/>
+              </a:rPr>
+              <a:t>Bündeln von Suchergebnissen verschiedener Quellen auf einem Portal</a:t>
+            </a:r>
+          </a:p>
+          <a:p>
+            <a:pPr marL="457200" lvl="0" indent="-457200" algn="ctr">
+              <a:buFont typeface="Arial" panose="020B0604020202020204" pitchFamily="34" charset="0"/>
+              <a:buChar char="•"/>
+            </a:pPr>
+            <a:r>
+              <a:rPr lang="de-DE" sz="2800" dirty="0">
+                <a:latin typeface="Arial" panose="020B0604020202020204" pitchFamily="34" charset="0"/>
+                <a:cs typeface="Arial" panose="020B0604020202020204" pitchFamily="34" charset="0"/>
+              </a:rPr>
+              <a:t>Verwalten von Benutzern</a:t>
+            </a:r>
+          </a:p>
+          <a:p>
+            <a:pPr marL="457200" lvl="0" indent="-457200" algn="ctr">
+              <a:buFont typeface="Arial" panose="020B0604020202020204" pitchFamily="34" charset="0"/>
+              <a:buChar char="•"/>
+            </a:pPr>
+            <a:r>
+              <a:rPr lang="de-DE" sz="2800" dirty="0">
+                <a:latin typeface="Arial" panose="020B0604020202020204" pitchFamily="34" charset="0"/>
+                <a:cs typeface="Arial" panose="020B0604020202020204" pitchFamily="34" charset="0"/>
+              </a:rPr>
+              <a:t>Verwalten von Suchprofilen (Ablegen von Suchparametern)</a:t>
+            </a:r>
+          </a:p>
+          <a:p>
+            <a:pPr marL="457200" lvl="0" indent="-457200" algn="ctr">
+              <a:buFont typeface="Arial" panose="020B0604020202020204" pitchFamily="34" charset="0"/>
+              <a:buChar char="•"/>
+            </a:pPr>
+            <a:r>
+              <a:rPr lang="de-DE" sz="2800" dirty="0">
+                <a:latin typeface="Arial" panose="020B0604020202020204" pitchFamily="34" charset="0"/>
+                <a:cs typeface="Arial" panose="020B0604020202020204" pitchFamily="34" charset="0"/>
+              </a:rPr>
+              <a:t>Benachrichtigung über zum Suchprofil passenden Immobilien</a:t>
+            </a:r>
+          </a:p>
+          <a:p>
+            <a:pPr marL="457200" lvl="0" indent="-457200" algn="ctr">
+              <a:buFont typeface="Arial" panose="020B0604020202020204" pitchFamily="34" charset="0"/>
+              <a:buChar char="•"/>
+            </a:pPr>
+            <a:r>
+              <a:rPr lang="de-DE" sz="2800" dirty="0">
+                <a:latin typeface="Arial" panose="020B0604020202020204" pitchFamily="34" charset="0"/>
+                <a:cs typeface="Arial" panose="020B0604020202020204" pitchFamily="34" charset="0"/>
+              </a:rPr>
+              <a:t>Vereinheitlichung der Informationen einer Immobilie (evtl. in einer späteren Phase)</a:t>
+            </a:r>
+          </a:p>
+        </p:txBody>
+      </p:sp>
       <p:pic>
         <p:nvPicPr>
-          <p:cNvPr id="44" name="Grafik 43"/>
+          <p:cNvPr id="9" name="Grafik 8"/>
           <p:cNvPicPr>
             <a:picLocks noChangeAspect="1"/>
           </p:cNvPicPr>
@@ -10715,164 +8729,7 @@
         </p:blipFill>
         <p:spPr>
           <a:xfrm>
-            <a:off x="15105373" y="13834971"/>
-            <a:ext cx="1083793" cy="586991"/>
-          </a:xfrm>
-          <a:prstGeom prst="rect">
-            <a:avLst/>
-          </a:prstGeom>
-        </p:spPr>
-      </p:pic>
-      <p:sp>
-        <p:nvSpPr>
-          <p:cNvPr id="45" name="Textfeld 44"/>
-          <p:cNvSpPr txBox="1"/>
-          <p:nvPr/>
-        </p:nvSpPr>
-        <p:spPr>
-          <a:xfrm>
-            <a:off x="324025" y="14649463"/>
-            <a:ext cx="3948517" cy="769441"/>
-          </a:xfrm>
-          <a:prstGeom prst="rect">
-            <a:avLst/>
-          </a:prstGeom>
-          <a:noFill/>
-        </p:spPr>
-        <p:txBody>
-          <a:bodyPr wrap="none" rtlCol="0">
-            <a:spAutoFit/>
-          </a:bodyPr>
-          <a:lstStyle/>
-          <a:p>
-            <a:r>
-              <a:rPr lang="de-DE" sz="4400" b="1" dirty="0">
-                <a:latin typeface="Arial" panose="020B0604020202020204" pitchFamily="34" charset="0"/>
-                <a:cs typeface="Arial" panose="020B0604020202020204" pitchFamily="34" charset="0"/>
-              </a:rPr>
-              <a:t>Produktvision</a:t>
-            </a:r>
-            <a:endParaRPr lang="de-DE" b="1" dirty="0">
-              <a:latin typeface="Arial" panose="020B0604020202020204" pitchFamily="34" charset="0"/>
-              <a:cs typeface="Arial" panose="020B0604020202020204" pitchFamily="34" charset="0"/>
-            </a:endParaRPr>
-          </a:p>
-        </p:txBody>
-      </p:sp>
-      <p:sp>
-        <p:nvSpPr>
-          <p:cNvPr id="46" name="Textfeld 45"/>
-          <p:cNvSpPr txBox="1"/>
-          <p:nvPr/>
-        </p:nvSpPr>
-        <p:spPr>
-          <a:xfrm>
-            <a:off x="324025" y="15369629"/>
-            <a:ext cx="14201022" cy="3139321"/>
-          </a:xfrm>
-          <a:prstGeom prst="rect">
-            <a:avLst/>
-          </a:prstGeom>
-          <a:noFill/>
-        </p:spPr>
-        <p:txBody>
-          <a:bodyPr wrap="square" rtlCol="0">
-            <a:spAutoFit/>
-          </a:bodyPr>
-          <a:lstStyle/>
-          <a:p>
-            <a:pPr marL="457200" lvl="0" indent="-457200" algn="ctr">
-              <a:buFont typeface="Arial" panose="020B0604020202020204" pitchFamily="34" charset="0"/>
-              <a:buChar char="•"/>
-            </a:pPr>
-            <a:r>
-              <a:rPr lang="de-DE" sz="2800" dirty="0">
-                <a:latin typeface="Arial" panose="020B0604020202020204" pitchFamily="34" charset="0"/>
-                <a:cs typeface="Arial" panose="020B0604020202020204" pitchFamily="34" charset="0"/>
-              </a:rPr>
-              <a:t>Bündeln von Suchergebnissen verschiedener Quellen auf einem Portal</a:t>
-            </a:r>
-          </a:p>
-          <a:p>
-            <a:pPr marL="457200" lvl="0" indent="-457200" algn="ctr">
-              <a:buFont typeface="Arial" panose="020B0604020202020204" pitchFamily="34" charset="0"/>
-              <a:buChar char="•"/>
-            </a:pPr>
-            <a:r>
-              <a:rPr lang="de-DE" sz="2800" dirty="0">
-                <a:latin typeface="Arial" panose="020B0604020202020204" pitchFamily="34" charset="0"/>
-                <a:cs typeface="Arial" panose="020B0604020202020204" pitchFamily="34" charset="0"/>
-              </a:rPr>
-              <a:t>Verwalten von Benutzern</a:t>
-            </a:r>
-          </a:p>
-          <a:p>
-            <a:pPr marL="457200" lvl="0" indent="-457200" algn="ctr">
-              <a:buFont typeface="Arial" panose="020B0604020202020204" pitchFamily="34" charset="0"/>
-              <a:buChar char="•"/>
-            </a:pPr>
-            <a:r>
-              <a:rPr lang="de-DE" sz="2800" dirty="0">
-                <a:latin typeface="Arial" panose="020B0604020202020204" pitchFamily="34" charset="0"/>
-                <a:cs typeface="Arial" panose="020B0604020202020204" pitchFamily="34" charset="0"/>
-              </a:rPr>
-              <a:t>Verwalten von Suchprofilen (Ablegen von Suchparametern)</a:t>
-            </a:r>
-          </a:p>
-          <a:p>
-            <a:pPr marL="457200" lvl="0" indent="-457200" algn="ctr">
-              <a:buFont typeface="Arial" panose="020B0604020202020204" pitchFamily="34" charset="0"/>
-              <a:buChar char="•"/>
-            </a:pPr>
-            <a:r>
-              <a:rPr lang="de-DE" sz="2800" dirty="0">
-                <a:latin typeface="Arial" panose="020B0604020202020204" pitchFamily="34" charset="0"/>
-                <a:cs typeface="Arial" panose="020B0604020202020204" pitchFamily="34" charset="0"/>
-              </a:rPr>
-              <a:t>Benachrichtigung über zum Suchprofil passenden Immobilien</a:t>
-            </a:r>
-          </a:p>
-          <a:p>
-            <a:pPr marL="457200" lvl="0" indent="-457200" algn="ctr">
-              <a:buFont typeface="Arial" panose="020B0604020202020204" pitchFamily="34" charset="0"/>
-              <a:buChar char="•"/>
-            </a:pPr>
-            <a:r>
-              <a:rPr lang="de-DE" sz="2800" dirty="0">
-                <a:latin typeface="Arial" panose="020B0604020202020204" pitchFamily="34" charset="0"/>
-                <a:cs typeface="Arial" panose="020B0604020202020204" pitchFamily="34" charset="0"/>
-              </a:rPr>
-              <a:t>Vereinheitlichung der Informationen einer Immobilie (evtl. in einer späteren Phase)</a:t>
-            </a:r>
-          </a:p>
-          <a:p>
-            <a:endParaRPr lang="de-DE" dirty="0"/>
-          </a:p>
-        </p:txBody>
-      </p:sp>
-      <p:pic>
-        <p:nvPicPr>
-          <p:cNvPr id="9" name="Grafik 8"/>
-          <p:cNvPicPr>
-            <a:picLocks noChangeAspect="1"/>
-          </p:cNvPicPr>
-          <p:nvPr/>
-        </p:nvPicPr>
-        <p:blipFill>
-          <a:blip r:embed="rId15" cstate="print">
-            <a:extLst>
-              <a:ext uri="{28A0092B-C50C-407E-A947-70E740481C1C}">
-                <a14:useLocalDpi xmlns:a14="http://schemas.microsoft.com/office/drawing/2010/main" val="0"/>
-              </a:ext>
-            </a:extLst>
-          </a:blip>
-          <a:stretch>
-            <a:fillRect/>
-          </a:stretch>
-        </p:blipFill>
-        <p:spPr>
-          <a:xfrm>
-            <a:off x="324025" y="21159111"/>
+            <a:off x="470465" y="21288228"/>
             <a:ext cx="6325179" cy="3131244"/>
           </a:xfrm>
           <a:prstGeom prst="rect">
@@ -10889,14 +8746,14 @@
           <p:nvPr/>
         </p:nvPicPr>
         <p:blipFill>
-          <a:blip r:embed="rId16"/>
+          <a:blip r:embed="rId15"/>
           <a:stretch>
             <a:fillRect/>
           </a:stretch>
         </p:blipFill>
         <p:spPr>
           <a:xfrm>
-            <a:off x="328890" y="24958425"/>
+            <a:off x="473672" y="25474666"/>
             <a:ext cx="6325179" cy="3015914"/>
           </a:xfrm>
           <a:prstGeom prst="rect">
@@ -10912,7 +8769,7 @@
         </p:nvSpPr>
         <p:spPr>
           <a:xfrm>
-            <a:off x="252017" y="20290604"/>
+            <a:off x="421356" y="19138584"/>
             <a:ext cx="6402052" cy="923330"/>
           </a:xfrm>
           <a:prstGeom prst="rect">
@@ -10943,7 +8800,19 @@
                 <a:latin typeface="Arial" panose="020B0604020202020204" pitchFamily="34" charset="0"/>
                 <a:cs typeface="Arial" panose="020B0604020202020204" pitchFamily="34" charset="0"/>
               </a:rPr>
-              <a:t> als Tool zur Projektorganisation. Wir haben ein agiles Vorgehensmodell gewählt und </a:t>
+              <a:t> als Tool zur Projektorganisation. </a:t>
+            </a:r>
+          </a:p>
+          <a:p>
+            <a:r>
+              <a:rPr lang="de-DE" sz="1800" dirty="0">
+                <a:solidFill>
+                  <a:prstClr val="black"/>
+                </a:solidFill>
+                <a:latin typeface="Arial" panose="020B0604020202020204" pitchFamily="34" charset="0"/>
+                <a:cs typeface="Arial" panose="020B0604020202020204" pitchFamily="34" charset="0"/>
+              </a:rPr>
+              <a:t>Wir haben ein agiles Vorgehensmodell gewählt und </a:t>
             </a:r>
             <a:r>
               <a:rPr lang="de-DE" sz="1800" dirty="0" err="1">
@@ -10980,7 +8849,7 @@
         </p:nvSpPr>
         <p:spPr>
           <a:xfrm>
-            <a:off x="247152" y="24300327"/>
+            <a:off x="429863" y="24415302"/>
             <a:ext cx="6402052" cy="369332"/>
           </a:xfrm>
           <a:prstGeom prst="rect">
@@ -11018,7 +8887,7 @@
         </p:nvSpPr>
         <p:spPr>
           <a:xfrm>
-            <a:off x="247152" y="28003272"/>
+            <a:off x="429863" y="28478450"/>
             <a:ext cx="6402052" cy="369332"/>
           </a:xfrm>
           <a:prstGeom prst="rect">
@@ -11071,6 +8940,36 @@
       <p:pic>
         <p:nvPicPr>
           <p:cNvPr id="19" name="Grafik 18"/>
+          <p:cNvPicPr>
+            <a:picLocks noChangeAspect="1"/>
+          </p:cNvPicPr>
+          <p:nvPr/>
+        </p:nvPicPr>
+        <p:blipFill>
+          <a:blip r:embed="rId16" cstate="print">
+            <a:extLst>
+              <a:ext uri="{28A0092B-C50C-407E-A947-70E740481C1C}">
+                <a14:useLocalDpi xmlns:a14="http://schemas.microsoft.com/office/drawing/2010/main" val="0"/>
+              </a:ext>
+            </a:extLst>
+          </a:blip>
+          <a:stretch>
+            <a:fillRect/>
+          </a:stretch>
+        </p:blipFill>
+        <p:spPr>
+          <a:xfrm>
+            <a:off x="7460878" y="18937798"/>
+            <a:ext cx="5391695" cy="5477504"/>
+          </a:xfrm>
+          <a:prstGeom prst="rect">
+            <a:avLst/>
+          </a:prstGeom>
+        </p:spPr>
+      </p:pic>
+      <p:pic>
+        <p:nvPicPr>
+          <p:cNvPr id="27" name="Grafik 26"/>
           <p:cNvPicPr>
             <a:picLocks noChangeAspect="1"/>
           </p:cNvPicPr>
@@ -11090,38 +8989,8 @@
         </p:blipFill>
         <p:spPr>
           <a:xfrm>
-            <a:off x="7461722" y="20290604"/>
-            <a:ext cx="4502221" cy="4573874"/>
-          </a:xfrm>
-          <a:prstGeom prst="rect">
-            <a:avLst/>
-          </a:prstGeom>
-        </p:spPr>
-      </p:pic>
-      <p:pic>
-        <p:nvPicPr>
-          <p:cNvPr id="27" name="Grafik 26"/>
-          <p:cNvPicPr>
-            <a:picLocks noChangeAspect="1"/>
-          </p:cNvPicPr>
-          <p:nvPr/>
-        </p:nvPicPr>
-        <p:blipFill>
-          <a:blip r:embed="rId18" cstate="print">
-            <a:extLst>
-              <a:ext uri="{28A0092B-C50C-407E-A947-70E740481C1C}">
-                <a14:useLocalDpi xmlns:a14="http://schemas.microsoft.com/office/drawing/2010/main" val="0"/>
-              </a:ext>
-            </a:extLst>
-          </a:blip>
-          <a:stretch>
-            <a:fillRect/>
-          </a:stretch>
-        </p:blipFill>
-        <p:spPr>
-          <a:xfrm>
-            <a:off x="7481098" y="24958425"/>
-            <a:ext cx="4482845" cy="3509380"/>
+            <a:off x="14409842" y="19410455"/>
+            <a:ext cx="6398884" cy="5009345"/>
           </a:xfrm>
           <a:prstGeom prst="rect">
             <a:avLst/>
@@ -11137,7 +9006,7 @@
           <p:nvPr/>
         </p:nvPicPr>
         <p:blipFill>
-          <a:blip r:embed="rId19">
+          <a:blip r:embed="rId18">
             <a:extLst>
               <a:ext uri="{28A0092B-C50C-407E-A947-70E740481C1C}">
                 <a14:useLocalDpi xmlns:a14="http://schemas.microsoft.com/office/drawing/2010/main" val="0"/>
@@ -11150,8 +9019,8 @@
         </p:blipFill>
         <p:spPr>
           <a:xfrm>
-            <a:off x="14556396" y="20290604"/>
-            <a:ext cx="6349642" cy="3571674"/>
+            <a:off x="7460878" y="24943026"/>
+            <a:ext cx="6306762" cy="3547554"/>
           </a:xfrm>
           <a:prstGeom prst="rect">
             <a:avLst/>
@@ -11165,21 +9034,146 @@
           <p:nvPr>
             <p:extLst>
               <p:ext uri="{D42A27DB-BD31-4B8C-83A1-F6EECF244321}">
-                <p14:modId xmlns:p14="http://schemas.microsoft.com/office/powerpoint/2010/main" val="1401471547"/>
+                <p14:modId xmlns:p14="http://schemas.microsoft.com/office/powerpoint/2010/main" val="469951144"/>
               </p:ext>
             </p:extLst>
           </p:nvPr>
         </p:nvGraphicFramePr>
         <p:xfrm>
-          <a:off x="211358" y="17948549"/>
+          <a:off x="253901" y="16539245"/>
           <a:ext cx="20720716" cy="1235401"/>
         </p:xfrm>
         <a:graphic>
           <a:graphicData uri="http://schemas.openxmlformats.org/drawingml/2006/diagram">
-            <dgm:relIds xmlns:dgm="http://schemas.openxmlformats.org/drawingml/2006/diagram" xmlns:r="http://schemas.openxmlformats.org/officeDocument/2006/relationships" r:dm="rId20" r:lo="rId21" r:qs="rId22" r:cs="rId23"/>
+            <dgm:relIds xmlns:dgm="http://schemas.openxmlformats.org/drawingml/2006/diagram" xmlns:r="http://schemas.openxmlformats.org/officeDocument/2006/relationships" r:dm="rId19" r:lo="rId20" r:qs="rId21" r:cs="rId22"/>
           </a:graphicData>
         </a:graphic>
       </p:graphicFrame>
+      <p:sp>
+        <p:nvSpPr>
+          <p:cNvPr id="6" name="Textfeld 5"/>
+          <p:cNvSpPr txBox="1"/>
+          <p:nvPr/>
+        </p:nvSpPr>
+        <p:spPr>
+          <a:xfrm>
+            <a:off x="14529502" y="7933263"/>
+            <a:ext cx="6245607" cy="2246769"/>
+          </a:xfrm>
+          <a:prstGeom prst="rect">
+            <a:avLst/>
+          </a:prstGeom>
+          <a:noFill/>
+        </p:spPr>
+        <p:txBody>
+          <a:bodyPr wrap="square" rtlCol="0">
+            <a:spAutoFit/>
+          </a:bodyPr>
+          <a:lstStyle/>
+          <a:p>
+            <a:r>
+              <a:rPr lang="de-DE" sz="2800" dirty="0">
+                <a:latin typeface="Arial" panose="020B0604020202020204" pitchFamily="34" charset="0"/>
+                <a:cs typeface="Arial" panose="020B0604020202020204" pitchFamily="34" charset="0"/>
+              </a:rPr>
+              <a:t>Praktikum der Veranstaltung Fortgeschrittene Softwaretechnologie Verbundstudium </a:t>
+            </a:r>
+          </a:p>
+          <a:p>
+            <a:r>
+              <a:rPr lang="de-DE" sz="2800" dirty="0">
+                <a:latin typeface="Arial" panose="020B0604020202020204" pitchFamily="34" charset="0"/>
+                <a:cs typeface="Arial" panose="020B0604020202020204" pitchFamily="34" charset="0"/>
+              </a:rPr>
+              <a:t>Wirtschaftsinformatik Master</a:t>
+            </a:r>
+          </a:p>
+          <a:p>
+            <a:r>
+              <a:rPr lang="de-DE" sz="2800" dirty="0">
+                <a:latin typeface="Arial" panose="020B0604020202020204" pitchFamily="34" charset="0"/>
+                <a:cs typeface="Arial" panose="020B0604020202020204" pitchFamily="34" charset="0"/>
+              </a:rPr>
+              <a:t>Sommersemester 2017</a:t>
+            </a:r>
+          </a:p>
+        </p:txBody>
+      </p:sp>
+      <p:sp>
+        <p:nvSpPr>
+          <p:cNvPr id="13" name="Textfeld 12"/>
+          <p:cNvSpPr txBox="1"/>
+          <p:nvPr/>
+        </p:nvSpPr>
+        <p:spPr>
+          <a:xfrm>
+            <a:off x="14825046" y="2997675"/>
+            <a:ext cx="2484825" cy="769441"/>
+          </a:xfrm>
+          <a:prstGeom prst="rect">
+            <a:avLst/>
+          </a:prstGeom>
+          <a:noFill/>
+        </p:spPr>
+        <p:txBody>
+          <a:bodyPr wrap="square" rtlCol="0">
+            <a:spAutoFit/>
+          </a:bodyPr>
+          <a:lstStyle/>
+          <a:p>
+            <a:r>
+              <a:rPr lang="de-DE" sz="4400" b="1" dirty="0"/>
+              <a:t>Anbieter:</a:t>
+            </a:r>
+          </a:p>
+        </p:txBody>
+      </p:sp>
+      <p:sp>
+        <p:nvSpPr>
+          <p:cNvPr id="18" name="Rechteck 17"/>
+          <p:cNvSpPr/>
+          <p:nvPr/>
+        </p:nvSpPr>
+        <p:spPr>
+          <a:xfrm>
+            <a:off x="242216" y="11305307"/>
+            <a:ext cx="13707674" cy="449152"/>
+          </a:xfrm>
+          <a:prstGeom prst="rect">
+            <a:avLst/>
+          </a:prstGeom>
+          <a:solidFill>
+            <a:srgbClr val="515151"/>
+          </a:solidFill>
+          <a:ln>
+            <a:noFill/>
+          </a:ln>
+        </p:spPr>
+        <p:style>
+          <a:lnRef idx="2">
+            <a:schemeClr val="accent1">
+              <a:shade val="50000"/>
+            </a:schemeClr>
+          </a:lnRef>
+          <a:fillRef idx="1">
+            <a:schemeClr val="accent1"/>
+          </a:fillRef>
+          <a:effectRef idx="0">
+            <a:schemeClr val="accent1"/>
+          </a:effectRef>
+          <a:fontRef idx="minor">
+            <a:schemeClr val="lt1"/>
+          </a:fontRef>
+        </p:style>
+        <p:txBody>
+          <a:bodyPr rtlCol="0" anchor="ctr"/>
+          <a:lstStyle/>
+          <a:p>
+            <a:pPr algn="ctr"/>
+            <a:endParaRPr lang="de-DE"/>
+          </a:p>
+        </p:txBody>
+      </p:sp>
     </p:spTree>
     <p:extLst>
       <p:ext uri="{BB962C8B-B14F-4D97-AF65-F5344CB8AC3E}">

--- a/FST17_M4_PosterHoch_T04.pptx
+++ b/FST17_M4_PosterHoch_T04.pptx
@@ -3992,7 +3992,7 @@
           <a:p>
             <a:fld id="{F8A2F35C-CEA7-4A41-A6EB-7B100C25E6CB}" type="datetimeFigureOut">
               <a:rPr lang="de-DE" smtClean="0"/>
-              <a:t>02.06.2017</a:t>
+              <a:t>16.06.2017</a:t>
             </a:fld>
             <a:endParaRPr lang="de-DE"/>
           </a:p>
@@ -4522,7 +4522,7 @@
           <a:p>
             <a:fld id="{CFEF8110-D74D-4E53-9D8A-42DFB11C9F8B}" type="datetimeFigureOut">
               <a:rPr lang="de-DE" smtClean="0"/>
-              <a:t>02.06.2017</a:t>
+              <a:t>16.06.2017</a:t>
             </a:fld>
             <a:endParaRPr lang="de-DE"/>
           </a:p>
@@ -4690,7 +4690,7 @@
           <a:p>
             <a:fld id="{CFEF8110-D74D-4E53-9D8A-42DFB11C9F8B}" type="datetimeFigureOut">
               <a:rPr lang="de-DE" smtClean="0"/>
-              <a:t>02.06.2017</a:t>
+              <a:t>16.06.2017</a:t>
             </a:fld>
             <a:endParaRPr lang="de-DE"/>
           </a:p>
@@ -4868,7 +4868,7 @@
           <a:p>
             <a:fld id="{CFEF8110-D74D-4E53-9D8A-42DFB11C9F8B}" type="datetimeFigureOut">
               <a:rPr lang="de-DE" smtClean="0"/>
-              <a:t>02.06.2017</a:t>
+              <a:t>16.06.2017</a:t>
             </a:fld>
             <a:endParaRPr lang="de-DE"/>
           </a:p>
@@ -5036,7 +5036,7 @@
           <a:p>
             <a:fld id="{CFEF8110-D74D-4E53-9D8A-42DFB11C9F8B}" type="datetimeFigureOut">
               <a:rPr lang="de-DE" smtClean="0"/>
-              <a:t>02.06.2017</a:t>
+              <a:t>16.06.2017</a:t>
             </a:fld>
             <a:endParaRPr lang="de-DE"/>
           </a:p>
@@ -5281,7 +5281,7 @@
           <a:p>
             <a:fld id="{CFEF8110-D74D-4E53-9D8A-42DFB11C9F8B}" type="datetimeFigureOut">
               <a:rPr lang="de-DE" smtClean="0"/>
-              <a:t>02.06.2017</a:t>
+              <a:t>16.06.2017</a:t>
             </a:fld>
             <a:endParaRPr lang="de-DE"/>
           </a:p>
@@ -5566,7 +5566,7 @@
           <a:p>
             <a:fld id="{CFEF8110-D74D-4E53-9D8A-42DFB11C9F8B}" type="datetimeFigureOut">
               <a:rPr lang="de-DE" smtClean="0"/>
-              <a:t>02.06.2017</a:t>
+              <a:t>16.06.2017</a:t>
             </a:fld>
             <a:endParaRPr lang="de-DE"/>
           </a:p>
@@ -5985,7 +5985,7 @@
           <a:p>
             <a:fld id="{CFEF8110-D74D-4E53-9D8A-42DFB11C9F8B}" type="datetimeFigureOut">
               <a:rPr lang="de-DE" smtClean="0"/>
-              <a:t>02.06.2017</a:t>
+              <a:t>16.06.2017</a:t>
             </a:fld>
             <a:endParaRPr lang="de-DE"/>
           </a:p>
@@ -6102,7 +6102,7 @@
           <a:p>
             <a:fld id="{CFEF8110-D74D-4E53-9D8A-42DFB11C9F8B}" type="datetimeFigureOut">
               <a:rPr lang="de-DE" smtClean="0"/>
-              <a:t>02.06.2017</a:t>
+              <a:t>16.06.2017</a:t>
             </a:fld>
             <a:endParaRPr lang="de-DE"/>
           </a:p>
@@ -6197,7 +6197,7 @@
           <a:p>
             <a:fld id="{CFEF8110-D74D-4E53-9D8A-42DFB11C9F8B}" type="datetimeFigureOut">
               <a:rPr lang="de-DE" smtClean="0"/>
-              <a:t>02.06.2017</a:t>
+              <a:t>16.06.2017</a:t>
             </a:fld>
             <a:endParaRPr lang="de-DE"/>
           </a:p>
@@ -6472,7 +6472,7 @@
           <a:p>
             <a:fld id="{CFEF8110-D74D-4E53-9D8A-42DFB11C9F8B}" type="datetimeFigureOut">
               <a:rPr lang="de-DE" smtClean="0"/>
-              <a:t>02.06.2017</a:t>
+              <a:t>16.06.2017</a:t>
             </a:fld>
             <a:endParaRPr lang="de-DE"/>
           </a:p>
@@ -6724,7 +6724,7 @@
           <a:p>
             <a:fld id="{CFEF8110-D74D-4E53-9D8A-42DFB11C9F8B}" type="datetimeFigureOut">
               <a:rPr lang="de-DE" smtClean="0"/>
-              <a:t>02.06.2017</a:t>
+              <a:t>16.06.2017</a:t>
             </a:fld>
             <a:endParaRPr lang="de-DE"/>
           </a:p>
@@ -6935,7 +6935,7 @@
           <a:p>
             <a:fld id="{CFEF8110-D74D-4E53-9D8A-42DFB11C9F8B}" type="datetimeFigureOut">
               <a:rPr lang="de-DE" smtClean="0"/>
-              <a:t>02.06.2017</a:t>
+              <a:t>16.06.2017</a:t>
             </a:fld>
             <a:endParaRPr lang="de-DE"/>
           </a:p>
@@ -7542,7 +7542,12 @@
             <p:ph type="ctrTitle"/>
           </p:nvPr>
         </p:nvSpPr>
-        <p:spPr/>
+        <p:spPr>
+          <a:xfrm>
+            <a:off x="1692178" y="288083"/>
+            <a:ext cx="18055987" cy="1872207"/>
+          </a:xfrm>
+        </p:spPr>
         <p:txBody>
           <a:bodyPr>
             <a:noAutofit/>
@@ -7864,7 +7869,7 @@
         <p:spPr>
           <a:xfrm>
             <a:off x="14414066" y="18080498"/>
-            <a:ext cx="4318811" cy="984885"/>
+            <a:ext cx="3740126" cy="984885"/>
           </a:xfrm>
           <a:prstGeom prst="rect">
             <a:avLst/>
@@ -7884,7 +7889,7 @@
                 <a:latin typeface="Arial" panose="020B0604020202020204" pitchFamily="34" charset="0"/>
                 <a:cs typeface="Arial" panose="020B0604020202020204" pitchFamily="34" charset="0"/>
               </a:rPr>
-              <a:t>Realisierung</a:t>
+              <a:t>Architektur</a:t>
             </a:r>
             <a:endParaRPr lang="de-DE" dirty="0">
               <a:latin typeface="Arial" panose="020B0604020202020204" pitchFamily="34" charset="0"/>
@@ -7987,7 +7992,7 @@
         </p:nvSpPr>
         <p:spPr>
           <a:xfrm>
-            <a:off x="14409842" y="24415302"/>
+            <a:off x="14409842" y="23969423"/>
             <a:ext cx="6407027" cy="369332"/>
           </a:xfrm>
           <a:prstGeom prst="rect">
@@ -8025,8 +8030,8 @@
         </p:nvSpPr>
         <p:spPr>
           <a:xfrm>
-            <a:off x="14410553" y="24873527"/>
-            <a:ext cx="6449278" cy="523220"/>
+            <a:off x="14384645" y="24289974"/>
+            <a:ext cx="6449278" cy="984885"/>
           </a:xfrm>
           <a:prstGeom prst="rect">
             <a:avLst/>
@@ -8039,7 +8044,7 @@
           <a:lstStyle/>
           <a:p>
             <a:r>
-              <a:rPr lang="de-DE" sz="2800" b="1" dirty="0">
+              <a:rPr lang="de-DE" dirty="0">
                 <a:solidFill>
                   <a:prstClr val="black"/>
                 </a:solidFill>
@@ -8048,7 +8053,7 @@
               </a:rPr>
               <a:t>Realisierungstools:</a:t>
             </a:r>
-            <a:endParaRPr lang="de-DE" sz="2800" b="1" dirty="0">
+            <a:endParaRPr lang="de-DE" dirty="0">
               <a:latin typeface="Arial" panose="020B0604020202020204" pitchFamily="34" charset="0"/>
               <a:cs typeface="Arial" panose="020B0604020202020204" pitchFamily="34" charset="0"/>
             </a:endParaRPr>
@@ -8077,7 +8082,7 @@
         </p:blipFill>
         <p:spPr>
           <a:xfrm>
-            <a:off x="6019968" y="532759"/>
+            <a:off x="6019968" y="316733"/>
             <a:ext cx="9274409" cy="1521003"/>
           </a:xfrm>
           <a:prstGeom prst="rect">
@@ -8729,8 +8734,8 @@
         </p:blipFill>
         <p:spPr>
           <a:xfrm>
-            <a:off x="470465" y="21288228"/>
-            <a:ext cx="6325179" cy="3131244"/>
+            <a:off x="467582" y="20886186"/>
+            <a:ext cx="6325179" cy="3529116"/>
           </a:xfrm>
           <a:prstGeom prst="rect">
             <a:avLst/>
@@ -8753,8 +8758,8 @@
         </p:blipFill>
         <p:spPr>
           <a:xfrm>
-            <a:off x="473672" y="25474666"/>
-            <a:ext cx="6325179" cy="3015914"/>
+            <a:off x="473672" y="24940314"/>
+            <a:ext cx="6325179" cy="3550266"/>
           </a:xfrm>
           <a:prstGeom prst="rect">
             <a:avLst/>
@@ -8989,7 +8994,7 @@
         </p:blipFill>
         <p:spPr>
           <a:xfrm>
-            <a:off x="14409842" y="19410455"/>
+            <a:off x="14452863" y="18937798"/>
             <a:ext cx="6398884" cy="5009345"/>
           </a:xfrm>
           <a:prstGeom prst="rect">
@@ -9174,6 +9179,278 @@
           </a:p>
         </p:txBody>
       </p:sp>
+      <p:pic>
+        <p:nvPicPr>
+          <p:cNvPr id="53" name="Grafik 52"/>
+          <p:cNvPicPr>
+            <a:picLocks noChangeAspect="1"/>
+          </p:cNvPicPr>
+          <p:nvPr/>
+        </p:nvPicPr>
+        <p:blipFill>
+          <a:blip r:embed="rId24" cstate="print">
+            <a:extLst>
+              <a:ext uri="{28A0092B-C50C-407E-A947-70E740481C1C}">
+                <a14:useLocalDpi xmlns:a14="http://schemas.microsoft.com/office/drawing/2010/main" val="0"/>
+              </a:ext>
+            </a:extLst>
+          </a:blip>
+          <a:stretch>
+            <a:fillRect/>
+          </a:stretch>
+        </p:blipFill>
+        <p:spPr>
+          <a:xfrm>
+            <a:off x="14451752" y="27670730"/>
+            <a:ext cx="1159592" cy="1159592"/>
+          </a:xfrm>
+          <a:prstGeom prst="rect">
+            <a:avLst/>
+          </a:prstGeom>
+        </p:spPr>
+      </p:pic>
+      <p:pic>
+        <p:nvPicPr>
+          <p:cNvPr id="35" name="Grafik 34"/>
+          <p:cNvPicPr>
+            <a:picLocks noChangeAspect="1"/>
+          </p:cNvPicPr>
+          <p:nvPr/>
+        </p:nvPicPr>
+        <p:blipFill>
+          <a:blip r:embed="rId25">
+            <a:extLst>
+              <a:ext uri="{28A0092B-C50C-407E-A947-70E740481C1C}">
+                <a14:useLocalDpi xmlns:a14="http://schemas.microsoft.com/office/drawing/2010/main" val="0"/>
+              </a:ext>
+            </a:extLst>
+          </a:blip>
+          <a:stretch>
+            <a:fillRect/>
+          </a:stretch>
+        </p:blipFill>
+        <p:spPr>
+          <a:xfrm>
+            <a:off x="17368193" y="27728282"/>
+            <a:ext cx="1119500" cy="1119500"/>
+          </a:xfrm>
+          <a:prstGeom prst="rect">
+            <a:avLst/>
+          </a:prstGeom>
+        </p:spPr>
+      </p:pic>
+      <p:pic>
+        <p:nvPicPr>
+          <p:cNvPr id="60" name="Grafik 59"/>
+          <p:cNvPicPr>
+            <a:picLocks noChangeAspect="1"/>
+          </p:cNvPicPr>
+          <p:nvPr/>
+        </p:nvPicPr>
+        <p:blipFill>
+          <a:blip r:embed="rId26">
+            <a:extLst>
+              <a:ext uri="{28A0092B-C50C-407E-A947-70E740481C1C}">
+                <a14:useLocalDpi xmlns:a14="http://schemas.microsoft.com/office/drawing/2010/main" val="0"/>
+              </a:ext>
+            </a:extLst>
+          </a:blip>
+          <a:stretch>
+            <a:fillRect/>
+          </a:stretch>
+        </p:blipFill>
+        <p:spPr>
+          <a:xfrm>
+            <a:off x="14451751" y="25389371"/>
+            <a:ext cx="4090473" cy="961261"/>
+          </a:xfrm>
+          <a:prstGeom prst="rect">
+            <a:avLst/>
+          </a:prstGeom>
+        </p:spPr>
+      </p:pic>
+      <p:pic>
+        <p:nvPicPr>
+          <p:cNvPr id="64" name="Grafik 63"/>
+          <p:cNvPicPr>
+            <a:picLocks noChangeAspect="1"/>
+          </p:cNvPicPr>
+          <p:nvPr/>
+        </p:nvPicPr>
+        <p:blipFill>
+          <a:blip r:embed="rId27">
+            <a:extLst>
+              <a:ext uri="{28A0092B-C50C-407E-A947-70E740481C1C}">
+                <a14:useLocalDpi xmlns:a14="http://schemas.microsoft.com/office/drawing/2010/main" val="0"/>
+              </a:ext>
+            </a:extLst>
+          </a:blip>
+          <a:stretch>
+            <a:fillRect/>
+          </a:stretch>
+        </p:blipFill>
+        <p:spPr>
+          <a:xfrm>
+            <a:off x="18869571" y="26608214"/>
+            <a:ext cx="1984523" cy="826885"/>
+          </a:xfrm>
+          <a:prstGeom prst="rect">
+            <a:avLst/>
+          </a:prstGeom>
+        </p:spPr>
+      </p:pic>
+      <p:pic>
+        <p:nvPicPr>
+          <p:cNvPr id="68" name="Grafik 67"/>
+          <p:cNvPicPr>
+            <a:picLocks noChangeAspect="1"/>
+          </p:cNvPicPr>
+          <p:nvPr/>
+        </p:nvPicPr>
+        <p:blipFill>
+          <a:blip r:embed="rId28" cstate="print">
+            <a:extLst>
+              <a:ext uri="{28A0092B-C50C-407E-A947-70E740481C1C}">
+                <a14:useLocalDpi xmlns:a14="http://schemas.microsoft.com/office/drawing/2010/main" val="0"/>
+              </a:ext>
+            </a:extLst>
+          </a:blip>
+          <a:stretch>
+            <a:fillRect/>
+          </a:stretch>
+        </p:blipFill>
+        <p:spPr>
+          <a:xfrm>
+            <a:off x="14429479" y="26607187"/>
+            <a:ext cx="1577755" cy="826885"/>
+          </a:xfrm>
+          <a:prstGeom prst="rect">
+            <a:avLst/>
+          </a:prstGeom>
+        </p:spPr>
+      </p:pic>
+      <p:pic>
+        <p:nvPicPr>
+          <p:cNvPr id="70" name="Grafik 69"/>
+          <p:cNvPicPr>
+            <a:picLocks noChangeAspect="1"/>
+          </p:cNvPicPr>
+          <p:nvPr/>
+        </p:nvPicPr>
+        <p:blipFill>
+          <a:blip r:embed="rId29" cstate="print">
+            <a:extLst>
+              <a:ext uri="{28A0092B-C50C-407E-A947-70E740481C1C}">
+                <a14:useLocalDpi xmlns:a14="http://schemas.microsoft.com/office/drawing/2010/main" val="0"/>
+              </a:ext>
+              <a:ext uri="{96DAC541-7B7A-43D3-8B79-37D633B846F1}">
+                <asvg:svgBlip xmlns:asvg="http://schemas.microsoft.com/office/drawing/2016/SVG/main" r:embed="rId30"/>
+              </a:ext>
+            </a:extLst>
+          </a:blip>
+          <a:stretch>
+            <a:fillRect/>
+          </a:stretch>
+        </p:blipFill>
+        <p:spPr>
+          <a:xfrm>
+            <a:off x="16210168" y="26694515"/>
+            <a:ext cx="2425112" cy="658660"/>
+          </a:xfrm>
+          <a:prstGeom prst="rect">
+            <a:avLst/>
+          </a:prstGeom>
+        </p:spPr>
+      </p:pic>
+      <p:pic>
+        <p:nvPicPr>
+          <p:cNvPr id="74" name="Grafik 73"/>
+          <p:cNvPicPr>
+            <a:picLocks noChangeAspect="1"/>
+          </p:cNvPicPr>
+          <p:nvPr/>
+        </p:nvPicPr>
+        <p:blipFill>
+          <a:blip r:embed="rId31">
+            <a:extLst>
+              <a:ext uri="{28A0092B-C50C-407E-A947-70E740481C1C}">
+                <a14:useLocalDpi xmlns:a14="http://schemas.microsoft.com/office/drawing/2010/main" val="0"/>
+              </a:ext>
+            </a:extLst>
+          </a:blip>
+          <a:stretch>
+            <a:fillRect/>
+          </a:stretch>
+        </p:blipFill>
+        <p:spPr>
+          <a:xfrm>
+            <a:off x="15940707" y="27732199"/>
+            <a:ext cx="1098123" cy="1098123"/>
+          </a:xfrm>
+          <a:prstGeom prst="rect">
+            <a:avLst/>
+          </a:prstGeom>
+        </p:spPr>
+      </p:pic>
+      <p:pic>
+        <p:nvPicPr>
+          <p:cNvPr id="76" name="Grafik 75"/>
+          <p:cNvPicPr>
+            <a:picLocks noChangeAspect="1"/>
+          </p:cNvPicPr>
+          <p:nvPr/>
+        </p:nvPicPr>
+        <p:blipFill rotWithShape="1">
+          <a:blip r:embed="rId32">
+            <a:extLst>
+              <a:ext uri="{28A0092B-C50C-407E-A947-70E740481C1C}">
+                <a14:useLocalDpi xmlns:a14="http://schemas.microsoft.com/office/drawing/2010/main" val="0"/>
+              </a:ext>
+            </a:extLst>
+          </a:blip>
+          <a:srcRect l="3860" t="3437" r="-91" b="2620"/>
+          <a:stretch/>
+        </p:blipFill>
+        <p:spPr>
+          <a:xfrm>
+            <a:off x="18817056" y="27654490"/>
+            <a:ext cx="1257176" cy="1227276"/>
+          </a:xfrm>
+          <a:prstGeom prst="rect">
+            <a:avLst/>
+          </a:prstGeom>
+        </p:spPr>
+      </p:pic>
+      <p:pic>
+        <p:nvPicPr>
+          <p:cNvPr id="78" name="Grafik 77"/>
+          <p:cNvPicPr>
+            <a:picLocks noChangeAspect="1"/>
+          </p:cNvPicPr>
+          <p:nvPr/>
+        </p:nvPicPr>
+        <p:blipFill>
+          <a:blip r:embed="rId33" cstate="print">
+            <a:extLst>
+              <a:ext uri="{28A0092B-C50C-407E-A947-70E740481C1C}">
+                <a14:useLocalDpi xmlns:a14="http://schemas.microsoft.com/office/drawing/2010/main" val="0"/>
+              </a:ext>
+            </a:extLst>
+          </a:blip>
+          <a:stretch>
+            <a:fillRect/>
+          </a:stretch>
+        </p:blipFill>
+        <p:spPr>
+          <a:xfrm>
+            <a:off x="18869571" y="25381330"/>
+            <a:ext cx="1947298" cy="973649"/>
+          </a:xfrm>
+          <a:prstGeom prst="rect">
+            <a:avLst/>
+          </a:prstGeom>
+        </p:spPr>
+      </p:pic>
     </p:spTree>
     <p:extLst>
       <p:ext uri="{BB962C8B-B14F-4D97-AF65-F5344CB8AC3E}">

--- a/FST17_M4_PosterHoch_T04.pptx
+++ b/FST17_M4_PosterHoch_T04.pptx
@@ -1604,7 +1604,7 @@
   <dgm:whole/>
   <dgm:extLst>
     <a:ext uri="http://schemas.microsoft.com/office/drawing/2008/diagram">
-      <dsp:dataModelExt xmlns:dsp="http://schemas.microsoft.com/office/drawing/2008/diagram" relId="rId23" minVer="http://schemas.openxmlformats.org/drawingml/2006/diagram"/>
+      <dsp:dataModelExt xmlns:dsp="http://schemas.microsoft.com/office/drawing/2008/diagram" relId="rId22" minVer="http://schemas.openxmlformats.org/drawingml/2006/diagram"/>
     </a:ext>
     <a:ext uri="{C62137D5-CB1D-491B-B009-E17868A290BF}">
       <dgm14:recolorImg xmlns:dgm14="http://schemas.microsoft.com/office/drawing/2010/diagram" val="1"/>
@@ -7992,7 +7992,7 @@
         </p:nvSpPr>
         <p:spPr>
           <a:xfrm>
-            <a:off x="14409842" y="23969423"/>
+            <a:off x="14450127" y="23909376"/>
             <a:ext cx="6407027" cy="369332"/>
           </a:xfrm>
           <a:prstGeom prst="rect">
@@ -8030,7 +8030,7 @@
         </p:nvSpPr>
         <p:spPr>
           <a:xfrm>
-            <a:off x="14384645" y="24289974"/>
+            <a:off x="14414066" y="24289897"/>
             <a:ext cx="6449278" cy="984885"/>
           </a:xfrm>
           <a:prstGeom prst="rect">
@@ -8974,36 +8974,6 @@
       </p:pic>
       <p:pic>
         <p:nvPicPr>
-          <p:cNvPr id="27" name="Grafik 26"/>
-          <p:cNvPicPr>
-            <a:picLocks noChangeAspect="1"/>
-          </p:cNvPicPr>
-          <p:nvPr/>
-        </p:nvPicPr>
-        <p:blipFill>
-          <a:blip r:embed="rId17" cstate="print">
-            <a:extLst>
-              <a:ext uri="{28A0092B-C50C-407E-A947-70E740481C1C}">
-                <a14:useLocalDpi xmlns:a14="http://schemas.microsoft.com/office/drawing/2010/main" val="0"/>
-              </a:ext>
-            </a:extLst>
-          </a:blip>
-          <a:stretch>
-            <a:fillRect/>
-          </a:stretch>
-        </p:blipFill>
-        <p:spPr>
-          <a:xfrm>
-            <a:off x="14452863" y="18937798"/>
-            <a:ext cx="6398884" cy="5009345"/>
-          </a:xfrm>
-          <a:prstGeom prst="rect">
-            <a:avLst/>
-          </a:prstGeom>
-        </p:spPr>
-      </p:pic>
-      <p:pic>
-        <p:nvPicPr>
           <p:cNvPr id="37" name="Grafik 36"/>
           <p:cNvPicPr>
             <a:picLocks noChangeAspect="1"/>
@@ -9011,7 +8981,7 @@
           <p:nvPr/>
         </p:nvPicPr>
         <p:blipFill>
-          <a:blip r:embed="rId18">
+          <a:blip r:embed="rId17">
             <a:extLst>
               <a:ext uri="{28A0092B-C50C-407E-A947-70E740481C1C}">
                 <a14:useLocalDpi xmlns:a14="http://schemas.microsoft.com/office/drawing/2010/main" val="0"/>
@@ -9050,7 +9020,7 @@
         </p:xfrm>
         <a:graphic>
           <a:graphicData uri="http://schemas.openxmlformats.org/drawingml/2006/diagram">
-            <dgm:relIds xmlns:dgm="http://schemas.openxmlformats.org/drawingml/2006/diagram" xmlns:r="http://schemas.openxmlformats.org/officeDocument/2006/relationships" r:dm="rId19" r:lo="rId20" r:qs="rId21" r:cs="rId22"/>
+            <dgm:relIds xmlns:dgm="http://schemas.openxmlformats.org/drawingml/2006/diagram" xmlns:r="http://schemas.openxmlformats.org/officeDocument/2006/relationships" r:dm="rId18" r:lo="rId19" r:qs="rId20" r:cs="rId21"/>
           </a:graphicData>
         </a:graphic>
       </p:graphicFrame>
@@ -9188,7 +9158,7 @@
           <p:nvPr/>
         </p:nvPicPr>
         <p:blipFill>
-          <a:blip r:embed="rId24" cstate="print">
+          <a:blip r:embed="rId23" cstate="print">
             <a:extLst>
               <a:ext uri="{28A0092B-C50C-407E-A947-70E740481C1C}">
                 <a14:useLocalDpi xmlns:a14="http://schemas.microsoft.com/office/drawing/2010/main" val="0"/>
@@ -9218,7 +9188,7 @@
           <p:nvPr/>
         </p:nvPicPr>
         <p:blipFill>
-          <a:blip r:embed="rId25">
+          <a:blip r:embed="rId24">
             <a:extLst>
               <a:ext uri="{28A0092B-C50C-407E-A947-70E740481C1C}">
                 <a14:useLocalDpi xmlns:a14="http://schemas.microsoft.com/office/drawing/2010/main" val="0"/>
@@ -9248,7 +9218,7 @@
           <p:nvPr/>
         </p:nvPicPr>
         <p:blipFill>
-          <a:blip r:embed="rId26">
+          <a:blip r:embed="rId25">
             <a:extLst>
               <a:ext uri="{28A0092B-C50C-407E-A947-70E740481C1C}">
                 <a14:useLocalDpi xmlns:a14="http://schemas.microsoft.com/office/drawing/2010/main" val="0"/>
@@ -9278,7 +9248,7 @@
           <p:nvPr/>
         </p:nvPicPr>
         <p:blipFill>
-          <a:blip r:embed="rId27">
+          <a:blip r:embed="rId26">
             <a:extLst>
               <a:ext uri="{28A0092B-C50C-407E-A947-70E740481C1C}">
                 <a14:useLocalDpi xmlns:a14="http://schemas.microsoft.com/office/drawing/2010/main" val="0"/>
@@ -9291,7 +9261,7 @@
         </p:blipFill>
         <p:spPr>
           <a:xfrm>
-            <a:off x="18869571" y="26608214"/>
+            <a:off x="18784463" y="26606641"/>
             <a:ext cx="1984523" cy="826885"/>
           </a:xfrm>
           <a:prstGeom prst="rect">
@@ -9308,7 +9278,7 @@
           <p:nvPr/>
         </p:nvPicPr>
         <p:blipFill>
-          <a:blip r:embed="rId28" cstate="print">
+          <a:blip r:embed="rId27" cstate="print">
             <a:extLst>
               <a:ext uri="{28A0092B-C50C-407E-A947-70E740481C1C}">
                 <a14:useLocalDpi xmlns:a14="http://schemas.microsoft.com/office/drawing/2010/main" val="0"/>
@@ -9338,13 +9308,13 @@
           <p:nvPr/>
         </p:nvPicPr>
         <p:blipFill>
-          <a:blip r:embed="rId29" cstate="print">
+          <a:blip r:embed="rId28" cstate="print">
             <a:extLst>
               <a:ext uri="{28A0092B-C50C-407E-A947-70E740481C1C}">
                 <a14:useLocalDpi xmlns:a14="http://schemas.microsoft.com/office/drawing/2010/main" val="0"/>
               </a:ext>
               <a:ext uri="{96DAC541-7B7A-43D3-8B79-37D633B846F1}">
-                <asvg:svgBlip xmlns:asvg="http://schemas.microsoft.com/office/drawing/2016/SVG/main" r:embed="rId30"/>
+                <asvg:svgBlip xmlns:asvg="http://schemas.microsoft.com/office/drawing/2016/SVG/main" r:embed="rId29"/>
               </a:ext>
             </a:extLst>
           </a:blip>
@@ -9354,7 +9324,7 @@
         </p:blipFill>
         <p:spPr>
           <a:xfrm>
-            <a:off x="16210168" y="26694515"/>
+            <a:off x="16213358" y="26695704"/>
             <a:ext cx="2425112" cy="658660"/>
           </a:xfrm>
           <a:prstGeom prst="rect">
@@ -9371,7 +9341,7 @@
           <p:nvPr/>
         </p:nvPicPr>
         <p:blipFill>
-          <a:blip r:embed="rId31">
+          <a:blip r:embed="rId30">
             <a:extLst>
               <a:ext uri="{28A0092B-C50C-407E-A947-70E740481C1C}">
                 <a14:useLocalDpi xmlns:a14="http://schemas.microsoft.com/office/drawing/2010/main" val="0"/>
@@ -9401,7 +9371,7 @@
           <p:nvPr/>
         </p:nvPicPr>
         <p:blipFill rotWithShape="1">
-          <a:blip r:embed="rId32">
+          <a:blip r:embed="rId31">
             <a:extLst>
               <a:ext uri="{28A0092B-C50C-407E-A947-70E740481C1C}">
                 <a14:useLocalDpi xmlns:a14="http://schemas.microsoft.com/office/drawing/2010/main" val="0"/>
@@ -9430,7 +9400,7 @@
           <p:nvPr/>
         </p:nvPicPr>
         <p:blipFill>
-          <a:blip r:embed="rId33" cstate="print">
+          <a:blip r:embed="rId32" cstate="print">
             <a:extLst>
               <a:ext uri="{28A0092B-C50C-407E-A947-70E740481C1C}">
                 <a14:useLocalDpi xmlns:a14="http://schemas.microsoft.com/office/drawing/2010/main" val="0"/>
@@ -9445,6 +9415,36 @@
           <a:xfrm>
             <a:off x="18869571" y="25381330"/>
             <a:ext cx="1947298" cy="973649"/>
+          </a:xfrm>
+          <a:prstGeom prst="rect">
+            <a:avLst/>
+          </a:prstGeom>
+        </p:spPr>
+      </p:pic>
+      <p:pic>
+        <p:nvPicPr>
+          <p:cNvPr id="59" name="Grafik 58"/>
+          <p:cNvPicPr>
+            <a:picLocks noChangeAspect="1"/>
+          </p:cNvPicPr>
+          <p:nvPr/>
+        </p:nvPicPr>
+        <p:blipFill>
+          <a:blip r:embed="rId33" cstate="print">
+            <a:extLst>
+              <a:ext uri="{28A0092B-C50C-407E-A947-70E740481C1C}">
+                <a14:useLocalDpi xmlns:a14="http://schemas.microsoft.com/office/drawing/2010/main" val="0"/>
+              </a:ext>
+            </a:extLst>
+          </a:blip>
+          <a:stretch>
+            <a:fillRect/>
+          </a:stretch>
+        </p:blipFill>
+        <p:spPr>
+          <a:xfrm>
+            <a:off x="14449582" y="18937798"/>
+            <a:ext cx="6319404" cy="4947124"/>
           </a:xfrm>
           <a:prstGeom prst="rect">
             <a:avLst/>
